--- a/doc/CDISC_COSA_webinar_20231005_dataset-json_SAS.pptx
+++ b/doc/CDISC_COSA_webinar_20231005_dataset-json_SAS.pptx
@@ -5,7 +5,7 @@
     <p:sldMasterId id="2147483674" r:id="rId1"/>
   </p:sldMasterIdLst>
   <p:notesMasterIdLst>
-    <p:notesMasterId r:id="rId40"/>
+    <p:notesMasterId r:id="rId43"/>
   </p:notesMasterIdLst>
   <p:sldIdLst>
     <p:sldId id="256" r:id="rId2"/>
@@ -42,10 +42,13 @@
     <p:sldId id="1001" r:id="rId33"/>
     <p:sldId id="280" r:id="rId34"/>
     <p:sldId id="800" r:id="rId35"/>
-    <p:sldId id="999" r:id="rId36"/>
-    <p:sldId id="997" r:id="rId37"/>
-    <p:sldId id="833" r:id="rId38"/>
-    <p:sldId id="274" r:id="rId39"/>
+    <p:sldId id="1002" r:id="rId36"/>
+    <p:sldId id="1003" r:id="rId37"/>
+    <p:sldId id="1004" r:id="rId38"/>
+    <p:sldId id="999" r:id="rId39"/>
+    <p:sldId id="997" r:id="rId40"/>
+    <p:sldId id="833" r:id="rId41"/>
+    <p:sldId id="274" r:id="rId42"/>
   </p:sldIdLst>
   <p:sldSz cx="9144000" cy="5143500" type="screen16x9"/>
   <p:notesSz cx="6858000" cy="9144000"/>
@@ -1789,7 +1792,7 @@
           <a:p>
             <a:fld id="{84E17163-B04C-C34A-8000-FDF58C3633A6}" type="slidenum">
               <a:rPr lang="en-US" smtClean="0"/>
-              <a:t>37</a:t>
+              <a:t>40</a:t>
             </a:fld>
             <a:endParaRPr lang="en-US" dirty="0"/>
           </a:p>
@@ -16536,7 +16539,7 @@
         </p:nvSpPr>
         <p:spPr>
           <a:xfrm>
-            <a:off x="2019868" y="811013"/>
+            <a:off x="2068431" y="686322"/>
             <a:ext cx="6312089" cy="4020294"/>
           </a:xfrm>
         </p:spPr>
@@ -16588,7 +16591,7 @@
                 </a:solidFill>
                 <a:latin typeface="Consolas" panose="020B0609020204030204" pitchFamily="49" charset="0"/>
               </a:rPr>
-              <a:t>    dataset=                   </a:t>
+              <a:t>    dataset=                    </a:t>
             </a:r>
             <a:r>
               <a:rPr lang="en-US" sz="1200" b="0" i="0" dirty="0">
@@ -16617,7 +16620,7 @@
                 </a:solidFill>
                 <a:latin typeface="Consolas" panose="020B0609020204030204" pitchFamily="49" charset="0"/>
               </a:rPr>
-              <a:t>    xptpath=,                  </a:t>
+              <a:t>    xptpath=,                   </a:t>
             </a:r>
             <a:r>
               <a:rPr lang="en-US" sz="1200" b="0" i="0" dirty="0">
@@ -16646,7 +16649,7 @@
                 </a:solidFill>
                 <a:latin typeface="Consolas" panose="020B0609020204030204" pitchFamily="49" charset="0"/>
               </a:rPr>
-              <a:t>    jsonpath=,                 </a:t>
+              <a:t>    jsonpath=,                  </a:t>
             </a:r>
             <a:r>
               <a:rPr lang="en-US" sz="1200" b="0" i="0" dirty="0">
@@ -16678,7 +16681,7 @@
                 </a:solidFill>
                 <a:latin typeface="Consolas" panose="020B0609020204030204" pitchFamily="49" charset="0"/>
               </a:rPr>
-              <a:t>    usemetadata=N,             </a:t>
+              <a:t>    usemetadata=N,              </a:t>
             </a:r>
             <a:r>
               <a:rPr lang="en-US" sz="1200" b="0" i="0" dirty="0">
@@ -16707,7 +16710,7 @@
                 </a:solidFill>
                 <a:latin typeface="Consolas" panose="020B0609020204030204" pitchFamily="49" charset="0"/>
               </a:rPr>
-              <a:t>    metadatalib=,              </a:t>
+              <a:t>    metadatalib=,               </a:t>
             </a:r>
             <a:r>
               <a:rPr lang="pt-BR" sz="1200" b="0" i="0" dirty="0">
@@ -16718,25 +16721,65 @@
               </a:rPr>
               <a:t>/* Define-XML metadata library        */</a:t>
             </a:r>
-            <a:endParaRPr lang="pt-BR" sz="1200" b="0" i="0" dirty="0">
-              <a:solidFill>
-                <a:srgbClr val="000000"/>
-              </a:solidFill>
-              <a:latin typeface="Consolas" panose="020B0609020204030204" pitchFamily="49" charset="0"/>
-            </a:endParaRPr>
           </a:p>
           <a:p>
             <a:pPr marL="0" indent="0">
               <a:buNone/>
             </a:pPr>
             <a:r>
+              <a:rPr lang="pt-BR" sz="1200" dirty="0">
+                <a:solidFill>
+                  <a:srgbClr val="008000"/>
+                </a:solidFill>
+                <a:latin typeface="Consolas" panose="020B0609020204030204" pitchFamily="49" charset="0"/>
+              </a:rPr>
+              <a:t>    </a:t>
+            </a:r>
+            <a:r>
+              <a:rPr lang="pt-BR" sz="1200" dirty="0">
+                <a:solidFill>
+                  <a:srgbClr val="000000"/>
+                </a:solidFill>
+                <a:latin typeface="Consolas" panose="020B0609020204030204" pitchFamily="49" charset="0"/>
+              </a:rPr>
+              <a:t>datasetJSONVersion=1.0.0,</a:t>
+            </a:r>
+          </a:p>
+          <a:p>
+            <a:pPr marL="0" indent="0">
+              <a:buNone/>
+            </a:pPr>
+            <a:r>
               <a:rPr lang="en-US" sz="1200" b="0" i="0" dirty="0">
                 <a:solidFill>
                   <a:srgbClr val="000000"/>
                 </a:solidFill>
                 <a:latin typeface="Consolas" panose="020B0609020204030204" pitchFamily="49" charset="0"/>
               </a:rPr>
-              <a:t>    fileOID=,</a:t>
+              <a:t>    fileOID=, </a:t>
+            </a:r>
+          </a:p>
+          <a:p>
+            <a:pPr marL="0" indent="0">
+              <a:buNone/>
+            </a:pPr>
+            <a:r>
+              <a:rPr lang="en-US" sz="1200" dirty="0">
+                <a:solidFill>
+                  <a:srgbClr val="000000"/>
+                </a:solidFill>
+                <a:latin typeface="Consolas" panose="020B0609020204030204" pitchFamily="49" charset="0"/>
+              </a:rPr>
+              <a:t>    </a:t>
+            </a:r>
+            <a:r>
+              <a:rPr lang="en-US" sz="1200" b="0" i="0" dirty="0">
+                <a:solidFill>
+                  <a:srgbClr val="000000"/>
+                </a:solidFill>
+                <a:latin typeface="Consolas" panose="020B0609020204030204" pitchFamily="49" charset="0"/>
+              </a:rPr>
+              <a:t>asOfDateTime=,</a:t>
             </a:r>
           </a:p>
           <a:p>
@@ -16983,10 +17026,10 @@
       </p:sp>
       <p:pic>
         <p:nvPicPr>
-          <p:cNvPr id="5" name="Picture 4">
+          <p:cNvPr id="8" name="Picture 7">
             <a:extLst>
               <a:ext uri="{FF2B5EF4-FFF2-40B4-BE49-F238E27FC236}">
-                <a16:creationId xmlns:a16="http://schemas.microsoft.com/office/drawing/2014/main" id="{60C89201-5FA9-8B67-6BCC-685A4E6ACC65}"/>
+                <a16:creationId xmlns:a16="http://schemas.microsoft.com/office/drawing/2014/main" id="{A0D07DB4-0179-6A35-6BA6-F50565BB386C}"/>
               </a:ext>
             </a:extLst>
           </p:cNvPr>
@@ -17003,8 +17046,8 @@
         </p:blipFill>
         <p:spPr>
           <a:xfrm>
-            <a:off x="1875758" y="994172"/>
-            <a:ext cx="6504762" cy="3942857"/>
+            <a:off x="1002092" y="751423"/>
+            <a:ext cx="6894999" cy="3724306"/>
           </a:xfrm>
           <a:prstGeom prst="rect">
             <a:avLst/>
@@ -20506,10 +20549,10 @@
       </p:sp>
       <p:pic>
         <p:nvPicPr>
-          <p:cNvPr id="5" name="Picture 4">
+          <p:cNvPr id="6" name="Picture 5">
             <a:extLst>
               <a:ext uri="{FF2B5EF4-FFF2-40B4-BE49-F238E27FC236}">
-                <a16:creationId xmlns:a16="http://schemas.microsoft.com/office/drawing/2014/main" id="{2F055CDF-DDB8-91F8-E07C-DC8BF99EBE60}"/>
+                <a16:creationId xmlns:a16="http://schemas.microsoft.com/office/drawing/2014/main" id="{1E9AEDCB-6A1A-1DED-4D2D-D1ED1F6AD940}"/>
               </a:ext>
             </a:extLst>
           </p:cNvPr>
@@ -20526,8 +20569,38 @@
         </p:blipFill>
         <p:spPr>
           <a:xfrm>
-            <a:off x="1751949" y="751804"/>
-            <a:ext cx="6628571" cy="4152381"/>
+            <a:off x="1009759" y="791598"/>
+            <a:ext cx="3783025" cy="1960391"/>
+          </a:xfrm>
+          <a:prstGeom prst="rect">
+            <a:avLst/>
+          </a:prstGeom>
+        </p:spPr>
+      </p:pic>
+      <p:pic>
+        <p:nvPicPr>
+          <p:cNvPr id="7" name="Picture 6">
+            <a:extLst>
+              <a:ext uri="{FF2B5EF4-FFF2-40B4-BE49-F238E27FC236}">
+                <a16:creationId xmlns:a16="http://schemas.microsoft.com/office/drawing/2014/main" id="{CE1FD599-0857-1B60-D22C-25A05F4ECFFD}"/>
+              </a:ext>
+            </a:extLst>
+          </p:cNvPr>
+          <p:cNvPicPr>
+            <a:picLocks noChangeAspect="1"/>
+          </p:cNvPicPr>
+          <p:nvPr/>
+        </p:nvPicPr>
+        <p:blipFill>
+          <a:blip r:embed="rId3"/>
+          <a:stretch>
+            <a:fillRect/>
+          </a:stretch>
+        </p:blipFill>
+        <p:spPr>
+          <a:xfrm>
+            <a:off x="3879720" y="2673869"/>
+            <a:ext cx="3798917" cy="1960390"/>
           </a:xfrm>
           <a:prstGeom prst="rect">
             <a:avLst/>
@@ -20627,7 +20700,7 @@
           <p:cNvPr id="2" name="Title 1">
             <a:extLst>
               <a:ext uri="{FF2B5EF4-FFF2-40B4-BE49-F238E27FC236}">
-                <a16:creationId xmlns:a16="http://schemas.microsoft.com/office/drawing/2014/main" id="{EE8D9AE8-0E1B-2740-A95B-81DDAC2FCFA7}"/>
+                <a16:creationId xmlns:a16="http://schemas.microsoft.com/office/drawing/2014/main" id="{94FD4EFC-D48A-DA3F-61E2-FA850FA6542E}"/>
               </a:ext>
             </a:extLst>
           </p:cNvPr>
@@ -20645,15 +20718,114 @@
           <a:p>
             <a:r>
               <a:rPr lang="en-US" dirty="0"/>
-              <a:t>Demo</a:t>
+              <a:t>Comparing JSON files</a:t>
             </a:r>
           </a:p>
         </p:txBody>
       </p:sp>
+      <p:sp>
+        <p:nvSpPr>
+          <p:cNvPr id="4" name="Slide Number Placeholder 3">
+            <a:extLst>
+              <a:ext uri="{FF2B5EF4-FFF2-40B4-BE49-F238E27FC236}">
+                <a16:creationId xmlns:a16="http://schemas.microsoft.com/office/drawing/2014/main" id="{6041F5D2-0822-CEBB-241C-9E51B349A05C}"/>
+              </a:ext>
+            </a:extLst>
+          </p:cNvPr>
+          <p:cNvSpPr>
+            <a:spLocks noGrp="1"/>
+          </p:cNvSpPr>
+          <p:nvPr>
+            <p:ph type="sldNum" sz="quarter" idx="12"/>
+          </p:nvPr>
+        </p:nvSpPr>
+        <p:spPr/>
+        <p:txBody>
+          <a:bodyPr/>
+          <a:lstStyle/>
+          <a:p>
+            <a:fld id="{EB4FF9C4-EEBF-D24D-8A4E-C0B9CCE3F975}" type="slidenum">
+              <a:rPr lang="en-US" smtClean="0"/>
+              <a:t>35</a:t>
+            </a:fld>
+            <a:endParaRPr lang="en-US" dirty="0"/>
+          </a:p>
+        </p:txBody>
+      </p:sp>
+      <p:sp>
+        <p:nvSpPr>
+          <p:cNvPr id="6" name="Content Placeholder 5">
+            <a:extLst>
+              <a:ext uri="{FF2B5EF4-FFF2-40B4-BE49-F238E27FC236}">
+                <a16:creationId xmlns:a16="http://schemas.microsoft.com/office/drawing/2014/main" id="{E4C8D7BD-A798-BDB5-4EF1-6262A623F571}"/>
+              </a:ext>
+            </a:extLst>
+          </p:cNvPr>
+          <p:cNvSpPr>
+            <a:spLocks noGrp="1"/>
+          </p:cNvSpPr>
+          <p:nvPr>
+            <p:ph idx="1"/>
+          </p:nvPr>
+        </p:nvSpPr>
+        <p:spPr>
+          <a:xfrm>
+            <a:off x="800100" y="886807"/>
+            <a:ext cx="7886700" cy="3521473"/>
+          </a:xfrm>
+        </p:spPr>
+        <p:txBody>
+          <a:bodyPr/>
+          <a:lstStyle/>
+          <a:p>
+            <a:pPr marL="0" indent="0">
+              <a:buNone/>
+            </a:pPr>
+            <a:r>
+              <a:rPr lang="en-US" dirty="0" err="1"/>
+              <a:t>WinMerge</a:t>
+            </a:r>
+            <a:r>
+              <a:rPr lang="en-US" dirty="0"/>
+              <a:t> (https://winmerge.org/) can compare JSON files in 'pretty' mode</a:t>
+            </a:r>
+          </a:p>
+        </p:txBody>
+      </p:sp>
+      <p:pic>
+        <p:nvPicPr>
+          <p:cNvPr id="8" name="Picture 7">
+            <a:extLst>
+              <a:ext uri="{FF2B5EF4-FFF2-40B4-BE49-F238E27FC236}">
+                <a16:creationId xmlns:a16="http://schemas.microsoft.com/office/drawing/2014/main" id="{A1B53C0E-3CBC-8552-B863-00347C926855}"/>
+              </a:ext>
+            </a:extLst>
+          </p:cNvPr>
+          <p:cNvPicPr>
+            <a:picLocks noChangeAspect="1"/>
+          </p:cNvPicPr>
+          <p:nvPr/>
+        </p:nvPicPr>
+        <p:blipFill>
+          <a:blip r:embed="rId2"/>
+          <a:stretch>
+            <a:fillRect/>
+          </a:stretch>
+        </p:blipFill>
+        <p:spPr>
+          <a:xfrm>
+            <a:off x="2165466" y="1253744"/>
+            <a:ext cx="6639993" cy="3650441"/>
+          </a:xfrm>
+          <a:prstGeom prst="rect">
+            <a:avLst/>
+          </a:prstGeom>
+        </p:spPr>
+      </p:pic>
     </p:spTree>
     <p:extLst>
       <p:ext uri="{BB962C8B-B14F-4D97-AF65-F5344CB8AC3E}">
-        <p14:creationId xmlns:p14="http://schemas.microsoft.com/office/powerpoint/2010/main" val="190324516"/>
+        <p14:creationId xmlns:p14="http://schemas.microsoft.com/office/powerpoint/2010/main" val="1955289123"/>
       </p:ext>
     </p:extLst>
   </p:cSld>
@@ -20664,6 +20836,768 @@
 </file>
 
 <file path=ppt/slides/slide36.xml><?xml version="1.0" encoding="utf-8"?>
+<p:sld xmlns:a="http://schemas.openxmlformats.org/drawingml/2006/main" xmlns:r="http://schemas.openxmlformats.org/officeDocument/2006/relationships" xmlns:p="http://schemas.openxmlformats.org/presentationml/2006/main">
+  <p:cSld>
+    <p:spTree>
+      <p:nvGrpSpPr>
+        <p:cNvPr id="1" name=""/>
+        <p:cNvGrpSpPr/>
+        <p:nvPr/>
+      </p:nvGrpSpPr>
+      <p:grpSpPr>
+        <a:xfrm>
+          <a:off x="0" y="0"/>
+          <a:ext cx="0" cy="0"/>
+          <a:chOff x="0" y="0"/>
+          <a:chExt cx="0" cy="0"/>
+        </a:xfrm>
+      </p:grpSpPr>
+      <p:sp>
+        <p:nvSpPr>
+          <p:cNvPr id="2" name="Title 1">
+            <a:extLst>
+              <a:ext uri="{FF2B5EF4-FFF2-40B4-BE49-F238E27FC236}">
+                <a16:creationId xmlns:a16="http://schemas.microsoft.com/office/drawing/2014/main" id="{94FD4EFC-D48A-DA3F-61E2-FA850FA6542E}"/>
+              </a:ext>
+            </a:extLst>
+          </p:cNvPr>
+          <p:cNvSpPr>
+            <a:spLocks noGrp="1"/>
+          </p:cNvSpPr>
+          <p:nvPr>
+            <p:ph type="title"/>
+          </p:nvPr>
+        </p:nvSpPr>
+        <p:spPr/>
+        <p:txBody>
+          <a:bodyPr/>
+          <a:lstStyle/>
+          <a:p>
+            <a:r>
+              <a:rPr lang="en-US" dirty="0"/>
+              <a:t>Comparing SAS datasets</a:t>
+            </a:r>
+          </a:p>
+        </p:txBody>
+      </p:sp>
+      <p:sp>
+        <p:nvSpPr>
+          <p:cNvPr id="4" name="Slide Number Placeholder 3">
+            <a:extLst>
+              <a:ext uri="{FF2B5EF4-FFF2-40B4-BE49-F238E27FC236}">
+                <a16:creationId xmlns:a16="http://schemas.microsoft.com/office/drawing/2014/main" id="{6041F5D2-0822-CEBB-241C-9E51B349A05C}"/>
+              </a:ext>
+            </a:extLst>
+          </p:cNvPr>
+          <p:cNvSpPr>
+            <a:spLocks noGrp="1"/>
+          </p:cNvSpPr>
+          <p:nvPr>
+            <p:ph type="sldNum" sz="quarter" idx="12"/>
+          </p:nvPr>
+        </p:nvSpPr>
+        <p:spPr/>
+        <p:txBody>
+          <a:bodyPr/>
+          <a:lstStyle/>
+          <a:p>
+            <a:fld id="{EB4FF9C4-EEBF-D24D-8A4E-C0B9CCE3F975}" type="slidenum">
+              <a:rPr lang="en-US" smtClean="0"/>
+              <a:t>36</a:t>
+            </a:fld>
+            <a:endParaRPr lang="en-US" dirty="0"/>
+          </a:p>
+        </p:txBody>
+      </p:sp>
+      <p:sp>
+        <p:nvSpPr>
+          <p:cNvPr id="6" name="Content Placeholder 5">
+            <a:extLst>
+              <a:ext uri="{FF2B5EF4-FFF2-40B4-BE49-F238E27FC236}">
+                <a16:creationId xmlns:a16="http://schemas.microsoft.com/office/drawing/2014/main" id="{E4C8D7BD-A798-BDB5-4EF1-6262A623F571}"/>
+              </a:ext>
+            </a:extLst>
+          </p:cNvPr>
+          <p:cNvSpPr>
+            <a:spLocks noGrp="1"/>
+          </p:cNvSpPr>
+          <p:nvPr>
+            <p:ph idx="1"/>
+          </p:nvPr>
+        </p:nvSpPr>
+        <p:spPr>
+          <a:xfrm>
+            <a:off x="800100" y="886807"/>
+            <a:ext cx="7886700" cy="3521473"/>
+          </a:xfrm>
+        </p:spPr>
+        <p:txBody>
+          <a:bodyPr>
+            <a:normAutofit/>
+          </a:bodyPr>
+          <a:lstStyle/>
+          <a:p>
+            <a:pPr marL="0" indent="0">
+              <a:buNone/>
+            </a:pPr>
+            <a:r>
+              <a:rPr lang="en-US" dirty="0"/>
+              <a:t>PROC COMPARE</a:t>
+            </a:r>
+          </a:p>
+          <a:p>
+            <a:pPr marL="0" indent="0">
+              <a:buNone/>
+            </a:pPr>
+            <a:endParaRPr lang="en-US" dirty="0"/>
+          </a:p>
+          <a:p>
+            <a:pPr marL="0" indent="0">
+              <a:buNone/>
+            </a:pPr>
+            <a:r>
+              <a:rPr lang="en-US" sz="1400" b="1" dirty="0">
+                <a:solidFill>
+                  <a:srgbClr val="000080"/>
+                </a:solidFill>
+                <a:latin typeface="Consolas" panose="020B0609020204030204" pitchFamily="49" charset="0"/>
+              </a:rPr>
+              <a:t>%macro</a:t>
+            </a:r>
+            <a:r>
+              <a:rPr lang="en-US" sz="1400" b="0" dirty="0">
+                <a:solidFill>
+                  <a:srgbClr val="000000"/>
+                </a:solidFill>
+                <a:latin typeface="Consolas" panose="020B0609020204030204" pitchFamily="49" charset="0"/>
+              </a:rPr>
+              <a:t> </a:t>
+            </a:r>
+            <a:r>
+              <a:rPr lang="en-US" sz="1400" b="0" dirty="0" err="1">
+                <a:solidFill>
+                  <a:srgbClr val="000000"/>
+                </a:solidFill>
+                <a:latin typeface="Consolas" panose="020B0609020204030204" pitchFamily="49" charset="0"/>
+              </a:rPr>
+              <a:t>utl_comparedata</a:t>
+            </a:r>
+            <a:r>
+              <a:rPr lang="en-US" sz="1400" b="0" dirty="0">
+                <a:solidFill>
+                  <a:srgbClr val="000000"/>
+                </a:solidFill>
+                <a:latin typeface="Consolas" panose="020B0609020204030204" pitchFamily="49" charset="0"/>
+              </a:rPr>
+              <a:t>(</a:t>
+            </a:r>
+          </a:p>
+          <a:p>
+            <a:pPr marL="0" indent="0">
+              <a:buNone/>
+            </a:pPr>
+            <a:r>
+              <a:rPr lang="en-US" sz="1400" b="0" dirty="0">
+                <a:solidFill>
+                  <a:srgbClr val="000000"/>
+                </a:solidFill>
+                <a:latin typeface="Consolas" panose="020B0609020204030204" pitchFamily="49" charset="0"/>
+              </a:rPr>
+              <a:t>  </a:t>
+            </a:r>
+            <a:r>
+              <a:rPr lang="en-US" sz="1400" b="0" dirty="0" err="1">
+                <a:solidFill>
+                  <a:srgbClr val="000000"/>
+                </a:solidFill>
+                <a:latin typeface="Consolas" panose="020B0609020204030204" pitchFamily="49" charset="0"/>
+              </a:rPr>
+              <a:t>baselib</a:t>
+            </a:r>
+            <a:r>
+              <a:rPr lang="en-US" sz="1400" b="0" dirty="0">
+                <a:solidFill>
+                  <a:srgbClr val="000000"/>
+                </a:solidFill>
+                <a:latin typeface="Consolas" panose="020B0609020204030204" pitchFamily="49" charset="0"/>
+              </a:rPr>
+              <a:t>=, </a:t>
+            </a:r>
+          </a:p>
+          <a:p>
+            <a:pPr marL="0" indent="0">
+              <a:buNone/>
+            </a:pPr>
+            <a:r>
+              <a:rPr lang="en-US" sz="1400" b="0" dirty="0">
+                <a:solidFill>
+                  <a:srgbClr val="000000"/>
+                </a:solidFill>
+                <a:latin typeface="Consolas" panose="020B0609020204030204" pitchFamily="49" charset="0"/>
+              </a:rPr>
+              <a:t>  </a:t>
+            </a:r>
+            <a:r>
+              <a:rPr lang="en-US" sz="1400" b="0" dirty="0" err="1">
+                <a:solidFill>
+                  <a:srgbClr val="000000"/>
+                </a:solidFill>
+                <a:latin typeface="Consolas" panose="020B0609020204030204" pitchFamily="49" charset="0"/>
+              </a:rPr>
+              <a:t>complib</a:t>
+            </a:r>
+            <a:r>
+              <a:rPr lang="en-US" sz="1400" b="0" dirty="0">
+                <a:solidFill>
+                  <a:srgbClr val="000000"/>
+                </a:solidFill>
+                <a:latin typeface="Consolas" panose="020B0609020204030204" pitchFamily="49" charset="0"/>
+              </a:rPr>
+              <a:t>=, </a:t>
+            </a:r>
+          </a:p>
+          <a:p>
+            <a:pPr marL="0" indent="0">
+              <a:buNone/>
+            </a:pPr>
+            <a:r>
+              <a:rPr lang="en-US" sz="1400" b="0" dirty="0">
+                <a:solidFill>
+                  <a:srgbClr val="000000"/>
+                </a:solidFill>
+                <a:latin typeface="Consolas" panose="020B0609020204030204" pitchFamily="49" charset="0"/>
+              </a:rPr>
+              <a:t>  </a:t>
+            </a:r>
+            <a:r>
+              <a:rPr lang="en-US" sz="1400" b="0" dirty="0" err="1">
+                <a:solidFill>
+                  <a:srgbClr val="000000"/>
+                </a:solidFill>
+                <a:latin typeface="Consolas" panose="020B0609020204030204" pitchFamily="49" charset="0"/>
+              </a:rPr>
+              <a:t>dsname</a:t>
+            </a:r>
+            <a:r>
+              <a:rPr lang="en-US" sz="1400" b="0" dirty="0">
+                <a:solidFill>
+                  <a:srgbClr val="000000"/>
+                </a:solidFill>
+                <a:latin typeface="Consolas" panose="020B0609020204030204" pitchFamily="49" charset="0"/>
+              </a:rPr>
+              <a:t>=, </a:t>
+            </a:r>
+          </a:p>
+          <a:p>
+            <a:pPr marL="0" indent="0">
+              <a:buNone/>
+            </a:pPr>
+            <a:r>
+              <a:rPr lang="en-US" sz="1400" b="0" dirty="0">
+                <a:solidFill>
+                  <a:srgbClr val="000000"/>
+                </a:solidFill>
+                <a:latin typeface="Consolas" panose="020B0609020204030204" pitchFamily="49" charset="0"/>
+              </a:rPr>
+              <a:t>  </a:t>
+            </a:r>
+            <a:r>
+              <a:rPr lang="en-US" sz="1400" b="0" dirty="0" err="1">
+                <a:solidFill>
+                  <a:srgbClr val="000000"/>
+                </a:solidFill>
+                <a:latin typeface="Consolas" panose="020B0609020204030204" pitchFamily="49" charset="0"/>
+              </a:rPr>
+              <a:t>compareoptions</a:t>
+            </a:r>
+            <a:r>
+              <a:rPr lang="en-US" sz="1400" b="0" dirty="0">
+                <a:solidFill>
+                  <a:srgbClr val="000000"/>
+                </a:solidFill>
+                <a:latin typeface="Consolas" panose="020B0609020204030204" pitchFamily="49" charset="0"/>
+              </a:rPr>
+              <a:t>=</a:t>
+            </a:r>
+            <a:r>
+              <a:rPr lang="en-US" sz="1400" b="0" dirty="0">
+                <a:solidFill>
+                  <a:srgbClr val="0000FF"/>
+                </a:solidFill>
+                <a:latin typeface="Consolas" panose="020B0609020204030204" pitchFamily="49" charset="0"/>
+              </a:rPr>
+              <a:t>%str</a:t>
+            </a:r>
+            <a:r>
+              <a:rPr lang="en-US" sz="1400" b="0" dirty="0">
+                <a:solidFill>
+                  <a:srgbClr val="000000"/>
+                </a:solidFill>
+                <a:latin typeface="Consolas" panose="020B0609020204030204" pitchFamily="49" charset="0"/>
+              </a:rPr>
+              <a:t>(</a:t>
+            </a:r>
+            <a:r>
+              <a:rPr lang="en-US" sz="1400" b="0" dirty="0" err="1">
+                <a:solidFill>
+                  <a:srgbClr val="000000"/>
+                </a:solidFill>
+                <a:latin typeface="Consolas" panose="020B0609020204030204" pitchFamily="49" charset="0"/>
+              </a:rPr>
+              <a:t>listall</a:t>
+            </a:r>
+            <a:r>
+              <a:rPr lang="en-US" sz="1400" b="0" dirty="0">
+                <a:solidFill>
+                  <a:srgbClr val="000000"/>
+                </a:solidFill>
+                <a:latin typeface="Consolas" panose="020B0609020204030204" pitchFamily="49" charset="0"/>
+              </a:rPr>
+              <a:t> criterion=</a:t>
+            </a:r>
+            <a:r>
+              <a:rPr lang="en-US" sz="1400" b="1" dirty="0">
+                <a:solidFill>
+                  <a:srgbClr val="008080"/>
+                </a:solidFill>
+                <a:latin typeface="Consolas" panose="020B0609020204030204" pitchFamily="49" charset="0"/>
+              </a:rPr>
+              <a:t>0.00000001</a:t>
+            </a:r>
+            <a:r>
+              <a:rPr lang="en-US" sz="1400" b="0" dirty="0">
+                <a:solidFill>
+                  <a:srgbClr val="000000"/>
+                </a:solidFill>
+                <a:latin typeface="Consolas" panose="020B0609020204030204" pitchFamily="49" charset="0"/>
+              </a:rPr>
+              <a:t> method=absolute),</a:t>
+            </a:r>
+          </a:p>
+          <a:p>
+            <a:pPr marL="0" indent="0">
+              <a:buNone/>
+            </a:pPr>
+            <a:r>
+              <a:rPr lang="en-US" sz="1400" b="0" dirty="0">
+                <a:solidFill>
+                  <a:srgbClr val="000000"/>
+                </a:solidFill>
+                <a:latin typeface="Consolas" panose="020B0609020204030204" pitchFamily="49" charset="0"/>
+              </a:rPr>
+              <a:t>  </a:t>
+            </a:r>
+            <a:r>
+              <a:rPr lang="en-US" sz="1400" b="0" dirty="0" err="1">
+                <a:solidFill>
+                  <a:srgbClr val="000000"/>
+                </a:solidFill>
+                <a:latin typeface="Consolas" panose="020B0609020204030204" pitchFamily="49" charset="0"/>
+              </a:rPr>
+              <a:t>resultds</a:t>
+            </a:r>
+            <a:r>
+              <a:rPr lang="en-US" sz="1400" b="0" dirty="0">
+                <a:solidFill>
+                  <a:srgbClr val="000000"/>
+                </a:solidFill>
+                <a:latin typeface="Consolas" panose="020B0609020204030204" pitchFamily="49" charset="0"/>
+              </a:rPr>
+              <a:t>=,</a:t>
+            </a:r>
+          </a:p>
+          <a:p>
+            <a:pPr marL="0" indent="0">
+              <a:buNone/>
+            </a:pPr>
+            <a:r>
+              <a:rPr lang="en-US" sz="1400" b="0" dirty="0">
+                <a:solidFill>
+                  <a:srgbClr val="000000"/>
+                </a:solidFill>
+                <a:latin typeface="Consolas" panose="020B0609020204030204" pitchFamily="49" charset="0"/>
+              </a:rPr>
+              <a:t>  </a:t>
+            </a:r>
+            <a:r>
+              <a:rPr lang="en-US" sz="1400" b="0" dirty="0" err="1">
+                <a:solidFill>
+                  <a:srgbClr val="000000"/>
+                </a:solidFill>
+                <a:latin typeface="Consolas" panose="020B0609020204030204" pitchFamily="49" charset="0"/>
+              </a:rPr>
+              <a:t>detailall</a:t>
+            </a:r>
+            <a:r>
+              <a:rPr lang="en-US" sz="1400" b="0" dirty="0">
+                <a:solidFill>
+                  <a:srgbClr val="000000"/>
+                </a:solidFill>
+                <a:latin typeface="Consolas" panose="020B0609020204030204" pitchFamily="49" charset="0"/>
+              </a:rPr>
+              <a:t>=N</a:t>
+            </a:r>
+          </a:p>
+          <a:p>
+            <a:pPr marL="0" indent="0">
+              <a:buNone/>
+            </a:pPr>
+            <a:r>
+              <a:rPr lang="en-US" sz="1400" b="0" dirty="0">
+                <a:solidFill>
+                  <a:srgbClr val="000000"/>
+                </a:solidFill>
+                <a:latin typeface="Consolas" panose="020B0609020204030204" pitchFamily="49" charset="0"/>
+              </a:rPr>
+              <a:t>  );</a:t>
+            </a:r>
+            <a:endParaRPr lang="en-US" sz="1400" dirty="0">
+              <a:latin typeface="Consolas" panose="020B0609020204030204" pitchFamily="49" charset="0"/>
+            </a:endParaRPr>
+          </a:p>
+        </p:txBody>
+      </p:sp>
+    </p:spTree>
+    <p:extLst>
+      <p:ext uri="{BB962C8B-B14F-4D97-AF65-F5344CB8AC3E}">
+        <p14:creationId xmlns:p14="http://schemas.microsoft.com/office/powerpoint/2010/main" val="327093906"/>
+      </p:ext>
+    </p:extLst>
+  </p:cSld>
+  <p:clrMapOvr>
+    <a:masterClrMapping/>
+  </p:clrMapOvr>
+</p:sld>
+</file>
+
+<file path=ppt/slides/slide37.xml><?xml version="1.0" encoding="utf-8"?>
+<p:sld xmlns:a="http://schemas.openxmlformats.org/drawingml/2006/main" xmlns:r="http://schemas.openxmlformats.org/officeDocument/2006/relationships" xmlns:p="http://schemas.openxmlformats.org/presentationml/2006/main">
+  <p:cSld>
+    <p:spTree>
+      <p:nvGrpSpPr>
+        <p:cNvPr id="1" name=""/>
+        <p:cNvGrpSpPr/>
+        <p:nvPr/>
+      </p:nvGrpSpPr>
+      <p:grpSpPr>
+        <a:xfrm>
+          <a:off x="0" y="0"/>
+          <a:ext cx="0" cy="0"/>
+          <a:chOff x="0" y="0"/>
+          <a:chExt cx="0" cy="0"/>
+        </a:xfrm>
+      </p:grpSpPr>
+      <p:pic>
+        <p:nvPicPr>
+          <p:cNvPr id="15" name="Picture 14">
+            <a:extLst>
+              <a:ext uri="{FF2B5EF4-FFF2-40B4-BE49-F238E27FC236}">
+                <a16:creationId xmlns:a16="http://schemas.microsoft.com/office/drawing/2014/main" id="{9476738E-1DBD-D666-734B-AFF27CC72472}"/>
+              </a:ext>
+            </a:extLst>
+          </p:cNvPr>
+          <p:cNvPicPr>
+            <a:picLocks noChangeAspect="1"/>
+          </p:cNvPicPr>
+          <p:nvPr/>
+        </p:nvPicPr>
+        <p:blipFill>
+          <a:blip r:embed="rId2"/>
+          <a:stretch>
+            <a:fillRect/>
+          </a:stretch>
+        </p:blipFill>
+        <p:spPr>
+          <a:xfrm>
+            <a:off x="0" y="562308"/>
+            <a:ext cx="9144000" cy="4088221"/>
+          </a:xfrm>
+          <a:prstGeom prst="rect">
+            <a:avLst/>
+          </a:prstGeom>
+        </p:spPr>
+      </p:pic>
+      <p:sp>
+        <p:nvSpPr>
+          <p:cNvPr id="2" name="Title 1">
+            <a:extLst>
+              <a:ext uri="{FF2B5EF4-FFF2-40B4-BE49-F238E27FC236}">
+                <a16:creationId xmlns:a16="http://schemas.microsoft.com/office/drawing/2014/main" id="{94FD4EFC-D48A-DA3F-61E2-FA850FA6542E}"/>
+              </a:ext>
+            </a:extLst>
+          </p:cNvPr>
+          <p:cNvSpPr>
+            <a:spLocks noGrp="1"/>
+          </p:cNvSpPr>
+          <p:nvPr>
+            <p:ph type="title"/>
+          </p:nvPr>
+        </p:nvSpPr>
+        <p:spPr/>
+        <p:txBody>
+          <a:bodyPr/>
+          <a:lstStyle/>
+          <a:p>
+            <a:r>
+              <a:rPr lang="en-US" dirty="0"/>
+              <a:t>Comparing SAS datasets</a:t>
+            </a:r>
+          </a:p>
+        </p:txBody>
+      </p:sp>
+      <p:sp>
+        <p:nvSpPr>
+          <p:cNvPr id="4" name="Slide Number Placeholder 3">
+            <a:extLst>
+              <a:ext uri="{FF2B5EF4-FFF2-40B4-BE49-F238E27FC236}">
+                <a16:creationId xmlns:a16="http://schemas.microsoft.com/office/drawing/2014/main" id="{6041F5D2-0822-CEBB-241C-9E51B349A05C}"/>
+              </a:ext>
+            </a:extLst>
+          </p:cNvPr>
+          <p:cNvSpPr>
+            <a:spLocks noGrp="1"/>
+          </p:cNvSpPr>
+          <p:nvPr>
+            <p:ph type="sldNum" sz="quarter" idx="12"/>
+          </p:nvPr>
+        </p:nvSpPr>
+        <p:spPr/>
+        <p:txBody>
+          <a:bodyPr/>
+          <a:lstStyle/>
+          <a:p>
+            <a:fld id="{EB4FF9C4-EEBF-D24D-8A4E-C0B9CCE3F975}" type="slidenum">
+              <a:rPr lang="en-US" smtClean="0"/>
+              <a:t>37</a:t>
+            </a:fld>
+            <a:endParaRPr lang="en-US" dirty="0"/>
+          </a:p>
+        </p:txBody>
+      </p:sp>
+      <p:pic>
+        <p:nvPicPr>
+          <p:cNvPr id="12" name="Picture 11">
+            <a:extLst>
+              <a:ext uri="{FF2B5EF4-FFF2-40B4-BE49-F238E27FC236}">
+                <a16:creationId xmlns:a16="http://schemas.microsoft.com/office/drawing/2014/main" id="{04EA9BA7-E4D8-58F6-CD19-E18D6D08B5DC}"/>
+              </a:ext>
+            </a:extLst>
+          </p:cNvPr>
+          <p:cNvPicPr>
+            <a:picLocks noChangeAspect="1"/>
+          </p:cNvPicPr>
+          <p:nvPr/>
+        </p:nvPicPr>
+        <p:blipFill>
+          <a:blip r:embed="rId3"/>
+          <a:stretch>
+            <a:fillRect/>
+          </a:stretch>
+        </p:blipFill>
+        <p:spPr>
+          <a:xfrm>
+            <a:off x="56337" y="149453"/>
+            <a:ext cx="6798839" cy="4877625"/>
+          </a:xfrm>
+          <a:prstGeom prst="rect">
+            <a:avLst/>
+          </a:prstGeom>
+          <a:ln>
+            <a:solidFill>
+              <a:schemeClr val="accent1"/>
+            </a:solidFill>
+          </a:ln>
+        </p:spPr>
+      </p:pic>
+      <p:sp>
+        <p:nvSpPr>
+          <p:cNvPr id="16" name="Rectangle 15">
+            <a:extLst>
+              <a:ext uri="{FF2B5EF4-FFF2-40B4-BE49-F238E27FC236}">
+                <a16:creationId xmlns:a16="http://schemas.microsoft.com/office/drawing/2014/main" id="{9A94960B-0362-B2AA-C8C6-5A0D547FE7F3}"/>
+              </a:ext>
+            </a:extLst>
+          </p:cNvPr>
+          <p:cNvSpPr/>
+          <p:nvPr/>
+        </p:nvSpPr>
+        <p:spPr>
+          <a:xfrm>
+            <a:off x="6864500" y="994172"/>
+            <a:ext cx="2223163" cy="3699170"/>
+          </a:xfrm>
+          <a:prstGeom prst="rect">
+            <a:avLst/>
+          </a:prstGeom>
+          <a:noFill/>
+          <a:ln w="15875">
+            <a:solidFill>
+              <a:srgbClr val="FF0000"/>
+            </a:solidFill>
+          </a:ln>
+        </p:spPr>
+        <p:style>
+          <a:lnRef idx="2">
+            <a:schemeClr val="accent1">
+              <a:shade val="50000"/>
+            </a:schemeClr>
+          </a:lnRef>
+          <a:fillRef idx="1">
+            <a:schemeClr val="accent1"/>
+          </a:fillRef>
+          <a:effectRef idx="0">
+            <a:schemeClr val="accent1"/>
+          </a:effectRef>
+          <a:fontRef idx="minor">
+            <a:schemeClr val="lt1"/>
+          </a:fontRef>
+        </p:style>
+        <p:txBody>
+          <a:bodyPr rtlCol="0" anchor="ctr"/>
+          <a:lstStyle/>
+          <a:p>
+            <a:pPr algn="ctr"/>
+            <a:endParaRPr lang="en-US"/>
+          </a:p>
+        </p:txBody>
+      </p:sp>
+    </p:spTree>
+    <p:extLst>
+      <p:ext uri="{BB962C8B-B14F-4D97-AF65-F5344CB8AC3E}">
+        <p14:creationId xmlns:p14="http://schemas.microsoft.com/office/powerpoint/2010/main" val="3981516137"/>
+      </p:ext>
+    </p:extLst>
+  </p:cSld>
+  <p:clrMapOvr>
+    <a:masterClrMapping/>
+  </p:clrMapOvr>
+  <p:timing>
+    <p:tnLst>
+      <p:par>
+        <p:cTn id="1" dur="indefinite" restart="never" nodeType="tmRoot">
+          <p:childTnLst>
+            <p:seq concurrent="1" nextAc="seek">
+              <p:cTn id="2" dur="indefinite" nodeType="mainSeq">
+                <p:childTnLst>
+                  <p:par>
+                    <p:cTn id="3" fill="hold">
+                      <p:stCondLst>
+                        <p:cond delay="indefinite"/>
+                      </p:stCondLst>
+                      <p:childTnLst>
+                        <p:par>
+                          <p:cTn id="4" fill="hold">
+                            <p:stCondLst>
+                              <p:cond delay="0"/>
+                            </p:stCondLst>
+                            <p:childTnLst>
+                              <p:par>
+                                <p:cTn id="5" presetID="1" presetClass="entr" presetSubtype="0" fill="hold" grpId="0" nodeType="clickEffect">
+                                  <p:stCondLst>
+                                    <p:cond delay="0"/>
+                                  </p:stCondLst>
+                                  <p:childTnLst>
+                                    <p:set>
+                                      <p:cBhvr>
+                                        <p:cTn id="6" dur="1" fill="hold">
+                                          <p:stCondLst>
+                                            <p:cond delay="0"/>
+                                          </p:stCondLst>
+                                        </p:cTn>
+                                        <p:tgtEl>
+                                          <p:spTgt spid="16"/>
+                                        </p:tgtEl>
+                                        <p:attrNameLst>
+                                          <p:attrName>style.visibility</p:attrName>
+                                        </p:attrNameLst>
+                                      </p:cBhvr>
+                                      <p:to>
+                                        <p:strVal val="visible"/>
+                                      </p:to>
+                                    </p:set>
+                                  </p:childTnLst>
+                                </p:cTn>
+                              </p:par>
+                            </p:childTnLst>
+                          </p:cTn>
+                        </p:par>
+                      </p:childTnLst>
+                    </p:cTn>
+                  </p:par>
+                  <p:par>
+                    <p:cTn id="7" fill="hold">
+                      <p:stCondLst>
+                        <p:cond delay="indefinite"/>
+                      </p:stCondLst>
+                      <p:childTnLst>
+                        <p:par>
+                          <p:cTn id="8" fill="hold">
+                            <p:stCondLst>
+                              <p:cond delay="0"/>
+                            </p:stCondLst>
+                            <p:childTnLst>
+                              <p:par>
+                                <p:cTn id="9" presetID="1" presetClass="entr" presetSubtype="0" fill="hold" nodeType="clickEffect">
+                                  <p:stCondLst>
+                                    <p:cond delay="0"/>
+                                  </p:stCondLst>
+                                  <p:childTnLst>
+                                    <p:set>
+                                      <p:cBhvr>
+                                        <p:cTn id="10" dur="1" fill="hold">
+                                          <p:stCondLst>
+                                            <p:cond delay="0"/>
+                                          </p:stCondLst>
+                                        </p:cTn>
+                                        <p:tgtEl>
+                                          <p:spTgt spid="12"/>
+                                        </p:tgtEl>
+                                        <p:attrNameLst>
+                                          <p:attrName>style.visibility</p:attrName>
+                                        </p:attrNameLst>
+                                      </p:cBhvr>
+                                      <p:to>
+                                        <p:strVal val="visible"/>
+                                      </p:to>
+                                    </p:set>
+                                  </p:childTnLst>
+                                </p:cTn>
+                              </p:par>
+                            </p:childTnLst>
+                          </p:cTn>
+                        </p:par>
+                      </p:childTnLst>
+                    </p:cTn>
+                  </p:par>
+                </p:childTnLst>
+              </p:cTn>
+              <p:prevCondLst>
+                <p:cond evt="onPrev" delay="0">
+                  <p:tgtEl>
+                    <p:sldTgt/>
+                  </p:tgtEl>
+                </p:cond>
+              </p:prevCondLst>
+              <p:nextCondLst>
+                <p:cond evt="onNext" delay="0">
+                  <p:tgtEl>
+                    <p:sldTgt/>
+                  </p:tgtEl>
+                </p:cond>
+              </p:nextCondLst>
+            </p:seq>
+          </p:childTnLst>
+        </p:cTn>
+      </p:par>
+    </p:tnLst>
+    <p:bldLst>
+      <p:bldP spid="16" grpId="0" animBg="1"/>
+    </p:bldLst>
+  </p:timing>
+</p:sld>
+</file>
+
+<file path=ppt/slides/slide38.xml><?xml version="1.0" encoding="utf-8"?>
 <p:sld xmlns:a="http://schemas.openxmlformats.org/drawingml/2006/main" xmlns:r="http://schemas.openxmlformats.org/officeDocument/2006/relationships" xmlns:p="http://schemas.openxmlformats.org/presentationml/2006/main">
   <p:cSld>
     <p:spTree>
@@ -20703,6 +21637,64 @@
           <a:p>
             <a:r>
               <a:rPr lang="en-US" dirty="0"/>
+              <a:t>Demo</a:t>
+            </a:r>
+          </a:p>
+        </p:txBody>
+      </p:sp>
+    </p:spTree>
+    <p:extLst>
+      <p:ext uri="{BB962C8B-B14F-4D97-AF65-F5344CB8AC3E}">
+        <p14:creationId xmlns:p14="http://schemas.microsoft.com/office/powerpoint/2010/main" val="190324516"/>
+      </p:ext>
+    </p:extLst>
+  </p:cSld>
+  <p:clrMapOvr>
+    <a:masterClrMapping/>
+  </p:clrMapOvr>
+</p:sld>
+</file>
+
+<file path=ppt/slides/slide39.xml><?xml version="1.0" encoding="utf-8"?>
+<p:sld xmlns:a="http://schemas.openxmlformats.org/drawingml/2006/main" xmlns:r="http://schemas.openxmlformats.org/officeDocument/2006/relationships" xmlns:p="http://schemas.openxmlformats.org/presentationml/2006/main">
+  <p:cSld>
+    <p:spTree>
+      <p:nvGrpSpPr>
+        <p:cNvPr id="1" name=""/>
+        <p:cNvGrpSpPr/>
+        <p:nvPr/>
+      </p:nvGrpSpPr>
+      <p:grpSpPr>
+        <a:xfrm>
+          <a:off x="0" y="0"/>
+          <a:ext cx="0" cy="0"/>
+          <a:chOff x="0" y="0"/>
+          <a:chExt cx="0" cy="0"/>
+        </a:xfrm>
+      </p:grpSpPr>
+      <p:sp>
+        <p:nvSpPr>
+          <p:cNvPr id="2" name="Title 1">
+            <a:extLst>
+              <a:ext uri="{FF2B5EF4-FFF2-40B4-BE49-F238E27FC236}">
+                <a16:creationId xmlns:a16="http://schemas.microsoft.com/office/drawing/2014/main" id="{EE8D9AE8-0E1B-2740-A95B-81DDAC2FCFA7}"/>
+              </a:ext>
+            </a:extLst>
+          </p:cNvPr>
+          <p:cNvSpPr>
+            <a:spLocks noGrp="1"/>
+          </p:cNvSpPr>
+          <p:nvPr>
+            <p:ph type="title"/>
+          </p:nvPr>
+        </p:nvSpPr>
+        <p:spPr/>
+        <p:txBody>
+          <a:bodyPr/>
+          <a:lstStyle/>
+          <a:p>
+            <a:r>
+              <a:rPr lang="en-US" dirty="0"/>
               <a:t>Conclusion</a:t>
             </a:r>
           </a:p>
@@ -20721,7 +21713,90 @@
 </p:sld>
 </file>
 
-<file path=ppt/slides/slide37.xml><?xml version="1.0" encoding="utf-8"?>
+<file path=ppt/slides/slide4.xml><?xml version="1.0" encoding="utf-8"?>
+<p:sld xmlns:a="http://schemas.openxmlformats.org/drawingml/2006/main" xmlns:r="http://schemas.openxmlformats.org/officeDocument/2006/relationships" xmlns:p="http://schemas.openxmlformats.org/presentationml/2006/main">
+  <p:cSld>
+    <p:spTree>
+      <p:nvGrpSpPr>
+        <p:cNvPr id="1" name=""/>
+        <p:cNvGrpSpPr/>
+        <p:nvPr/>
+      </p:nvGrpSpPr>
+      <p:grpSpPr>
+        <a:xfrm>
+          <a:off x="0" y="0"/>
+          <a:ext cx="0" cy="0"/>
+          <a:chOff x="0" y="0"/>
+          <a:chExt cx="0" cy="0"/>
+        </a:xfrm>
+      </p:grpSpPr>
+      <p:sp>
+        <p:nvSpPr>
+          <p:cNvPr id="2" name="Title 1">
+            <a:extLst>
+              <a:ext uri="{FF2B5EF4-FFF2-40B4-BE49-F238E27FC236}">
+                <a16:creationId xmlns:a16="http://schemas.microsoft.com/office/drawing/2014/main" id="{EE8D9AE8-0E1B-2740-A95B-81DDAC2FCFA7}"/>
+              </a:ext>
+            </a:extLst>
+          </p:cNvPr>
+          <p:cNvSpPr>
+            <a:spLocks noGrp="1"/>
+          </p:cNvSpPr>
+          <p:nvPr>
+            <p:ph type="title"/>
+          </p:nvPr>
+        </p:nvSpPr>
+        <p:spPr/>
+        <p:txBody>
+          <a:bodyPr/>
+          <a:lstStyle/>
+          <a:p>
+            <a:r>
+              <a:rPr lang="en-US" dirty="0"/>
+              <a:t>Dataset-JSON Document Structure</a:t>
+            </a:r>
+          </a:p>
+        </p:txBody>
+      </p:sp>
+      <p:sp>
+        <p:nvSpPr>
+          <p:cNvPr id="3" name="Content Placeholder 2">
+            <a:extLst>
+              <a:ext uri="{FF2B5EF4-FFF2-40B4-BE49-F238E27FC236}">
+                <a16:creationId xmlns:a16="http://schemas.microsoft.com/office/drawing/2014/main" id="{8A19AC96-36D4-5E48-A3EC-AAD817F3E04E}"/>
+              </a:ext>
+            </a:extLst>
+          </p:cNvPr>
+          <p:cNvSpPr>
+            <a:spLocks noGrp="1"/>
+          </p:cNvSpPr>
+          <p:nvPr>
+            <p:ph idx="1"/>
+          </p:nvPr>
+        </p:nvSpPr>
+        <p:spPr/>
+        <p:txBody>
+          <a:bodyPr/>
+          <a:lstStyle/>
+          <a:p>
+            <a:endParaRPr lang="en-US" dirty="0"/>
+          </a:p>
+        </p:txBody>
+      </p:sp>
+    </p:spTree>
+    <p:extLst>
+      <p:ext uri="{BB962C8B-B14F-4D97-AF65-F5344CB8AC3E}">
+        <p14:creationId xmlns:p14="http://schemas.microsoft.com/office/powerpoint/2010/main" val="2495482614"/>
+      </p:ext>
+    </p:extLst>
+  </p:cSld>
+  <p:clrMapOvr>
+    <a:masterClrMapping/>
+  </p:clrMapOvr>
+</p:sld>
+</file>
+
+<file path=ppt/slides/slide40.xml><?xml version="1.0" encoding="utf-8"?>
 <p:sld xmlns:a="http://schemas.openxmlformats.org/drawingml/2006/main" xmlns:r="http://schemas.openxmlformats.org/officeDocument/2006/relationships" xmlns:p="http://schemas.openxmlformats.org/presentationml/2006/main">
   <p:cSld>
     <p:spTree>
@@ -20797,7 +21872,7 @@
             <a:fld id="{EB4FF9C4-EEBF-D24D-8A4E-C0B9CCE3F975}" type="slidenum">
               <a:rPr lang="en-US" smtClean="0"/>
               <a:pPr/>
-              <a:t>37</a:t>
+              <a:t>40</a:t>
             </a:fld>
             <a:endParaRPr lang="en-US" dirty="0"/>
           </a:p>
@@ -20911,7 +21986,7 @@
 </p:sld>
 </file>
 
-<file path=ppt/slides/slide38.xml><?xml version="1.0" encoding="utf-8"?>
+<file path=ppt/slides/slide41.xml><?xml version="1.0" encoding="utf-8"?>
 <p:sld xmlns:a="http://schemas.openxmlformats.org/drawingml/2006/main" xmlns:r="http://schemas.openxmlformats.org/officeDocument/2006/relationships" xmlns:p="http://schemas.openxmlformats.org/presentationml/2006/main">
   <p:cSld>
     <p:spTree>
@@ -21122,89 +22197,6 @@
     <p:extLst>
       <p:ext uri="{BB962C8B-B14F-4D97-AF65-F5344CB8AC3E}">
         <p14:creationId xmlns:p14="http://schemas.microsoft.com/office/powerpoint/2010/main" val="83496409"/>
-      </p:ext>
-    </p:extLst>
-  </p:cSld>
-  <p:clrMapOvr>
-    <a:masterClrMapping/>
-  </p:clrMapOvr>
-</p:sld>
-</file>
-
-<file path=ppt/slides/slide4.xml><?xml version="1.0" encoding="utf-8"?>
-<p:sld xmlns:a="http://schemas.openxmlformats.org/drawingml/2006/main" xmlns:r="http://schemas.openxmlformats.org/officeDocument/2006/relationships" xmlns:p="http://schemas.openxmlformats.org/presentationml/2006/main">
-  <p:cSld>
-    <p:spTree>
-      <p:nvGrpSpPr>
-        <p:cNvPr id="1" name=""/>
-        <p:cNvGrpSpPr/>
-        <p:nvPr/>
-      </p:nvGrpSpPr>
-      <p:grpSpPr>
-        <a:xfrm>
-          <a:off x="0" y="0"/>
-          <a:ext cx="0" cy="0"/>
-          <a:chOff x="0" y="0"/>
-          <a:chExt cx="0" cy="0"/>
-        </a:xfrm>
-      </p:grpSpPr>
-      <p:sp>
-        <p:nvSpPr>
-          <p:cNvPr id="2" name="Title 1">
-            <a:extLst>
-              <a:ext uri="{FF2B5EF4-FFF2-40B4-BE49-F238E27FC236}">
-                <a16:creationId xmlns:a16="http://schemas.microsoft.com/office/drawing/2014/main" id="{EE8D9AE8-0E1B-2740-A95B-81DDAC2FCFA7}"/>
-              </a:ext>
-            </a:extLst>
-          </p:cNvPr>
-          <p:cNvSpPr>
-            <a:spLocks noGrp="1"/>
-          </p:cNvSpPr>
-          <p:nvPr>
-            <p:ph type="title"/>
-          </p:nvPr>
-        </p:nvSpPr>
-        <p:spPr/>
-        <p:txBody>
-          <a:bodyPr/>
-          <a:lstStyle/>
-          <a:p>
-            <a:r>
-              <a:rPr lang="en-US" dirty="0"/>
-              <a:t>Dataset-JSON Document Structure</a:t>
-            </a:r>
-          </a:p>
-        </p:txBody>
-      </p:sp>
-      <p:sp>
-        <p:nvSpPr>
-          <p:cNvPr id="3" name="Content Placeholder 2">
-            <a:extLst>
-              <a:ext uri="{FF2B5EF4-FFF2-40B4-BE49-F238E27FC236}">
-                <a16:creationId xmlns:a16="http://schemas.microsoft.com/office/drawing/2014/main" id="{8A19AC96-36D4-5E48-A3EC-AAD817F3E04E}"/>
-              </a:ext>
-            </a:extLst>
-          </p:cNvPr>
-          <p:cNvSpPr>
-            <a:spLocks noGrp="1"/>
-          </p:cNvSpPr>
-          <p:nvPr>
-            <p:ph idx="1"/>
-          </p:nvPr>
-        </p:nvSpPr>
-        <p:spPr/>
-        <p:txBody>
-          <a:bodyPr/>
-          <a:lstStyle/>
-          <a:p>
-            <a:endParaRPr lang="en-US" dirty="0"/>
-          </a:p>
-        </p:txBody>
-      </p:sp>
-    </p:spTree>
-    <p:extLst>
-      <p:ext uri="{BB962C8B-B14F-4D97-AF65-F5344CB8AC3E}">
-        <p14:creationId xmlns:p14="http://schemas.microsoft.com/office/powerpoint/2010/main" val="2495482614"/>
       </p:ext>
     </p:extLst>
   </p:cSld>

--- a/doc/CDISC_COSA_webinar_20231005_dataset-json_SAS.pptx
+++ b/doc/CDISC_COSA_webinar_20231005_dataset-json_SAS.pptx
@@ -248,7 +248,7 @@
           <a:p>
             <a:fld id="{19EE1A3E-C737-584E-86B0-F484DE311626}" type="datetimeFigureOut">
               <a:rPr lang="en-US" smtClean="0"/>
-              <a:t>2023-10-03</a:t>
+              <a:t>2023-10-04</a:t>
             </a:fld>
             <a:endParaRPr lang="en-US" dirty="0"/>
           </a:p>
@@ -4680,7 +4680,7 @@
             <a:fld id="{A39D7527-A277-E24D-9A56-20081ADC979C}" type="datetime1">
               <a:rPr lang="en-US" smtClean="0"/>
               <a:pPr/>
-              <a:t>2023-10-03</a:t>
+              <a:t>2023-10-04</a:t>
             </a:fld>
             <a:endParaRPr lang="en-US" dirty="0"/>
           </a:p>
@@ -15280,6 +15280,19 @@
               <a:t>Use pre-specified metadata from Define-XML (length, label, datatype) for creating Dataset-JSON</a:t>
             </a:r>
           </a:p>
+          <a:p>
+            <a:r>
+              <a:rPr lang="en-US" dirty="0"/>
+              <a:t>Important to check that Define-XML is </a:t>
+            </a:r>
+            <a:br>
+              <a:rPr lang="en-US" dirty="0"/>
+            </a:br>
+            <a:r>
+              <a:rPr lang="en-US" dirty="0"/>
+              <a:t>consistent with the data!</a:t>
+            </a:r>
+          </a:p>
         </p:txBody>
       </p:sp>
       <p:sp>
@@ -15327,8 +15340,8 @@
         </p:nvSpPr>
         <p:spPr>
           <a:xfrm>
-            <a:off x="4747146" y="1111249"/>
-            <a:ext cx="4021985" cy="3521473"/>
+            <a:off x="5029200" y="1111249"/>
+            <a:ext cx="3739931" cy="3521473"/>
           </a:xfrm>
           <a:prstGeom prst="rect">
             <a:avLst/>
@@ -16937,6 +16950,58 @@
           </a:p>
         </p:txBody>
       </p:sp>
+      <p:sp>
+        <p:nvSpPr>
+          <p:cNvPr id="5" name="Rectangle 4">
+            <a:extLst>
+              <a:ext uri="{FF2B5EF4-FFF2-40B4-BE49-F238E27FC236}">
+                <a16:creationId xmlns:a16="http://schemas.microsoft.com/office/drawing/2014/main" id="{DC5D6D15-A35D-C708-1BD4-4CCC5F72D2A3}"/>
+              </a:ext>
+            </a:extLst>
+          </p:cNvPr>
+          <p:cNvSpPr/>
+          <p:nvPr/>
+        </p:nvSpPr>
+        <p:spPr>
+          <a:xfrm>
+            <a:off x="2265528" y="1699146"/>
+            <a:ext cx="1392072" cy="525439"/>
+          </a:xfrm>
+          <a:prstGeom prst="rect">
+            <a:avLst/>
+          </a:prstGeom>
+          <a:noFill/>
+          <a:ln w="12700">
+            <a:solidFill>
+              <a:srgbClr val="FF0000"/>
+            </a:solidFill>
+          </a:ln>
+        </p:spPr>
+        <p:style>
+          <a:lnRef idx="2">
+            <a:schemeClr val="accent1">
+              <a:shade val="15000"/>
+            </a:schemeClr>
+          </a:lnRef>
+          <a:fillRef idx="1">
+            <a:schemeClr val="accent1"/>
+          </a:fillRef>
+          <a:effectRef idx="0">
+            <a:schemeClr val="accent1"/>
+          </a:effectRef>
+          <a:fontRef idx="minor">
+            <a:schemeClr val="lt1"/>
+          </a:fontRef>
+        </p:style>
+        <p:txBody>
+          <a:bodyPr rtlCol="0" anchor="ctr"/>
+          <a:lstStyle/>
+          <a:p>
+            <a:pPr algn="ctr"/>
+            <a:endParaRPr lang="en-US"/>
+          </a:p>
+        </p:txBody>
+      </p:sp>
     </p:spTree>
     <p:extLst>
       <p:ext uri="{BB962C8B-B14F-4D97-AF65-F5344CB8AC3E}">
@@ -16947,6 +17012,84 @@
   <p:clrMapOvr>
     <a:masterClrMapping/>
   </p:clrMapOvr>
+  <p:timing>
+    <p:tnLst>
+      <p:par>
+        <p:cTn id="1" dur="indefinite" restart="never" nodeType="tmRoot">
+          <p:childTnLst>
+            <p:seq concurrent="1" nextAc="seek">
+              <p:cTn id="2" dur="indefinite" nodeType="mainSeq">
+                <p:childTnLst>
+                  <p:par>
+                    <p:cTn id="3" fill="hold">
+                      <p:stCondLst>
+                        <p:cond delay="indefinite"/>
+                      </p:stCondLst>
+                      <p:childTnLst>
+                        <p:par>
+                          <p:cTn id="4" fill="hold">
+                            <p:stCondLst>
+                              <p:cond delay="0"/>
+                            </p:stCondLst>
+                            <p:childTnLst>
+                              <p:par>
+                                <p:cTn id="5" presetID="1" presetClass="entr" presetSubtype="0" fill="hold" grpId="0" nodeType="clickEffect">
+                                  <p:stCondLst>
+                                    <p:cond delay="0"/>
+                                  </p:stCondLst>
+                                  <p:childTnLst>
+                                    <p:set>
+                                      <p:cBhvr>
+                                        <p:cTn id="6" dur="1" fill="hold">
+                                          <p:stCondLst>
+                                            <p:cond delay="0"/>
+                                          </p:stCondLst>
+                                        </p:cTn>
+                                        <p:tgtEl>
+                                          <p:spTgt spid="5"/>
+                                        </p:tgtEl>
+                                        <p:attrNameLst>
+                                          <p:attrName>style.visibility</p:attrName>
+                                        </p:attrNameLst>
+                                      </p:cBhvr>
+                                      <p:to>
+                                        <p:strVal val="visible"/>
+                                      </p:to>
+                                    </p:set>
+                                  </p:childTnLst>
+                                </p:cTn>
+                              </p:par>
+                            </p:childTnLst>
+                          </p:cTn>
+                        </p:par>
+                      </p:childTnLst>
+                    </p:cTn>
+                  </p:par>
+                </p:childTnLst>
+              </p:cTn>
+              <p:prevCondLst>
+                <p:cond evt="onPrev" delay="0">
+                  <p:tgtEl>
+                    <p:sldTgt/>
+                  </p:tgtEl>
+                </p:cond>
+              </p:prevCondLst>
+              <p:nextCondLst>
+                <p:cond evt="onNext" delay="0">
+                  <p:tgtEl>
+                    <p:sldTgt/>
+                  </p:tgtEl>
+                </p:cond>
+              </p:nextCondLst>
+            </p:seq>
+          </p:childTnLst>
+        </p:cTn>
+      </p:par>
+    </p:tnLst>
+    <p:bldLst>
+      <p:bldP spid="5" grpId="0" animBg="1"/>
+    </p:bldLst>
+  </p:timing>
 </p:sld>
 </file>
 
@@ -16990,7 +17133,15 @@
           <a:p>
             <a:r>
               <a:rPr lang="en-US" dirty="0"/>
-              <a:t>Writing Dataset-JSON  -  %write_datasetjson()</a:t>
+              <a:t>Writing Dataset-JSON  -  %</a:t>
+            </a:r>
+            <a:r>
+              <a:rPr lang="en-US" dirty="0" err="1"/>
+              <a:t>write_datasetjson</a:t>
+            </a:r>
+            <a:r>
+              <a:rPr lang="en-US" dirty="0"/>
+              <a:t>() - loop</a:t>
             </a:r>
           </a:p>
         </p:txBody>
@@ -20513,7 +20664,15 @@
           <a:p>
             <a:r>
               <a:rPr lang="en-US" dirty="0"/>
-              <a:t>Reading Dataset-JSON  -  %read_datasetjson()</a:t>
+              <a:t>Reading Dataset-JSON  -  %</a:t>
+            </a:r>
+            <a:r>
+              <a:rPr lang="en-US" dirty="0" err="1"/>
+              <a:t>read_datasetjson</a:t>
+            </a:r>
+            <a:r>
+              <a:rPr lang="en-US" dirty="0"/>
+              <a:t>() - loop</a:t>
             </a:r>
           </a:p>
         </p:txBody>

--- a/doc/CDISC_COSA_webinar_20231005_dataset-json_SAS.pptx
+++ b/doc/CDISC_COSA_webinar_20231005_dataset-json_SAS.pptx
@@ -5,7 +5,7 @@
     <p:sldMasterId id="2147483674" r:id="rId1"/>
   </p:sldMasterIdLst>
   <p:notesMasterIdLst>
-    <p:notesMasterId r:id="rId43"/>
+    <p:notesMasterId r:id="rId38"/>
   </p:notesMasterIdLst>
   <p:sldIdLst>
     <p:sldId id="256" r:id="rId2"/>
@@ -23,32 +23,27 @@
     <p:sldId id="820" r:id="rId14"/>
     <p:sldId id="802" r:id="rId15"/>
     <p:sldId id="821" r:id="rId16"/>
-    <p:sldId id="824" r:id="rId17"/>
-    <p:sldId id="823" r:id="rId18"/>
-    <p:sldId id="825" r:id="rId19"/>
-    <p:sldId id="826" r:id="rId20"/>
-    <p:sldId id="836" r:id="rId21"/>
-    <p:sldId id="827" r:id="rId22"/>
-    <p:sldId id="829" r:id="rId23"/>
-    <p:sldId id="828" r:id="rId24"/>
-    <p:sldId id="276" r:id="rId25"/>
-    <p:sldId id="998" r:id="rId26"/>
-    <p:sldId id="1000" r:id="rId27"/>
-    <p:sldId id="801" r:id="rId28"/>
-    <p:sldId id="822" r:id="rId29"/>
-    <p:sldId id="830" r:id="rId30"/>
-    <p:sldId id="831" r:id="rId31"/>
-    <p:sldId id="832" r:id="rId32"/>
-    <p:sldId id="1001" r:id="rId33"/>
-    <p:sldId id="280" r:id="rId34"/>
-    <p:sldId id="800" r:id="rId35"/>
-    <p:sldId id="1002" r:id="rId36"/>
-    <p:sldId id="1003" r:id="rId37"/>
-    <p:sldId id="1004" r:id="rId38"/>
-    <p:sldId id="999" r:id="rId39"/>
-    <p:sldId id="997" r:id="rId40"/>
-    <p:sldId id="833" r:id="rId41"/>
-    <p:sldId id="274" r:id="rId42"/>
+    <p:sldId id="826" r:id="rId17"/>
+    <p:sldId id="836" r:id="rId18"/>
+    <p:sldId id="276" r:id="rId19"/>
+    <p:sldId id="998" r:id="rId20"/>
+    <p:sldId id="1000" r:id="rId21"/>
+    <p:sldId id="1007" r:id="rId22"/>
+    <p:sldId id="801" r:id="rId23"/>
+    <p:sldId id="822" r:id="rId24"/>
+    <p:sldId id="830" r:id="rId25"/>
+    <p:sldId id="831" r:id="rId26"/>
+    <p:sldId id="832" r:id="rId27"/>
+    <p:sldId id="1001" r:id="rId28"/>
+    <p:sldId id="280" r:id="rId29"/>
+    <p:sldId id="800" r:id="rId30"/>
+    <p:sldId id="1003" r:id="rId31"/>
+    <p:sldId id="1004" r:id="rId32"/>
+    <p:sldId id="1002" r:id="rId33"/>
+    <p:sldId id="1005" r:id="rId34"/>
+    <p:sldId id="1006" r:id="rId35"/>
+    <p:sldId id="999" r:id="rId36"/>
+    <p:sldId id="274" r:id="rId37"/>
   </p:sldIdLst>
   <p:sldSz cx="9144000" cy="5143500" type="screen16x9"/>
   <p:notesSz cx="6858000" cy="9144000"/>
@@ -1036,7 +1031,7 @@
           <a:p>
             <a:fld id="{84E17163-B04C-C34A-8000-FDF58C3633A6}" type="slidenum">
               <a:rPr lang="en-US" smtClean="0"/>
-              <a:t>19</a:t>
+              <a:t>24</a:t>
             </a:fld>
             <a:endParaRPr lang="en-US" dirty="0"/>
           </a:p>
@@ -1045,7 +1040,7 @@
     </p:spTree>
     <p:extLst>
       <p:ext uri="{BB962C8B-B14F-4D97-AF65-F5344CB8AC3E}">
-        <p14:creationId xmlns:p14="http://schemas.microsoft.com/office/powerpoint/2010/main" val="792615227"/>
+        <p14:creationId xmlns:p14="http://schemas.microsoft.com/office/powerpoint/2010/main" val="1063098604"/>
       </p:ext>
     </p:extLst>
   </p:cSld>
@@ -1120,7 +1115,7 @@
           <a:p>
             <a:fld id="{84E17163-B04C-C34A-8000-FDF58C3633A6}" type="slidenum">
               <a:rPr lang="en-US" smtClean="0"/>
-              <a:t>20</a:t>
+              <a:t>25</a:t>
             </a:fld>
             <a:endParaRPr lang="en-US" dirty="0"/>
           </a:p>
@@ -1129,7 +1124,7 @@
     </p:spTree>
     <p:extLst>
       <p:ext uri="{BB962C8B-B14F-4D97-AF65-F5344CB8AC3E}">
-        <p14:creationId xmlns:p14="http://schemas.microsoft.com/office/powerpoint/2010/main" val="4084913354"/>
+        <p14:creationId xmlns:p14="http://schemas.microsoft.com/office/powerpoint/2010/main" val="1456259560"/>
       </p:ext>
     </p:extLst>
   </p:cSld>
@@ -1204,511 +1199,7 @@
           <a:p>
             <a:fld id="{84E17163-B04C-C34A-8000-FDF58C3633A6}" type="slidenum">
               <a:rPr lang="en-US" smtClean="0"/>
-              <a:t>21</a:t>
-            </a:fld>
-            <a:endParaRPr lang="en-US" dirty="0"/>
-          </a:p>
-        </p:txBody>
-      </p:sp>
-    </p:spTree>
-    <p:extLst>
-      <p:ext uri="{BB962C8B-B14F-4D97-AF65-F5344CB8AC3E}">
-        <p14:creationId xmlns:p14="http://schemas.microsoft.com/office/powerpoint/2010/main" val="3677484241"/>
-      </p:ext>
-    </p:extLst>
-  </p:cSld>
-  <p:clrMapOvr>
-    <a:masterClrMapping/>
-  </p:clrMapOvr>
-</p:notes>
-</file>
-
-<file path=ppt/notesSlides/notesSlide13.xml><?xml version="1.0" encoding="utf-8"?>
-<p:notes xmlns:a="http://schemas.openxmlformats.org/drawingml/2006/main" xmlns:r="http://schemas.openxmlformats.org/officeDocument/2006/relationships" xmlns:p="http://schemas.openxmlformats.org/presentationml/2006/main">
-  <p:cSld>
-    <p:spTree>
-      <p:nvGrpSpPr>
-        <p:cNvPr id="1" name=""/>
-        <p:cNvGrpSpPr/>
-        <p:nvPr/>
-      </p:nvGrpSpPr>
-      <p:grpSpPr>
-        <a:xfrm>
-          <a:off x="0" y="0"/>
-          <a:ext cx="0" cy="0"/>
-          <a:chOff x="0" y="0"/>
-          <a:chExt cx="0" cy="0"/>
-        </a:xfrm>
-      </p:grpSpPr>
-      <p:sp>
-        <p:nvSpPr>
-          <p:cNvPr id="2" name="Slide Image Placeholder 1"/>
-          <p:cNvSpPr>
-            <a:spLocks noGrp="1" noRot="1" noChangeAspect="1"/>
-          </p:cNvSpPr>
-          <p:nvPr>
-            <p:ph type="sldImg"/>
-          </p:nvPr>
-        </p:nvSpPr>
-        <p:spPr/>
-      </p:sp>
-      <p:sp>
-        <p:nvSpPr>
-          <p:cNvPr id="3" name="Notes Placeholder 2"/>
-          <p:cNvSpPr>
-            <a:spLocks noGrp="1"/>
-          </p:cNvSpPr>
-          <p:nvPr>
-            <p:ph type="body" idx="1"/>
-          </p:nvPr>
-        </p:nvSpPr>
-        <p:spPr/>
-        <p:txBody>
-          <a:bodyPr/>
-          <a:lstStyle/>
-          <a:p>
-            <a:endParaRPr lang="en-US" dirty="0"/>
-          </a:p>
-        </p:txBody>
-      </p:sp>
-      <p:sp>
-        <p:nvSpPr>
-          <p:cNvPr id="4" name="Slide Number Placeholder 3"/>
-          <p:cNvSpPr>
-            <a:spLocks noGrp="1"/>
-          </p:cNvSpPr>
-          <p:nvPr>
-            <p:ph type="sldNum" sz="quarter" idx="5"/>
-          </p:nvPr>
-        </p:nvSpPr>
-        <p:spPr/>
-        <p:txBody>
-          <a:bodyPr/>
-          <a:lstStyle/>
-          <a:p>
-            <a:fld id="{84E17163-B04C-C34A-8000-FDF58C3633A6}" type="slidenum">
-              <a:rPr lang="en-US" smtClean="0"/>
-              <a:t>22</a:t>
-            </a:fld>
-            <a:endParaRPr lang="en-US" dirty="0"/>
-          </a:p>
-        </p:txBody>
-      </p:sp>
-    </p:spTree>
-    <p:extLst>
-      <p:ext uri="{BB962C8B-B14F-4D97-AF65-F5344CB8AC3E}">
-        <p14:creationId xmlns:p14="http://schemas.microsoft.com/office/powerpoint/2010/main" val="298946568"/>
-      </p:ext>
-    </p:extLst>
-  </p:cSld>
-  <p:clrMapOvr>
-    <a:masterClrMapping/>
-  </p:clrMapOvr>
-</p:notes>
-</file>
-
-<file path=ppt/notesSlides/notesSlide14.xml><?xml version="1.0" encoding="utf-8"?>
-<p:notes xmlns:a="http://schemas.openxmlformats.org/drawingml/2006/main" xmlns:r="http://schemas.openxmlformats.org/officeDocument/2006/relationships" xmlns:p="http://schemas.openxmlformats.org/presentationml/2006/main">
-  <p:cSld>
-    <p:spTree>
-      <p:nvGrpSpPr>
-        <p:cNvPr id="1" name=""/>
-        <p:cNvGrpSpPr/>
-        <p:nvPr/>
-      </p:nvGrpSpPr>
-      <p:grpSpPr>
-        <a:xfrm>
-          <a:off x="0" y="0"/>
-          <a:ext cx="0" cy="0"/>
-          <a:chOff x="0" y="0"/>
-          <a:chExt cx="0" cy="0"/>
-        </a:xfrm>
-      </p:grpSpPr>
-      <p:sp>
-        <p:nvSpPr>
-          <p:cNvPr id="2" name="Slide Image Placeholder 1"/>
-          <p:cNvSpPr>
-            <a:spLocks noGrp="1" noRot="1" noChangeAspect="1"/>
-          </p:cNvSpPr>
-          <p:nvPr>
-            <p:ph type="sldImg"/>
-          </p:nvPr>
-        </p:nvSpPr>
-        <p:spPr/>
-      </p:sp>
-      <p:sp>
-        <p:nvSpPr>
-          <p:cNvPr id="3" name="Notes Placeholder 2"/>
-          <p:cNvSpPr>
-            <a:spLocks noGrp="1"/>
-          </p:cNvSpPr>
-          <p:nvPr>
-            <p:ph type="body" idx="1"/>
-          </p:nvPr>
-        </p:nvSpPr>
-        <p:spPr/>
-        <p:txBody>
-          <a:bodyPr/>
-          <a:lstStyle/>
-          <a:p>
-            <a:endParaRPr lang="en-US" dirty="0"/>
-          </a:p>
-        </p:txBody>
-      </p:sp>
-      <p:sp>
-        <p:nvSpPr>
-          <p:cNvPr id="4" name="Slide Number Placeholder 3"/>
-          <p:cNvSpPr>
-            <a:spLocks noGrp="1"/>
-          </p:cNvSpPr>
-          <p:nvPr>
-            <p:ph type="sldNum" sz="quarter" idx="5"/>
-          </p:nvPr>
-        </p:nvSpPr>
-        <p:spPr/>
-        <p:txBody>
-          <a:bodyPr/>
-          <a:lstStyle/>
-          <a:p>
-            <a:fld id="{84E17163-B04C-C34A-8000-FDF58C3633A6}" type="slidenum">
-              <a:rPr lang="en-US" smtClean="0"/>
-              <a:t>23</a:t>
-            </a:fld>
-            <a:endParaRPr lang="en-US" dirty="0"/>
-          </a:p>
-        </p:txBody>
-      </p:sp>
-    </p:spTree>
-    <p:extLst>
-      <p:ext uri="{BB962C8B-B14F-4D97-AF65-F5344CB8AC3E}">
-        <p14:creationId xmlns:p14="http://schemas.microsoft.com/office/powerpoint/2010/main" val="4072265644"/>
-      </p:ext>
-    </p:extLst>
-  </p:cSld>
-  <p:clrMapOvr>
-    <a:masterClrMapping/>
-  </p:clrMapOvr>
-</p:notes>
-</file>
-
-<file path=ppt/notesSlides/notesSlide15.xml><?xml version="1.0" encoding="utf-8"?>
-<p:notes xmlns:a="http://schemas.openxmlformats.org/drawingml/2006/main" xmlns:r="http://schemas.openxmlformats.org/officeDocument/2006/relationships" xmlns:p="http://schemas.openxmlformats.org/presentationml/2006/main">
-  <p:cSld>
-    <p:spTree>
-      <p:nvGrpSpPr>
-        <p:cNvPr id="1" name=""/>
-        <p:cNvGrpSpPr/>
-        <p:nvPr/>
-      </p:nvGrpSpPr>
-      <p:grpSpPr>
-        <a:xfrm>
-          <a:off x="0" y="0"/>
-          <a:ext cx="0" cy="0"/>
-          <a:chOff x="0" y="0"/>
-          <a:chExt cx="0" cy="0"/>
-        </a:xfrm>
-      </p:grpSpPr>
-      <p:sp>
-        <p:nvSpPr>
-          <p:cNvPr id="2" name="Slide Image Placeholder 1"/>
-          <p:cNvSpPr>
-            <a:spLocks noGrp="1" noRot="1" noChangeAspect="1"/>
-          </p:cNvSpPr>
-          <p:nvPr>
-            <p:ph type="sldImg"/>
-          </p:nvPr>
-        </p:nvSpPr>
-        <p:spPr/>
-      </p:sp>
-      <p:sp>
-        <p:nvSpPr>
-          <p:cNvPr id="3" name="Notes Placeholder 2"/>
-          <p:cNvSpPr>
-            <a:spLocks noGrp="1"/>
-          </p:cNvSpPr>
-          <p:nvPr>
-            <p:ph type="body" idx="1"/>
-          </p:nvPr>
-        </p:nvSpPr>
-        <p:spPr/>
-        <p:txBody>
-          <a:bodyPr/>
-          <a:lstStyle/>
-          <a:p>
-            <a:endParaRPr lang="en-US" dirty="0"/>
-          </a:p>
-        </p:txBody>
-      </p:sp>
-      <p:sp>
-        <p:nvSpPr>
-          <p:cNvPr id="4" name="Slide Number Placeholder 3"/>
-          <p:cNvSpPr>
-            <a:spLocks noGrp="1"/>
-          </p:cNvSpPr>
-          <p:nvPr>
-            <p:ph type="sldNum" sz="quarter" idx="5"/>
-          </p:nvPr>
-        </p:nvSpPr>
-        <p:spPr/>
-        <p:txBody>
-          <a:bodyPr/>
-          <a:lstStyle/>
-          <a:p>
-            <a:fld id="{84E17163-B04C-C34A-8000-FDF58C3633A6}" type="slidenum">
-              <a:rPr lang="en-US" smtClean="0"/>
-              <a:t>28</a:t>
-            </a:fld>
-            <a:endParaRPr lang="en-US" dirty="0"/>
-          </a:p>
-        </p:txBody>
-      </p:sp>
-    </p:spTree>
-    <p:extLst>
-      <p:ext uri="{BB962C8B-B14F-4D97-AF65-F5344CB8AC3E}">
-        <p14:creationId xmlns:p14="http://schemas.microsoft.com/office/powerpoint/2010/main" val="4052682830"/>
-      </p:ext>
-    </p:extLst>
-  </p:cSld>
-  <p:clrMapOvr>
-    <a:masterClrMapping/>
-  </p:clrMapOvr>
-</p:notes>
-</file>
-
-<file path=ppt/notesSlides/notesSlide16.xml><?xml version="1.0" encoding="utf-8"?>
-<p:notes xmlns:a="http://schemas.openxmlformats.org/drawingml/2006/main" xmlns:r="http://schemas.openxmlformats.org/officeDocument/2006/relationships" xmlns:p="http://schemas.openxmlformats.org/presentationml/2006/main">
-  <p:cSld>
-    <p:spTree>
-      <p:nvGrpSpPr>
-        <p:cNvPr id="1" name=""/>
-        <p:cNvGrpSpPr/>
-        <p:nvPr/>
-      </p:nvGrpSpPr>
-      <p:grpSpPr>
-        <a:xfrm>
-          <a:off x="0" y="0"/>
-          <a:ext cx="0" cy="0"/>
-          <a:chOff x="0" y="0"/>
-          <a:chExt cx="0" cy="0"/>
-        </a:xfrm>
-      </p:grpSpPr>
-      <p:sp>
-        <p:nvSpPr>
-          <p:cNvPr id="2" name="Slide Image Placeholder 1"/>
-          <p:cNvSpPr>
-            <a:spLocks noGrp="1" noRot="1" noChangeAspect="1"/>
-          </p:cNvSpPr>
-          <p:nvPr>
-            <p:ph type="sldImg"/>
-          </p:nvPr>
-        </p:nvSpPr>
-        <p:spPr/>
-      </p:sp>
-      <p:sp>
-        <p:nvSpPr>
-          <p:cNvPr id="3" name="Notes Placeholder 2"/>
-          <p:cNvSpPr>
-            <a:spLocks noGrp="1"/>
-          </p:cNvSpPr>
-          <p:nvPr>
-            <p:ph type="body" idx="1"/>
-          </p:nvPr>
-        </p:nvSpPr>
-        <p:spPr/>
-        <p:txBody>
-          <a:bodyPr/>
-          <a:lstStyle/>
-          <a:p>
-            <a:endParaRPr lang="en-US" dirty="0"/>
-          </a:p>
-        </p:txBody>
-      </p:sp>
-      <p:sp>
-        <p:nvSpPr>
-          <p:cNvPr id="4" name="Slide Number Placeholder 3"/>
-          <p:cNvSpPr>
-            <a:spLocks noGrp="1"/>
-          </p:cNvSpPr>
-          <p:nvPr>
-            <p:ph type="sldNum" sz="quarter" idx="5"/>
-          </p:nvPr>
-        </p:nvSpPr>
-        <p:spPr/>
-        <p:txBody>
-          <a:bodyPr/>
-          <a:lstStyle/>
-          <a:p>
-            <a:fld id="{84E17163-B04C-C34A-8000-FDF58C3633A6}" type="slidenum">
-              <a:rPr lang="en-US" smtClean="0"/>
-              <a:t>29</a:t>
-            </a:fld>
-            <a:endParaRPr lang="en-US" dirty="0"/>
-          </a:p>
-        </p:txBody>
-      </p:sp>
-    </p:spTree>
-    <p:extLst>
-      <p:ext uri="{BB962C8B-B14F-4D97-AF65-F5344CB8AC3E}">
-        <p14:creationId xmlns:p14="http://schemas.microsoft.com/office/powerpoint/2010/main" val="1063098604"/>
-      </p:ext>
-    </p:extLst>
-  </p:cSld>
-  <p:clrMapOvr>
-    <a:masterClrMapping/>
-  </p:clrMapOvr>
-</p:notes>
-</file>
-
-<file path=ppt/notesSlides/notesSlide17.xml><?xml version="1.0" encoding="utf-8"?>
-<p:notes xmlns:a="http://schemas.openxmlformats.org/drawingml/2006/main" xmlns:r="http://schemas.openxmlformats.org/officeDocument/2006/relationships" xmlns:p="http://schemas.openxmlformats.org/presentationml/2006/main">
-  <p:cSld>
-    <p:spTree>
-      <p:nvGrpSpPr>
-        <p:cNvPr id="1" name=""/>
-        <p:cNvGrpSpPr/>
-        <p:nvPr/>
-      </p:nvGrpSpPr>
-      <p:grpSpPr>
-        <a:xfrm>
-          <a:off x="0" y="0"/>
-          <a:ext cx="0" cy="0"/>
-          <a:chOff x="0" y="0"/>
-          <a:chExt cx="0" cy="0"/>
-        </a:xfrm>
-      </p:grpSpPr>
-      <p:sp>
-        <p:nvSpPr>
-          <p:cNvPr id="2" name="Slide Image Placeholder 1"/>
-          <p:cNvSpPr>
-            <a:spLocks noGrp="1" noRot="1" noChangeAspect="1"/>
-          </p:cNvSpPr>
-          <p:nvPr>
-            <p:ph type="sldImg"/>
-          </p:nvPr>
-        </p:nvSpPr>
-        <p:spPr/>
-      </p:sp>
-      <p:sp>
-        <p:nvSpPr>
-          <p:cNvPr id="3" name="Notes Placeholder 2"/>
-          <p:cNvSpPr>
-            <a:spLocks noGrp="1"/>
-          </p:cNvSpPr>
-          <p:nvPr>
-            <p:ph type="body" idx="1"/>
-          </p:nvPr>
-        </p:nvSpPr>
-        <p:spPr/>
-        <p:txBody>
-          <a:bodyPr/>
-          <a:lstStyle/>
-          <a:p>
-            <a:endParaRPr lang="en-US" dirty="0"/>
-          </a:p>
-        </p:txBody>
-      </p:sp>
-      <p:sp>
-        <p:nvSpPr>
-          <p:cNvPr id="4" name="Slide Number Placeholder 3"/>
-          <p:cNvSpPr>
-            <a:spLocks noGrp="1"/>
-          </p:cNvSpPr>
-          <p:nvPr>
-            <p:ph type="sldNum" sz="quarter" idx="5"/>
-          </p:nvPr>
-        </p:nvSpPr>
-        <p:spPr/>
-        <p:txBody>
-          <a:bodyPr/>
-          <a:lstStyle/>
-          <a:p>
-            <a:fld id="{84E17163-B04C-C34A-8000-FDF58C3633A6}" type="slidenum">
-              <a:rPr lang="en-US" smtClean="0"/>
-              <a:t>30</a:t>
-            </a:fld>
-            <a:endParaRPr lang="en-US" dirty="0"/>
-          </a:p>
-        </p:txBody>
-      </p:sp>
-    </p:spTree>
-    <p:extLst>
-      <p:ext uri="{BB962C8B-B14F-4D97-AF65-F5344CB8AC3E}">
-        <p14:creationId xmlns:p14="http://schemas.microsoft.com/office/powerpoint/2010/main" val="1456259560"/>
-      </p:ext>
-    </p:extLst>
-  </p:cSld>
-  <p:clrMapOvr>
-    <a:masterClrMapping/>
-  </p:clrMapOvr>
-</p:notes>
-</file>
-
-<file path=ppt/notesSlides/notesSlide18.xml><?xml version="1.0" encoding="utf-8"?>
-<p:notes xmlns:a="http://schemas.openxmlformats.org/drawingml/2006/main" xmlns:r="http://schemas.openxmlformats.org/officeDocument/2006/relationships" xmlns:p="http://schemas.openxmlformats.org/presentationml/2006/main">
-  <p:cSld>
-    <p:spTree>
-      <p:nvGrpSpPr>
-        <p:cNvPr id="1" name=""/>
-        <p:cNvGrpSpPr/>
-        <p:nvPr/>
-      </p:nvGrpSpPr>
-      <p:grpSpPr>
-        <a:xfrm>
-          <a:off x="0" y="0"/>
-          <a:ext cx="0" cy="0"/>
-          <a:chOff x="0" y="0"/>
-          <a:chExt cx="0" cy="0"/>
-        </a:xfrm>
-      </p:grpSpPr>
-      <p:sp>
-        <p:nvSpPr>
-          <p:cNvPr id="2" name="Slide Image Placeholder 1"/>
-          <p:cNvSpPr>
-            <a:spLocks noGrp="1" noRot="1" noChangeAspect="1"/>
-          </p:cNvSpPr>
-          <p:nvPr>
-            <p:ph type="sldImg"/>
-          </p:nvPr>
-        </p:nvSpPr>
-        <p:spPr/>
-      </p:sp>
-      <p:sp>
-        <p:nvSpPr>
-          <p:cNvPr id="3" name="Notes Placeholder 2"/>
-          <p:cNvSpPr>
-            <a:spLocks noGrp="1"/>
-          </p:cNvSpPr>
-          <p:nvPr>
-            <p:ph type="body" idx="1"/>
-          </p:nvPr>
-        </p:nvSpPr>
-        <p:spPr/>
-        <p:txBody>
-          <a:bodyPr/>
-          <a:lstStyle/>
-          <a:p>
-            <a:endParaRPr lang="en-US" dirty="0"/>
-          </a:p>
-        </p:txBody>
-      </p:sp>
-      <p:sp>
-        <p:nvSpPr>
-          <p:cNvPr id="4" name="Slide Number Placeholder 3"/>
-          <p:cNvSpPr>
-            <a:spLocks noGrp="1"/>
-          </p:cNvSpPr>
-          <p:nvPr>
-            <p:ph type="sldNum" sz="quarter" idx="5"/>
-          </p:nvPr>
-        </p:nvSpPr>
-        <p:spPr/>
-        <p:txBody>
-          <a:bodyPr/>
-          <a:lstStyle/>
-          <a:p>
-            <a:fld id="{84E17163-B04C-C34A-8000-FDF58C3633A6}" type="slidenum">
-              <a:rPr lang="en-US" smtClean="0"/>
-              <a:t>31</a:t>
+              <a:t>26</a:t>
             </a:fld>
             <a:endParaRPr lang="en-US" dirty="0"/>
           </a:p>
@@ -1718,90 +1209,6 @@
     <p:extLst>
       <p:ext uri="{BB962C8B-B14F-4D97-AF65-F5344CB8AC3E}">
         <p14:creationId xmlns:p14="http://schemas.microsoft.com/office/powerpoint/2010/main" val="3496999238"/>
-      </p:ext>
-    </p:extLst>
-  </p:cSld>
-  <p:clrMapOvr>
-    <a:masterClrMapping/>
-  </p:clrMapOvr>
-</p:notes>
-</file>
-
-<file path=ppt/notesSlides/notesSlide19.xml><?xml version="1.0" encoding="utf-8"?>
-<p:notes xmlns:a="http://schemas.openxmlformats.org/drawingml/2006/main" xmlns:r="http://schemas.openxmlformats.org/officeDocument/2006/relationships" xmlns:p="http://schemas.openxmlformats.org/presentationml/2006/main">
-  <p:cSld>
-    <p:spTree>
-      <p:nvGrpSpPr>
-        <p:cNvPr id="1" name=""/>
-        <p:cNvGrpSpPr/>
-        <p:nvPr/>
-      </p:nvGrpSpPr>
-      <p:grpSpPr>
-        <a:xfrm>
-          <a:off x="0" y="0"/>
-          <a:ext cx="0" cy="0"/>
-          <a:chOff x="0" y="0"/>
-          <a:chExt cx="0" cy="0"/>
-        </a:xfrm>
-      </p:grpSpPr>
-      <p:sp>
-        <p:nvSpPr>
-          <p:cNvPr id="2" name="Slide Image Placeholder 1"/>
-          <p:cNvSpPr>
-            <a:spLocks noGrp="1" noRot="1" noChangeAspect="1"/>
-          </p:cNvSpPr>
-          <p:nvPr>
-            <p:ph type="sldImg"/>
-          </p:nvPr>
-        </p:nvSpPr>
-        <p:spPr/>
-      </p:sp>
-      <p:sp>
-        <p:nvSpPr>
-          <p:cNvPr id="3" name="Notes Placeholder 2"/>
-          <p:cNvSpPr>
-            <a:spLocks noGrp="1"/>
-          </p:cNvSpPr>
-          <p:nvPr>
-            <p:ph type="body" idx="1"/>
-          </p:nvPr>
-        </p:nvSpPr>
-        <p:spPr/>
-        <p:txBody>
-          <a:bodyPr/>
-          <a:lstStyle/>
-          <a:p>
-            <a:endParaRPr lang="en-US" dirty="0"/>
-          </a:p>
-        </p:txBody>
-      </p:sp>
-      <p:sp>
-        <p:nvSpPr>
-          <p:cNvPr id="4" name="Slide Number Placeholder 3"/>
-          <p:cNvSpPr>
-            <a:spLocks noGrp="1"/>
-          </p:cNvSpPr>
-          <p:nvPr>
-            <p:ph type="sldNum" sz="quarter" idx="5"/>
-          </p:nvPr>
-        </p:nvSpPr>
-        <p:spPr/>
-        <p:txBody>
-          <a:bodyPr/>
-          <a:lstStyle/>
-          <a:p>
-            <a:fld id="{84E17163-B04C-C34A-8000-FDF58C3633A6}" type="slidenum">
-              <a:rPr lang="en-US" smtClean="0"/>
-              <a:t>40</a:t>
-            </a:fld>
-            <a:endParaRPr lang="en-US" dirty="0"/>
-          </a:p>
-        </p:txBody>
-      </p:sp>
-    </p:spTree>
-    <p:extLst>
-      <p:ext uri="{BB962C8B-B14F-4D97-AF65-F5344CB8AC3E}">
-        <p14:creationId xmlns:p14="http://schemas.microsoft.com/office/powerpoint/2010/main" val="102015328"/>
       </p:ext>
     </p:extLst>
   </p:cSld>
@@ -2305,7 +1712,7 @@
     </p:spTree>
     <p:extLst>
       <p:ext uri="{BB962C8B-B14F-4D97-AF65-F5344CB8AC3E}">
-        <p14:creationId xmlns:p14="http://schemas.microsoft.com/office/powerpoint/2010/main" val="3413776839"/>
+        <p14:creationId xmlns:p14="http://schemas.microsoft.com/office/powerpoint/2010/main" val="792615227"/>
       </p:ext>
     </p:extLst>
   </p:cSld>
@@ -2389,7 +1796,7 @@
     </p:spTree>
     <p:extLst>
       <p:ext uri="{BB962C8B-B14F-4D97-AF65-F5344CB8AC3E}">
-        <p14:creationId xmlns:p14="http://schemas.microsoft.com/office/powerpoint/2010/main" val="496278324"/>
+        <p14:creationId xmlns:p14="http://schemas.microsoft.com/office/powerpoint/2010/main" val="4084913354"/>
       </p:ext>
     </p:extLst>
   </p:cSld>
@@ -2464,7 +1871,7 @@
           <a:p>
             <a:fld id="{84E17163-B04C-C34A-8000-FDF58C3633A6}" type="slidenum">
               <a:rPr lang="en-US" smtClean="0"/>
-              <a:t>18</a:t>
+              <a:t>23</a:t>
             </a:fld>
             <a:endParaRPr lang="en-US" dirty="0"/>
           </a:p>
@@ -2473,7 +1880,7 @@
     </p:spTree>
     <p:extLst>
       <p:ext uri="{BB962C8B-B14F-4D97-AF65-F5344CB8AC3E}">
-        <p14:creationId xmlns:p14="http://schemas.microsoft.com/office/powerpoint/2010/main" val="1117230801"/>
+        <p14:creationId xmlns:p14="http://schemas.microsoft.com/office/powerpoint/2010/main" val="4052682830"/>
       </p:ext>
     </p:extLst>
   </p:cSld>
@@ -5281,6 +4688,46 @@
           </a:prstGeom>
         </p:spPr>
       </p:pic>
+      <p:sp>
+        <p:nvSpPr>
+          <p:cNvPr id="3" name="TextBox 2">
+            <a:extLst>
+              <a:ext uri="{FF2B5EF4-FFF2-40B4-BE49-F238E27FC236}">
+                <a16:creationId xmlns:a16="http://schemas.microsoft.com/office/drawing/2014/main" id="{862565ED-8738-279B-E74E-CE1FDD66F5B6}"/>
+              </a:ext>
+            </a:extLst>
+          </p:cNvPr>
+          <p:cNvSpPr txBox="1"/>
+          <p:nvPr/>
+        </p:nvSpPr>
+        <p:spPr>
+          <a:xfrm>
+            <a:off x="4734098" y="3955380"/>
+            <a:ext cx="4497185" cy="276999"/>
+          </a:xfrm>
+          <a:prstGeom prst="rect">
+            <a:avLst/>
+          </a:prstGeom>
+          <a:noFill/>
+        </p:spPr>
+        <p:txBody>
+          <a:bodyPr wrap="square" rtlCol="0">
+            <a:spAutoFit/>
+          </a:bodyPr>
+          <a:lstStyle/>
+          <a:p>
+            <a:r>
+              <a:rPr lang="en-US" sz="1200" b="1" dirty="0">
+                <a:effectLst/>
+                <a:latin typeface="Helvetica" panose="020B0604020202020204" pitchFamily="34" charset="0"/>
+                <a:ea typeface="Times New Roman" panose="02020603050405020304" pitchFamily="18" charset="0"/>
+              </a:rPr>
+              <a:t>CDISC Q3 COSA Quarterly Spotlight Webinar - 2023-10-05</a:t>
+            </a:r>
+            <a:endParaRPr lang="en-US" sz="1200" dirty="0"/>
+          </a:p>
+        </p:txBody>
+      </p:sp>
     </p:spTree>
     <p:extLst>
       <p:ext uri="{BB962C8B-B14F-4D97-AF65-F5344CB8AC3E}">
@@ -5642,7 +5089,23 @@
             <a:pPr marL="290513" indent="-285750"/>
             <a:r>
               <a:rPr lang="en-US" dirty="0"/>
-              <a:t>Missing values are represented by null in the case of numeric variables, and an empty string in case of character variables: </a:t>
+              <a:t>Missing values are represented by </a:t>
+            </a:r>
+            <a:r>
+              <a:rPr lang="en-US" b="1" dirty="0"/>
+              <a:t>null</a:t>
+            </a:r>
+            <a:r>
+              <a:rPr lang="en-US" dirty="0"/>
+              <a:t> in the case of numeric variables, and an </a:t>
+            </a:r>
+            <a:r>
+              <a:rPr lang="en-US" b="1" dirty="0"/>
+              <a:t>empty string </a:t>
+            </a:r>
+            <a:r>
+              <a:rPr lang="en-US" dirty="0"/>
+              <a:t>in case of character variables: </a:t>
             </a:r>
             <a:br>
               <a:rPr lang="en-US" dirty="0"/>
@@ -6552,759 +6015,6 @@
 </file>
 
 <file path=ppt/slides/slide16.xml><?xml version="1.0" encoding="utf-8"?>
-<p:sld xmlns:a="http://schemas.openxmlformats.org/drawingml/2006/main" xmlns:r="http://schemas.openxmlformats.org/officeDocument/2006/relationships" xmlns:p="http://schemas.openxmlformats.org/presentationml/2006/main" show="0">
-  <p:cSld>
-    <p:spTree>
-      <p:nvGrpSpPr>
-        <p:cNvPr id="1" name=""/>
-        <p:cNvGrpSpPr/>
-        <p:nvPr/>
-      </p:nvGrpSpPr>
-      <p:grpSpPr>
-        <a:xfrm>
-          <a:off x="0" y="0"/>
-          <a:ext cx="0" cy="0"/>
-          <a:chOff x="0" y="0"/>
-          <a:chExt cx="0" cy="0"/>
-        </a:xfrm>
-      </p:grpSpPr>
-      <p:sp>
-        <p:nvSpPr>
-          <p:cNvPr id="2" name="Title 1">
-            <a:extLst>
-              <a:ext uri="{FF2B5EF4-FFF2-40B4-BE49-F238E27FC236}">
-                <a16:creationId xmlns:a16="http://schemas.microsoft.com/office/drawing/2014/main" id="{2F7D6A95-13ED-604F-AA65-8144C0F6694B}"/>
-              </a:ext>
-            </a:extLst>
-          </p:cNvPr>
-          <p:cNvSpPr>
-            <a:spLocks noGrp="1"/>
-          </p:cNvSpPr>
-          <p:nvPr>
-            <p:ph type="title"/>
-          </p:nvPr>
-        </p:nvSpPr>
-        <p:spPr/>
-        <p:txBody>
-          <a:bodyPr>
-            <a:normAutofit/>
-          </a:bodyPr>
-          <a:lstStyle/>
-          <a:p>
-            <a:r>
-              <a:rPr lang="en-US" dirty="0"/>
-              <a:t>Writing Dataset-JSON with SAS</a:t>
-            </a:r>
-          </a:p>
-        </p:txBody>
-      </p:sp>
-      <p:sp>
-        <p:nvSpPr>
-          <p:cNvPr id="3" name="Content Placeholder 2">
-            <a:extLst>
-              <a:ext uri="{FF2B5EF4-FFF2-40B4-BE49-F238E27FC236}">
-                <a16:creationId xmlns:a16="http://schemas.microsoft.com/office/drawing/2014/main" id="{92C80A91-8A58-D34B-9C3A-DBCC37353BA0}"/>
-              </a:ext>
-            </a:extLst>
-          </p:cNvPr>
-          <p:cNvSpPr>
-            <a:spLocks noGrp="1"/>
-          </p:cNvSpPr>
-          <p:nvPr>
-            <p:ph idx="1"/>
-          </p:nvPr>
-        </p:nvSpPr>
-        <p:spPr>
-          <a:xfrm>
-            <a:off x="800100" y="855172"/>
-            <a:ext cx="7782792" cy="3812424"/>
-          </a:xfrm>
-        </p:spPr>
-        <p:txBody>
-          <a:bodyPr>
-            <a:normAutofit/>
-          </a:bodyPr>
-          <a:lstStyle/>
-          <a:p>
-            <a:pPr marL="4763" indent="0">
-              <a:buNone/>
-            </a:pPr>
-            <a:r>
-              <a:rPr lang="en-US" dirty="0"/>
-              <a:t>PROC JSON options (I used the </a:t>
-            </a:r>
-            <a:r>
-              <a:rPr lang="en-US" u="sng" dirty="0"/>
-              <a:t>underlined</a:t>
-            </a:r>
-            <a:r>
-              <a:rPr lang="en-US" dirty="0"/>
-              <a:t>)</a:t>
-            </a:r>
-          </a:p>
-          <a:p>
-            <a:pPr marL="290513" indent="-285750"/>
-            <a:r>
-              <a:rPr lang="en-US" sz="1600" b="1" dirty="0"/>
-              <a:t>PRETTY</a:t>
-            </a:r>
-            <a:r>
-              <a:rPr lang="en-US" sz="1600" dirty="0"/>
-              <a:t>  | </a:t>
-            </a:r>
-            <a:r>
-              <a:rPr lang="en-US" sz="1600" b="1" u="sng" dirty="0"/>
-              <a:t>NOPRETTY</a:t>
-            </a:r>
-            <a:r>
-              <a:rPr lang="en-US" sz="1600" dirty="0"/>
-              <a:t> - how to format the JSON output</a:t>
-            </a:r>
-          </a:p>
-          <a:p>
-            <a:pPr marL="290513" indent="-285750"/>
-            <a:r>
-              <a:rPr lang="en-US" sz="1600" b="1" dirty="0"/>
-              <a:t>FMTxxx </a:t>
-            </a:r>
-            <a:r>
-              <a:rPr lang="en-US" sz="1600" dirty="0"/>
-              <a:t>|</a:t>
-            </a:r>
-            <a:r>
-              <a:rPr lang="en-US" sz="1600" b="1" dirty="0"/>
-              <a:t> </a:t>
-            </a:r>
-            <a:r>
-              <a:rPr lang="en-US" sz="1600" b="1" u="sng" dirty="0"/>
-              <a:t>NOFMTxxx</a:t>
-            </a:r>
-            <a:r>
-              <a:rPr lang="en-US" sz="1600" b="1" dirty="0"/>
-              <a:t> </a:t>
-            </a:r>
-            <a:r>
-              <a:rPr lang="en-US" sz="1600" dirty="0"/>
-              <a:t>- whether to apply a character, numeric or date/time SAS format to the resulting output if a such a SAS format is associated with a SAS data set variable</a:t>
-            </a:r>
-          </a:p>
-          <a:p>
-            <a:pPr marL="290513" indent="-285750"/>
-            <a:r>
-              <a:rPr lang="en-US" sz="1600" b="1" u="sng" dirty="0"/>
-              <a:t>KEYS</a:t>
-            </a:r>
-            <a:r>
-              <a:rPr lang="en-US" sz="1600" dirty="0"/>
-              <a:t> | </a:t>
-            </a:r>
-            <a:r>
-              <a:rPr lang="en-US" sz="1600" b="1" u="sng" dirty="0"/>
-              <a:t>NOKEYS</a:t>
-            </a:r>
-            <a:r>
-              <a:rPr lang="en-US" sz="1600" dirty="0"/>
-              <a:t> - whether exported observations are written as JSON objects or as JSON arrays</a:t>
-            </a:r>
-          </a:p>
-          <a:p>
-            <a:pPr marL="290513" indent="-285750"/>
-            <a:r>
-              <a:rPr lang="en-US" sz="1600" b="1" dirty="0"/>
-              <a:t>SASTAGS</a:t>
-            </a:r>
-            <a:r>
-              <a:rPr lang="en-US" sz="1600" dirty="0"/>
-              <a:t>  | </a:t>
-            </a:r>
-            <a:r>
-              <a:rPr lang="en-US" sz="1600" b="1" u="sng" dirty="0"/>
-              <a:t>NOSASTAGS</a:t>
-            </a:r>
-            <a:r>
-              <a:rPr lang="en-US" sz="1600" dirty="0"/>
-              <a:t>  - include or suppress SAS metadata</a:t>
-            </a:r>
-          </a:p>
-          <a:p>
-            <a:pPr marL="290513" indent="-285750"/>
-            <a:r>
-              <a:rPr lang="en-US" sz="1600" b="1" u="sng" dirty="0"/>
-              <a:t>SCAN</a:t>
-            </a:r>
-            <a:r>
-              <a:rPr lang="en-US" sz="1600" dirty="0"/>
-              <a:t> | </a:t>
-            </a:r>
-            <a:r>
-              <a:rPr lang="en-US" sz="1600" b="1" dirty="0"/>
-              <a:t>NOSCAN</a:t>
-            </a:r>
-            <a:r>
-              <a:rPr lang="en-US" sz="1600" dirty="0"/>
-              <a:t> - scans and encodes input strings to ensure that only characters that are acceptable are exported to the JSON output file</a:t>
-            </a:r>
-          </a:p>
-          <a:p>
-            <a:pPr marL="290513" indent="-285750"/>
-            <a:r>
-              <a:rPr lang="en-US" sz="1600" b="1" u="sng" dirty="0"/>
-              <a:t>TRIMBLANKS</a:t>
-            </a:r>
-            <a:r>
-              <a:rPr lang="en-US" sz="1600" dirty="0"/>
-              <a:t> | </a:t>
-            </a:r>
-            <a:r>
-              <a:rPr lang="en-US" sz="1600" b="1" dirty="0"/>
-              <a:t>NOTRIMBLANKS</a:t>
-            </a:r>
-            <a:r>
-              <a:rPr lang="en-US" sz="1600" dirty="0"/>
-              <a:t> - remove or retain trailing blanks from the end of character data in the JSON OUTPUT</a:t>
-            </a:r>
-          </a:p>
-          <a:p>
-            <a:pPr marL="290513" indent="-285750"/>
-            <a:endParaRPr lang="en-US" dirty="0"/>
-          </a:p>
-        </p:txBody>
-      </p:sp>
-      <p:sp>
-        <p:nvSpPr>
-          <p:cNvPr id="6" name="Slide Number Placeholder 5">
-            <a:extLst>
-              <a:ext uri="{FF2B5EF4-FFF2-40B4-BE49-F238E27FC236}">
-                <a16:creationId xmlns:a16="http://schemas.microsoft.com/office/drawing/2014/main" id="{AC50CA00-99F7-3E44-A839-0402F441E9AA}"/>
-              </a:ext>
-            </a:extLst>
-          </p:cNvPr>
-          <p:cNvSpPr>
-            <a:spLocks noGrp="1"/>
-          </p:cNvSpPr>
-          <p:nvPr>
-            <p:ph type="sldNum" sz="quarter" idx="12"/>
-          </p:nvPr>
-        </p:nvSpPr>
-        <p:spPr/>
-        <p:txBody>
-          <a:bodyPr/>
-          <a:lstStyle/>
-          <a:p>
-            <a:fld id="{EB4FF9C4-EEBF-D24D-8A4E-C0B9CCE3F975}" type="slidenum">
-              <a:rPr lang="en-US" smtClean="0"/>
-              <a:pPr/>
-              <a:t>16</a:t>
-            </a:fld>
-            <a:endParaRPr lang="en-US" dirty="0"/>
-          </a:p>
-        </p:txBody>
-      </p:sp>
-      <p:sp>
-        <p:nvSpPr>
-          <p:cNvPr id="5" name="Footer Placeholder 4"/>
-          <p:cNvSpPr>
-            <a:spLocks noGrp="1"/>
-          </p:cNvSpPr>
-          <p:nvPr>
-            <p:ph type="ftr" sz="quarter" idx="3"/>
-          </p:nvPr>
-        </p:nvSpPr>
-        <p:spPr>
-          <a:xfrm>
-            <a:off x="2500132" y="4767263"/>
-            <a:ext cx="4676172" cy="273844"/>
-          </a:xfrm>
-          <a:prstGeom prst="rect">
-            <a:avLst/>
-          </a:prstGeom>
-        </p:spPr>
-        <p:txBody>
-          <a:bodyPr vert="horz" lIns="0" tIns="0" rIns="0" bIns="0" rtlCol="0" anchor="ctr"/>
-          <a:lstStyle>
-            <a:lvl1pPr algn="ctr">
-              <a:defRPr sz="800" b="1">
-                <a:solidFill>
-                  <a:schemeClr val="tx1"/>
-                </a:solidFill>
-              </a:defRPr>
-            </a:lvl1pPr>
-          </a:lstStyle>
-          <a:p>
-            <a:endParaRPr lang="en-US" dirty="0"/>
-          </a:p>
-        </p:txBody>
-      </p:sp>
-    </p:spTree>
-    <p:extLst>
-      <p:ext uri="{BB962C8B-B14F-4D97-AF65-F5344CB8AC3E}">
-        <p14:creationId xmlns:p14="http://schemas.microsoft.com/office/powerpoint/2010/main" val="216338830"/>
-      </p:ext>
-    </p:extLst>
-  </p:cSld>
-  <p:clrMapOvr>
-    <a:masterClrMapping/>
-  </p:clrMapOvr>
-</p:sld>
-</file>
-
-<file path=ppt/slides/slide17.xml><?xml version="1.0" encoding="utf-8"?>
-<p:sld xmlns:a="http://schemas.openxmlformats.org/drawingml/2006/main" xmlns:r="http://schemas.openxmlformats.org/officeDocument/2006/relationships" xmlns:p="http://schemas.openxmlformats.org/presentationml/2006/main" show="0">
-  <p:cSld>
-    <p:spTree>
-      <p:nvGrpSpPr>
-        <p:cNvPr id="1" name=""/>
-        <p:cNvGrpSpPr/>
-        <p:nvPr/>
-      </p:nvGrpSpPr>
-      <p:grpSpPr>
-        <a:xfrm>
-          <a:off x="0" y="0"/>
-          <a:ext cx="0" cy="0"/>
-          <a:chOff x="0" y="0"/>
-          <a:chExt cx="0" cy="0"/>
-        </a:xfrm>
-      </p:grpSpPr>
-      <p:sp>
-        <p:nvSpPr>
-          <p:cNvPr id="2" name="Title 1">
-            <a:extLst>
-              <a:ext uri="{FF2B5EF4-FFF2-40B4-BE49-F238E27FC236}">
-                <a16:creationId xmlns:a16="http://schemas.microsoft.com/office/drawing/2014/main" id="{2F7D6A95-13ED-604F-AA65-8144C0F6694B}"/>
-              </a:ext>
-            </a:extLst>
-          </p:cNvPr>
-          <p:cNvSpPr>
-            <a:spLocks noGrp="1"/>
-          </p:cNvSpPr>
-          <p:nvPr>
-            <p:ph type="title"/>
-          </p:nvPr>
-        </p:nvSpPr>
-        <p:spPr/>
-        <p:txBody>
-          <a:bodyPr>
-            <a:normAutofit/>
-          </a:bodyPr>
-          <a:lstStyle/>
-          <a:p>
-            <a:r>
-              <a:rPr lang="en-US" dirty="0"/>
-              <a:t>Writing Dataset-JSON  with SAS</a:t>
-            </a:r>
-          </a:p>
-        </p:txBody>
-      </p:sp>
-      <p:sp>
-        <p:nvSpPr>
-          <p:cNvPr id="3" name="Content Placeholder 2">
-            <a:extLst>
-              <a:ext uri="{FF2B5EF4-FFF2-40B4-BE49-F238E27FC236}">
-                <a16:creationId xmlns:a16="http://schemas.microsoft.com/office/drawing/2014/main" id="{92C80A91-8A58-D34B-9C3A-DBCC37353BA0}"/>
-              </a:ext>
-            </a:extLst>
-          </p:cNvPr>
-          <p:cNvSpPr>
-            <a:spLocks noGrp="1"/>
-          </p:cNvSpPr>
-          <p:nvPr>
-            <p:ph idx="1"/>
-          </p:nvPr>
-        </p:nvSpPr>
-        <p:spPr>
-          <a:xfrm>
-            <a:off x="675021" y="964276"/>
-            <a:ext cx="8115688" cy="3433156"/>
-          </a:xfrm>
-        </p:spPr>
-        <p:txBody>
-          <a:bodyPr>
-            <a:normAutofit/>
-          </a:bodyPr>
-          <a:lstStyle/>
-          <a:p>
-            <a:pPr marL="290513" indent="-285750"/>
-            <a:r>
-              <a:rPr lang="en-US" dirty="0"/>
-              <a:t>The </a:t>
-            </a:r>
-            <a:r>
-              <a:rPr lang="en-US" b="1" dirty="0"/>
-              <a:t>EXPORT</a:t>
-            </a:r>
-            <a:r>
-              <a:rPr lang="en-US" dirty="0"/>
-              <a:t> statement </a:t>
-            </a:r>
-          </a:p>
-          <a:p>
-            <a:pPr marL="633413" lvl="1" indent="-285750"/>
-            <a:r>
-              <a:rPr lang="en-US" dirty="0"/>
-              <a:t>identifies the SAS data set to be exported</a:t>
-            </a:r>
-          </a:p>
-          <a:p>
-            <a:pPr marL="633413" lvl="1" indent="-285750"/>
-            <a:r>
-              <a:rPr lang="en-US" dirty="0"/>
-              <a:t>allows to  control the resulting output by using options that are specific to PROC JSON</a:t>
-            </a:r>
-          </a:p>
-          <a:p>
-            <a:pPr marL="633413" lvl="1" indent="-285750"/>
-            <a:r>
-              <a:rPr lang="en-US" dirty="0"/>
-              <a:t>Allows to control SAS data set options that are applied to the input SAS data set.</a:t>
-            </a:r>
-          </a:p>
-          <a:p>
-            <a:pPr marL="290513" indent="-285750"/>
-            <a:r>
-              <a:rPr lang="en-US" dirty="0"/>
-              <a:t>Same options as on the previous slide (except PRETTY / NOPRETTY)</a:t>
-            </a:r>
-          </a:p>
-          <a:p>
-            <a:pPr marL="290513" indent="-285750"/>
-            <a:r>
-              <a:rPr lang="en-US" dirty="0"/>
-              <a:t>If the EXPORT statement is the first statement after the PROC JSON statement, the top-level container is a JSON </a:t>
-            </a:r>
-            <a:r>
-              <a:rPr lang="en-US" b="1" dirty="0"/>
-              <a:t>object</a:t>
-            </a:r>
-          </a:p>
-          <a:p>
-            <a:pPr marL="290513" indent="-285750"/>
-            <a:r>
-              <a:rPr lang="en-US" dirty="0"/>
-              <a:t>if the NOSASTAGS option is specified in either the PROC JSON or the EXPORT statement, the top-level container is a JSON </a:t>
-            </a:r>
-            <a:r>
-              <a:rPr lang="en-US" b="1" dirty="0"/>
-              <a:t>array</a:t>
-            </a:r>
-          </a:p>
-        </p:txBody>
-      </p:sp>
-      <p:sp>
-        <p:nvSpPr>
-          <p:cNvPr id="6" name="Slide Number Placeholder 5">
-            <a:extLst>
-              <a:ext uri="{FF2B5EF4-FFF2-40B4-BE49-F238E27FC236}">
-                <a16:creationId xmlns:a16="http://schemas.microsoft.com/office/drawing/2014/main" id="{AC50CA00-99F7-3E44-A839-0402F441E9AA}"/>
-              </a:ext>
-            </a:extLst>
-          </p:cNvPr>
-          <p:cNvSpPr>
-            <a:spLocks noGrp="1"/>
-          </p:cNvSpPr>
-          <p:nvPr>
-            <p:ph type="sldNum" sz="quarter" idx="12"/>
-          </p:nvPr>
-        </p:nvSpPr>
-        <p:spPr/>
-        <p:txBody>
-          <a:bodyPr/>
-          <a:lstStyle/>
-          <a:p>
-            <a:fld id="{EB4FF9C4-EEBF-D24D-8A4E-C0B9CCE3F975}" type="slidenum">
-              <a:rPr lang="en-US" smtClean="0"/>
-              <a:pPr/>
-              <a:t>17</a:t>
-            </a:fld>
-            <a:endParaRPr lang="en-US" dirty="0"/>
-          </a:p>
-        </p:txBody>
-      </p:sp>
-      <p:sp>
-        <p:nvSpPr>
-          <p:cNvPr id="5" name="Footer Placeholder 4"/>
-          <p:cNvSpPr>
-            <a:spLocks noGrp="1"/>
-          </p:cNvSpPr>
-          <p:nvPr>
-            <p:ph type="ftr" sz="quarter" idx="3"/>
-          </p:nvPr>
-        </p:nvSpPr>
-        <p:spPr>
-          <a:xfrm>
-            <a:off x="2500132" y="4767263"/>
-            <a:ext cx="4676172" cy="273844"/>
-          </a:xfrm>
-          <a:prstGeom prst="rect">
-            <a:avLst/>
-          </a:prstGeom>
-        </p:spPr>
-        <p:txBody>
-          <a:bodyPr vert="horz" lIns="0" tIns="0" rIns="0" bIns="0" rtlCol="0" anchor="ctr"/>
-          <a:lstStyle>
-            <a:lvl1pPr algn="ctr">
-              <a:defRPr sz="800" b="1">
-                <a:solidFill>
-                  <a:schemeClr val="tx1"/>
-                </a:solidFill>
-              </a:defRPr>
-            </a:lvl1pPr>
-          </a:lstStyle>
-          <a:p>
-            <a:endParaRPr lang="en-US" dirty="0"/>
-          </a:p>
-        </p:txBody>
-      </p:sp>
-    </p:spTree>
-    <p:extLst>
-      <p:ext uri="{BB962C8B-B14F-4D97-AF65-F5344CB8AC3E}">
-        <p14:creationId xmlns:p14="http://schemas.microsoft.com/office/powerpoint/2010/main" val="2910434753"/>
-      </p:ext>
-    </p:extLst>
-  </p:cSld>
-  <p:clrMapOvr>
-    <a:masterClrMapping/>
-  </p:clrMapOvr>
-</p:sld>
-</file>
-
-<file path=ppt/slides/slide18.xml><?xml version="1.0" encoding="utf-8"?>
-<p:sld xmlns:a="http://schemas.openxmlformats.org/drawingml/2006/main" xmlns:r="http://schemas.openxmlformats.org/officeDocument/2006/relationships" xmlns:p="http://schemas.openxmlformats.org/presentationml/2006/main" show="0">
-  <p:cSld>
-    <p:spTree>
-      <p:nvGrpSpPr>
-        <p:cNvPr id="1" name=""/>
-        <p:cNvGrpSpPr/>
-        <p:nvPr/>
-      </p:nvGrpSpPr>
-      <p:grpSpPr>
-        <a:xfrm>
-          <a:off x="0" y="0"/>
-          <a:ext cx="0" cy="0"/>
-          <a:chOff x="0" y="0"/>
-          <a:chExt cx="0" cy="0"/>
-        </a:xfrm>
-      </p:grpSpPr>
-      <p:sp>
-        <p:nvSpPr>
-          <p:cNvPr id="2" name="Title 1">
-            <a:extLst>
-              <a:ext uri="{FF2B5EF4-FFF2-40B4-BE49-F238E27FC236}">
-                <a16:creationId xmlns:a16="http://schemas.microsoft.com/office/drawing/2014/main" id="{2F7D6A95-13ED-604F-AA65-8144C0F6694B}"/>
-              </a:ext>
-            </a:extLst>
-          </p:cNvPr>
-          <p:cNvSpPr>
-            <a:spLocks noGrp="1"/>
-          </p:cNvSpPr>
-          <p:nvPr>
-            <p:ph type="title"/>
-          </p:nvPr>
-        </p:nvSpPr>
-        <p:spPr/>
-        <p:txBody>
-          <a:bodyPr>
-            <a:normAutofit/>
-          </a:bodyPr>
-          <a:lstStyle/>
-          <a:p>
-            <a:r>
-              <a:rPr lang="en-US" dirty="0"/>
-              <a:t>Writing Dataset-JSON  with SAS</a:t>
-            </a:r>
-          </a:p>
-        </p:txBody>
-      </p:sp>
-      <p:sp>
-        <p:nvSpPr>
-          <p:cNvPr id="3" name="Content Placeholder 2">
-            <a:extLst>
-              <a:ext uri="{FF2B5EF4-FFF2-40B4-BE49-F238E27FC236}">
-                <a16:creationId xmlns:a16="http://schemas.microsoft.com/office/drawing/2014/main" id="{92C80A91-8A58-D34B-9C3A-DBCC37353BA0}"/>
-              </a:ext>
-            </a:extLst>
-          </p:cNvPr>
-          <p:cNvSpPr>
-            <a:spLocks noGrp="1"/>
-          </p:cNvSpPr>
-          <p:nvPr>
-            <p:ph idx="1"/>
-          </p:nvPr>
-        </p:nvSpPr>
-        <p:spPr>
-          <a:xfrm>
-            <a:off x="675021" y="964276"/>
-            <a:ext cx="8115688" cy="3433156"/>
-          </a:xfrm>
-        </p:spPr>
-        <p:txBody>
-          <a:bodyPr>
-            <a:normAutofit/>
-          </a:bodyPr>
-          <a:lstStyle/>
-          <a:p>
-            <a:pPr marL="290513" indent="-285750"/>
-            <a:r>
-              <a:rPr lang="en-US" dirty="0"/>
-              <a:t>The </a:t>
-            </a:r>
-            <a:r>
-              <a:rPr lang="en-US" b="1" dirty="0"/>
-              <a:t>WRITE</a:t>
-            </a:r>
-            <a:r>
-              <a:rPr lang="en-US" dirty="0"/>
-              <a:t> statement allows the user to write one or more literal values to the JSON output file</a:t>
-            </a:r>
-          </a:p>
-          <a:p>
-            <a:pPr marL="290513" indent="-285750"/>
-            <a:r>
-              <a:rPr lang="en-US" dirty="0"/>
-              <a:t>The value can be either a string, a number, a Boolean value (TRUE or FALSE), or NULL</a:t>
-            </a:r>
-          </a:p>
-          <a:p>
-            <a:pPr marL="290513" indent="-285750"/>
-            <a:r>
-              <a:rPr lang="en-US" dirty="0"/>
-              <a:t>SCAN | NOSCAN and TRIMBLANKS | NOTRIMBLANKS can be specified</a:t>
-            </a:r>
-          </a:p>
-          <a:p>
-            <a:pPr marL="290513" indent="-285750"/>
-            <a:r>
-              <a:rPr lang="en-US" dirty="0"/>
-              <a:t>The </a:t>
-            </a:r>
-            <a:r>
-              <a:rPr lang="en-US" b="1" dirty="0"/>
-              <a:t>WRITE OPEN</a:t>
-            </a:r>
-            <a:r>
-              <a:rPr lang="en-US" dirty="0"/>
-              <a:t> &lt;type&gt; and </a:t>
-            </a:r>
-            <a:r>
-              <a:rPr lang="en-US" b="1" dirty="0"/>
-              <a:t>WRITE CLOSE</a:t>
-            </a:r>
-            <a:r>
-              <a:rPr lang="en-US" dirty="0"/>
-              <a:t> statements allow the user to open, close, and nest containers</a:t>
-            </a:r>
-          </a:p>
-          <a:p>
-            <a:pPr marL="290513" indent="-285750"/>
-            <a:r>
-              <a:rPr lang="en-US" dirty="0"/>
-              <a:t>&lt;type&gt; in the </a:t>
-            </a:r>
-            <a:r>
-              <a:rPr lang="en-US" b="1" dirty="0"/>
-              <a:t>WRITE OPEN</a:t>
-            </a:r>
-            <a:r>
-              <a:rPr lang="en-US" dirty="0"/>
-              <a:t> statement can be either </a:t>
-            </a:r>
-            <a:r>
-              <a:rPr lang="en-US" b="1" dirty="0"/>
-              <a:t>ARRAY</a:t>
-            </a:r>
-            <a:r>
-              <a:rPr lang="en-US" dirty="0"/>
-              <a:t> or </a:t>
-            </a:r>
-            <a:r>
-              <a:rPr lang="en-US" b="1" dirty="0"/>
-              <a:t>OBJECT</a:t>
-            </a:r>
-            <a:br>
-              <a:rPr lang="en-US" dirty="0"/>
-            </a:br>
-            <a:endParaRPr lang="en-US" dirty="0"/>
-          </a:p>
-        </p:txBody>
-      </p:sp>
-      <p:sp>
-        <p:nvSpPr>
-          <p:cNvPr id="6" name="Slide Number Placeholder 5">
-            <a:extLst>
-              <a:ext uri="{FF2B5EF4-FFF2-40B4-BE49-F238E27FC236}">
-                <a16:creationId xmlns:a16="http://schemas.microsoft.com/office/drawing/2014/main" id="{AC50CA00-99F7-3E44-A839-0402F441E9AA}"/>
-              </a:ext>
-            </a:extLst>
-          </p:cNvPr>
-          <p:cNvSpPr>
-            <a:spLocks noGrp="1"/>
-          </p:cNvSpPr>
-          <p:nvPr>
-            <p:ph type="sldNum" sz="quarter" idx="12"/>
-          </p:nvPr>
-        </p:nvSpPr>
-        <p:spPr/>
-        <p:txBody>
-          <a:bodyPr/>
-          <a:lstStyle/>
-          <a:p>
-            <a:fld id="{EB4FF9C4-EEBF-D24D-8A4E-C0B9CCE3F975}" type="slidenum">
-              <a:rPr lang="en-US" smtClean="0"/>
-              <a:pPr/>
-              <a:t>18</a:t>
-            </a:fld>
-            <a:endParaRPr lang="en-US" dirty="0"/>
-          </a:p>
-        </p:txBody>
-      </p:sp>
-      <p:sp>
-        <p:nvSpPr>
-          <p:cNvPr id="5" name="Footer Placeholder 4"/>
-          <p:cNvSpPr>
-            <a:spLocks noGrp="1"/>
-          </p:cNvSpPr>
-          <p:nvPr>
-            <p:ph type="ftr" sz="quarter" idx="3"/>
-          </p:nvPr>
-        </p:nvSpPr>
-        <p:spPr>
-          <a:xfrm>
-            <a:off x="2500132" y="4767263"/>
-            <a:ext cx="4676172" cy="273844"/>
-          </a:xfrm>
-          <a:prstGeom prst="rect">
-            <a:avLst/>
-          </a:prstGeom>
-        </p:spPr>
-        <p:txBody>
-          <a:bodyPr vert="horz" lIns="0" tIns="0" rIns="0" bIns="0" rtlCol="0" anchor="ctr"/>
-          <a:lstStyle>
-            <a:lvl1pPr algn="ctr">
-              <a:defRPr sz="800" b="1">
-                <a:solidFill>
-                  <a:schemeClr val="tx1"/>
-                </a:solidFill>
-              </a:defRPr>
-            </a:lvl1pPr>
-          </a:lstStyle>
-          <a:p>
-            <a:endParaRPr lang="en-US" dirty="0"/>
-          </a:p>
-        </p:txBody>
-      </p:sp>
-    </p:spTree>
-    <p:extLst>
-      <p:ext uri="{BB962C8B-B14F-4D97-AF65-F5344CB8AC3E}">
-        <p14:creationId xmlns:p14="http://schemas.microsoft.com/office/powerpoint/2010/main" val="314997760"/>
-      </p:ext>
-    </p:extLst>
-  </p:cSld>
-  <p:clrMapOvr>
-    <a:masterClrMapping/>
-  </p:clrMapOvr>
-</p:sld>
-</file>
-
-<file path=ppt/slides/slide19.xml><?xml version="1.0" encoding="utf-8"?>
 <p:sld xmlns:a="http://schemas.openxmlformats.org/drawingml/2006/main" xmlns:r="http://schemas.openxmlformats.org/officeDocument/2006/relationships" xmlns:p="http://schemas.openxmlformats.org/presentationml/2006/main">
   <p:cSld>
     <p:spTree>
@@ -7369,8 +6079,8 @@
         </p:nvSpPr>
         <p:spPr>
           <a:xfrm>
-            <a:off x="504966" y="788719"/>
-            <a:ext cx="4299486" cy="3902824"/>
+            <a:off x="694112" y="788719"/>
+            <a:ext cx="4110339" cy="3902824"/>
           </a:xfrm>
         </p:spPr>
         <p:txBody>
@@ -9356,7 +8066,7 @@
             <a:fld id="{EB4FF9C4-EEBF-D24D-8A4E-C0B9CCE3F975}" type="slidenum">
               <a:rPr lang="en-US" smtClean="0"/>
               <a:pPr/>
-              <a:t>19</a:t>
+              <a:t>16</a:t>
             </a:fld>
             <a:endParaRPr lang="en-US" dirty="0"/>
           </a:p>
@@ -9385,12 +8095,7 @@
             <a:avLst/>
           </a:prstGeom>
           <a:ln>
-            <a:solidFill>
-              <a:schemeClr val="tx2">
-                <a:lumMod val="40000"/>
-                <a:lumOff val="60000"/>
-              </a:schemeClr>
-            </a:solidFill>
+            <a:noFill/>
           </a:ln>
         </p:spPr>
         <p:txBody>
@@ -10297,7 +9002,7 @@
         </p:nvSpPr>
         <p:spPr>
           <a:xfrm>
-            <a:off x="5830883" y="2707158"/>
+            <a:off x="5830883" y="2757537"/>
             <a:ext cx="1818692" cy="186789"/>
           </a:xfrm>
           <a:prstGeom prst="rect">
@@ -10424,14 +9129,13 @@
           </p:cNvPr>
           <p:cNvCxnSpPr>
             <a:cxnSpLocks/>
-            <a:endCxn id="4" idx="1"/>
           </p:cNvCxnSpPr>
           <p:nvPr/>
         </p:nvCxnSpPr>
         <p:spPr>
           <a:xfrm flipV="1">
-            <a:off x="3541594" y="2800553"/>
-            <a:ext cx="2289289" cy="365728"/>
+            <a:off x="4381319" y="2894878"/>
+            <a:ext cx="1204755" cy="195014"/>
           </a:xfrm>
           <a:prstGeom prst="line">
             <a:avLst/>
@@ -10440,6 +9144,7 @@
             <a:solidFill>
               <a:srgbClr val="C00000"/>
             </a:solidFill>
+            <a:tailEnd type="triangle"/>
           </a:ln>
         </p:spPr>
         <p:style>
@@ -10468,14 +9173,13 @@
           </p:cNvPr>
           <p:cNvCxnSpPr>
             <a:cxnSpLocks/>
-            <a:endCxn id="8" idx="1"/>
           </p:cNvCxnSpPr>
           <p:nvPr/>
         </p:nvCxnSpPr>
         <p:spPr>
           <a:xfrm flipV="1">
-            <a:off x="3391469" y="3518343"/>
-            <a:ext cx="2439414" cy="200672"/>
+            <a:off x="4086631" y="3518343"/>
+            <a:ext cx="1456106" cy="186789"/>
           </a:xfrm>
           <a:prstGeom prst="line">
             <a:avLst/>
@@ -10484,6 +9188,7 @@
             <a:solidFill>
               <a:srgbClr val="C00000"/>
             </a:solidFill>
+            <a:tailEnd type="triangle"/>
           </a:ln>
         </p:spPr>
         <p:style>
@@ -10501,6 +9206,45 @@
           </a:fontRef>
         </p:style>
       </p:cxnSp>
+      <p:sp>
+        <p:nvSpPr>
+          <p:cNvPr id="19" name="TextBox 18">
+            <a:extLst>
+              <a:ext uri="{FF2B5EF4-FFF2-40B4-BE49-F238E27FC236}">
+                <a16:creationId xmlns:a16="http://schemas.microsoft.com/office/drawing/2014/main" id="{30769A84-CFA6-D312-00DA-D460DB4A5B82}"/>
+              </a:ext>
+            </a:extLst>
+          </p:cNvPr>
+          <p:cNvSpPr txBox="1"/>
+          <p:nvPr/>
+        </p:nvSpPr>
+        <p:spPr>
+          <a:xfrm>
+            <a:off x="1678675" y="4681835"/>
+            <a:ext cx="6701845" cy="276999"/>
+          </a:xfrm>
+          <a:prstGeom prst="rect">
+            <a:avLst/>
+          </a:prstGeom>
+          <a:noFill/>
+        </p:spPr>
+        <p:txBody>
+          <a:bodyPr wrap="square" rtlCol="0">
+            <a:noAutofit/>
+          </a:bodyPr>
+          <a:lstStyle/>
+          <a:p>
+            <a:r>
+              <a:rPr lang="en-US" sz="1200" b="1" dirty="0"/>
+              <a:t>EXPORT </a:t>
+            </a:r>
+            <a:r>
+              <a:rPr lang="en-US" sz="1200" dirty="0"/>
+              <a:t>creates empty strings or null with missing data..</a:t>
+            </a:r>
+          </a:p>
+        </p:txBody>
+      </p:sp>
     </p:spTree>
     <p:extLst>
       <p:ext uri="{BB962C8B-B14F-4D97-AF65-F5344CB8AC3E}">
@@ -10558,33 +9302,15 @@
                                   </p:childTnLst>
                                 </p:cTn>
                               </p:par>
-                            </p:childTnLst>
-                          </p:cTn>
-                        </p:par>
-                      </p:childTnLst>
-                    </p:cTn>
-                  </p:par>
-                  <p:par>
-                    <p:cTn id="7" fill="hold">
-                      <p:stCondLst>
-                        <p:cond delay="indefinite"/>
-                      </p:stCondLst>
-                      <p:childTnLst>
-                        <p:par>
-                          <p:cTn id="8" fill="hold">
-                            <p:stCondLst>
-                              <p:cond delay="0"/>
-                            </p:stCondLst>
-                            <p:childTnLst>
                               <p:par>
-                                <p:cTn id="9" presetID="1" presetClass="entr" presetSubtype="0" fill="hold" grpId="0" nodeType="clickEffect">
+                                <p:cTn id="7" presetID="1" presetClass="entr" presetSubtype="0" fill="hold" grpId="0" nodeType="withEffect">
                                   <p:stCondLst>
                                     <p:cond delay="0"/>
                                   </p:stCondLst>
                                   <p:childTnLst>
                                     <p:set>
                                       <p:cBhvr>
-                                        <p:cTn id="10" dur="1" fill="hold">
+                                        <p:cTn id="8" dur="1" fill="hold">
                                           <p:stCondLst>
                                             <p:cond delay="0"/>
                                           </p:stCondLst>
@@ -10604,20 +9330,20 @@
                                 </p:cTn>
                               </p:par>
                               <p:par>
-                                <p:cTn id="11" presetID="1" presetClass="entr" presetSubtype="0" fill="hold" nodeType="withEffect">
+                                <p:cTn id="9" presetID="1" presetClass="entr" presetSubtype="0" fill="hold" grpId="0" nodeType="withEffect">
                                   <p:stCondLst>
                                     <p:cond delay="0"/>
                                   </p:stCondLst>
                                   <p:childTnLst>
                                     <p:set>
                                       <p:cBhvr>
-                                        <p:cTn id="12" dur="1" fill="hold">
+                                        <p:cTn id="10" dur="1" fill="hold">
                                           <p:stCondLst>
                                             <p:cond delay="0"/>
                                           </p:stCondLst>
                                         </p:cTn>
                                         <p:tgtEl>
-                                          <p:spTgt spid="10"/>
+                                          <p:spTgt spid="8"/>
                                         </p:tgtEl>
                                         <p:attrNameLst>
                                           <p:attrName>style.visibility</p:attrName>
@@ -10637,32 +9363,32 @@
                     </p:cTn>
                   </p:par>
                   <p:par>
-                    <p:cTn id="13" fill="hold">
+                    <p:cTn id="11" fill="hold">
                       <p:stCondLst>
                         <p:cond delay="indefinite"/>
                       </p:stCondLst>
                       <p:childTnLst>
                         <p:par>
-                          <p:cTn id="14" fill="hold">
+                          <p:cTn id="12" fill="hold">
                             <p:stCondLst>
                               <p:cond delay="0"/>
                             </p:stCondLst>
                             <p:childTnLst>
                               <p:par>
-                                <p:cTn id="15" presetID="1" presetClass="entr" presetSubtype="0" fill="hold" grpId="0" nodeType="clickEffect">
+                                <p:cTn id="13" presetID="1" presetClass="entr" presetSubtype="0" fill="hold" nodeType="clickEffect">
                                   <p:stCondLst>
                                     <p:cond delay="0"/>
                                   </p:stCondLst>
                                   <p:childTnLst>
                                     <p:set>
                                       <p:cBhvr>
-                                        <p:cTn id="16" dur="1" fill="hold">
+                                        <p:cTn id="14" dur="1" fill="hold">
                                           <p:stCondLst>
                                             <p:cond delay="0"/>
                                           </p:stCondLst>
                                         </p:cTn>
                                         <p:tgtEl>
-                                          <p:spTgt spid="8"/>
+                                          <p:spTgt spid="10"/>
                                         </p:tgtEl>
                                         <p:attrNameLst>
                                           <p:attrName>style.visibility</p:attrName>
@@ -10676,20 +9402,65 @@
                                 </p:cTn>
                               </p:par>
                               <p:par>
-                                <p:cTn id="17" presetID="1" presetClass="entr" presetSubtype="0" fill="hold" nodeType="withEffect">
+                                <p:cTn id="15" presetID="1" presetClass="entr" presetSubtype="0" fill="hold" nodeType="withEffect">
                                   <p:stCondLst>
                                     <p:cond delay="0"/>
                                   </p:stCondLst>
                                   <p:childTnLst>
                                     <p:set>
                                       <p:cBhvr>
-                                        <p:cTn id="18" dur="1" fill="hold">
+                                        <p:cTn id="16" dur="1" fill="hold">
                                           <p:stCondLst>
                                             <p:cond delay="0"/>
                                           </p:stCondLst>
                                         </p:cTn>
                                         <p:tgtEl>
                                           <p:spTgt spid="11"/>
+                                        </p:tgtEl>
+                                        <p:attrNameLst>
+                                          <p:attrName>style.visibility</p:attrName>
+                                        </p:attrNameLst>
+                                      </p:cBhvr>
+                                      <p:to>
+                                        <p:strVal val="visible"/>
+                                      </p:to>
+                                    </p:set>
+                                  </p:childTnLst>
+                                </p:cTn>
+                              </p:par>
+                            </p:childTnLst>
+                          </p:cTn>
+                        </p:par>
+                      </p:childTnLst>
+                    </p:cTn>
+                  </p:par>
+                  <p:par>
+                    <p:cTn id="17" fill="hold">
+                      <p:stCondLst>
+                        <p:cond delay="indefinite"/>
+                      </p:stCondLst>
+                      <p:childTnLst>
+                        <p:par>
+                          <p:cTn id="18" fill="hold">
+                            <p:stCondLst>
+                              <p:cond delay="0"/>
+                            </p:stCondLst>
+                            <p:childTnLst>
+                              <p:par>
+                                <p:cTn id="19" presetID="1" presetClass="entr" presetSubtype="0" fill="hold" grpId="0" nodeType="clickEffect">
+                                  <p:stCondLst>
+                                    <p:cond delay="0"/>
+                                  </p:stCondLst>
+                                  <p:childTnLst>
+                                    <p:set>
+                                      <p:cBhvr>
+                                        <p:cTn id="20" dur="1" fill="hold">
+                                          <p:stCondLst>
+                                            <p:cond delay="0"/>
+                                          </p:stCondLst>
+                                        </p:cTn>
+                                        <p:tgtEl>
+                                          <p:spTgt spid="19"/>
                                         </p:tgtEl>
                                         <p:attrNameLst>
                                           <p:attrName>style.visibility</p:attrName>
@@ -10733,240 +9504,13 @@
       <p:bldP spid="7" grpId="0" animBg="1"/>
       <p:bldP spid="4" grpId="0" animBg="1"/>
       <p:bldP spid="8" grpId="0" animBg="1"/>
+      <p:bldP spid="19" grpId="0"/>
     </p:bldLst>
   </p:timing>
 </p:sld>
 </file>
 
-<file path=ppt/slides/slide2.xml><?xml version="1.0" encoding="utf-8"?>
-<p:sld xmlns:a="http://schemas.openxmlformats.org/drawingml/2006/main" xmlns:r="http://schemas.openxmlformats.org/officeDocument/2006/relationships" xmlns:p="http://schemas.openxmlformats.org/presentationml/2006/main">
-  <p:cSld>
-    <p:spTree>
-      <p:nvGrpSpPr>
-        <p:cNvPr id="1" name=""/>
-        <p:cNvGrpSpPr/>
-        <p:nvPr/>
-      </p:nvGrpSpPr>
-      <p:grpSpPr>
-        <a:xfrm>
-          <a:off x="0" y="0"/>
-          <a:ext cx="0" cy="0"/>
-          <a:chOff x="0" y="0"/>
-          <a:chExt cx="0" cy="0"/>
-        </a:xfrm>
-      </p:grpSpPr>
-      <p:sp>
-        <p:nvSpPr>
-          <p:cNvPr id="3" name="Text Placeholder 2"/>
-          <p:cNvSpPr>
-            <a:spLocks noGrp="1"/>
-          </p:cNvSpPr>
-          <p:nvPr>
-            <p:ph type="body" sz="quarter" idx="12"/>
-          </p:nvPr>
-        </p:nvSpPr>
-        <p:spPr>
-          <a:xfrm flipH="1">
-            <a:off x="3119439" y="228846"/>
-            <a:ext cx="4541044" cy="392415"/>
-          </a:xfrm>
-        </p:spPr>
-        <p:txBody>
-          <a:bodyPr/>
-          <a:lstStyle/>
-          <a:p>
-            <a:pPr eaLnBrk="1" hangingPunct="1">
-              <a:defRPr/>
-            </a:pPr>
-            <a:r>
-              <a:rPr lang="en-US" sz="2100" dirty="0"/>
-              <a:t>About your presenter</a:t>
-            </a:r>
-          </a:p>
-        </p:txBody>
-      </p:sp>
-      <p:sp>
-        <p:nvSpPr>
-          <p:cNvPr id="5" name="Content Placeholder 3"/>
-          <p:cNvSpPr>
-            <a:spLocks noGrp="1"/>
-          </p:cNvSpPr>
-          <p:nvPr>
-            <p:ph sz="quarter" idx="11"/>
-          </p:nvPr>
-        </p:nvSpPr>
-        <p:spPr>
-          <a:xfrm>
-            <a:off x="1101107" y="621888"/>
-            <a:ext cx="7814256" cy="4226494"/>
-          </a:xfrm>
-        </p:spPr>
-        <p:txBody>
-          <a:bodyPr/>
-          <a:lstStyle/>
-          <a:p>
-            <a:pPr marL="204788" indent="-204788"/>
-            <a:r>
-              <a:rPr lang="en-US" altLang="en-US" sz="1500" dirty="0"/>
-              <a:t>16 years in an IT/Standards role in Biostatistics at Organon</a:t>
-            </a:r>
-          </a:p>
-          <a:p>
-            <a:pPr marL="204788" indent="-204788"/>
-            <a:r>
-              <a:rPr lang="en-US" altLang="en-US" sz="1500" dirty="0"/>
-              <a:t>4 years as a consultant to help companies implement CDISC</a:t>
-            </a:r>
-          </a:p>
-          <a:p>
-            <a:pPr marL="204788" indent="-204788"/>
-            <a:r>
-              <a:rPr lang="en-US" altLang="en-US" sz="1500" dirty="0"/>
-              <a:t>11 years at </a:t>
-            </a:r>
-            <a:r>
-              <a:rPr lang="en-US" altLang="en-US" sz="1500" b="1" dirty="0"/>
-              <a:t>SAS</a:t>
-            </a:r>
-            <a:r>
-              <a:rPr lang="en-US" altLang="en-US" sz="1500" dirty="0"/>
-              <a:t>.</a:t>
-            </a:r>
-          </a:p>
-          <a:p>
-            <a:pPr marL="461963" lvl="1" indent="-204788"/>
-            <a:r>
-              <a:rPr lang="en-US" altLang="en-US" sz="1200" dirty="0"/>
-              <a:t>8 years as a </a:t>
-            </a:r>
-            <a:r>
-              <a:rPr lang="en-US" altLang="en-US" sz="1200" b="1" dirty="0"/>
-              <a:t>Principal Software Developer working on SAS Clinical Standards Toolkit </a:t>
-            </a:r>
-            <a:r>
-              <a:rPr lang="en-US" altLang="en-US" sz="1200" dirty="0"/>
-              <a:t>(implementing mostly XML based standards (Define-XML, ODM, Dataset-XML)) and SAS Life Science Analytics Framework (Java)</a:t>
-            </a:r>
-          </a:p>
-          <a:p>
-            <a:pPr marL="461963" lvl="1" indent="-204788"/>
-            <a:r>
-              <a:rPr lang="en-US" altLang="en-US" sz="1200" dirty="0"/>
-              <a:t>3 years as Principal Solution Consultant at SAS implementing Life Science Analytics Framework </a:t>
-            </a:r>
-          </a:p>
-          <a:p>
-            <a:pPr marL="257175" lvl="1" indent="0">
-              <a:buNone/>
-            </a:pPr>
-            <a:endParaRPr lang="en-US" altLang="en-US" sz="1350" dirty="0"/>
-          </a:p>
-          <a:p>
-            <a:pPr marL="204788" indent="-204788"/>
-            <a:r>
-              <a:rPr lang="en-US" altLang="en-US" sz="1500" dirty="0"/>
-              <a:t>Since Nov 2021 Senior Director, Data Science Development at </a:t>
-            </a:r>
-            <a:r>
-              <a:rPr lang="en-US" altLang="en-US" sz="1500" b="1" dirty="0"/>
-              <a:t>CDISC</a:t>
-            </a:r>
-            <a:r>
-              <a:rPr lang="en-US" altLang="en-US" sz="1500" dirty="0"/>
-              <a:t> (contractor)</a:t>
-            </a:r>
-          </a:p>
-          <a:p>
-            <a:pPr marL="204788" indent="-204788"/>
-            <a:r>
-              <a:rPr lang="en-US" altLang="en-US" sz="1500" dirty="0"/>
-              <a:t>Core member of the CDISC Data Exchange Standards team since 2008. </a:t>
-            </a:r>
-            <a:br>
-              <a:rPr lang="en-US" altLang="en-US" sz="1500" dirty="0"/>
-            </a:br>
-            <a:r>
-              <a:rPr lang="en-US" altLang="en-US" sz="1500" dirty="0"/>
-              <a:t>(co-lead since Nov 2021)</a:t>
-            </a:r>
-          </a:p>
-          <a:p>
-            <a:pPr marL="204788" indent="-204788"/>
-            <a:r>
-              <a:rPr lang="en-US" altLang="en-US" sz="1500" dirty="0"/>
-              <a:t>Core member of the CDISC Define-XML development team. </a:t>
-            </a:r>
-          </a:p>
-          <a:p>
-            <a:pPr marL="461963" lvl="1" indent="-204788"/>
-            <a:r>
-              <a:rPr lang="en-US" altLang="en-US" dirty="0"/>
-              <a:t>One of the main Define-XML v2 developers. </a:t>
-            </a:r>
-          </a:p>
-          <a:p>
-            <a:pPr marL="461963" lvl="1" indent="-204788"/>
-            <a:r>
-              <a:rPr lang="en-US" altLang="en-US" dirty="0"/>
-              <a:t>Developer of CDISC/PhUSE Define-XML v2 stylesheet.</a:t>
-            </a:r>
-          </a:p>
-          <a:p>
-            <a:pPr marL="461963" lvl="1" indent="-204788"/>
-            <a:r>
-              <a:rPr lang="en-US" altLang="en-US" dirty="0"/>
-              <a:t>One of the main developers of the Analysis Results Metadata v1.0 for Define-XML v2.0 extension</a:t>
-            </a:r>
-          </a:p>
-        </p:txBody>
-      </p:sp>
-      <p:pic>
-        <p:nvPicPr>
-          <p:cNvPr id="2" name="Picture 1">
-            <a:extLst>
-              <a:ext uri="{FF2B5EF4-FFF2-40B4-BE49-F238E27FC236}">
-                <a16:creationId xmlns:a16="http://schemas.microsoft.com/office/drawing/2014/main" id="{57BA0D4F-FADB-D26D-0CCB-2A81A98512AC}"/>
-              </a:ext>
-            </a:extLst>
-          </p:cNvPr>
-          <p:cNvPicPr>
-            <a:picLocks noChangeAspect="1"/>
-          </p:cNvPicPr>
-          <p:nvPr/>
-        </p:nvPicPr>
-        <p:blipFill>
-          <a:blip r:embed="rId3"/>
-          <a:stretch>
-            <a:fillRect/>
-          </a:stretch>
-        </p:blipFill>
-        <p:spPr>
-          <a:xfrm>
-            <a:off x="8284373" y="196773"/>
-            <a:ext cx="630991" cy="635563"/>
-          </a:xfrm>
-          <a:prstGeom prst="rect">
-            <a:avLst/>
-          </a:prstGeom>
-        </p:spPr>
-      </p:pic>
-    </p:spTree>
-    <p:extLst>
-      <p:ext uri="{BB962C8B-B14F-4D97-AF65-F5344CB8AC3E}">
-        <p14:creationId xmlns:p14="http://schemas.microsoft.com/office/powerpoint/2010/main" val="644576122"/>
-      </p:ext>
-    </p:extLst>
-  </p:cSld>
-  <p:clrMapOvr>
-    <a:masterClrMapping/>
-  </p:clrMapOvr>
-  <p:transition>
-    <p:fade/>
-  </p:transition>
-</p:sld>
-</file>
-
-<file path=ppt/slides/slide20.xml><?xml version="1.0" encoding="utf-8"?>
+<file path=ppt/slides/slide17.xml><?xml version="1.0" encoding="utf-8"?>
 <p:sld xmlns:a="http://schemas.openxmlformats.org/drawingml/2006/main" xmlns:r="http://schemas.openxmlformats.org/officeDocument/2006/relationships" xmlns:p="http://schemas.openxmlformats.org/presentationml/2006/main">
   <p:cSld>
     <p:spTree>
@@ -11031,8 +9575,8 @@
         </p:nvSpPr>
         <p:spPr>
           <a:xfrm>
-            <a:off x="504966" y="788719"/>
-            <a:ext cx="4299486" cy="3902824"/>
+            <a:off x="694944" y="788719"/>
+            <a:ext cx="4114800" cy="3902824"/>
           </a:xfrm>
         </p:spPr>
         <p:txBody>
@@ -13008,7 +11552,7 @@
             <a:fld id="{EB4FF9C4-EEBF-D24D-8A4E-C0B9CCE3F975}" type="slidenum">
               <a:rPr lang="en-US" smtClean="0"/>
               <a:pPr/>
-              <a:t>20</a:t>
+              <a:t>17</a:t>
             </a:fld>
             <a:endParaRPr lang="en-US" dirty="0"/>
           </a:p>
@@ -13037,12 +11581,7 @@
             <a:avLst/>
           </a:prstGeom>
           <a:ln>
-            <a:solidFill>
-              <a:schemeClr val="tx2">
-                <a:lumMod val="40000"/>
-                <a:lumOff val="60000"/>
-              </a:schemeClr>
-            </a:solidFill>
+            <a:noFill/>
           </a:ln>
         </p:spPr>
         <p:txBody>
@@ -13932,71 +12471,6 @@
               </a:solidFill>
               <a:latin typeface="Courier New" panose="02070309020205020404" pitchFamily="49" charset="0"/>
             </a:endParaRPr>
-          </a:p>
-        </p:txBody>
-      </p:sp>
-      <p:sp>
-        <p:nvSpPr>
-          <p:cNvPr id="4" name="Rectangle 3">
-            <a:extLst>
-              <a:ext uri="{FF2B5EF4-FFF2-40B4-BE49-F238E27FC236}">
-                <a16:creationId xmlns:a16="http://schemas.microsoft.com/office/drawing/2014/main" id="{55BFEABC-550E-F5D9-0E81-44C1B315ECD1}"/>
-              </a:ext>
-            </a:extLst>
-          </p:cNvPr>
-          <p:cNvSpPr/>
-          <p:nvPr/>
-        </p:nvSpPr>
-        <p:spPr>
-          <a:xfrm>
-            <a:off x="5830883" y="2707158"/>
-            <a:ext cx="1818692" cy="186789"/>
-          </a:xfrm>
-          <a:prstGeom prst="rect">
-            <a:avLst/>
-          </a:prstGeom>
-          <a:solidFill>
-            <a:schemeClr val="bg1"/>
-          </a:solidFill>
-          <a:ln w="19050">
-            <a:solidFill>
-              <a:srgbClr val="C00000"/>
-            </a:solidFill>
-          </a:ln>
-        </p:spPr>
-        <p:style>
-          <a:lnRef idx="2">
-            <a:schemeClr val="accent1">
-              <a:shade val="50000"/>
-            </a:schemeClr>
-          </a:lnRef>
-          <a:fillRef idx="1">
-            <a:schemeClr val="accent1"/>
-          </a:fillRef>
-          <a:effectRef idx="0">
-            <a:schemeClr val="accent1"/>
-          </a:effectRef>
-          <a:fontRef idx="minor">
-            <a:schemeClr val="lt1"/>
-          </a:fontRef>
-        </p:style>
-        <p:txBody>
-          <a:bodyPr rtlCol="0" anchor="ctr"/>
-          <a:lstStyle/>
-          <a:p>
-            <a:pPr algn="ctr"/>
-            <a:r>
-              <a:rPr lang="en-US" sz="1200" b="1" dirty="0">
-                <a:solidFill>
-                  <a:srgbClr val="C00000"/>
-                </a:solidFill>
-              </a:rPr>
-              <a:t>column metadata</a:t>
-            </a:r>
-            <a:r>
-              <a:rPr lang="en-US" sz="1200" dirty="0"/>
-              <a:t> </a:t>
-            </a:r>
           </a:p>
         </p:txBody>
       </p:sp>
@@ -14065,50 +12539,6 @@
           </a:p>
         </p:txBody>
       </p:sp>
-      <p:cxnSp>
-        <p:nvCxnSpPr>
-          <p:cNvPr id="11" name="Straight Connector 10">
-            <a:extLst>
-              <a:ext uri="{FF2B5EF4-FFF2-40B4-BE49-F238E27FC236}">
-                <a16:creationId xmlns:a16="http://schemas.microsoft.com/office/drawing/2014/main" id="{20BB7382-C92B-9B80-ACB4-529CC2D4BD48}"/>
-              </a:ext>
-            </a:extLst>
-          </p:cNvPr>
-          <p:cNvCxnSpPr>
-            <a:cxnSpLocks/>
-            <a:endCxn id="8" idx="1"/>
-          </p:cNvCxnSpPr>
-          <p:nvPr/>
-        </p:nvCxnSpPr>
-        <p:spPr>
-          <a:xfrm flipV="1">
-            <a:off x="3391469" y="3518343"/>
-            <a:ext cx="2439414" cy="200672"/>
-          </a:xfrm>
-          <a:prstGeom prst="line">
-            <a:avLst/>
-          </a:prstGeom>
-          <a:ln w="12700">
-            <a:solidFill>
-              <a:srgbClr val="C00000"/>
-            </a:solidFill>
-          </a:ln>
-        </p:spPr>
-        <p:style>
-          <a:lnRef idx="1">
-            <a:schemeClr val="accent1"/>
-          </a:lnRef>
-          <a:fillRef idx="0">
-            <a:schemeClr val="accent1"/>
-          </a:fillRef>
-          <a:effectRef idx="0">
-            <a:schemeClr val="accent1"/>
-          </a:effectRef>
-          <a:fontRef idx="minor">
-            <a:schemeClr val="tx1"/>
-          </a:fontRef>
-        </p:style>
-      </p:cxnSp>
       <p:sp>
         <p:nvSpPr>
           <p:cNvPr id="9" name="TextBox 8">
@@ -14133,7 +12563,7 @@
         </p:spPr>
         <p:txBody>
           <a:bodyPr wrap="square" rtlCol="0">
-            <a:spAutoFit/>
+            <a:noAutofit/>
           </a:bodyPr>
           <a:lstStyle/>
           <a:p>
@@ -14148,16 +12578,130 @@
             <a:r>
               <a:rPr lang="en-US" sz="1200" dirty="0"/>
               <a:t>macro does not write key-value pairs when the value is null.</a:t>
+            </a:r>
+          </a:p>
+        </p:txBody>
+      </p:sp>
+      <p:sp>
+        <p:nvSpPr>
+          <p:cNvPr id="14" name="Arrow: Right 13">
+            <a:extLst>
+              <a:ext uri="{FF2B5EF4-FFF2-40B4-BE49-F238E27FC236}">
+                <a16:creationId xmlns:a16="http://schemas.microsoft.com/office/drawing/2014/main" id="{CDD76017-8D46-912B-56A4-C1CF319048CA}"/>
+              </a:ext>
+            </a:extLst>
+          </p:cNvPr>
+          <p:cNvSpPr/>
+          <p:nvPr/>
+        </p:nvSpPr>
+        <p:spPr>
+          <a:xfrm>
+            <a:off x="0" y="3059683"/>
+            <a:ext cx="767056" cy="213195"/>
+          </a:xfrm>
+          <a:prstGeom prst="rightArrow">
+            <a:avLst/>
+          </a:prstGeom>
+          <a:solidFill>
+            <a:srgbClr val="FF0000"/>
+          </a:solidFill>
+        </p:spPr>
+        <p:style>
+          <a:lnRef idx="2">
+            <a:schemeClr val="accent1">
+              <a:shade val="50000"/>
+            </a:schemeClr>
+          </a:lnRef>
+          <a:fillRef idx="1">
+            <a:schemeClr val="accent1"/>
+          </a:fillRef>
+          <a:effectRef idx="0">
+            <a:schemeClr val="accent1"/>
+          </a:effectRef>
+          <a:fontRef idx="minor">
+            <a:schemeClr val="lt1"/>
+          </a:fontRef>
+        </p:style>
+        <p:txBody>
+          <a:bodyPr rtlCol="0" anchor="ctr"/>
+          <a:lstStyle/>
+          <a:p>
+            <a:pPr algn="ctr"/>
+            <a:endParaRPr lang="en-US"/>
+          </a:p>
+        </p:txBody>
+      </p:sp>
+      <p:sp>
+        <p:nvSpPr>
+          <p:cNvPr id="15" name="Rectangle 14">
+            <a:extLst>
+              <a:ext uri="{FF2B5EF4-FFF2-40B4-BE49-F238E27FC236}">
+                <a16:creationId xmlns:a16="http://schemas.microsoft.com/office/drawing/2014/main" id="{84FBAE32-2267-AEF7-FCFC-6868180ECD1B}"/>
+              </a:ext>
+            </a:extLst>
+          </p:cNvPr>
+          <p:cNvSpPr/>
+          <p:nvPr/>
+        </p:nvSpPr>
+        <p:spPr>
+          <a:xfrm>
+            <a:off x="5830883" y="2757537"/>
+            <a:ext cx="1818692" cy="186789"/>
+          </a:xfrm>
+          <a:prstGeom prst="rect">
+            <a:avLst/>
+          </a:prstGeom>
+          <a:solidFill>
+            <a:schemeClr val="bg1"/>
+          </a:solidFill>
+          <a:ln w="19050">
+            <a:solidFill>
+              <a:srgbClr val="C00000"/>
+            </a:solidFill>
+          </a:ln>
+        </p:spPr>
+        <p:style>
+          <a:lnRef idx="2">
+            <a:schemeClr val="accent1">
+              <a:shade val="50000"/>
+            </a:schemeClr>
+          </a:lnRef>
+          <a:fillRef idx="1">
+            <a:schemeClr val="accent1"/>
+          </a:fillRef>
+          <a:effectRef idx="0">
+            <a:schemeClr val="accent1"/>
+          </a:effectRef>
+          <a:fontRef idx="minor">
+            <a:schemeClr val="lt1"/>
+          </a:fontRef>
+        </p:style>
+        <p:txBody>
+          <a:bodyPr rtlCol="0" anchor="ctr"/>
+          <a:lstStyle/>
+          <a:p>
+            <a:pPr algn="ctr"/>
+            <a:r>
+              <a:rPr lang="en-US" sz="1200" b="1" dirty="0">
+                <a:solidFill>
+                  <a:srgbClr val="C00000"/>
+                </a:solidFill>
+              </a:rPr>
+              <a:t>column metadata</a:t>
+            </a:r>
+            <a:r>
+              <a:rPr lang="en-US" sz="1200" dirty="0"/>
+              <a:t> </a:t>
             </a:r>
           </a:p>
         </p:txBody>
       </p:sp>
       <p:cxnSp>
         <p:nvCxnSpPr>
-          <p:cNvPr id="5" name="Straight Connector 4">
+          <p:cNvPr id="19" name="Straight Connector 18">
             <a:extLst>
               <a:ext uri="{FF2B5EF4-FFF2-40B4-BE49-F238E27FC236}">
-                <a16:creationId xmlns:a16="http://schemas.microsoft.com/office/drawing/2014/main" id="{7A1CE43C-B3AC-453D-0234-CDE3C5F4FD64}"/>
+                <a16:creationId xmlns:a16="http://schemas.microsoft.com/office/drawing/2014/main" id="{A3AA4673-DFD2-5B05-BCBB-94731EAC11D6}"/>
               </a:ext>
             </a:extLst>
           </p:cNvPr>
@@ -14168,8 +12712,8 @@
         </p:nvCxnSpPr>
         <p:spPr>
           <a:xfrm flipV="1">
-            <a:off x="4572000" y="2800553"/>
-            <a:ext cx="1258883" cy="365728"/>
+            <a:off x="4381319" y="2894878"/>
+            <a:ext cx="1204755" cy="195014"/>
           </a:xfrm>
           <a:prstGeom prst="line">
             <a:avLst/>
@@ -14178,6 +12722,51 @@
             <a:solidFill>
               <a:srgbClr val="C00000"/>
             </a:solidFill>
+            <a:tailEnd type="triangle"/>
+          </a:ln>
+        </p:spPr>
+        <p:style>
+          <a:lnRef idx="1">
+            <a:schemeClr val="accent1"/>
+          </a:lnRef>
+          <a:fillRef idx="0">
+            <a:schemeClr val="accent1"/>
+          </a:fillRef>
+          <a:effectRef idx="0">
+            <a:schemeClr val="accent1"/>
+          </a:effectRef>
+          <a:fontRef idx="minor">
+            <a:schemeClr val="tx1"/>
+          </a:fontRef>
+        </p:style>
+      </p:cxnSp>
+      <p:cxnSp>
+        <p:nvCxnSpPr>
+          <p:cNvPr id="20" name="Straight Connector 19">
+            <a:extLst>
+              <a:ext uri="{FF2B5EF4-FFF2-40B4-BE49-F238E27FC236}">
+                <a16:creationId xmlns:a16="http://schemas.microsoft.com/office/drawing/2014/main" id="{A90AB01F-5797-648D-1D6A-44AB57EC42D2}"/>
+              </a:ext>
+            </a:extLst>
+          </p:cNvPr>
+          <p:cNvCxnSpPr>
+            <a:cxnSpLocks/>
+          </p:cNvCxnSpPr>
+          <p:nvPr/>
+        </p:nvCxnSpPr>
+        <p:spPr>
+          <a:xfrm flipV="1">
+            <a:off x="4086631" y="3518343"/>
+            <a:ext cx="1456106" cy="186789"/>
+          </a:xfrm>
+          <a:prstGeom prst="line">
+            <a:avLst/>
+          </a:prstGeom>
+          <a:ln w="12700">
+            <a:solidFill>
+              <a:srgbClr val="C00000"/>
+            </a:solidFill>
+            <a:tailEnd type="triangle"/>
           </a:ln>
         </p:spPr>
         <p:style>
@@ -14205,989 +12794,10 @@
   <p:clrMapOvr>
     <a:masterClrMapping/>
   </p:clrMapOvr>
-  <p:timing>
-    <p:tnLst>
-      <p:par>
-        <p:cTn id="1" dur="indefinite" restart="never" nodeType="tmRoot">
-          <p:childTnLst>
-            <p:seq concurrent="1" nextAc="seek">
-              <p:cTn id="2" dur="indefinite" nodeType="mainSeq">
-                <p:childTnLst>
-                  <p:par>
-                    <p:cTn id="3" fill="hold">
-                      <p:stCondLst>
-                        <p:cond delay="indefinite"/>
-                      </p:stCondLst>
-                      <p:childTnLst>
-                        <p:par>
-                          <p:cTn id="4" fill="hold">
-                            <p:stCondLst>
-                              <p:cond delay="0"/>
-                            </p:stCondLst>
-                            <p:childTnLst>
-                              <p:par>
-                                <p:cTn id="5" presetID="1" presetClass="entr" presetSubtype="0" fill="hold" grpId="0" nodeType="clickEffect">
-                                  <p:stCondLst>
-                                    <p:cond delay="0"/>
-                                  </p:stCondLst>
-                                  <p:childTnLst>
-                                    <p:set>
-                                      <p:cBhvr>
-                                        <p:cTn id="6" dur="1" fill="hold">
-                                          <p:stCondLst>
-                                            <p:cond delay="0"/>
-                                          </p:stCondLst>
-                                        </p:cTn>
-                                        <p:tgtEl>
-                                          <p:spTgt spid="7"/>
-                                        </p:tgtEl>
-                                        <p:attrNameLst>
-                                          <p:attrName>style.visibility</p:attrName>
-                                        </p:attrNameLst>
-                                      </p:cBhvr>
-                                      <p:to>
-                                        <p:strVal val="visible"/>
-                                      </p:to>
-                                    </p:set>
-                                  </p:childTnLst>
-                                </p:cTn>
-                              </p:par>
-                            </p:childTnLst>
-                          </p:cTn>
-                        </p:par>
-                      </p:childTnLst>
-                    </p:cTn>
-                  </p:par>
-                  <p:par>
-                    <p:cTn id="7" fill="hold">
-                      <p:stCondLst>
-                        <p:cond delay="indefinite"/>
-                      </p:stCondLst>
-                      <p:childTnLst>
-                        <p:par>
-                          <p:cTn id="8" fill="hold">
-                            <p:stCondLst>
-                              <p:cond delay="0"/>
-                            </p:stCondLst>
-                            <p:childTnLst>
-                              <p:par>
-                                <p:cTn id="9" presetID="1" presetClass="entr" presetSubtype="0" fill="hold" grpId="0" nodeType="clickEffect">
-                                  <p:stCondLst>
-                                    <p:cond delay="0"/>
-                                  </p:stCondLst>
-                                  <p:childTnLst>
-                                    <p:set>
-                                      <p:cBhvr>
-                                        <p:cTn id="10" dur="1" fill="hold">
-                                          <p:stCondLst>
-                                            <p:cond delay="0"/>
-                                          </p:stCondLst>
-                                        </p:cTn>
-                                        <p:tgtEl>
-                                          <p:spTgt spid="4"/>
-                                        </p:tgtEl>
-                                        <p:attrNameLst>
-                                          <p:attrName>style.visibility</p:attrName>
-                                        </p:attrNameLst>
-                                      </p:cBhvr>
-                                      <p:to>
-                                        <p:strVal val="visible"/>
-                                      </p:to>
-                                    </p:set>
-                                  </p:childTnLst>
-                                </p:cTn>
-                              </p:par>
-                            </p:childTnLst>
-                          </p:cTn>
-                        </p:par>
-                      </p:childTnLst>
-                    </p:cTn>
-                  </p:par>
-                  <p:par>
-                    <p:cTn id="11" fill="hold">
-                      <p:stCondLst>
-                        <p:cond delay="indefinite"/>
-                      </p:stCondLst>
-                      <p:childTnLst>
-                        <p:par>
-                          <p:cTn id="12" fill="hold">
-                            <p:stCondLst>
-                              <p:cond delay="0"/>
-                            </p:stCondLst>
-                            <p:childTnLst>
-                              <p:par>
-                                <p:cTn id="13" presetID="1" presetClass="entr" presetSubtype="0" fill="hold" grpId="0" nodeType="clickEffect">
-                                  <p:stCondLst>
-                                    <p:cond delay="0"/>
-                                  </p:stCondLst>
-                                  <p:childTnLst>
-                                    <p:set>
-                                      <p:cBhvr>
-                                        <p:cTn id="14" dur="1" fill="hold">
-                                          <p:stCondLst>
-                                            <p:cond delay="0"/>
-                                          </p:stCondLst>
-                                        </p:cTn>
-                                        <p:tgtEl>
-                                          <p:spTgt spid="8"/>
-                                        </p:tgtEl>
-                                        <p:attrNameLst>
-                                          <p:attrName>style.visibility</p:attrName>
-                                        </p:attrNameLst>
-                                      </p:cBhvr>
-                                      <p:to>
-                                        <p:strVal val="visible"/>
-                                      </p:to>
-                                    </p:set>
-                                  </p:childTnLst>
-                                </p:cTn>
-                              </p:par>
-                              <p:par>
-                                <p:cTn id="15" presetID="1" presetClass="entr" presetSubtype="0" fill="hold" nodeType="withEffect">
-                                  <p:stCondLst>
-                                    <p:cond delay="0"/>
-                                  </p:stCondLst>
-                                  <p:childTnLst>
-                                    <p:set>
-                                      <p:cBhvr>
-                                        <p:cTn id="16" dur="1" fill="hold">
-                                          <p:stCondLst>
-                                            <p:cond delay="0"/>
-                                          </p:stCondLst>
-                                        </p:cTn>
-                                        <p:tgtEl>
-                                          <p:spTgt spid="11"/>
-                                        </p:tgtEl>
-                                        <p:attrNameLst>
-                                          <p:attrName>style.visibility</p:attrName>
-                                        </p:attrNameLst>
-                                      </p:cBhvr>
-                                      <p:to>
-                                        <p:strVal val="visible"/>
-                                      </p:to>
-                                    </p:set>
-                                  </p:childTnLst>
-                                </p:cTn>
-                              </p:par>
-                              <p:par>
-                                <p:cTn id="17" presetID="1" presetClass="entr" presetSubtype="0" fill="hold" nodeType="withEffect">
-                                  <p:stCondLst>
-                                    <p:cond delay="0"/>
-                                  </p:stCondLst>
-                                  <p:childTnLst>
-                                    <p:set>
-                                      <p:cBhvr>
-                                        <p:cTn id="18" dur="1" fill="hold">
-                                          <p:stCondLst>
-                                            <p:cond delay="0"/>
-                                          </p:stCondLst>
-                                        </p:cTn>
-                                        <p:tgtEl>
-                                          <p:spTgt spid="5"/>
-                                        </p:tgtEl>
-                                        <p:attrNameLst>
-                                          <p:attrName>style.visibility</p:attrName>
-                                        </p:attrNameLst>
-                                      </p:cBhvr>
-                                      <p:to>
-                                        <p:strVal val="visible"/>
-                                      </p:to>
-                                    </p:set>
-                                  </p:childTnLst>
-                                </p:cTn>
-                              </p:par>
-                            </p:childTnLst>
-                          </p:cTn>
-                        </p:par>
-                      </p:childTnLst>
-                    </p:cTn>
-                  </p:par>
-                </p:childTnLst>
-              </p:cTn>
-              <p:prevCondLst>
-                <p:cond evt="onPrev" delay="0">
-                  <p:tgtEl>
-                    <p:sldTgt/>
-                  </p:tgtEl>
-                </p:cond>
-              </p:prevCondLst>
-              <p:nextCondLst>
-                <p:cond evt="onNext" delay="0">
-                  <p:tgtEl>
-                    <p:sldTgt/>
-                  </p:tgtEl>
-                </p:cond>
-              </p:nextCondLst>
-            </p:seq>
-          </p:childTnLst>
-        </p:cTn>
-      </p:par>
-    </p:tnLst>
-    <p:bldLst>
-      <p:bldP spid="7" grpId="0" animBg="1"/>
-      <p:bldP spid="4" grpId="0" animBg="1"/>
-      <p:bldP spid="8" grpId="0" animBg="1"/>
-    </p:bldLst>
-  </p:timing>
 </p:sld>
 </file>
 
-<file path=ppt/slides/slide21.xml><?xml version="1.0" encoding="utf-8"?>
-<p:sld xmlns:a="http://schemas.openxmlformats.org/drawingml/2006/main" xmlns:r="http://schemas.openxmlformats.org/officeDocument/2006/relationships" xmlns:p="http://schemas.openxmlformats.org/presentationml/2006/main">
-  <p:cSld>
-    <p:spTree>
-      <p:nvGrpSpPr>
-        <p:cNvPr id="1" name=""/>
-        <p:cNvGrpSpPr/>
-        <p:nvPr/>
-      </p:nvGrpSpPr>
-      <p:grpSpPr>
-        <a:xfrm>
-          <a:off x="0" y="0"/>
-          <a:ext cx="0" cy="0"/>
-          <a:chOff x="0" y="0"/>
-          <a:chExt cx="0" cy="0"/>
-        </a:xfrm>
-      </p:grpSpPr>
-      <p:sp>
-        <p:nvSpPr>
-          <p:cNvPr id="2" name="Title 1">
-            <a:extLst>
-              <a:ext uri="{FF2B5EF4-FFF2-40B4-BE49-F238E27FC236}">
-                <a16:creationId xmlns:a16="http://schemas.microsoft.com/office/drawing/2014/main" id="{2F7D6A95-13ED-604F-AA65-8144C0F6694B}"/>
-              </a:ext>
-            </a:extLst>
-          </p:cNvPr>
-          <p:cNvSpPr>
-            <a:spLocks noGrp="1"/>
-          </p:cNvSpPr>
-          <p:nvPr>
-            <p:ph type="title"/>
-          </p:nvPr>
-        </p:nvSpPr>
-        <p:spPr/>
-        <p:txBody>
-          <a:bodyPr>
-            <a:normAutofit/>
-          </a:bodyPr>
-          <a:lstStyle/>
-          <a:p>
-            <a:r>
-              <a:rPr lang="en-US" dirty="0"/>
-              <a:t>Writing Dataset-JSON  with SAS  -  metadata</a:t>
-            </a:r>
-          </a:p>
-        </p:txBody>
-      </p:sp>
-      <p:sp>
-        <p:nvSpPr>
-          <p:cNvPr id="6" name="Slide Number Placeholder 5">
-            <a:extLst>
-              <a:ext uri="{FF2B5EF4-FFF2-40B4-BE49-F238E27FC236}">
-                <a16:creationId xmlns:a16="http://schemas.microsoft.com/office/drawing/2014/main" id="{AC50CA00-99F7-3E44-A839-0402F441E9AA}"/>
-              </a:ext>
-            </a:extLst>
-          </p:cNvPr>
-          <p:cNvSpPr>
-            <a:spLocks noGrp="1"/>
-          </p:cNvSpPr>
-          <p:nvPr>
-            <p:ph type="sldNum" sz="quarter" idx="12"/>
-          </p:nvPr>
-        </p:nvSpPr>
-        <p:spPr/>
-        <p:txBody>
-          <a:bodyPr/>
-          <a:lstStyle/>
-          <a:p>
-            <a:fld id="{EB4FF9C4-EEBF-D24D-8A4E-C0B9CCE3F975}" type="slidenum">
-              <a:rPr lang="en-US" smtClean="0"/>
-              <a:pPr/>
-              <a:t>21</a:t>
-            </a:fld>
-            <a:endParaRPr lang="en-US" dirty="0"/>
-          </a:p>
-        </p:txBody>
-      </p:sp>
-      <p:sp>
-        <p:nvSpPr>
-          <p:cNvPr id="5" name="Footer Placeholder 4"/>
-          <p:cNvSpPr>
-            <a:spLocks noGrp="1"/>
-          </p:cNvSpPr>
-          <p:nvPr>
-            <p:ph type="ftr" sz="quarter" idx="3"/>
-          </p:nvPr>
-        </p:nvSpPr>
-        <p:spPr>
-          <a:xfrm>
-            <a:off x="2500132" y="4767263"/>
-            <a:ext cx="4676172" cy="273844"/>
-          </a:xfrm>
-          <a:prstGeom prst="rect">
-            <a:avLst/>
-          </a:prstGeom>
-        </p:spPr>
-        <p:txBody>
-          <a:bodyPr vert="horz" lIns="0" tIns="0" rIns="0" bIns="0" rtlCol="0" anchor="ctr"/>
-          <a:lstStyle>
-            <a:lvl1pPr algn="ctr">
-              <a:defRPr sz="800" b="1">
-                <a:solidFill>
-                  <a:schemeClr val="tx1"/>
-                </a:solidFill>
-              </a:defRPr>
-            </a:lvl1pPr>
-          </a:lstStyle>
-          <a:p>
-            <a:endParaRPr lang="en-US" dirty="0"/>
-          </a:p>
-        </p:txBody>
-      </p:sp>
-      <p:pic>
-        <p:nvPicPr>
-          <p:cNvPr id="9" name="Picture 8">
-            <a:extLst>
-              <a:ext uri="{FF2B5EF4-FFF2-40B4-BE49-F238E27FC236}">
-                <a16:creationId xmlns:a16="http://schemas.microsoft.com/office/drawing/2014/main" id="{89DA1C45-5F78-4A09-8EF3-CC0C5E059E83}"/>
-              </a:ext>
-            </a:extLst>
-          </p:cNvPr>
-          <p:cNvPicPr>
-            <a:picLocks noChangeAspect="1"/>
-          </p:cNvPicPr>
-          <p:nvPr/>
-        </p:nvPicPr>
-        <p:blipFill>
-          <a:blip r:embed="rId3"/>
-          <a:stretch>
-            <a:fillRect/>
-          </a:stretch>
-        </p:blipFill>
-        <p:spPr>
-          <a:xfrm>
-            <a:off x="767488" y="1705429"/>
-            <a:ext cx="7970063" cy="2726814"/>
-          </a:xfrm>
-          <a:prstGeom prst="rect">
-            <a:avLst/>
-          </a:prstGeom>
-        </p:spPr>
-      </p:pic>
-      <p:pic>
-        <p:nvPicPr>
-          <p:cNvPr id="3" name="Picture 2">
-            <a:extLst>
-              <a:ext uri="{FF2B5EF4-FFF2-40B4-BE49-F238E27FC236}">
-                <a16:creationId xmlns:a16="http://schemas.microsoft.com/office/drawing/2014/main" id="{80CDAD16-9D8B-908D-B22D-936ABE8D6352}"/>
-              </a:ext>
-            </a:extLst>
-          </p:cNvPr>
-          <p:cNvPicPr>
-            <a:picLocks noChangeAspect="1"/>
-          </p:cNvPicPr>
-          <p:nvPr/>
-        </p:nvPicPr>
-        <p:blipFill>
-          <a:blip r:embed="rId4"/>
-          <a:stretch>
-            <a:fillRect/>
-          </a:stretch>
-        </p:blipFill>
-        <p:spPr>
-          <a:xfrm>
-            <a:off x="587692" y="706409"/>
-            <a:ext cx="7772647" cy="663999"/>
-          </a:xfrm>
-          <a:prstGeom prst="rect">
-            <a:avLst/>
-          </a:prstGeom>
-        </p:spPr>
-      </p:pic>
-    </p:spTree>
-    <p:extLst>
-      <p:ext uri="{BB962C8B-B14F-4D97-AF65-F5344CB8AC3E}">
-        <p14:creationId xmlns:p14="http://schemas.microsoft.com/office/powerpoint/2010/main" val="1021396641"/>
-      </p:ext>
-    </p:extLst>
-  </p:cSld>
-  <p:clrMapOvr>
-    <a:masterClrMapping/>
-  </p:clrMapOvr>
-</p:sld>
-</file>
-
-<file path=ppt/slides/slide22.xml><?xml version="1.0" encoding="utf-8"?>
-<p:sld xmlns:a="http://schemas.openxmlformats.org/drawingml/2006/main" xmlns:r="http://schemas.openxmlformats.org/officeDocument/2006/relationships" xmlns:p="http://schemas.openxmlformats.org/presentationml/2006/main">
-  <p:cSld>
-    <p:spTree>
-      <p:nvGrpSpPr>
-        <p:cNvPr id="1" name=""/>
-        <p:cNvGrpSpPr/>
-        <p:nvPr/>
-      </p:nvGrpSpPr>
-      <p:grpSpPr>
-        <a:xfrm>
-          <a:off x="0" y="0"/>
-          <a:ext cx="0" cy="0"/>
-          <a:chOff x="0" y="0"/>
-          <a:chExt cx="0" cy="0"/>
-        </a:xfrm>
-      </p:grpSpPr>
-      <p:pic>
-        <p:nvPicPr>
-          <p:cNvPr id="9" name="Picture 8">
-            <a:extLst>
-              <a:ext uri="{FF2B5EF4-FFF2-40B4-BE49-F238E27FC236}">
-                <a16:creationId xmlns:a16="http://schemas.microsoft.com/office/drawing/2014/main" id="{9B93BE18-C1C2-46FE-A522-9FAF935D81C7}"/>
-              </a:ext>
-            </a:extLst>
-          </p:cNvPr>
-          <p:cNvPicPr>
-            <a:picLocks noChangeAspect="1"/>
-          </p:cNvPicPr>
-          <p:nvPr/>
-        </p:nvPicPr>
-        <p:blipFill>
-          <a:blip r:embed="rId3"/>
-          <a:stretch>
-            <a:fillRect/>
-          </a:stretch>
-        </p:blipFill>
-        <p:spPr>
-          <a:xfrm>
-            <a:off x="817588" y="660420"/>
-            <a:ext cx="6358716" cy="4042453"/>
-          </a:xfrm>
-          <a:prstGeom prst="rect">
-            <a:avLst/>
-          </a:prstGeom>
-        </p:spPr>
-      </p:pic>
-      <p:sp>
-        <p:nvSpPr>
-          <p:cNvPr id="2" name="Title 1">
-            <a:extLst>
-              <a:ext uri="{FF2B5EF4-FFF2-40B4-BE49-F238E27FC236}">
-                <a16:creationId xmlns:a16="http://schemas.microsoft.com/office/drawing/2014/main" id="{2F7D6A95-13ED-604F-AA65-8144C0F6694B}"/>
-              </a:ext>
-            </a:extLst>
-          </p:cNvPr>
-          <p:cNvSpPr>
-            <a:spLocks noGrp="1"/>
-          </p:cNvSpPr>
-          <p:nvPr>
-            <p:ph type="title"/>
-          </p:nvPr>
-        </p:nvSpPr>
-        <p:spPr/>
-        <p:txBody>
-          <a:bodyPr>
-            <a:normAutofit/>
-          </a:bodyPr>
-          <a:lstStyle/>
-          <a:p>
-            <a:r>
-              <a:rPr lang="en-US" dirty="0"/>
-              <a:t>Writing Dataset-JSON  with SAS  -  column metadata</a:t>
-            </a:r>
-          </a:p>
-        </p:txBody>
-      </p:sp>
-      <p:sp>
-        <p:nvSpPr>
-          <p:cNvPr id="6" name="Slide Number Placeholder 5">
-            <a:extLst>
-              <a:ext uri="{FF2B5EF4-FFF2-40B4-BE49-F238E27FC236}">
-                <a16:creationId xmlns:a16="http://schemas.microsoft.com/office/drawing/2014/main" id="{AC50CA00-99F7-3E44-A839-0402F441E9AA}"/>
-              </a:ext>
-            </a:extLst>
-          </p:cNvPr>
-          <p:cNvSpPr>
-            <a:spLocks noGrp="1"/>
-          </p:cNvSpPr>
-          <p:nvPr>
-            <p:ph type="sldNum" sz="quarter" idx="12"/>
-          </p:nvPr>
-        </p:nvSpPr>
-        <p:spPr/>
-        <p:txBody>
-          <a:bodyPr/>
-          <a:lstStyle/>
-          <a:p>
-            <a:fld id="{EB4FF9C4-EEBF-D24D-8A4E-C0B9CCE3F975}" type="slidenum">
-              <a:rPr lang="en-US" smtClean="0"/>
-              <a:pPr/>
-              <a:t>22</a:t>
-            </a:fld>
-            <a:endParaRPr lang="en-US" dirty="0"/>
-          </a:p>
-        </p:txBody>
-      </p:sp>
-      <p:sp>
-        <p:nvSpPr>
-          <p:cNvPr id="5" name="Footer Placeholder 4"/>
-          <p:cNvSpPr>
-            <a:spLocks noGrp="1"/>
-          </p:cNvSpPr>
-          <p:nvPr>
-            <p:ph type="ftr" sz="quarter" idx="3"/>
-          </p:nvPr>
-        </p:nvSpPr>
-        <p:spPr>
-          <a:xfrm>
-            <a:off x="2500132" y="4767263"/>
-            <a:ext cx="4676172" cy="273844"/>
-          </a:xfrm>
-          <a:prstGeom prst="rect">
-            <a:avLst/>
-          </a:prstGeom>
-        </p:spPr>
-        <p:txBody>
-          <a:bodyPr vert="horz" lIns="0" tIns="0" rIns="0" bIns="0" rtlCol="0" anchor="ctr"/>
-          <a:lstStyle>
-            <a:lvl1pPr algn="ctr">
-              <a:defRPr sz="800" b="1">
-                <a:solidFill>
-                  <a:schemeClr val="tx1"/>
-                </a:solidFill>
-              </a:defRPr>
-            </a:lvl1pPr>
-          </a:lstStyle>
-          <a:p>
-            <a:endParaRPr lang="en-US" dirty="0"/>
-          </a:p>
-        </p:txBody>
-      </p:sp>
-      <p:sp>
-        <p:nvSpPr>
-          <p:cNvPr id="3" name="Rectangle 2">
-            <a:extLst>
-              <a:ext uri="{FF2B5EF4-FFF2-40B4-BE49-F238E27FC236}">
-                <a16:creationId xmlns:a16="http://schemas.microsoft.com/office/drawing/2014/main" id="{7B008FD1-A1A8-4B94-BB98-655E4866DC5E}"/>
-              </a:ext>
-            </a:extLst>
-          </p:cNvPr>
-          <p:cNvSpPr/>
-          <p:nvPr/>
-        </p:nvSpPr>
-        <p:spPr>
-          <a:xfrm>
-            <a:off x="1403602" y="1058562"/>
-            <a:ext cx="5790190" cy="217714"/>
-          </a:xfrm>
-          <a:prstGeom prst="rect">
-            <a:avLst/>
-          </a:prstGeom>
-          <a:noFill/>
-          <a:ln w="19050">
-            <a:solidFill>
-              <a:srgbClr val="FF0000"/>
-            </a:solidFill>
-          </a:ln>
-        </p:spPr>
-        <p:style>
-          <a:lnRef idx="2">
-            <a:schemeClr val="accent1">
-              <a:shade val="50000"/>
-            </a:schemeClr>
-          </a:lnRef>
-          <a:fillRef idx="1">
-            <a:schemeClr val="accent1"/>
-          </a:fillRef>
-          <a:effectRef idx="0">
-            <a:schemeClr val="accent1"/>
-          </a:effectRef>
-          <a:fontRef idx="minor">
-            <a:schemeClr val="lt1"/>
-          </a:fontRef>
-        </p:style>
-        <p:txBody>
-          <a:bodyPr rtlCol="0" anchor="ctr"/>
-          <a:lstStyle/>
-          <a:p>
-            <a:pPr algn="ctr"/>
-            <a:endParaRPr lang="en-US" dirty="0"/>
-          </a:p>
-        </p:txBody>
-      </p:sp>
-    </p:spTree>
-    <p:extLst>
-      <p:ext uri="{BB962C8B-B14F-4D97-AF65-F5344CB8AC3E}">
-        <p14:creationId xmlns:p14="http://schemas.microsoft.com/office/powerpoint/2010/main" val="895038642"/>
-      </p:ext>
-    </p:extLst>
-  </p:cSld>
-  <p:clrMapOvr>
-    <a:masterClrMapping/>
-  </p:clrMapOvr>
-  <p:timing>
-    <p:tnLst>
-      <p:par>
-        <p:cTn id="1" dur="indefinite" restart="never" nodeType="tmRoot">
-          <p:childTnLst>
-            <p:seq concurrent="1" nextAc="seek">
-              <p:cTn id="2" dur="indefinite" nodeType="mainSeq">
-                <p:childTnLst>
-                  <p:par>
-                    <p:cTn id="3" fill="hold">
-                      <p:stCondLst>
-                        <p:cond delay="indefinite"/>
-                      </p:stCondLst>
-                      <p:childTnLst>
-                        <p:par>
-                          <p:cTn id="4" fill="hold">
-                            <p:stCondLst>
-                              <p:cond delay="0"/>
-                            </p:stCondLst>
-                            <p:childTnLst>
-                              <p:par>
-                                <p:cTn id="5" presetID="1" presetClass="entr" presetSubtype="0" fill="hold" grpId="0" nodeType="clickEffect">
-                                  <p:stCondLst>
-                                    <p:cond delay="0"/>
-                                  </p:stCondLst>
-                                  <p:childTnLst>
-                                    <p:set>
-                                      <p:cBhvr>
-                                        <p:cTn id="6" dur="1" fill="hold">
-                                          <p:stCondLst>
-                                            <p:cond delay="0"/>
-                                          </p:stCondLst>
-                                        </p:cTn>
-                                        <p:tgtEl>
-                                          <p:spTgt spid="3"/>
-                                        </p:tgtEl>
-                                        <p:attrNameLst>
-                                          <p:attrName>style.visibility</p:attrName>
-                                        </p:attrNameLst>
-                                      </p:cBhvr>
-                                      <p:to>
-                                        <p:strVal val="visible"/>
-                                      </p:to>
-                                    </p:set>
-                                  </p:childTnLst>
-                                </p:cTn>
-                              </p:par>
-                            </p:childTnLst>
-                          </p:cTn>
-                        </p:par>
-                      </p:childTnLst>
-                    </p:cTn>
-                  </p:par>
-                </p:childTnLst>
-              </p:cTn>
-              <p:prevCondLst>
-                <p:cond evt="onPrev" delay="0">
-                  <p:tgtEl>
-                    <p:sldTgt/>
-                  </p:tgtEl>
-                </p:cond>
-              </p:prevCondLst>
-              <p:nextCondLst>
-                <p:cond evt="onNext" delay="0">
-                  <p:tgtEl>
-                    <p:sldTgt/>
-                  </p:tgtEl>
-                </p:cond>
-              </p:nextCondLst>
-            </p:seq>
-          </p:childTnLst>
-        </p:cTn>
-      </p:par>
-    </p:tnLst>
-    <p:bldLst>
-      <p:bldP spid="3" grpId="0" animBg="1"/>
-    </p:bldLst>
-  </p:timing>
-</p:sld>
-</file>
-
-<file path=ppt/slides/slide23.xml><?xml version="1.0" encoding="utf-8"?>
-<p:sld xmlns:a="http://schemas.openxmlformats.org/drawingml/2006/main" xmlns:r="http://schemas.openxmlformats.org/officeDocument/2006/relationships" xmlns:p="http://schemas.openxmlformats.org/presentationml/2006/main">
-  <p:cSld>
-    <p:spTree>
-      <p:nvGrpSpPr>
-        <p:cNvPr id="1" name=""/>
-        <p:cNvGrpSpPr/>
-        <p:nvPr/>
-      </p:nvGrpSpPr>
-      <p:grpSpPr>
-        <a:xfrm>
-          <a:off x="0" y="0"/>
-          <a:ext cx="0" cy="0"/>
-          <a:chOff x="0" y="0"/>
-          <a:chExt cx="0" cy="0"/>
-        </a:xfrm>
-      </p:grpSpPr>
-      <p:sp>
-        <p:nvSpPr>
-          <p:cNvPr id="2" name="Title 1">
-            <a:extLst>
-              <a:ext uri="{FF2B5EF4-FFF2-40B4-BE49-F238E27FC236}">
-                <a16:creationId xmlns:a16="http://schemas.microsoft.com/office/drawing/2014/main" id="{2F7D6A95-13ED-604F-AA65-8144C0F6694B}"/>
-              </a:ext>
-            </a:extLst>
-          </p:cNvPr>
-          <p:cNvSpPr>
-            <a:spLocks noGrp="1"/>
-          </p:cNvSpPr>
-          <p:nvPr>
-            <p:ph type="title"/>
-          </p:nvPr>
-        </p:nvSpPr>
-        <p:spPr/>
-        <p:txBody>
-          <a:bodyPr>
-            <a:normAutofit/>
-          </a:bodyPr>
-          <a:lstStyle/>
-          <a:p>
-            <a:r>
-              <a:rPr lang="en-US" dirty="0"/>
-              <a:t>Writing Dataset-JSON  with SAS  -  column data</a:t>
-            </a:r>
-          </a:p>
-        </p:txBody>
-      </p:sp>
-      <p:sp>
-        <p:nvSpPr>
-          <p:cNvPr id="6" name="Slide Number Placeholder 5">
-            <a:extLst>
-              <a:ext uri="{FF2B5EF4-FFF2-40B4-BE49-F238E27FC236}">
-                <a16:creationId xmlns:a16="http://schemas.microsoft.com/office/drawing/2014/main" id="{AC50CA00-99F7-3E44-A839-0402F441E9AA}"/>
-              </a:ext>
-            </a:extLst>
-          </p:cNvPr>
-          <p:cNvSpPr>
-            <a:spLocks noGrp="1"/>
-          </p:cNvSpPr>
-          <p:nvPr>
-            <p:ph type="sldNum" sz="quarter" idx="12"/>
-          </p:nvPr>
-        </p:nvSpPr>
-        <p:spPr/>
-        <p:txBody>
-          <a:bodyPr/>
-          <a:lstStyle/>
-          <a:p>
-            <a:fld id="{EB4FF9C4-EEBF-D24D-8A4E-C0B9CCE3F975}" type="slidenum">
-              <a:rPr lang="en-US" smtClean="0"/>
-              <a:pPr/>
-              <a:t>23</a:t>
-            </a:fld>
-            <a:endParaRPr lang="en-US" dirty="0"/>
-          </a:p>
-        </p:txBody>
-      </p:sp>
-      <p:sp>
-        <p:nvSpPr>
-          <p:cNvPr id="5" name="Footer Placeholder 4"/>
-          <p:cNvSpPr>
-            <a:spLocks noGrp="1"/>
-          </p:cNvSpPr>
-          <p:nvPr>
-            <p:ph type="ftr" sz="quarter" idx="3"/>
-          </p:nvPr>
-        </p:nvSpPr>
-        <p:spPr>
-          <a:xfrm>
-            <a:off x="2500132" y="4767263"/>
-            <a:ext cx="4676172" cy="273844"/>
-          </a:xfrm>
-          <a:prstGeom prst="rect">
-            <a:avLst/>
-          </a:prstGeom>
-        </p:spPr>
-        <p:txBody>
-          <a:bodyPr vert="horz" lIns="0" tIns="0" rIns="0" bIns="0" rtlCol="0" anchor="ctr"/>
-          <a:lstStyle>
-            <a:lvl1pPr algn="ctr">
-              <a:defRPr sz="800" b="1">
-                <a:solidFill>
-                  <a:schemeClr val="tx1"/>
-                </a:solidFill>
-              </a:defRPr>
-            </a:lvl1pPr>
-          </a:lstStyle>
-          <a:p>
-            <a:endParaRPr lang="en-US" dirty="0"/>
-          </a:p>
-        </p:txBody>
-      </p:sp>
-      <p:pic>
-        <p:nvPicPr>
-          <p:cNvPr id="4" name="Picture 3">
-            <a:extLst>
-              <a:ext uri="{FF2B5EF4-FFF2-40B4-BE49-F238E27FC236}">
-                <a16:creationId xmlns:a16="http://schemas.microsoft.com/office/drawing/2014/main" id="{70553E99-A972-B7AB-5CDD-0C3B614C83C7}"/>
-              </a:ext>
-            </a:extLst>
-          </p:cNvPr>
-          <p:cNvPicPr>
-            <a:picLocks noChangeAspect="1"/>
-          </p:cNvPicPr>
-          <p:nvPr/>
-        </p:nvPicPr>
-        <p:blipFill>
-          <a:blip r:embed="rId3"/>
-          <a:stretch>
-            <a:fillRect/>
-          </a:stretch>
-        </p:blipFill>
-        <p:spPr>
-          <a:xfrm>
-            <a:off x="348220" y="715618"/>
-            <a:ext cx="8631784" cy="3640031"/>
-          </a:xfrm>
-          <a:prstGeom prst="rect">
-            <a:avLst/>
-          </a:prstGeom>
-        </p:spPr>
-      </p:pic>
-      <p:sp>
-        <p:nvSpPr>
-          <p:cNvPr id="7" name="Rectangle 6">
-            <a:extLst>
-              <a:ext uri="{FF2B5EF4-FFF2-40B4-BE49-F238E27FC236}">
-                <a16:creationId xmlns:a16="http://schemas.microsoft.com/office/drawing/2014/main" id="{05A63A94-16D1-48FE-9F52-9B51C4AE7227}"/>
-              </a:ext>
-            </a:extLst>
-          </p:cNvPr>
-          <p:cNvSpPr/>
-          <p:nvPr/>
-        </p:nvSpPr>
-        <p:spPr>
-          <a:xfrm>
-            <a:off x="914654" y="1001430"/>
-            <a:ext cx="1313289" cy="3426452"/>
-          </a:xfrm>
-          <a:prstGeom prst="rect">
-            <a:avLst/>
-          </a:prstGeom>
-          <a:noFill/>
-          <a:ln w="19050">
-            <a:solidFill>
-              <a:srgbClr val="FF0000"/>
-            </a:solidFill>
-          </a:ln>
-        </p:spPr>
-        <p:style>
-          <a:lnRef idx="2">
-            <a:schemeClr val="accent1">
-              <a:shade val="50000"/>
-            </a:schemeClr>
-          </a:lnRef>
-          <a:fillRef idx="1">
-            <a:schemeClr val="accent1"/>
-          </a:fillRef>
-          <a:effectRef idx="0">
-            <a:schemeClr val="accent1"/>
-          </a:effectRef>
-          <a:fontRef idx="minor">
-            <a:schemeClr val="lt1"/>
-          </a:fontRef>
-        </p:style>
-        <p:txBody>
-          <a:bodyPr rtlCol="0" anchor="ctr"/>
-          <a:lstStyle/>
-          <a:p>
-            <a:pPr algn="ctr"/>
-            <a:endParaRPr lang="en-US" dirty="0"/>
-          </a:p>
-        </p:txBody>
-      </p:sp>
-    </p:spTree>
-    <p:extLst>
-      <p:ext uri="{BB962C8B-B14F-4D97-AF65-F5344CB8AC3E}">
-        <p14:creationId xmlns:p14="http://schemas.microsoft.com/office/powerpoint/2010/main" val="383917115"/>
-      </p:ext>
-    </p:extLst>
-  </p:cSld>
-  <p:clrMapOvr>
-    <a:masterClrMapping/>
-  </p:clrMapOvr>
-  <p:timing>
-    <p:tnLst>
-      <p:par>
-        <p:cTn id="1" dur="indefinite" restart="never" nodeType="tmRoot">
-          <p:childTnLst>
-            <p:seq concurrent="1" nextAc="seek">
-              <p:cTn id="2" dur="indefinite" nodeType="mainSeq">
-                <p:childTnLst>
-                  <p:par>
-                    <p:cTn id="3" fill="hold">
-                      <p:stCondLst>
-                        <p:cond delay="indefinite"/>
-                      </p:stCondLst>
-                      <p:childTnLst>
-                        <p:par>
-                          <p:cTn id="4" fill="hold">
-                            <p:stCondLst>
-                              <p:cond delay="0"/>
-                            </p:stCondLst>
-                            <p:childTnLst>
-                              <p:par>
-                                <p:cTn id="5" presetID="1" presetClass="entr" presetSubtype="0" fill="hold" grpId="0" nodeType="clickEffect">
-                                  <p:stCondLst>
-                                    <p:cond delay="0"/>
-                                  </p:stCondLst>
-                                  <p:childTnLst>
-                                    <p:set>
-                                      <p:cBhvr>
-                                        <p:cTn id="6" dur="1" fill="hold">
-                                          <p:stCondLst>
-                                            <p:cond delay="0"/>
-                                          </p:stCondLst>
-                                        </p:cTn>
-                                        <p:tgtEl>
-                                          <p:spTgt spid="7"/>
-                                        </p:tgtEl>
-                                        <p:attrNameLst>
-                                          <p:attrName>style.visibility</p:attrName>
-                                        </p:attrNameLst>
-                                      </p:cBhvr>
-                                      <p:to>
-                                        <p:strVal val="visible"/>
-                                      </p:to>
-                                    </p:set>
-                                  </p:childTnLst>
-                                </p:cTn>
-                              </p:par>
-                            </p:childTnLst>
-                          </p:cTn>
-                        </p:par>
-                      </p:childTnLst>
-                    </p:cTn>
-                  </p:par>
-                </p:childTnLst>
-              </p:cTn>
-              <p:prevCondLst>
-                <p:cond evt="onPrev" delay="0">
-                  <p:tgtEl>
-                    <p:sldTgt/>
-                  </p:tgtEl>
-                </p:cond>
-              </p:prevCondLst>
-              <p:nextCondLst>
-                <p:cond evt="onNext" delay="0">
-                  <p:tgtEl>
-                    <p:sldTgt/>
-                  </p:tgtEl>
-                </p:cond>
-              </p:nextCondLst>
-            </p:seq>
-          </p:childTnLst>
-        </p:cTn>
-      </p:par>
-    </p:tnLst>
-    <p:bldLst>
-      <p:bldP spid="7" grpId="0" animBg="1"/>
-    </p:bldLst>
-  </p:timing>
-</p:sld>
-</file>
-
-<file path=ppt/slides/slide24.xml><?xml version="1.0" encoding="utf-8"?>
+<file path=ppt/slides/slide18.xml><?xml version="1.0" encoding="utf-8"?>
 <p:sld xmlns:a="http://schemas.openxmlformats.org/drawingml/2006/main" xmlns:r="http://schemas.openxmlformats.org/officeDocument/2006/relationships" xmlns:p="http://schemas.openxmlformats.org/presentationml/2006/main">
   <p:cSld>
     <p:spTree>
@@ -15265,19 +12875,27 @@
           <a:p>
             <a:r>
               <a:rPr lang="en-US" dirty="0"/>
-              <a:t>Get variable formats from Define-XML when creating SAS datasets from Dataset-JSON (especially for numeric date/time variables)</a:t>
+              <a:t>Get OIDs from Define-XML when creating Dataset-JSON</a:t>
             </a:r>
           </a:p>
           <a:p>
             <a:r>
               <a:rPr lang="en-US" dirty="0"/>
-              <a:t>Get OIDs from Define-XML when creating Dataset-JSON</a:t>
-            </a:r>
-          </a:p>
-          <a:p>
+              <a:t>Use pre-specified metadata from Define-XML (label, datatype, length, and </a:t>
+            </a:r>
+            <a:r>
+              <a:rPr lang="en-US" dirty="0" err="1"/>
+              <a:t>KeySequence</a:t>
+            </a:r>
             <a:r>
               <a:rPr lang="en-US" dirty="0"/>
-              <a:t>Use pre-specified metadata from Define-XML (length, label, datatype) for creating Dataset-JSON</a:t>
+              <a:t>) for creating Dataset-JSON</a:t>
+            </a:r>
+          </a:p>
+          <a:p>
+            <a:r>
+              <a:rPr lang="en-US" dirty="0"/>
+              <a:t>Get variable display formats from Define-XML when creating SAS datasets from Dataset-JSON (especially for numeric date/time variables)</a:t>
             </a:r>
           </a:p>
           <a:p>
@@ -15318,7 +12936,7 @@
           <a:p>
             <a:fld id="{EB4FF9C4-EEBF-D24D-8A4E-C0B9CCE3F975}" type="slidenum">
               <a:rPr lang="en-US" smtClean="0"/>
-              <a:t>24</a:t>
+              <a:t>18</a:t>
             </a:fld>
             <a:endParaRPr lang="en-US" dirty="0"/>
           </a:p>
@@ -15340,8 +12958,8 @@
         </p:nvSpPr>
         <p:spPr>
           <a:xfrm>
-            <a:off x="5029200" y="1111249"/>
-            <a:ext cx="3739931" cy="3521473"/>
+            <a:off x="4998864" y="843507"/>
+            <a:ext cx="4110467" cy="3829180"/>
           </a:xfrm>
           <a:prstGeom prst="rect">
             <a:avLst/>
@@ -15520,7 +13138,7 @@
               <a:buNone/>
             </a:pPr>
             <a:r>
-              <a:rPr lang="en-US" sz="900" dirty="0">
+              <a:rPr lang="en-US" sz="1100" dirty="0">
                 <a:solidFill>
                   <a:srgbClr val="008000"/>
                 </a:solidFill>
@@ -15530,7 +13148,7 @@
               <a:t>/* Create metadata from Define-XML for ADaM */</a:t>
             </a:r>
             <a:br>
-              <a:rPr lang="en-US" sz="900" dirty="0">
+              <a:rPr lang="en-US" sz="1100" dirty="0">
                 <a:solidFill>
                   <a:srgbClr val="008000"/>
                 </a:solidFill>
@@ -15539,7 +13157,7 @@
               </a:rPr>
             </a:br>
             <a:r>
-              <a:rPr lang="en-US" sz="900" dirty="0">
+              <a:rPr lang="en-US" sz="1100" dirty="0">
                 <a:solidFill>
                   <a:srgbClr val="000000"/>
                 </a:solidFill>
@@ -15549,7 +13167,7 @@
               <a:t>%</a:t>
             </a:r>
             <a:r>
-              <a:rPr lang="en-US" sz="900" b="1" i="1" dirty="0">
+              <a:rPr lang="en-US" sz="1100" b="1" i="1" dirty="0">
                 <a:solidFill>
                   <a:srgbClr val="000000"/>
                 </a:solidFill>
@@ -15559,7 +13177,7 @@
               <a:t>CreateMetadataFromDefineXML</a:t>
             </a:r>
             <a:r>
-              <a:rPr lang="en-US" sz="900" b="0" i="0" dirty="0">
+              <a:rPr lang="en-US" sz="1100" b="0" i="0" dirty="0">
                 <a:solidFill>
                   <a:srgbClr val="000000"/>
                 </a:solidFill>
@@ -15569,7 +13187,7 @@
               <a:t>(</a:t>
             </a:r>
             <a:br>
-              <a:rPr lang="en-US" sz="900" b="0" i="0" dirty="0">
+              <a:rPr lang="en-US" sz="1100" b="0" i="0" dirty="0">
                 <a:solidFill>
                   <a:srgbClr val="000000"/>
                 </a:solidFill>
@@ -15578,7 +13196,7 @@
               </a:rPr>
             </a:br>
             <a:r>
-              <a:rPr lang="en-US" sz="900" b="0" i="0" dirty="0">
+              <a:rPr lang="en-US" sz="1100" b="0" i="0" dirty="0">
                 <a:solidFill>
                   <a:srgbClr val="000000"/>
                 </a:solidFill>
@@ -15588,7 +13206,7 @@
               <a:t>   definexml=&amp;root/json/adam/define.xml, </a:t>
             </a:r>
             <a:br>
-              <a:rPr lang="en-US" sz="900" b="0" i="0" dirty="0">
+              <a:rPr lang="en-US" sz="1100" b="0" i="0" dirty="0">
                 <a:solidFill>
                   <a:srgbClr val="000000"/>
                 </a:solidFill>
@@ -15597,7 +13215,7 @@
               </a:rPr>
             </a:br>
             <a:r>
-              <a:rPr lang="en-US" sz="900" b="0" i="0" dirty="0">
+              <a:rPr lang="en-US" sz="1100" b="0" i="0" dirty="0">
                 <a:solidFill>
                   <a:srgbClr val="000000"/>
                 </a:solidFill>
@@ -15607,7 +13225,7 @@
               <a:t>   metadatalib=metaadam</a:t>
             </a:r>
             <a:br>
-              <a:rPr lang="en-US" sz="900" b="0" i="0" dirty="0">
+              <a:rPr lang="en-US" sz="1100" b="0" i="0" dirty="0">
                 <a:solidFill>
                   <a:srgbClr val="000000"/>
                 </a:solidFill>
@@ -15616,7 +13234,7 @@
               </a:rPr>
             </a:br>
             <a:r>
-              <a:rPr lang="en-US" sz="900" b="0" i="0" dirty="0">
+              <a:rPr lang="en-US" sz="1100" b="0" i="0" dirty="0">
                 <a:solidFill>
                   <a:srgbClr val="000000"/>
                 </a:solidFill>
@@ -15626,7 +13244,7 @@
               <a:t>   );</a:t>
             </a:r>
             <a:br>
-              <a:rPr lang="en-US" sz="900" b="0" i="0" dirty="0">
+              <a:rPr lang="en-US" sz="1100" b="0" i="0" dirty="0">
                 <a:solidFill>
                   <a:srgbClr val="000000"/>
                 </a:solidFill>
@@ -15635,7 +13253,7 @@
               </a:rPr>
             </a:br>
             <a:br>
-              <a:rPr lang="en-US" sz="900" b="0" i="0" dirty="0">
+              <a:rPr lang="en-US" sz="1100" b="0" i="0" dirty="0">
                 <a:solidFill>
                   <a:srgbClr val="000000"/>
                 </a:solidFill>
@@ -15644,7 +13262,7 @@
               </a:rPr>
             </a:br>
             <a:r>
-              <a:rPr lang="en-US" sz="900" b="0" i="0" dirty="0">
+              <a:rPr lang="en-US" sz="1100" b="0" i="0" dirty="0">
                 <a:solidFill>
                   <a:srgbClr val="008000"/>
                 </a:solidFill>
@@ -15654,7 +13272,7 @@
               <a:t>/* Some manual data type updates */</a:t>
             </a:r>
             <a:br>
-              <a:rPr lang="en-US" sz="900" b="0" i="0" dirty="0">
+              <a:rPr lang="en-US" sz="1100" b="0" i="0" dirty="0">
                 <a:solidFill>
                   <a:srgbClr val="008000"/>
                 </a:solidFill>
@@ -15663,7 +13281,7 @@
               </a:rPr>
             </a:br>
             <a:r>
-              <a:rPr lang="en-US" sz="900" b="1" i="0" dirty="0">
+              <a:rPr lang="en-US" sz="1100" b="1" i="0" dirty="0">
                 <a:solidFill>
                   <a:srgbClr val="000080"/>
                 </a:solidFill>
@@ -15673,7 +13291,7 @@
               <a:t>data</a:t>
             </a:r>
             <a:r>
-              <a:rPr lang="en-US" sz="900" b="0" i="0" dirty="0">
+              <a:rPr lang="en-US" sz="1100" b="0" i="0" dirty="0">
                 <a:solidFill>
                   <a:srgbClr val="000000"/>
                 </a:solidFill>
@@ -15683,7 +13301,7 @@
               <a:t> metaadam.metadata_columns;</a:t>
             </a:r>
             <a:br>
-              <a:rPr lang="en-US" sz="900" b="0" i="0" dirty="0">
+              <a:rPr lang="en-US" sz="1100" b="0" i="0" dirty="0">
                 <a:solidFill>
                   <a:srgbClr val="000000"/>
                 </a:solidFill>
@@ -15692,7 +13310,7 @@
               </a:rPr>
             </a:br>
             <a:r>
-              <a:rPr lang="en-US" sz="900" b="0" i="0" dirty="0">
+              <a:rPr lang="en-US" sz="1100" b="0" i="0" dirty="0">
                 <a:solidFill>
                   <a:srgbClr val="000000"/>
                 </a:solidFill>
@@ -15702,7 +13320,7 @@
               <a:t>  </a:t>
             </a:r>
             <a:r>
-              <a:rPr lang="en-US" sz="900" b="0" i="0" dirty="0">
+              <a:rPr lang="en-US" sz="1100" b="0" i="0" dirty="0">
                 <a:solidFill>
                   <a:srgbClr val="0000FF"/>
                 </a:solidFill>
@@ -15712,7 +13330,7 @@
               <a:t>set</a:t>
             </a:r>
             <a:r>
-              <a:rPr lang="en-US" sz="900" b="0" i="0" dirty="0">
+              <a:rPr lang="en-US" sz="1100" b="0" i="0" dirty="0">
                 <a:solidFill>
                   <a:srgbClr val="000000"/>
                 </a:solidFill>
@@ -15722,7 +13340,7 @@
               <a:t> metaadam.metadata_columns;</a:t>
             </a:r>
             <a:br>
-              <a:rPr lang="en-US" sz="900" b="0" i="0" dirty="0">
+              <a:rPr lang="en-US" sz="1100" b="0" i="0" dirty="0">
                 <a:solidFill>
                   <a:srgbClr val="000000"/>
                 </a:solidFill>
@@ -15731,7 +13349,7 @@
               </a:rPr>
             </a:br>
             <a:r>
-              <a:rPr lang="en-US" sz="900" b="0" i="0" dirty="0">
+              <a:rPr lang="en-US" sz="1100" b="0" i="0" dirty="0">
                 <a:solidFill>
                   <a:srgbClr val="000000"/>
                 </a:solidFill>
@@ -15741,7 +13359,7 @@
               <a:t>  </a:t>
             </a:r>
             <a:r>
-              <a:rPr lang="en-US" sz="900" b="0" i="0" dirty="0">
+              <a:rPr lang="en-US" sz="1100" b="0" i="0" dirty="0">
                 <a:solidFill>
                   <a:srgbClr val="0000FF"/>
                 </a:solidFill>
@@ -15751,7 +13369,7 @@
               <a:t>if</a:t>
             </a:r>
             <a:r>
-              <a:rPr lang="en-US" sz="900" b="0" i="0" dirty="0">
+              <a:rPr lang="en-US" sz="1100" b="0" i="0" dirty="0">
                 <a:solidFill>
                   <a:srgbClr val="000000"/>
                 </a:solidFill>
@@ -15761,7 +13379,7 @@
               <a:t> xml_datatype=</a:t>
             </a:r>
             <a:r>
-              <a:rPr lang="en-US" sz="900" b="0" i="0" dirty="0">
+              <a:rPr lang="en-US" sz="1100" b="0" i="0" dirty="0">
                 <a:solidFill>
                   <a:srgbClr val="800080"/>
                 </a:solidFill>
@@ -15771,7 +13389,7 @@
               <a:t>'float'</a:t>
             </a:r>
             <a:r>
-              <a:rPr lang="en-US" sz="900" b="0" i="0" dirty="0">
+              <a:rPr lang="en-US" sz="1100" b="0" i="0" dirty="0">
                 <a:solidFill>
                   <a:srgbClr val="000000"/>
                 </a:solidFill>
@@ -15781,37 +13399,96 @@
               <a:t> </a:t>
             </a:r>
             <a:r>
-              <a:rPr lang="en-US" sz="900" b="0" i="0" dirty="0">
+              <a:rPr lang="en-US" sz="1100" b="0" i="0" dirty="0">
                 <a:solidFill>
                   <a:srgbClr val="0000FF"/>
                 </a:solidFill>
                 <a:latin typeface="Consolas" panose="020B0609020204030204" pitchFamily="49" charset="0"/>
                 <a:cs typeface="Courier New" panose="02070309020205020404" pitchFamily="49" charset="0"/>
               </a:rPr>
+              <a:t>and</a:t>
+            </a:r>
+            <a:r>
+              <a:rPr lang="en-US" sz="1100" b="0" i="0" dirty="0">
+                <a:solidFill>
+                  <a:srgbClr val="000000"/>
+                </a:solidFill>
+                <a:latin typeface="Consolas" panose="020B0609020204030204" pitchFamily="49" charset="0"/>
+                <a:cs typeface="Courier New" panose="02070309020205020404" pitchFamily="49" charset="0"/>
+              </a:rPr>
+              <a:t> index(name, </a:t>
+            </a:r>
+            <a:r>
+              <a:rPr lang="en-US" sz="1100" b="0" i="0" dirty="0">
+                <a:solidFill>
+                  <a:srgbClr val="800080"/>
+                </a:solidFill>
+                <a:latin typeface="Consolas" panose="020B0609020204030204" pitchFamily="49" charset="0"/>
+                <a:cs typeface="Courier New" panose="02070309020205020404" pitchFamily="49" charset="0"/>
+              </a:rPr>
+              <a:t>'VISIT'</a:t>
+            </a:r>
+            <a:r>
+              <a:rPr lang="en-US" sz="1100" b="0" i="0" dirty="0">
+                <a:solidFill>
+                  <a:srgbClr val="000000"/>
+                </a:solidFill>
+                <a:latin typeface="Consolas" panose="020B0609020204030204" pitchFamily="49" charset="0"/>
+                <a:cs typeface="Courier New" panose="02070309020205020404" pitchFamily="49" charset="0"/>
+              </a:rPr>
+              <a:t>) </a:t>
+            </a:r>
+            <a:br>
+              <a:rPr lang="en-US" sz="1100" b="0" i="0" dirty="0">
+                <a:solidFill>
+                  <a:srgbClr val="000000"/>
+                </a:solidFill>
+                <a:latin typeface="Consolas" panose="020B0609020204030204" pitchFamily="49" charset="0"/>
+                <a:cs typeface="Courier New" panose="02070309020205020404" pitchFamily="49" charset="0"/>
+              </a:rPr>
+            </a:br>
+            <a:r>
+              <a:rPr lang="en-US" sz="1100" b="0" i="0" dirty="0">
+                <a:solidFill>
+                  <a:srgbClr val="000000"/>
+                </a:solidFill>
+                <a:latin typeface="Consolas" panose="020B0609020204030204" pitchFamily="49" charset="0"/>
+                <a:cs typeface="Courier New" panose="02070309020205020404" pitchFamily="49" charset="0"/>
+              </a:rPr>
+              <a:t>    </a:t>
+            </a:r>
+            <a:r>
+              <a:rPr lang="en-US" sz="1100" b="0" i="0" dirty="0">
+                <a:solidFill>
+                  <a:srgbClr val="0000FF"/>
+                </a:solidFill>
+                <a:latin typeface="Consolas" panose="020B0609020204030204" pitchFamily="49" charset="0"/>
+                <a:cs typeface="Courier New" panose="02070309020205020404" pitchFamily="49" charset="0"/>
+              </a:rPr>
               <a:t>then</a:t>
             </a:r>
             <a:r>
-              <a:rPr lang="en-US" sz="900" b="0" i="0" dirty="0">
+              <a:rPr lang="en-US" sz="1100" b="0" i="0" dirty="0">
                 <a:solidFill>
                   <a:srgbClr val="000000"/>
                 </a:solidFill>
                 <a:latin typeface="Consolas" panose="020B0609020204030204" pitchFamily="49" charset="0"/>
                 <a:cs typeface="Courier New" panose="02070309020205020404" pitchFamily="49" charset="0"/>
               </a:rPr>
-              <a:t> </a:t>
-            </a:r>
-            <a:r>
-              <a:rPr lang="en-US" sz="900" b="0" i="0" dirty="0">
-                <a:solidFill>
-                  <a:srgbClr val="0000FF"/>
+              <a:t> json_datatype=</a:t>
+            </a:r>
+            <a:r>
+              <a:rPr lang="en-US" sz="1100" b="0" i="0" dirty="0">
+                <a:solidFill>
+                  <a:srgbClr val="800080"/>
                 </a:solidFill>
                 <a:latin typeface="Consolas" panose="020B0609020204030204" pitchFamily="49" charset="0"/>
                 <a:cs typeface="Courier New" panose="02070309020205020404" pitchFamily="49" charset="0"/>
               </a:rPr>
-              <a:t>do</a:t>
-            </a:r>
-            <a:r>
-              <a:rPr lang="en-US" sz="900" b="0" i="0" dirty="0">
+              <a:t>'decimal'</a:t>
+            </a:r>
+            <a:r>
+              <a:rPr lang="en-US" sz="1100" b="0" i="0" dirty="0">
                 <a:solidFill>
                   <a:srgbClr val="000000"/>
                 </a:solidFill>
@@ -15821,7 +13498,7 @@
               <a:t>;</a:t>
             </a:r>
             <a:br>
-              <a:rPr lang="en-US" sz="900" b="0" i="0" dirty="0">
+              <a:rPr lang="en-US" sz="1100" b="0" i="0" dirty="0">
                 <a:solidFill>
                   <a:srgbClr val="000000"/>
                 </a:solidFill>
@@ -15830,155 +13507,17 @@
               </a:rPr>
             </a:br>
             <a:r>
-              <a:rPr lang="en-US" sz="900" b="0" i="0" dirty="0">
-                <a:solidFill>
-                  <a:srgbClr val="000000"/>
+              <a:rPr lang="en-US" sz="1100" b="1" i="0" dirty="0">
+                <a:solidFill>
+                  <a:srgbClr val="000080"/>
                 </a:solidFill>
                 <a:latin typeface="Consolas" panose="020B0609020204030204" pitchFamily="49" charset="0"/>
                 <a:cs typeface="Courier New" panose="02070309020205020404" pitchFamily="49" charset="0"/>
               </a:rPr>
-              <a:t>    </a:t>
-            </a:r>
-            <a:r>
-              <a:rPr lang="en-US" sz="900" b="0" i="0" dirty="0">
-                <a:solidFill>
-                  <a:srgbClr val="0000FF"/>
-                </a:solidFill>
-                <a:latin typeface="Consolas" panose="020B0609020204030204" pitchFamily="49" charset="0"/>
-                <a:cs typeface="Courier New" panose="02070309020205020404" pitchFamily="49" charset="0"/>
-              </a:rPr>
-              <a:t>if</a:t>
-            </a:r>
-            <a:r>
-              <a:rPr lang="en-US" sz="900" b="0" i="0" dirty="0">
-                <a:solidFill>
-                  <a:srgbClr val="000000"/>
-                </a:solidFill>
-                <a:latin typeface="Consolas" panose="020B0609020204030204" pitchFamily="49" charset="0"/>
-                <a:cs typeface="Courier New" panose="02070309020205020404" pitchFamily="49" charset="0"/>
-              </a:rPr>
-              <a:t> index(name, </a:t>
-            </a:r>
-            <a:r>
-              <a:rPr lang="en-US" sz="900" b="0" i="0" dirty="0">
-                <a:solidFill>
-                  <a:srgbClr val="800080"/>
-                </a:solidFill>
-                <a:latin typeface="Consolas" panose="020B0609020204030204" pitchFamily="49" charset="0"/>
-                <a:cs typeface="Courier New" panose="02070309020205020404" pitchFamily="49" charset="0"/>
-              </a:rPr>
-              <a:t>'VISIT'</a:t>
-            </a:r>
-            <a:r>
-              <a:rPr lang="en-US" sz="900" b="0" i="0" dirty="0">
-                <a:solidFill>
-                  <a:srgbClr val="000000"/>
-                </a:solidFill>
-                <a:latin typeface="Consolas" panose="020B0609020204030204" pitchFamily="49" charset="0"/>
-                <a:cs typeface="Courier New" panose="02070309020205020404" pitchFamily="49" charset="0"/>
-              </a:rPr>
-              <a:t>) </a:t>
-            </a:r>
-            <a:r>
-              <a:rPr lang="en-US" sz="900" b="0" i="0" dirty="0">
-                <a:solidFill>
-                  <a:srgbClr val="0000FF"/>
-                </a:solidFill>
-                <a:latin typeface="Consolas" panose="020B0609020204030204" pitchFamily="49" charset="0"/>
-                <a:cs typeface="Courier New" panose="02070309020205020404" pitchFamily="49" charset="0"/>
-              </a:rPr>
-              <a:t>then</a:t>
-            </a:r>
-            <a:r>
-              <a:rPr lang="en-US" sz="900" b="0" i="0" dirty="0">
-                <a:solidFill>
-                  <a:srgbClr val="000000"/>
-                </a:solidFill>
-                <a:latin typeface="Consolas" panose="020B0609020204030204" pitchFamily="49" charset="0"/>
-                <a:cs typeface="Courier New" panose="02070309020205020404" pitchFamily="49" charset="0"/>
-              </a:rPr>
-              <a:t> json_datatype=</a:t>
-            </a:r>
-            <a:r>
-              <a:rPr lang="en-US" sz="900" b="0" i="0" dirty="0">
-                <a:solidFill>
-                  <a:srgbClr val="800080"/>
-                </a:solidFill>
-                <a:latin typeface="Consolas" panose="020B0609020204030204" pitchFamily="49" charset="0"/>
-                <a:cs typeface="Courier New" panose="02070309020205020404" pitchFamily="49" charset="0"/>
-              </a:rPr>
-              <a:t>'decimal'</a:t>
-            </a:r>
-            <a:r>
-              <a:rPr lang="en-US" sz="900" b="0" i="0" dirty="0">
-                <a:solidFill>
-                  <a:srgbClr val="000000"/>
-                </a:solidFill>
-                <a:latin typeface="Consolas" panose="020B0609020204030204" pitchFamily="49" charset="0"/>
-                <a:cs typeface="Courier New" panose="02070309020205020404" pitchFamily="49" charset="0"/>
-              </a:rPr>
-              <a:t>;</a:t>
-            </a:r>
-            <a:br>
-              <a:rPr lang="en-US" sz="900" b="0" i="0" dirty="0">
-                <a:solidFill>
-                  <a:srgbClr val="000000"/>
-                </a:solidFill>
-                <a:latin typeface="Consolas" panose="020B0609020204030204" pitchFamily="49" charset="0"/>
-                <a:cs typeface="Courier New" panose="02070309020205020404" pitchFamily="49" charset="0"/>
-              </a:rPr>
-            </a:br>
-            <a:r>
-              <a:rPr lang="en-US" sz="900" b="0" i="0" dirty="0">
-                <a:solidFill>
-                  <a:srgbClr val="000000"/>
-                </a:solidFill>
-                <a:latin typeface="Consolas" panose="020B0609020204030204" pitchFamily="49" charset="0"/>
-                <a:cs typeface="Courier New" panose="02070309020205020404" pitchFamily="49" charset="0"/>
-              </a:rPr>
-              <a:t>  </a:t>
-            </a:r>
-            <a:r>
-              <a:rPr lang="en-US" sz="900" b="0" i="0" dirty="0">
-                <a:solidFill>
-                  <a:srgbClr val="0000FF"/>
-                </a:solidFill>
-                <a:latin typeface="Consolas" panose="020B0609020204030204" pitchFamily="49" charset="0"/>
-                <a:cs typeface="Courier New" panose="02070309020205020404" pitchFamily="49" charset="0"/>
-              </a:rPr>
-              <a:t>end</a:t>
-            </a:r>
-            <a:r>
-              <a:rPr lang="en-US" sz="900" b="0" i="0" dirty="0">
-                <a:solidFill>
-                  <a:srgbClr val="000000"/>
-                </a:solidFill>
-                <a:latin typeface="Consolas" panose="020B0609020204030204" pitchFamily="49" charset="0"/>
-                <a:cs typeface="Courier New" panose="02070309020205020404" pitchFamily="49" charset="0"/>
-              </a:rPr>
-              <a:t>;</a:t>
-            </a:r>
-            <a:br>
-              <a:rPr lang="en-US" sz="900" b="0" i="0" dirty="0">
-                <a:solidFill>
-                  <a:srgbClr val="000000"/>
-                </a:solidFill>
-                <a:latin typeface="Consolas" panose="020B0609020204030204" pitchFamily="49" charset="0"/>
-                <a:cs typeface="Courier New" panose="02070309020205020404" pitchFamily="49" charset="0"/>
-              </a:rPr>
-            </a:br>
-            <a:r>
-              <a:rPr lang="en-US" sz="900" b="1" i="0" dirty="0">
-                <a:solidFill>
-                  <a:srgbClr val="000080"/>
-                </a:solidFill>
-                <a:latin typeface="Consolas" panose="020B0609020204030204" pitchFamily="49" charset="0"/>
-                <a:cs typeface="Courier New" panose="02070309020205020404" pitchFamily="49" charset="0"/>
-              </a:rPr>
               <a:t>run</a:t>
             </a:r>
             <a:r>
-              <a:rPr lang="en-US" sz="900" b="0" i="0" dirty="0">
+              <a:rPr lang="en-US" sz="1100" b="0" i="0" dirty="0">
                 <a:solidFill>
                   <a:srgbClr val="000000"/>
                 </a:solidFill>
@@ -15993,7 +13532,7 @@
               <a:buNone/>
             </a:pPr>
             <a:br>
-              <a:rPr lang="en-US" sz="900" b="0" i="0" dirty="0">
+              <a:rPr lang="en-US" sz="1100" b="0" i="0" dirty="0">
                 <a:solidFill>
                   <a:srgbClr val="008000"/>
                 </a:solidFill>
@@ -16002,7 +13541,7 @@
               </a:rPr>
             </a:br>
             <a:r>
-              <a:rPr lang="en-US" sz="900" b="0" i="0" dirty="0">
+              <a:rPr lang="en-US" sz="1100" b="0" i="0" dirty="0">
                 <a:solidFill>
                   <a:srgbClr val="008000"/>
                 </a:solidFill>
@@ -16012,7 +13551,7 @@
               <a:t>/* Create metadata from Define-XML for SDTM */</a:t>
             </a:r>
             <a:br>
-              <a:rPr lang="en-US" sz="900" b="0" i="0" dirty="0">
+              <a:rPr lang="en-US" sz="1100" b="0" i="0" dirty="0">
                 <a:solidFill>
                   <a:srgbClr val="008000"/>
                 </a:solidFill>
@@ -16021,7 +13560,7 @@
               </a:rPr>
             </a:br>
             <a:r>
-              <a:rPr lang="en-US" sz="900" b="0" i="0" dirty="0">
+              <a:rPr lang="en-US" sz="1100" b="0" i="0" dirty="0">
                 <a:solidFill>
                   <a:srgbClr val="000000"/>
                 </a:solidFill>
@@ -16031,7 +13570,7 @@
               <a:t>%</a:t>
             </a:r>
             <a:r>
-              <a:rPr lang="en-US" sz="900" b="1" i="1" dirty="0">
+              <a:rPr lang="en-US" sz="1100" b="1" i="1" dirty="0">
                 <a:solidFill>
                   <a:srgbClr val="000000"/>
                 </a:solidFill>
@@ -16041,7 +13580,7 @@
               <a:t>CreateMetadataFromDefineXML</a:t>
             </a:r>
             <a:r>
-              <a:rPr lang="en-US" sz="900" b="0" i="0" dirty="0">
+              <a:rPr lang="en-US" sz="1100" b="0" i="0" dirty="0">
                 <a:solidFill>
                   <a:srgbClr val="000000"/>
                 </a:solidFill>
@@ -16051,7 +13590,7 @@
               <a:t>(</a:t>
             </a:r>
             <a:br>
-              <a:rPr lang="en-US" sz="900" b="0" i="0" dirty="0">
+              <a:rPr lang="en-US" sz="1100" b="0" i="0" dirty="0">
                 <a:solidFill>
                   <a:srgbClr val="000000"/>
                 </a:solidFill>
@@ -16060,7 +13599,7 @@
               </a:rPr>
             </a:br>
             <a:r>
-              <a:rPr lang="en-US" sz="900" b="0" i="0" dirty="0">
+              <a:rPr lang="en-US" sz="1100" b="0" i="0" dirty="0">
                 <a:solidFill>
                   <a:srgbClr val="000000"/>
                 </a:solidFill>
@@ -16070,7 +13609,7 @@
               <a:t>   definexml=&amp;root/json/sdtm/define.xml, </a:t>
             </a:r>
             <a:br>
-              <a:rPr lang="en-US" sz="900" b="0" i="0" dirty="0">
+              <a:rPr lang="en-US" sz="1100" b="0" i="0" dirty="0">
                 <a:solidFill>
                   <a:srgbClr val="000000"/>
                 </a:solidFill>
@@ -16079,7 +13618,7 @@
               </a:rPr>
             </a:br>
             <a:r>
-              <a:rPr lang="en-US" sz="900" b="0" i="0" dirty="0">
+              <a:rPr lang="en-US" sz="1100" b="0" i="0" dirty="0">
                 <a:solidFill>
                   <a:srgbClr val="000000"/>
                 </a:solidFill>
@@ -16089,7 +13628,7 @@
               <a:t>   metadatalib=metasdtm</a:t>
             </a:r>
             <a:br>
-              <a:rPr lang="en-US" sz="900" b="0" i="0" dirty="0">
+              <a:rPr lang="en-US" sz="1100" b="0" i="0" dirty="0">
                 <a:solidFill>
                   <a:srgbClr val="000000"/>
                 </a:solidFill>
@@ -16098,7 +13637,7 @@
               </a:rPr>
             </a:br>
             <a:r>
-              <a:rPr lang="en-US" sz="900" b="0" i="0" dirty="0">
+              <a:rPr lang="en-US" sz="1100" b="0" i="0" dirty="0">
                 <a:solidFill>
                   <a:srgbClr val="000000"/>
                 </a:solidFill>
@@ -16108,7 +13647,7 @@
               <a:t>   );</a:t>
             </a:r>
             <a:br>
-              <a:rPr lang="en-US" sz="900" b="0" i="0" dirty="0">
+              <a:rPr lang="en-US" sz="1100" b="0" i="0" dirty="0">
                 <a:solidFill>
                   <a:srgbClr val="000000"/>
                 </a:solidFill>
@@ -16117,7 +13656,7 @@
               </a:rPr>
             </a:br>
             <a:br>
-              <a:rPr lang="en-US" sz="900" b="0" i="0" dirty="0">
+              <a:rPr lang="en-US" sz="1100" b="0" i="0" dirty="0">
                 <a:solidFill>
                   <a:srgbClr val="000000"/>
                 </a:solidFill>
@@ -16126,7 +13665,7 @@
               </a:rPr>
             </a:br>
             <a:r>
-              <a:rPr lang="en-US" sz="900" b="0" i="0" dirty="0">
+              <a:rPr lang="en-US" sz="1100" b="0" i="0" dirty="0">
                 <a:solidFill>
                   <a:srgbClr val="008000"/>
                 </a:solidFill>
@@ -16136,7 +13675,7 @@
               <a:t>/* Some manual data type updates */</a:t>
             </a:r>
             <a:br>
-              <a:rPr lang="en-US" sz="900" b="0" i="0" dirty="0">
+              <a:rPr lang="en-US" sz="1100" b="0" i="0" dirty="0">
                 <a:solidFill>
                   <a:srgbClr val="008000"/>
                 </a:solidFill>
@@ -16145,7 +13684,7 @@
               </a:rPr>
             </a:br>
             <a:r>
-              <a:rPr lang="en-US" sz="900" b="1" i="0" dirty="0">
+              <a:rPr lang="en-US" sz="1100" b="1" i="0" dirty="0">
                 <a:solidFill>
                   <a:srgbClr val="000080"/>
                 </a:solidFill>
@@ -16155,7 +13694,7 @@
               <a:t>data</a:t>
             </a:r>
             <a:r>
-              <a:rPr lang="en-US" sz="900" b="0" i="0" dirty="0">
+              <a:rPr lang="en-US" sz="1100" b="0" i="0" dirty="0">
                 <a:solidFill>
                   <a:srgbClr val="000000"/>
                 </a:solidFill>
@@ -16165,7 +13704,7 @@
               <a:t> metasdtm.metadata_columns;</a:t>
             </a:r>
             <a:br>
-              <a:rPr lang="en-US" sz="900" b="0" i="0" dirty="0">
+              <a:rPr lang="en-US" sz="1100" b="0" i="0" dirty="0">
                 <a:solidFill>
                   <a:srgbClr val="000000"/>
                 </a:solidFill>
@@ -16174,7 +13713,7 @@
               </a:rPr>
             </a:br>
             <a:r>
-              <a:rPr lang="en-US" sz="900" b="0" i="0" dirty="0">
+              <a:rPr lang="en-US" sz="1100" b="0" i="0" dirty="0">
                 <a:solidFill>
                   <a:srgbClr val="000000"/>
                 </a:solidFill>
@@ -16184,7 +13723,7 @@
               <a:t>  </a:t>
             </a:r>
             <a:r>
-              <a:rPr lang="en-US" sz="900" b="0" i="0" dirty="0">
+              <a:rPr lang="en-US" sz="1100" b="0" i="0" dirty="0">
                 <a:solidFill>
                   <a:srgbClr val="0000FF"/>
                 </a:solidFill>
@@ -16194,7 +13733,7 @@
               <a:t>set</a:t>
             </a:r>
             <a:r>
-              <a:rPr lang="en-US" sz="900" b="0" i="0" dirty="0">
+              <a:rPr lang="en-US" sz="1100" b="0" i="0" dirty="0">
                 <a:solidFill>
                   <a:srgbClr val="000000"/>
                 </a:solidFill>
@@ -16204,7 +13743,7 @@
               <a:t> metasdtm.metadata_columns;</a:t>
             </a:r>
             <a:br>
-              <a:rPr lang="en-US" sz="900" b="0" i="0" dirty="0">
+              <a:rPr lang="en-US" sz="1100" b="0" i="0" dirty="0">
                 <a:solidFill>
                   <a:srgbClr val="000000"/>
                 </a:solidFill>
@@ -16213,7 +13752,7 @@
               </a:rPr>
             </a:br>
             <a:r>
-              <a:rPr lang="en-US" sz="900" b="0" i="0" dirty="0">
+              <a:rPr lang="en-US" sz="1100" b="0" i="0" dirty="0">
                 <a:solidFill>
                   <a:srgbClr val="000000"/>
                 </a:solidFill>
@@ -16223,7 +13762,7 @@
               <a:t>  </a:t>
             </a:r>
             <a:r>
-              <a:rPr lang="en-US" sz="900" b="0" i="0" dirty="0">
+              <a:rPr lang="en-US" sz="1100" b="0" i="0" dirty="0">
                 <a:solidFill>
                   <a:srgbClr val="0000FF"/>
                 </a:solidFill>
@@ -16233,7 +13772,7 @@
               <a:t>if</a:t>
             </a:r>
             <a:r>
-              <a:rPr lang="en-US" sz="900" b="0" i="0" dirty="0">
+              <a:rPr lang="en-US" sz="1100" b="0" i="0" dirty="0">
                 <a:solidFill>
                   <a:srgbClr val="000000"/>
                 </a:solidFill>
@@ -16243,7 +13782,7 @@
               <a:t> xml_datatype=</a:t>
             </a:r>
             <a:r>
-              <a:rPr lang="en-US" sz="900" b="0" i="0" dirty="0">
+              <a:rPr lang="en-US" sz="1100" b="0" i="0" dirty="0">
                 <a:solidFill>
                   <a:srgbClr val="800080"/>
                 </a:solidFill>
@@ -16253,7 +13792,7 @@
               <a:t>'float'</a:t>
             </a:r>
             <a:r>
-              <a:rPr lang="en-US" sz="900" b="0" i="0" dirty="0">
+              <a:rPr lang="en-US" sz="1100" b="0" i="0" dirty="0">
                 <a:solidFill>
                   <a:srgbClr val="000000"/>
                 </a:solidFill>
@@ -16263,37 +13802,96 @@
               <a:t> </a:t>
             </a:r>
             <a:r>
-              <a:rPr lang="en-US" sz="900" b="0" i="0" dirty="0">
+              <a:rPr lang="en-US" sz="1100" b="0" i="0" dirty="0">
                 <a:solidFill>
                   <a:srgbClr val="0000FF"/>
                 </a:solidFill>
                 <a:latin typeface="Consolas" panose="020B0609020204030204" pitchFamily="49" charset="0"/>
                 <a:cs typeface="Courier New" panose="02070309020205020404" pitchFamily="49" charset="0"/>
               </a:rPr>
+              <a:t>and</a:t>
+            </a:r>
+            <a:r>
+              <a:rPr lang="en-US" sz="1100" b="0" i="0" dirty="0">
+                <a:solidFill>
+                  <a:srgbClr val="000000"/>
+                </a:solidFill>
+                <a:latin typeface="Consolas" panose="020B0609020204030204" pitchFamily="49" charset="0"/>
+                <a:cs typeface="Courier New" panose="02070309020205020404" pitchFamily="49" charset="0"/>
+              </a:rPr>
+              <a:t> name ne </a:t>
+            </a:r>
+            <a:r>
+              <a:rPr lang="en-US" sz="1100" b="0" i="0" dirty="0">
+                <a:solidFill>
+                  <a:srgbClr val="800080"/>
+                </a:solidFill>
+                <a:latin typeface="Consolas" panose="020B0609020204030204" pitchFamily="49" charset="0"/>
+                <a:cs typeface="Courier New" panose="02070309020205020404" pitchFamily="49" charset="0"/>
+              </a:rPr>
+              <a:t>'LBSTRESN'</a:t>
+            </a:r>
+            <a:r>
+              <a:rPr lang="en-US" sz="1100" b="0" i="0" dirty="0">
+                <a:solidFill>
+                  <a:srgbClr val="000000"/>
+                </a:solidFill>
+                <a:latin typeface="Consolas" panose="020B0609020204030204" pitchFamily="49" charset="0"/>
+                <a:cs typeface="Courier New" panose="02070309020205020404" pitchFamily="49" charset="0"/>
+              </a:rPr>
+              <a:t> </a:t>
+            </a:r>
+            <a:br>
+              <a:rPr lang="en-US" sz="1100" b="0" i="0" dirty="0">
+                <a:solidFill>
+                  <a:srgbClr val="000000"/>
+                </a:solidFill>
+                <a:latin typeface="Consolas" panose="020B0609020204030204" pitchFamily="49" charset="0"/>
+                <a:cs typeface="Courier New" panose="02070309020205020404" pitchFamily="49" charset="0"/>
+              </a:rPr>
+            </a:br>
+            <a:r>
+              <a:rPr lang="en-US" sz="1100" b="0" i="0" dirty="0">
+                <a:solidFill>
+                  <a:srgbClr val="000000"/>
+                </a:solidFill>
+                <a:latin typeface="Consolas" panose="020B0609020204030204" pitchFamily="49" charset="0"/>
+                <a:cs typeface="Courier New" panose="02070309020205020404" pitchFamily="49" charset="0"/>
+              </a:rPr>
+              <a:t>    </a:t>
+            </a:r>
+            <a:r>
+              <a:rPr lang="en-US" sz="1100" b="0" i="0" dirty="0">
+                <a:solidFill>
+                  <a:srgbClr val="0000FF"/>
+                </a:solidFill>
+                <a:latin typeface="Consolas" panose="020B0609020204030204" pitchFamily="49" charset="0"/>
+                <a:cs typeface="Courier New" panose="02070309020205020404" pitchFamily="49" charset="0"/>
+              </a:rPr>
               <a:t>then</a:t>
             </a:r>
             <a:r>
-              <a:rPr lang="en-US" sz="900" b="0" i="0" dirty="0">
+              <a:rPr lang="en-US" sz="1100" b="0" i="0" dirty="0">
                 <a:solidFill>
                   <a:srgbClr val="000000"/>
                 </a:solidFill>
                 <a:latin typeface="Consolas" panose="020B0609020204030204" pitchFamily="49" charset="0"/>
                 <a:cs typeface="Courier New" panose="02070309020205020404" pitchFamily="49" charset="0"/>
               </a:rPr>
-              <a:t> </a:t>
-            </a:r>
-            <a:r>
-              <a:rPr lang="en-US" sz="900" b="0" i="0" dirty="0">
-                <a:solidFill>
-                  <a:srgbClr val="0000FF"/>
+              <a:t> json_datatype=</a:t>
+            </a:r>
+            <a:r>
+              <a:rPr lang="en-US" sz="1100" b="0" i="0" dirty="0">
+                <a:solidFill>
+                  <a:srgbClr val="800080"/>
                 </a:solidFill>
                 <a:latin typeface="Consolas" panose="020B0609020204030204" pitchFamily="49" charset="0"/>
                 <a:cs typeface="Courier New" panose="02070309020205020404" pitchFamily="49" charset="0"/>
               </a:rPr>
-              <a:t>do</a:t>
-            </a:r>
-            <a:r>
-              <a:rPr lang="en-US" sz="900" b="0" i="0" dirty="0">
+              <a:t>'decimal'</a:t>
+            </a:r>
+            <a:r>
+              <a:rPr lang="en-US" sz="1100" b="0" i="0" dirty="0">
                 <a:solidFill>
                   <a:srgbClr val="000000"/>
                 </a:solidFill>
@@ -16303,7 +13901,7 @@
               <a:t>;</a:t>
             </a:r>
             <a:br>
-              <a:rPr lang="en-US" sz="900" b="0" i="0" dirty="0">
+              <a:rPr lang="en-US" sz="1100" b="0" i="0" dirty="0">
                 <a:solidFill>
                   <a:srgbClr val="000000"/>
                 </a:solidFill>
@@ -16312,164 +13910,26 @@
               </a:rPr>
             </a:br>
             <a:r>
-              <a:rPr lang="en-US" sz="900" b="0" i="0" dirty="0">
-                <a:solidFill>
-                  <a:srgbClr val="000000"/>
+              <a:rPr lang="en-US" sz="1100" b="1" i="0" dirty="0">
+                <a:solidFill>
+                  <a:srgbClr val="000080"/>
                 </a:solidFill>
                 <a:latin typeface="Consolas" panose="020B0609020204030204" pitchFamily="49" charset="0"/>
                 <a:cs typeface="Courier New" panose="02070309020205020404" pitchFamily="49" charset="0"/>
               </a:rPr>
-              <a:t>    </a:t>
-            </a:r>
-            <a:r>
-              <a:rPr lang="en-US" sz="900" b="0" i="0" dirty="0">
-                <a:solidFill>
-                  <a:srgbClr val="0000FF"/>
+              <a:t>run</a:t>
+            </a:r>
+            <a:r>
+              <a:rPr lang="en-US" sz="1100" b="0" i="0" dirty="0">
+                <a:solidFill>
+                  <a:srgbClr val="000000"/>
                 </a:solidFill>
                 <a:latin typeface="Consolas" panose="020B0609020204030204" pitchFamily="49" charset="0"/>
                 <a:cs typeface="Courier New" panose="02070309020205020404" pitchFamily="49" charset="0"/>
               </a:rPr>
-              <a:t>if</a:t>
-            </a:r>
-            <a:r>
-              <a:rPr lang="en-US" sz="900" b="0" i="0" dirty="0">
-                <a:solidFill>
-                  <a:srgbClr val="000000"/>
-                </a:solidFill>
-                <a:latin typeface="Consolas" panose="020B0609020204030204" pitchFamily="49" charset="0"/>
-                <a:cs typeface="Courier New" panose="02070309020205020404" pitchFamily="49" charset="0"/>
-              </a:rPr>
-              <a:t> name ne </a:t>
-            </a:r>
-            <a:r>
-              <a:rPr lang="en-US" sz="900" b="0" i="0" dirty="0">
-                <a:solidFill>
-                  <a:srgbClr val="800080"/>
-                </a:solidFill>
-                <a:latin typeface="Consolas" panose="020B0609020204030204" pitchFamily="49" charset="0"/>
-                <a:cs typeface="Courier New" panose="02070309020205020404" pitchFamily="49" charset="0"/>
-              </a:rPr>
-              <a:t>'LBSTRESN'</a:t>
-            </a:r>
-            <a:r>
-              <a:rPr lang="en-US" sz="900" b="0" i="0" dirty="0">
-                <a:solidFill>
-                  <a:srgbClr val="000000"/>
-                </a:solidFill>
-                <a:latin typeface="Consolas" panose="020B0609020204030204" pitchFamily="49" charset="0"/>
-                <a:cs typeface="Courier New" panose="02070309020205020404" pitchFamily="49" charset="0"/>
-              </a:rPr>
-              <a:t> </a:t>
-            </a:r>
-            <a:r>
-              <a:rPr lang="en-US" sz="900" b="0" i="0" dirty="0">
-                <a:solidFill>
-                  <a:srgbClr val="0000FF"/>
-                </a:solidFill>
-                <a:latin typeface="Consolas" panose="020B0609020204030204" pitchFamily="49" charset="0"/>
-                <a:cs typeface="Courier New" panose="02070309020205020404" pitchFamily="49" charset="0"/>
-              </a:rPr>
-              <a:t>then</a:t>
-            </a:r>
-            <a:r>
-              <a:rPr lang="en-US" sz="900" b="0" i="0" dirty="0">
-                <a:solidFill>
-                  <a:srgbClr val="000000"/>
-                </a:solidFill>
-                <a:latin typeface="Consolas" panose="020B0609020204030204" pitchFamily="49" charset="0"/>
-                <a:cs typeface="Courier New" panose="02070309020205020404" pitchFamily="49" charset="0"/>
-              </a:rPr>
-              <a:t> json_datatype=</a:t>
-            </a:r>
-            <a:r>
-              <a:rPr lang="en-US" sz="900" b="0" i="0" dirty="0">
-                <a:solidFill>
-                  <a:srgbClr val="800080"/>
-                </a:solidFill>
-                <a:latin typeface="Consolas" panose="020B0609020204030204" pitchFamily="49" charset="0"/>
-                <a:cs typeface="Courier New" panose="02070309020205020404" pitchFamily="49" charset="0"/>
-              </a:rPr>
-              <a:t>'decimal'</a:t>
-            </a:r>
-            <a:r>
-              <a:rPr lang="en-US" sz="900" b="0" i="0" dirty="0">
-                <a:solidFill>
-                  <a:srgbClr val="000000"/>
-                </a:solidFill>
-                <a:latin typeface="Consolas" panose="020B0609020204030204" pitchFamily="49" charset="0"/>
-                <a:cs typeface="Courier New" panose="02070309020205020404" pitchFamily="49" charset="0"/>
-              </a:rPr>
               <a:t>;</a:t>
             </a:r>
-            <a:br>
-              <a:rPr lang="en-US" sz="900" b="0" i="0" dirty="0">
-                <a:solidFill>
-                  <a:srgbClr val="000000"/>
-                </a:solidFill>
-                <a:latin typeface="Consolas" panose="020B0609020204030204" pitchFamily="49" charset="0"/>
-                <a:cs typeface="Courier New" panose="02070309020205020404" pitchFamily="49" charset="0"/>
-              </a:rPr>
-            </a:br>
-            <a:r>
-              <a:rPr lang="en-US" sz="900" b="0" i="0" dirty="0">
-                <a:solidFill>
-                  <a:srgbClr val="000000"/>
-                </a:solidFill>
-                <a:latin typeface="Consolas" panose="020B0609020204030204" pitchFamily="49" charset="0"/>
-                <a:cs typeface="Courier New" panose="02070309020205020404" pitchFamily="49" charset="0"/>
-              </a:rPr>
-              <a:t>  </a:t>
-            </a:r>
-            <a:r>
-              <a:rPr lang="en-US" sz="900" b="0" i="0" dirty="0">
-                <a:solidFill>
-                  <a:srgbClr val="0000FF"/>
-                </a:solidFill>
-                <a:latin typeface="Consolas" panose="020B0609020204030204" pitchFamily="49" charset="0"/>
-                <a:cs typeface="Courier New" panose="02070309020205020404" pitchFamily="49" charset="0"/>
-              </a:rPr>
-              <a:t>end</a:t>
-            </a:r>
-            <a:r>
-              <a:rPr lang="en-US" sz="900" b="0" i="0" dirty="0">
-                <a:solidFill>
-                  <a:srgbClr val="000000"/>
-                </a:solidFill>
-                <a:latin typeface="Consolas" panose="020B0609020204030204" pitchFamily="49" charset="0"/>
-                <a:cs typeface="Courier New" panose="02070309020205020404" pitchFamily="49" charset="0"/>
-              </a:rPr>
-              <a:t>;</a:t>
-            </a:r>
-            <a:br>
-              <a:rPr lang="en-US" sz="900" b="0" i="0" dirty="0">
-                <a:solidFill>
-                  <a:srgbClr val="000000"/>
-                </a:solidFill>
-                <a:latin typeface="Consolas" panose="020B0609020204030204" pitchFamily="49" charset="0"/>
-                <a:cs typeface="Courier New" panose="02070309020205020404" pitchFamily="49" charset="0"/>
-              </a:rPr>
-            </a:br>
-            <a:r>
-              <a:rPr lang="en-US" sz="900" b="1" i="0" dirty="0">
-                <a:solidFill>
-                  <a:srgbClr val="000080"/>
-                </a:solidFill>
-                <a:latin typeface="Consolas" panose="020B0609020204030204" pitchFamily="49" charset="0"/>
-                <a:cs typeface="Courier New" panose="02070309020205020404" pitchFamily="49" charset="0"/>
-              </a:rPr>
-              <a:t>run</a:t>
-            </a:r>
-            <a:r>
-              <a:rPr lang="en-US" sz="900" b="0" i="0" dirty="0">
-                <a:solidFill>
-                  <a:srgbClr val="000000"/>
-                </a:solidFill>
-                <a:latin typeface="Consolas" panose="020B0609020204030204" pitchFamily="49" charset="0"/>
-                <a:cs typeface="Courier New" panose="02070309020205020404" pitchFamily="49" charset="0"/>
-              </a:rPr>
-              <a:t>;</a:t>
-            </a:r>
-            <a:endParaRPr lang="en-US" sz="900" dirty="0">
+            <a:endParaRPr lang="en-US" sz="1100" dirty="0">
               <a:latin typeface="Consolas" panose="020B0609020204030204" pitchFamily="49" charset="0"/>
               <a:cs typeface="Courier New" panose="02070309020205020404" pitchFamily="49" charset="0"/>
             </a:endParaRPr>
@@ -16489,7 +13949,7 @@
 </p:sld>
 </file>
 
-<file path=ppt/slides/slide25.xml><?xml version="1.0" encoding="utf-8"?>
+<file path=ppt/slides/slide19.xml><?xml version="1.0" encoding="utf-8"?>
 <p:sld xmlns:a="http://schemas.openxmlformats.org/drawingml/2006/main" xmlns:r="http://schemas.openxmlformats.org/officeDocument/2006/relationships" xmlns:p="http://schemas.openxmlformats.org/presentationml/2006/main">
   <p:cSld>
     <p:spTree>
@@ -16552,7 +14012,7 @@
         </p:nvSpPr>
         <p:spPr>
           <a:xfrm>
-            <a:off x="2068431" y="686322"/>
+            <a:off x="2068431" y="807664"/>
             <a:ext cx="6312089" cy="4020294"/>
           </a:xfrm>
         </p:spPr>
@@ -16899,21 +14359,7 @@
                 </a:solidFill>
                 <a:latin typeface="Consolas" panose="020B0609020204030204" pitchFamily="49" charset="0"/>
               </a:rPr>
-              <a:t>pretty=NOPRETTY</a:t>
-            </a:r>
-          </a:p>
-          <a:p>
-            <a:pPr marL="0" indent="0">
-              <a:buNone/>
-            </a:pPr>
-            <a:r>
-              <a:rPr lang="en-US" sz="1200" b="0" i="0" dirty="0">
-                <a:solidFill>
-                  <a:srgbClr val="000000"/>
-                </a:solidFill>
-                <a:latin typeface="Consolas" panose="020B0609020204030204" pitchFamily="49" charset="0"/>
-              </a:rPr>
-              <a:t>);</a:t>
+              <a:t>pretty=NOPRETTY);</a:t>
             </a:r>
           </a:p>
           <a:p>
@@ -16944,7 +14390,7 @@
           <a:p>
             <a:fld id="{EB4FF9C4-EEBF-D24D-8A4E-C0B9CCE3F975}" type="slidenum">
               <a:rPr lang="en-US" smtClean="0"/>
-              <a:t>25</a:t>
+              <a:t>19</a:t>
             </a:fld>
             <a:endParaRPr lang="en-US" dirty="0"/>
           </a:p>
@@ -16964,7 +14410,7 @@
         </p:nvSpPr>
         <p:spPr>
           <a:xfrm>
-            <a:off x="2265528" y="1699146"/>
+            <a:off x="2265528" y="1801836"/>
             <a:ext cx="1392072" cy="525439"/>
           </a:xfrm>
           <a:prstGeom prst="rect">
@@ -17093,7 +14539,7 @@
 </p:sld>
 </file>
 
-<file path=ppt/slides/slide26.xml><?xml version="1.0" encoding="utf-8"?>
+<file path=ppt/slides/slide2.xml><?xml version="1.0" encoding="utf-8"?>
 <p:sld xmlns:a="http://schemas.openxmlformats.org/drawingml/2006/main" xmlns:r="http://schemas.openxmlformats.org/officeDocument/2006/relationships" xmlns:p="http://schemas.openxmlformats.org/presentationml/2006/main">
   <p:cSld>
     <p:spTree>
@@ -17110,6 +14556,264 @@
           <a:chExt cx="0" cy="0"/>
         </a:xfrm>
       </p:grpSpPr>
+      <p:sp>
+        <p:nvSpPr>
+          <p:cNvPr id="3" name="Text Placeholder 2"/>
+          <p:cNvSpPr>
+            <a:spLocks noGrp="1"/>
+          </p:cNvSpPr>
+          <p:nvPr>
+            <p:ph type="body" sz="quarter" idx="12"/>
+          </p:nvPr>
+        </p:nvSpPr>
+        <p:spPr>
+          <a:xfrm flipH="1">
+            <a:off x="3119439" y="228846"/>
+            <a:ext cx="4541044" cy="392415"/>
+          </a:xfrm>
+        </p:spPr>
+        <p:txBody>
+          <a:bodyPr/>
+          <a:lstStyle/>
+          <a:p>
+            <a:pPr eaLnBrk="1" hangingPunct="1">
+              <a:defRPr/>
+            </a:pPr>
+            <a:r>
+              <a:rPr lang="en-US" sz="2100" dirty="0"/>
+              <a:t>About your presenter</a:t>
+            </a:r>
+          </a:p>
+        </p:txBody>
+      </p:sp>
+      <p:sp>
+        <p:nvSpPr>
+          <p:cNvPr id="5" name="Content Placeholder 3"/>
+          <p:cNvSpPr>
+            <a:spLocks noGrp="1"/>
+          </p:cNvSpPr>
+          <p:nvPr>
+            <p:ph sz="quarter" idx="11"/>
+          </p:nvPr>
+        </p:nvSpPr>
+        <p:spPr>
+          <a:xfrm>
+            <a:off x="1101107" y="621888"/>
+            <a:ext cx="7814256" cy="4226494"/>
+          </a:xfrm>
+        </p:spPr>
+        <p:txBody>
+          <a:bodyPr/>
+          <a:lstStyle/>
+          <a:p>
+            <a:pPr marL="204788" indent="-204788"/>
+            <a:r>
+              <a:rPr lang="en-US" altLang="en-US" sz="1500" dirty="0"/>
+              <a:t>16 years in an IT/Standards role in Biostatistics at Organon</a:t>
+            </a:r>
+          </a:p>
+          <a:p>
+            <a:pPr marL="204788" indent="-204788"/>
+            <a:r>
+              <a:rPr lang="en-US" altLang="en-US" sz="1500" dirty="0"/>
+              <a:t>4 years as a consultant to help companies implement CDISC</a:t>
+            </a:r>
+          </a:p>
+          <a:p>
+            <a:pPr marL="204788" indent="-204788"/>
+            <a:r>
+              <a:rPr lang="en-US" altLang="en-US" sz="1500" dirty="0"/>
+              <a:t>11 years at </a:t>
+            </a:r>
+            <a:r>
+              <a:rPr lang="en-US" altLang="en-US" sz="1500" b="1" dirty="0"/>
+              <a:t>SAS</a:t>
+            </a:r>
+            <a:r>
+              <a:rPr lang="en-US" altLang="en-US" sz="1500" dirty="0"/>
+              <a:t>.</a:t>
+            </a:r>
+          </a:p>
+          <a:p>
+            <a:pPr marL="461963" lvl="1" indent="-204788"/>
+            <a:r>
+              <a:rPr lang="en-US" altLang="en-US" sz="1200" dirty="0"/>
+              <a:t>8 years as a </a:t>
+            </a:r>
+            <a:r>
+              <a:rPr lang="en-US" altLang="en-US" sz="1200" b="1" dirty="0"/>
+              <a:t>Principal Software Developer working on SAS Clinical Standards Toolkit </a:t>
+            </a:r>
+            <a:r>
+              <a:rPr lang="en-US" altLang="en-US" sz="1200" dirty="0"/>
+              <a:t>(implementing mostly XML based standards (Define-XML, ODM, Dataset-XML)) and SAS Life Science Analytics Framework (Java)</a:t>
+            </a:r>
+          </a:p>
+          <a:p>
+            <a:pPr marL="461963" lvl="1" indent="-204788"/>
+            <a:r>
+              <a:rPr lang="en-US" altLang="en-US" sz="1200" dirty="0"/>
+              <a:t>3 years as Principal Solution Consultant at SAS implementing Life Science Analytics Framework </a:t>
+            </a:r>
+          </a:p>
+          <a:p>
+            <a:pPr marL="257175" lvl="1" indent="0">
+              <a:buNone/>
+            </a:pPr>
+            <a:endParaRPr lang="en-US" altLang="en-US" sz="1350" dirty="0"/>
+          </a:p>
+          <a:p>
+            <a:pPr marL="204788" indent="-204788"/>
+            <a:r>
+              <a:rPr lang="en-US" altLang="en-US" sz="1500" dirty="0"/>
+              <a:t>Since Nov 2021 Senior Director, Data Science Development at </a:t>
+            </a:r>
+            <a:r>
+              <a:rPr lang="en-US" altLang="en-US" sz="1500" b="1" dirty="0"/>
+              <a:t>CDISC</a:t>
+            </a:r>
+            <a:r>
+              <a:rPr lang="en-US" altLang="en-US" sz="1500" dirty="0"/>
+              <a:t> (contractor)</a:t>
+            </a:r>
+          </a:p>
+          <a:p>
+            <a:pPr marL="204788" indent="-204788"/>
+            <a:r>
+              <a:rPr lang="en-US" altLang="en-US" sz="1500" dirty="0"/>
+              <a:t>Core member of the CDISC Data Exchange Standards team since 2008. </a:t>
+            </a:r>
+            <a:br>
+              <a:rPr lang="en-US" altLang="en-US" sz="1500" dirty="0"/>
+            </a:br>
+            <a:r>
+              <a:rPr lang="en-US" altLang="en-US" sz="1500" dirty="0"/>
+              <a:t>(co-lead since Nov 2021)</a:t>
+            </a:r>
+          </a:p>
+          <a:p>
+            <a:pPr marL="204788" indent="-204788"/>
+            <a:r>
+              <a:rPr lang="en-US" altLang="en-US" sz="1500" dirty="0"/>
+              <a:t>Core member of the CDISC Define-XML development team. </a:t>
+            </a:r>
+          </a:p>
+          <a:p>
+            <a:pPr marL="461963" lvl="1" indent="-204788"/>
+            <a:r>
+              <a:rPr lang="en-US" altLang="en-US" dirty="0"/>
+              <a:t>One of the main Define-XML v2 developers. </a:t>
+            </a:r>
+          </a:p>
+          <a:p>
+            <a:pPr marL="461963" lvl="1" indent="-204788"/>
+            <a:r>
+              <a:rPr lang="en-US" altLang="en-US" dirty="0"/>
+              <a:t>Developer of CDISC/PhUSE Define-XML v2 stylesheet.</a:t>
+            </a:r>
+          </a:p>
+          <a:p>
+            <a:pPr marL="461963" lvl="1" indent="-204788"/>
+            <a:r>
+              <a:rPr lang="en-US" altLang="en-US" dirty="0"/>
+              <a:t>One of the main developers of the Analysis Results Metadata v1.0 for Define-XML v2.0 extension</a:t>
+            </a:r>
+          </a:p>
+        </p:txBody>
+      </p:sp>
+      <p:pic>
+        <p:nvPicPr>
+          <p:cNvPr id="2" name="Picture 1">
+            <a:extLst>
+              <a:ext uri="{FF2B5EF4-FFF2-40B4-BE49-F238E27FC236}">
+                <a16:creationId xmlns:a16="http://schemas.microsoft.com/office/drawing/2014/main" id="{57BA0D4F-FADB-D26D-0CCB-2A81A98512AC}"/>
+              </a:ext>
+            </a:extLst>
+          </p:cNvPr>
+          <p:cNvPicPr>
+            <a:picLocks noChangeAspect="1"/>
+          </p:cNvPicPr>
+          <p:nvPr/>
+        </p:nvPicPr>
+        <p:blipFill>
+          <a:blip r:embed="rId3"/>
+          <a:stretch>
+            <a:fillRect/>
+          </a:stretch>
+        </p:blipFill>
+        <p:spPr>
+          <a:xfrm>
+            <a:off x="8284373" y="196773"/>
+            <a:ext cx="630991" cy="635563"/>
+          </a:xfrm>
+          <a:prstGeom prst="rect">
+            <a:avLst/>
+          </a:prstGeom>
+        </p:spPr>
+      </p:pic>
+    </p:spTree>
+    <p:extLst>
+      <p:ext uri="{BB962C8B-B14F-4D97-AF65-F5344CB8AC3E}">
+        <p14:creationId xmlns:p14="http://schemas.microsoft.com/office/powerpoint/2010/main" val="644576122"/>
+      </p:ext>
+    </p:extLst>
+  </p:cSld>
+  <p:clrMapOvr>
+    <a:masterClrMapping/>
+  </p:clrMapOvr>
+  <p:transition>
+    <p:fade/>
+  </p:transition>
+</p:sld>
+</file>
+
+<file path=ppt/slides/slide20.xml><?xml version="1.0" encoding="utf-8"?>
+<p:sld xmlns:a="http://schemas.openxmlformats.org/drawingml/2006/main" xmlns:r="http://schemas.openxmlformats.org/officeDocument/2006/relationships" xmlns:p="http://schemas.openxmlformats.org/presentationml/2006/main">
+  <p:cSld>
+    <p:spTree>
+      <p:nvGrpSpPr>
+        <p:cNvPr id="1" name=""/>
+        <p:cNvGrpSpPr/>
+        <p:nvPr/>
+      </p:nvGrpSpPr>
+      <p:grpSpPr>
+        <a:xfrm>
+          <a:off x="0" y="0"/>
+          <a:ext cx="0" cy="0"/>
+          <a:chOff x="0" y="0"/>
+          <a:chExt cx="0" cy="0"/>
+        </a:xfrm>
+      </p:grpSpPr>
+      <p:pic>
+        <p:nvPicPr>
+          <p:cNvPr id="5" name="Picture 4">
+            <a:extLst>
+              <a:ext uri="{FF2B5EF4-FFF2-40B4-BE49-F238E27FC236}">
+                <a16:creationId xmlns:a16="http://schemas.microsoft.com/office/drawing/2014/main" id="{40729CB8-F400-A737-948C-972D5647B372}"/>
+              </a:ext>
+            </a:extLst>
+          </p:cNvPr>
+          <p:cNvPicPr>
+            <a:picLocks noChangeAspect="1"/>
+          </p:cNvPicPr>
+          <p:nvPr/>
+        </p:nvPicPr>
+        <p:blipFill>
+          <a:blip r:embed="rId2"/>
+          <a:stretch>
+            <a:fillRect/>
+          </a:stretch>
+        </p:blipFill>
+        <p:spPr>
+          <a:xfrm>
+            <a:off x="1752424" y="789794"/>
+            <a:ext cx="7252806" cy="4181847"/>
+          </a:xfrm>
+          <a:prstGeom prst="rect">
+            <a:avLst/>
+          </a:prstGeom>
+        </p:spPr>
+      </p:pic>
       <p:sp>
         <p:nvSpPr>
           <p:cNvPr id="2" name="Title 1">
@@ -17132,17 +14836,10 @@
           <a:lstStyle/>
           <a:p>
             <a:r>
-              <a:rPr lang="en-US" dirty="0"/>
-              <a:t>Writing Dataset-JSON  -  %</a:t>
-            </a:r>
-            <a:r>
-              <a:rPr lang="en-US" dirty="0" err="1"/>
-              <a:t>write_datasetjson</a:t>
-            </a:r>
-            <a:r>
-              <a:rPr lang="en-US" dirty="0"/>
-              <a:t>() - loop</a:t>
-            </a:r>
+              <a:rPr lang="en-US"/>
+              <a:t>Writing Dataset-JSON  -  %write_datasetjson() - loop</a:t>
+            </a:r>
+            <a:endParaRPr lang="en-US" dirty="0"/>
           </a:p>
         </p:txBody>
       </p:sp>
@@ -17169,18 +14866,48 @@
           <a:p>
             <a:fld id="{EB4FF9C4-EEBF-D24D-8A4E-C0B9CCE3F975}" type="slidenum">
               <a:rPr lang="en-US" smtClean="0"/>
-              <a:t>26</a:t>
+              <a:t>20</a:t>
             </a:fld>
             <a:endParaRPr lang="en-US" dirty="0"/>
           </a:p>
         </p:txBody>
       </p:sp>
+    </p:spTree>
+    <p:extLst>
+      <p:ext uri="{BB962C8B-B14F-4D97-AF65-F5344CB8AC3E}">
+        <p14:creationId xmlns:p14="http://schemas.microsoft.com/office/powerpoint/2010/main" val="1278702484"/>
+      </p:ext>
+    </p:extLst>
+  </p:cSld>
+  <p:clrMapOvr>
+    <a:masterClrMapping/>
+  </p:clrMapOvr>
+</p:sld>
+</file>
+
+<file path=ppt/slides/slide21.xml><?xml version="1.0" encoding="utf-8"?>
+<p:sld xmlns:a="http://schemas.openxmlformats.org/drawingml/2006/main" xmlns:r="http://schemas.openxmlformats.org/officeDocument/2006/relationships" xmlns:p="http://schemas.openxmlformats.org/presentationml/2006/main">
+  <p:cSld>
+    <p:spTree>
+      <p:nvGrpSpPr>
+        <p:cNvPr id="1" name=""/>
+        <p:cNvGrpSpPr/>
+        <p:nvPr/>
+      </p:nvGrpSpPr>
+      <p:grpSpPr>
+        <a:xfrm>
+          <a:off x="0" y="0"/>
+          <a:ext cx="0" cy="0"/>
+          <a:chOff x="0" y="0"/>
+          <a:chExt cx="0" cy="0"/>
+        </a:xfrm>
+      </p:grpSpPr>
       <p:pic>
         <p:nvPicPr>
-          <p:cNvPr id="8" name="Picture 7">
+          <p:cNvPr id="5" name="Picture 4">
             <a:extLst>
               <a:ext uri="{FF2B5EF4-FFF2-40B4-BE49-F238E27FC236}">
-                <a16:creationId xmlns:a16="http://schemas.microsoft.com/office/drawing/2014/main" id="{A0D07DB4-0179-6A35-6BA6-F50565BB386C}"/>
+                <a16:creationId xmlns:a16="http://schemas.microsoft.com/office/drawing/2014/main" id="{92E4EFD2-8213-CA07-B08F-43BB4BB1F664}"/>
               </a:ext>
             </a:extLst>
           </p:cNvPr>
@@ -17197,18 +14924,83 @@
         </p:blipFill>
         <p:spPr>
           <a:xfrm>
-            <a:off x="1002092" y="751423"/>
-            <a:ext cx="6894999" cy="3724306"/>
+            <a:off x="1763814" y="774157"/>
+            <a:ext cx="6769846" cy="4213122"/>
           </a:xfrm>
           <a:prstGeom prst="rect">
             <a:avLst/>
           </a:prstGeom>
         </p:spPr>
       </p:pic>
+      <p:sp>
+        <p:nvSpPr>
+          <p:cNvPr id="2" name="Title 1">
+            <a:extLst>
+              <a:ext uri="{FF2B5EF4-FFF2-40B4-BE49-F238E27FC236}">
+                <a16:creationId xmlns:a16="http://schemas.microsoft.com/office/drawing/2014/main" id="{94FD4EFC-D48A-DA3F-61E2-FA850FA6542E}"/>
+              </a:ext>
+            </a:extLst>
+          </p:cNvPr>
+          <p:cNvSpPr>
+            <a:spLocks noGrp="1"/>
+          </p:cNvSpPr>
+          <p:nvPr>
+            <p:ph type="title"/>
+          </p:nvPr>
+        </p:nvSpPr>
+        <p:spPr/>
+        <p:txBody>
+          <a:bodyPr/>
+          <a:lstStyle/>
+          <a:p>
+            <a:r>
+              <a:rPr lang="en-US" dirty="0"/>
+              <a:t>Writing Dataset-JSON  -  %</a:t>
+            </a:r>
+            <a:r>
+              <a:rPr lang="en-US" dirty="0" err="1"/>
+              <a:t>write_datasetjson</a:t>
+            </a:r>
+            <a:r>
+              <a:rPr lang="en-US" dirty="0"/>
+              <a:t>() - loop</a:t>
+            </a:r>
+          </a:p>
+        </p:txBody>
+      </p:sp>
+      <p:sp>
+        <p:nvSpPr>
+          <p:cNvPr id="4" name="Slide Number Placeholder 3">
+            <a:extLst>
+              <a:ext uri="{FF2B5EF4-FFF2-40B4-BE49-F238E27FC236}">
+                <a16:creationId xmlns:a16="http://schemas.microsoft.com/office/drawing/2014/main" id="{6041F5D2-0822-CEBB-241C-9E51B349A05C}"/>
+              </a:ext>
+            </a:extLst>
+          </p:cNvPr>
+          <p:cNvSpPr>
+            <a:spLocks noGrp="1"/>
+          </p:cNvSpPr>
+          <p:nvPr>
+            <p:ph type="sldNum" sz="quarter" idx="12"/>
+          </p:nvPr>
+        </p:nvSpPr>
+        <p:spPr/>
+        <p:txBody>
+          <a:bodyPr/>
+          <a:lstStyle/>
+          <a:p>
+            <a:fld id="{EB4FF9C4-EEBF-D24D-8A4E-C0B9CCE3F975}" type="slidenum">
+              <a:rPr lang="en-US" smtClean="0"/>
+              <a:t>21</a:t>
+            </a:fld>
+            <a:endParaRPr lang="en-US" dirty="0"/>
+          </a:p>
+        </p:txBody>
+      </p:sp>
     </p:spTree>
     <p:extLst>
       <p:ext uri="{BB962C8B-B14F-4D97-AF65-F5344CB8AC3E}">
-        <p14:creationId xmlns:p14="http://schemas.microsoft.com/office/powerpoint/2010/main" val="1278702484"/>
+        <p14:creationId xmlns:p14="http://schemas.microsoft.com/office/powerpoint/2010/main" val="1188296920"/>
       </p:ext>
     </p:extLst>
   </p:cSld>
@@ -17218,7 +15010,7 @@
 </p:sld>
 </file>
 
-<file path=ppt/slides/slide27.xml><?xml version="1.0" encoding="utf-8"?>
+<file path=ppt/slides/slide22.xml><?xml version="1.0" encoding="utf-8"?>
 <p:sld xmlns:a="http://schemas.openxmlformats.org/drawingml/2006/main" xmlns:r="http://schemas.openxmlformats.org/officeDocument/2006/relationships" xmlns:p="http://schemas.openxmlformats.org/presentationml/2006/main">
   <p:cSld>
     <p:spTree>
@@ -17301,7 +15093,7 @@
 </p:sld>
 </file>
 
-<file path=ppt/slides/slide28.xml><?xml version="1.0" encoding="utf-8"?>
+<file path=ppt/slides/slide23.xml><?xml version="1.0" encoding="utf-8"?>
 <p:sld xmlns:a="http://schemas.openxmlformats.org/drawingml/2006/main" xmlns:r="http://schemas.openxmlformats.org/officeDocument/2006/relationships" xmlns:p="http://schemas.openxmlformats.org/presentationml/2006/main">
   <p:cSld>
     <p:spTree>
@@ -17448,7 +15240,7 @@
             <a:fld id="{EB4FF9C4-EEBF-D24D-8A4E-C0B9CCE3F975}" type="slidenum">
               <a:rPr lang="en-US" smtClean="0"/>
               <a:pPr/>
-              <a:t>28</a:t>
+              <a:t>23</a:t>
             </a:fld>
             <a:endParaRPr lang="en-US" dirty="0"/>
           </a:p>
@@ -17502,7 +15294,7 @@
 </p:sld>
 </file>
 
-<file path=ppt/slides/slide29.xml><?xml version="1.0" encoding="utf-8"?>
+<file path=ppt/slides/slide24.xml><?xml version="1.0" encoding="utf-8"?>
 <p:sld xmlns:a="http://schemas.openxmlformats.org/drawingml/2006/main" xmlns:r="http://schemas.openxmlformats.org/officeDocument/2006/relationships" xmlns:p="http://schemas.openxmlformats.org/presentationml/2006/main">
   <p:cSld>
     <p:spTree>
@@ -18007,7 +15799,7 @@
             <a:fld id="{EB4FF9C4-EEBF-D24D-8A4E-C0B9CCE3F975}" type="slidenum">
               <a:rPr lang="en-US" smtClean="0"/>
               <a:pPr/>
-              <a:t>29</a:t>
+              <a:t>24</a:t>
             </a:fld>
             <a:endParaRPr lang="en-US" dirty="0"/>
           </a:p>
@@ -18061,144 +15853,7 @@
 </p:sld>
 </file>
 
-<file path=ppt/slides/slide3.xml><?xml version="1.0" encoding="utf-8"?>
-<p:sld xmlns:a="http://schemas.openxmlformats.org/drawingml/2006/main" xmlns:r="http://schemas.openxmlformats.org/officeDocument/2006/relationships" xmlns:p="http://schemas.openxmlformats.org/presentationml/2006/main">
-  <p:cSld>
-    <p:spTree>
-      <p:nvGrpSpPr>
-        <p:cNvPr id="1" name=""/>
-        <p:cNvGrpSpPr/>
-        <p:nvPr/>
-      </p:nvGrpSpPr>
-      <p:grpSpPr>
-        <a:xfrm>
-          <a:off x="0" y="0"/>
-          <a:ext cx="0" cy="0"/>
-          <a:chOff x="0" y="0"/>
-          <a:chExt cx="0" cy="0"/>
-        </a:xfrm>
-      </p:grpSpPr>
-      <p:sp>
-        <p:nvSpPr>
-          <p:cNvPr id="7" name="Title 6">
-            <a:extLst>
-              <a:ext uri="{FF2B5EF4-FFF2-40B4-BE49-F238E27FC236}">
-                <a16:creationId xmlns:a16="http://schemas.microsoft.com/office/drawing/2014/main" id="{AA879D90-4E5A-B24E-BCE1-A85BA18A722E}"/>
-              </a:ext>
-            </a:extLst>
-          </p:cNvPr>
-          <p:cNvSpPr>
-            <a:spLocks noGrp="1"/>
-          </p:cNvSpPr>
-          <p:nvPr>
-            <p:ph type="title"/>
-          </p:nvPr>
-        </p:nvSpPr>
-        <p:spPr>
-          <a:xfrm>
-            <a:off x="2041864" y="273845"/>
-            <a:ext cx="6644935" cy="1200113"/>
-          </a:xfrm>
-        </p:spPr>
-        <p:txBody>
-          <a:bodyPr/>
-          <a:lstStyle/>
-          <a:p>
-            <a:r>
-              <a:rPr lang="en-US" dirty="0"/>
-              <a:t>Agenda</a:t>
-            </a:r>
-          </a:p>
-        </p:txBody>
-      </p:sp>
-      <p:sp>
-        <p:nvSpPr>
-          <p:cNvPr id="8" name="Content Placeholder 7">
-            <a:extLst>
-              <a:ext uri="{FF2B5EF4-FFF2-40B4-BE49-F238E27FC236}">
-                <a16:creationId xmlns:a16="http://schemas.microsoft.com/office/drawing/2014/main" id="{5B7D71CD-9C0C-FE4C-87FD-8BC3AEF85624}"/>
-              </a:ext>
-            </a:extLst>
-          </p:cNvPr>
-          <p:cNvSpPr>
-            <a:spLocks noGrp="1"/>
-          </p:cNvSpPr>
-          <p:nvPr>
-            <p:ph idx="1"/>
-          </p:nvPr>
-        </p:nvSpPr>
-        <p:spPr>
-          <a:xfrm>
-            <a:off x="2041864" y="1644556"/>
-            <a:ext cx="6644935" cy="2667445"/>
-          </a:xfrm>
-        </p:spPr>
-        <p:txBody>
-          <a:bodyPr>
-            <a:normAutofit/>
-          </a:bodyPr>
-          <a:lstStyle/>
-          <a:p>
-            <a:r>
-              <a:rPr lang="en-US" dirty="0"/>
-              <a:t>Dataset-JSON Document Structure</a:t>
-            </a:r>
-          </a:p>
-          <a:p>
-            <a:r>
-              <a:rPr lang="en-US" dirty="0"/>
-              <a:t>SAS and JSON</a:t>
-            </a:r>
-          </a:p>
-          <a:p>
-            <a:r>
-              <a:rPr lang="en-US" dirty="0"/>
-              <a:t>Writing Dataset-JSON with SAS</a:t>
-            </a:r>
-          </a:p>
-          <a:p>
-            <a:r>
-              <a:rPr lang="en-US" dirty="0"/>
-              <a:t>Reading Dataset-JSON with SAS</a:t>
-            </a:r>
-          </a:p>
-          <a:p>
-            <a:r>
-              <a:rPr lang="en-US" dirty="0"/>
-              <a:t>Comparing SAS datasets and JSON files</a:t>
-            </a:r>
-          </a:p>
-          <a:p>
-            <a:r>
-              <a:rPr lang="en-US" dirty="0"/>
-              <a:t>Demo</a:t>
-            </a:r>
-          </a:p>
-          <a:p>
-            <a:r>
-              <a:rPr lang="en-US" dirty="0"/>
-              <a:t>Conclusion</a:t>
-            </a:r>
-          </a:p>
-          <a:p>
-            <a:endParaRPr lang="en-US" dirty="0"/>
-          </a:p>
-        </p:txBody>
-      </p:sp>
-    </p:spTree>
-    <p:extLst>
-      <p:ext uri="{BB962C8B-B14F-4D97-AF65-F5344CB8AC3E}">
-        <p14:creationId xmlns:p14="http://schemas.microsoft.com/office/powerpoint/2010/main" val="1129089473"/>
-      </p:ext>
-    </p:extLst>
-  </p:cSld>
-  <p:clrMapOvr>
-    <a:masterClrMapping/>
-  </p:clrMapOvr>
-</p:sld>
-</file>
-
-<file path=ppt/slides/slide30.xml><?xml version="1.0" encoding="utf-8"?>
+<file path=ppt/slides/slide25.xml><?xml version="1.0" encoding="utf-8"?>
 <p:sld xmlns:a="http://schemas.openxmlformats.org/drawingml/2006/main" xmlns:r="http://schemas.openxmlformats.org/officeDocument/2006/relationships" xmlns:p="http://schemas.openxmlformats.org/presentationml/2006/main">
   <p:cSld>
     <p:spTree>
@@ -18338,10 +15993,6 @@
           <a:p>
             <a:pPr lvl="1"/>
             <a:r>
-              <a:rPr lang="en-US" dirty="0"/>
-              <a:t> </a:t>
-            </a:r>
-            <a:r>
               <a:rPr lang="en-US" sz="1600" dirty="0"/>
               <a:t>contains column metadata (OID, name, label, type, length, displayFormat, keySequence)</a:t>
             </a:r>
@@ -18406,7 +16057,7 @@
             <a:fld id="{EB4FF9C4-EEBF-D24D-8A4E-C0B9CCE3F975}" type="slidenum">
               <a:rPr lang="en-US" smtClean="0"/>
               <a:pPr/>
-              <a:t>30</a:t>
+              <a:t>25</a:t>
             </a:fld>
             <a:endParaRPr lang="en-US" dirty="0"/>
           </a:p>
@@ -20012,7 +17663,7 @@
 </p:sld>
 </file>
 
-<file path=ppt/slides/slide31.xml><?xml version="1.0" encoding="utf-8"?>
+<file path=ppt/slides/slide26.xml><?xml version="1.0" encoding="utf-8"?>
 <p:sld xmlns:a="http://schemas.openxmlformats.org/drawingml/2006/main" xmlns:r="http://schemas.openxmlformats.org/officeDocument/2006/relationships" xmlns:p="http://schemas.openxmlformats.org/presentationml/2006/main">
   <p:cSld>
     <p:spTree>
@@ -20169,7 +17820,7 @@
             <a:fld id="{EB4FF9C4-EEBF-D24D-8A4E-C0B9CCE3F975}" type="slidenum">
               <a:rPr lang="en-US" smtClean="0"/>
               <a:pPr/>
-              <a:t>31</a:t>
+              <a:t>26</a:t>
             </a:fld>
             <a:endParaRPr lang="en-US" dirty="0"/>
           </a:p>
@@ -20278,7 +17929,7 @@
 </p:sld>
 </file>
 
-<file path=ppt/slides/slide32.xml><?xml version="1.0" encoding="utf-8"?>
+<file path=ppt/slides/slide27.xml><?xml version="1.0" encoding="utf-8"?>
 <p:sld xmlns:a="http://schemas.openxmlformats.org/drawingml/2006/main" xmlns:r="http://schemas.openxmlformats.org/officeDocument/2006/relationships" xmlns:p="http://schemas.openxmlformats.org/presentationml/2006/main">
   <p:cSld>
     <p:spTree>
@@ -20605,7 +18256,7 @@
           <a:p>
             <a:fld id="{EB4FF9C4-EEBF-D24D-8A4E-C0B9CCE3F975}" type="slidenum">
               <a:rPr lang="en-US" smtClean="0"/>
-              <a:t>32</a:t>
+              <a:t>27</a:t>
             </a:fld>
             <a:endParaRPr lang="en-US" dirty="0"/>
           </a:p>
@@ -20624,7 +18275,7 @@
 </p:sld>
 </file>
 
-<file path=ppt/slides/slide33.xml><?xml version="1.0" encoding="utf-8"?>
+<file path=ppt/slides/slide28.xml><?xml version="1.0" encoding="utf-8"?>
 <p:sld xmlns:a="http://schemas.openxmlformats.org/drawingml/2006/main" xmlns:r="http://schemas.openxmlformats.org/officeDocument/2006/relationships" xmlns:p="http://schemas.openxmlformats.org/presentationml/2006/main">
   <p:cSld>
     <p:spTree>
@@ -20700,7 +18351,7 @@
           <a:p>
             <a:fld id="{EB4FF9C4-EEBF-D24D-8A4E-C0B9CCE3F975}" type="slidenum">
               <a:rPr lang="en-US" smtClean="0"/>
-              <a:t>33</a:t>
+              <a:t>28</a:t>
             </a:fld>
             <a:endParaRPr lang="en-US" dirty="0"/>
           </a:p>
@@ -20708,10 +18359,10 @@
       </p:sp>
       <p:pic>
         <p:nvPicPr>
-          <p:cNvPr id="6" name="Picture 5">
+          <p:cNvPr id="5" name="Picture 4">
             <a:extLst>
               <a:ext uri="{FF2B5EF4-FFF2-40B4-BE49-F238E27FC236}">
-                <a16:creationId xmlns:a16="http://schemas.microsoft.com/office/drawing/2014/main" id="{1E9AEDCB-6A1A-1DED-4D2D-D1ED1F6AD940}"/>
+                <a16:creationId xmlns:a16="http://schemas.microsoft.com/office/drawing/2014/main" id="{744CF9F4-6AA9-5B7A-E829-4A87B775F3E4}"/>
               </a:ext>
             </a:extLst>
           </p:cNvPr>
@@ -20728,38 +18379,8 @@
         </p:blipFill>
         <p:spPr>
           <a:xfrm>
-            <a:off x="1009759" y="791598"/>
-            <a:ext cx="3783025" cy="1960391"/>
-          </a:xfrm>
-          <a:prstGeom prst="rect">
-            <a:avLst/>
-          </a:prstGeom>
-        </p:spPr>
-      </p:pic>
-      <p:pic>
-        <p:nvPicPr>
-          <p:cNvPr id="7" name="Picture 6">
-            <a:extLst>
-              <a:ext uri="{FF2B5EF4-FFF2-40B4-BE49-F238E27FC236}">
-                <a16:creationId xmlns:a16="http://schemas.microsoft.com/office/drawing/2014/main" id="{CE1FD599-0857-1B60-D22C-25A05F4ECFFD}"/>
-              </a:ext>
-            </a:extLst>
-          </p:cNvPr>
-          <p:cNvPicPr>
-            <a:picLocks noChangeAspect="1"/>
-          </p:cNvPicPr>
-          <p:nvPr/>
-        </p:nvPicPr>
-        <p:blipFill>
-          <a:blip r:embed="rId3"/>
-          <a:stretch>
-            <a:fillRect/>
-          </a:stretch>
-        </p:blipFill>
-        <p:spPr>
-          <a:xfrm>
-            <a:off x="3879720" y="2673869"/>
-            <a:ext cx="3798917" cy="1960390"/>
+            <a:off x="1634588" y="732259"/>
+            <a:ext cx="4757022" cy="3919030"/>
           </a:xfrm>
           <a:prstGeom prst="rect">
             <a:avLst/>
@@ -20779,7 +18400,7 @@
 </p:sld>
 </file>
 
-<file path=ppt/slides/slide34.xml><?xml version="1.0" encoding="utf-8"?>
+<file path=ppt/slides/slide29.xml><?xml version="1.0" encoding="utf-8"?>
 <p:sld xmlns:a="http://schemas.openxmlformats.org/drawingml/2006/main" xmlns:r="http://schemas.openxmlformats.org/officeDocument/2006/relationships" xmlns:p="http://schemas.openxmlformats.org/presentationml/2006/main">
   <p:cSld>
     <p:spTree>
@@ -20819,7 +18440,7 @@
           <a:p>
             <a:r>
               <a:rPr lang="en-US" dirty="0"/>
-              <a:t>Comparing SAS datasets and JSON files</a:t>
+              <a:t>Comparing SAS datasets / Dataset-JSON files</a:t>
             </a:r>
           </a:p>
         </p:txBody>
@@ -20837,7 +18458,141 @@
 </p:sld>
 </file>
 
-<file path=ppt/slides/slide35.xml><?xml version="1.0" encoding="utf-8"?>
+<file path=ppt/slides/slide3.xml><?xml version="1.0" encoding="utf-8"?>
+<p:sld xmlns:a="http://schemas.openxmlformats.org/drawingml/2006/main" xmlns:r="http://schemas.openxmlformats.org/officeDocument/2006/relationships" xmlns:p="http://schemas.openxmlformats.org/presentationml/2006/main">
+  <p:cSld>
+    <p:spTree>
+      <p:nvGrpSpPr>
+        <p:cNvPr id="1" name=""/>
+        <p:cNvGrpSpPr/>
+        <p:nvPr/>
+      </p:nvGrpSpPr>
+      <p:grpSpPr>
+        <a:xfrm>
+          <a:off x="0" y="0"/>
+          <a:ext cx="0" cy="0"/>
+          <a:chOff x="0" y="0"/>
+          <a:chExt cx="0" cy="0"/>
+        </a:xfrm>
+      </p:grpSpPr>
+      <p:sp>
+        <p:nvSpPr>
+          <p:cNvPr id="7" name="Title 6">
+            <a:extLst>
+              <a:ext uri="{FF2B5EF4-FFF2-40B4-BE49-F238E27FC236}">
+                <a16:creationId xmlns:a16="http://schemas.microsoft.com/office/drawing/2014/main" id="{AA879D90-4E5A-B24E-BCE1-A85BA18A722E}"/>
+              </a:ext>
+            </a:extLst>
+          </p:cNvPr>
+          <p:cNvSpPr>
+            <a:spLocks noGrp="1"/>
+          </p:cNvSpPr>
+          <p:nvPr>
+            <p:ph type="title"/>
+          </p:nvPr>
+        </p:nvSpPr>
+        <p:spPr>
+          <a:xfrm>
+            <a:off x="2041864" y="273845"/>
+            <a:ext cx="6644935" cy="1200113"/>
+          </a:xfrm>
+        </p:spPr>
+        <p:txBody>
+          <a:bodyPr/>
+          <a:lstStyle/>
+          <a:p>
+            <a:r>
+              <a:rPr lang="en-US" dirty="0"/>
+              <a:t>Agenda</a:t>
+            </a:r>
+          </a:p>
+        </p:txBody>
+      </p:sp>
+      <p:sp>
+        <p:nvSpPr>
+          <p:cNvPr id="8" name="Content Placeholder 7">
+            <a:extLst>
+              <a:ext uri="{FF2B5EF4-FFF2-40B4-BE49-F238E27FC236}">
+                <a16:creationId xmlns:a16="http://schemas.microsoft.com/office/drawing/2014/main" id="{5B7D71CD-9C0C-FE4C-87FD-8BC3AEF85624}"/>
+              </a:ext>
+            </a:extLst>
+          </p:cNvPr>
+          <p:cNvSpPr>
+            <a:spLocks noGrp="1"/>
+          </p:cNvSpPr>
+          <p:nvPr>
+            <p:ph idx="1"/>
+          </p:nvPr>
+        </p:nvSpPr>
+        <p:spPr>
+          <a:xfrm>
+            <a:off x="2041864" y="1644556"/>
+            <a:ext cx="6644935" cy="2667445"/>
+          </a:xfrm>
+        </p:spPr>
+        <p:txBody>
+          <a:bodyPr>
+            <a:normAutofit/>
+          </a:bodyPr>
+          <a:lstStyle/>
+          <a:p>
+            <a:r>
+              <a:rPr lang="en-US" dirty="0"/>
+              <a:t>Dataset-JSON Document Structure</a:t>
+            </a:r>
+          </a:p>
+          <a:p>
+            <a:r>
+              <a:rPr lang="en-US" dirty="0"/>
+              <a:t>SAS and JSON</a:t>
+            </a:r>
+          </a:p>
+          <a:p>
+            <a:r>
+              <a:rPr lang="en-US" dirty="0"/>
+              <a:t>Writing Dataset-JSON with SAS</a:t>
+            </a:r>
+          </a:p>
+          <a:p>
+            <a:r>
+              <a:rPr lang="en-US" dirty="0"/>
+              <a:t>Reading Dataset-JSON with SAS</a:t>
+            </a:r>
+          </a:p>
+          <a:p>
+            <a:r>
+              <a:rPr lang="en-US" dirty="0"/>
+              <a:t>Comparing SAS datasets / Dataset-JSON files</a:t>
+            </a:r>
+          </a:p>
+          <a:p>
+            <a:r>
+              <a:rPr lang="en-US" dirty="0"/>
+              <a:t>Validating Dataset-JSON files</a:t>
+            </a:r>
+          </a:p>
+          <a:p>
+            <a:r>
+              <a:rPr lang="en-US" dirty="0"/>
+              <a:t>Demo</a:t>
+            </a:r>
+          </a:p>
+        </p:txBody>
+      </p:sp>
+    </p:spTree>
+    <p:extLst>
+      <p:ext uri="{BB962C8B-B14F-4D97-AF65-F5344CB8AC3E}">
+        <p14:creationId xmlns:p14="http://schemas.microsoft.com/office/powerpoint/2010/main" val="1129089473"/>
+      </p:ext>
+    </p:extLst>
+  </p:cSld>
+  <p:clrMapOvr>
+    <a:masterClrMapping/>
+  </p:clrMapOvr>
+</p:sld>
+</file>
+
+<file path=ppt/slides/slide30.xml><?xml version="1.0" encoding="utf-8"?>
 <p:sld xmlns:a="http://schemas.openxmlformats.org/drawingml/2006/main" xmlns:r="http://schemas.openxmlformats.org/officeDocument/2006/relationships" xmlns:p="http://schemas.openxmlformats.org/presentationml/2006/main">
   <p:cSld>
     <p:spTree>
@@ -20877,7 +18632,7 @@
           <a:p>
             <a:r>
               <a:rPr lang="en-US" dirty="0"/>
-              <a:t>Comparing JSON files</a:t>
+              <a:t>Comparing SAS datasets</a:t>
             </a:r>
           </a:p>
         </p:txBody>
@@ -20905,164 +18660,7 @@
           <a:p>
             <a:fld id="{EB4FF9C4-EEBF-D24D-8A4E-C0B9CCE3F975}" type="slidenum">
               <a:rPr lang="en-US" smtClean="0"/>
-              <a:t>35</a:t>
-            </a:fld>
-            <a:endParaRPr lang="en-US" dirty="0"/>
-          </a:p>
-        </p:txBody>
-      </p:sp>
-      <p:sp>
-        <p:nvSpPr>
-          <p:cNvPr id="6" name="Content Placeholder 5">
-            <a:extLst>
-              <a:ext uri="{FF2B5EF4-FFF2-40B4-BE49-F238E27FC236}">
-                <a16:creationId xmlns:a16="http://schemas.microsoft.com/office/drawing/2014/main" id="{E4C8D7BD-A798-BDB5-4EF1-6262A623F571}"/>
-              </a:ext>
-            </a:extLst>
-          </p:cNvPr>
-          <p:cNvSpPr>
-            <a:spLocks noGrp="1"/>
-          </p:cNvSpPr>
-          <p:nvPr>
-            <p:ph idx="1"/>
-          </p:nvPr>
-        </p:nvSpPr>
-        <p:spPr>
-          <a:xfrm>
-            <a:off x="800100" y="886807"/>
-            <a:ext cx="7886700" cy="3521473"/>
-          </a:xfrm>
-        </p:spPr>
-        <p:txBody>
-          <a:bodyPr/>
-          <a:lstStyle/>
-          <a:p>
-            <a:pPr marL="0" indent="0">
-              <a:buNone/>
-            </a:pPr>
-            <a:r>
-              <a:rPr lang="en-US" dirty="0" err="1"/>
-              <a:t>WinMerge</a:t>
-            </a:r>
-            <a:r>
-              <a:rPr lang="en-US" dirty="0"/>
-              <a:t> (https://winmerge.org/) can compare JSON files in 'pretty' mode</a:t>
-            </a:r>
-          </a:p>
-        </p:txBody>
-      </p:sp>
-      <p:pic>
-        <p:nvPicPr>
-          <p:cNvPr id="8" name="Picture 7">
-            <a:extLst>
-              <a:ext uri="{FF2B5EF4-FFF2-40B4-BE49-F238E27FC236}">
-                <a16:creationId xmlns:a16="http://schemas.microsoft.com/office/drawing/2014/main" id="{A1B53C0E-3CBC-8552-B863-00347C926855}"/>
-              </a:ext>
-            </a:extLst>
-          </p:cNvPr>
-          <p:cNvPicPr>
-            <a:picLocks noChangeAspect="1"/>
-          </p:cNvPicPr>
-          <p:nvPr/>
-        </p:nvPicPr>
-        <p:blipFill>
-          <a:blip r:embed="rId2"/>
-          <a:stretch>
-            <a:fillRect/>
-          </a:stretch>
-        </p:blipFill>
-        <p:spPr>
-          <a:xfrm>
-            <a:off x="2165466" y="1253744"/>
-            <a:ext cx="6639993" cy="3650441"/>
-          </a:xfrm>
-          <a:prstGeom prst="rect">
-            <a:avLst/>
-          </a:prstGeom>
-        </p:spPr>
-      </p:pic>
-    </p:spTree>
-    <p:extLst>
-      <p:ext uri="{BB962C8B-B14F-4D97-AF65-F5344CB8AC3E}">
-        <p14:creationId xmlns:p14="http://schemas.microsoft.com/office/powerpoint/2010/main" val="1955289123"/>
-      </p:ext>
-    </p:extLst>
-  </p:cSld>
-  <p:clrMapOvr>
-    <a:masterClrMapping/>
-  </p:clrMapOvr>
-</p:sld>
-</file>
-
-<file path=ppt/slides/slide36.xml><?xml version="1.0" encoding="utf-8"?>
-<p:sld xmlns:a="http://schemas.openxmlformats.org/drawingml/2006/main" xmlns:r="http://schemas.openxmlformats.org/officeDocument/2006/relationships" xmlns:p="http://schemas.openxmlformats.org/presentationml/2006/main">
-  <p:cSld>
-    <p:spTree>
-      <p:nvGrpSpPr>
-        <p:cNvPr id="1" name=""/>
-        <p:cNvGrpSpPr/>
-        <p:nvPr/>
-      </p:nvGrpSpPr>
-      <p:grpSpPr>
-        <a:xfrm>
-          <a:off x="0" y="0"/>
-          <a:ext cx="0" cy="0"/>
-          <a:chOff x="0" y="0"/>
-          <a:chExt cx="0" cy="0"/>
-        </a:xfrm>
-      </p:grpSpPr>
-      <p:sp>
-        <p:nvSpPr>
-          <p:cNvPr id="2" name="Title 1">
-            <a:extLst>
-              <a:ext uri="{FF2B5EF4-FFF2-40B4-BE49-F238E27FC236}">
-                <a16:creationId xmlns:a16="http://schemas.microsoft.com/office/drawing/2014/main" id="{94FD4EFC-D48A-DA3F-61E2-FA850FA6542E}"/>
-              </a:ext>
-            </a:extLst>
-          </p:cNvPr>
-          <p:cNvSpPr>
-            <a:spLocks noGrp="1"/>
-          </p:cNvSpPr>
-          <p:nvPr>
-            <p:ph type="title"/>
-          </p:nvPr>
-        </p:nvSpPr>
-        <p:spPr/>
-        <p:txBody>
-          <a:bodyPr/>
-          <a:lstStyle/>
-          <a:p>
-            <a:r>
-              <a:rPr lang="en-US" dirty="0"/>
-              <a:t>Comparing SAS datasets</a:t>
-            </a:r>
-          </a:p>
-        </p:txBody>
-      </p:sp>
-      <p:sp>
-        <p:nvSpPr>
-          <p:cNvPr id="4" name="Slide Number Placeholder 3">
-            <a:extLst>
-              <a:ext uri="{FF2B5EF4-FFF2-40B4-BE49-F238E27FC236}">
-                <a16:creationId xmlns:a16="http://schemas.microsoft.com/office/drawing/2014/main" id="{6041F5D2-0822-CEBB-241C-9E51B349A05C}"/>
-              </a:ext>
-            </a:extLst>
-          </p:cNvPr>
-          <p:cNvSpPr>
-            <a:spLocks noGrp="1"/>
-          </p:cNvSpPr>
-          <p:nvPr>
-            <p:ph type="sldNum" sz="quarter" idx="12"/>
-          </p:nvPr>
-        </p:nvSpPr>
-        <p:spPr/>
-        <p:txBody>
-          <a:bodyPr/>
-          <a:lstStyle/>
-          <a:p>
-            <a:fld id="{EB4FF9C4-EEBF-D24D-8A4E-C0B9CCE3F975}" type="slidenum">
-              <a:rPr lang="en-US" smtClean="0"/>
-              <a:t>36</a:t>
+              <a:t>30</a:t>
             </a:fld>
             <a:endParaRPr lang="en-US" dirty="0"/>
           </a:p>
@@ -21096,32 +18694,90 @@
           </a:bodyPr>
           <a:lstStyle/>
           <a:p>
+            <a:r>
+              <a:rPr lang="en-US" dirty="0"/>
+              <a:t>Compare results in a summary</a:t>
+            </a:r>
+          </a:p>
+          <a:p>
+            <a:r>
+              <a:rPr lang="en-US" dirty="0"/>
+              <a:t>Details for datasets that had differences</a:t>
+            </a:r>
+          </a:p>
+          <a:p>
             <a:pPr marL="0" indent="0">
               <a:buNone/>
             </a:pPr>
-            <a:r>
-              <a:rPr lang="en-US" dirty="0"/>
-              <a:t>PROC COMPARE</a:t>
-            </a:r>
+            <a:endParaRPr lang="en-US" sz="1400" b="1" dirty="0">
+              <a:solidFill>
+                <a:srgbClr val="000080"/>
+              </a:solidFill>
+              <a:latin typeface="Consolas" panose="020B0609020204030204" pitchFamily="49" charset="0"/>
+            </a:endParaRPr>
           </a:p>
           <a:p>
             <a:pPr marL="0" indent="0">
               <a:buNone/>
             </a:pPr>
-            <a:endParaRPr lang="en-US" dirty="0"/>
+            <a:r>
+              <a:rPr lang="en-US" sz="1400" b="1" dirty="0">
+                <a:solidFill>
+                  <a:srgbClr val="000080"/>
+                </a:solidFill>
+                <a:latin typeface="Consolas" panose="020B0609020204030204" pitchFamily="49" charset="0"/>
+              </a:rPr>
+              <a:t>  %macro</a:t>
+            </a:r>
+            <a:r>
+              <a:rPr lang="en-US" sz="1400" b="0" dirty="0">
+                <a:solidFill>
+                  <a:srgbClr val="000000"/>
+                </a:solidFill>
+                <a:latin typeface="Consolas" panose="020B0609020204030204" pitchFamily="49" charset="0"/>
+              </a:rPr>
+              <a:t> </a:t>
+            </a:r>
+            <a:r>
+              <a:rPr lang="en-US" sz="1400" b="0" dirty="0" err="1">
+                <a:solidFill>
+                  <a:srgbClr val="000000"/>
+                </a:solidFill>
+                <a:latin typeface="Consolas" panose="020B0609020204030204" pitchFamily="49" charset="0"/>
+              </a:rPr>
+              <a:t>util_comparedata</a:t>
+            </a:r>
+            <a:r>
+              <a:rPr lang="en-US" sz="1400" b="0" dirty="0">
+                <a:solidFill>
+                  <a:srgbClr val="000000"/>
+                </a:solidFill>
+                <a:latin typeface="Consolas" panose="020B0609020204030204" pitchFamily="49" charset="0"/>
+              </a:rPr>
+              <a:t>(</a:t>
+            </a:r>
           </a:p>
           <a:p>
             <a:pPr marL="0" indent="0">
               <a:buNone/>
             </a:pPr>
             <a:r>
-              <a:rPr lang="en-US" sz="1400" b="1" dirty="0">
-                <a:solidFill>
-                  <a:srgbClr val="000080"/>
+              <a:rPr lang="en-US" sz="1400" b="0" dirty="0">
+                <a:solidFill>
+                  <a:srgbClr val="000000"/>
                 </a:solidFill>
                 <a:latin typeface="Consolas" panose="020B0609020204030204" pitchFamily="49" charset="0"/>
               </a:rPr>
-              <a:t>%macro</a:t>
+              <a:t>    </a:t>
+            </a:r>
+            <a:r>
+              <a:rPr lang="en-US" sz="1400" b="0" dirty="0" err="1">
+                <a:solidFill>
+                  <a:srgbClr val="000000"/>
+                </a:solidFill>
+                <a:latin typeface="Consolas" panose="020B0609020204030204" pitchFamily="49" charset="0"/>
+              </a:rPr>
+              <a:t>baselib</a:t>
             </a:r>
             <a:r>
               <a:rPr lang="en-US" sz="1400" b="0" dirty="0">
@@ -21130,25 +18786,7 @@
                 </a:solidFill>
                 <a:latin typeface="Consolas" panose="020B0609020204030204" pitchFamily="49" charset="0"/>
               </a:rPr>
-              <a:t> </a:t>
-            </a:r>
-            <a:r>
-              <a:rPr lang="en-US" sz="1400" b="0" dirty="0" err="1">
-                <a:solidFill>
-                  <a:srgbClr val="000000"/>
-                </a:solidFill>
-                <a:latin typeface="Consolas" panose="020B0609020204030204" pitchFamily="49" charset="0"/>
-              </a:rPr>
-              <a:t>utl_comparedata</a:t>
-            </a:r>
-            <a:r>
-              <a:rPr lang="en-US" sz="1400" b="0" dirty="0">
-                <a:solidFill>
-                  <a:srgbClr val="000000"/>
-                </a:solidFill>
-                <a:latin typeface="Consolas" panose="020B0609020204030204" pitchFamily="49" charset="0"/>
-              </a:rPr>
-              <a:t>(</a:t>
+              <a:t>=, </a:t>
             </a:r>
           </a:p>
           <a:p>
@@ -21162,7 +18800,7 @@
                 </a:solidFill>
                 <a:latin typeface="Consolas" panose="020B0609020204030204" pitchFamily="49" charset="0"/>
               </a:rPr>
-              <a:t>  </a:t>
+              <a:t>    </a:t>
             </a:r>
             <a:r>
               <a:rPr lang="en-US" sz="1400" b="0" dirty="0" err="1">
@@ -21171,7 +18809,7 @@
                 </a:solidFill>
                 <a:latin typeface="Consolas" panose="020B0609020204030204" pitchFamily="49" charset="0"/>
               </a:rPr>
-              <a:t>baselib</a:t>
+              <a:t>complib</a:t>
             </a:r>
             <a:r>
               <a:rPr lang="en-US" sz="1400" b="0" dirty="0">
@@ -21194,7 +18832,7 @@
                 </a:solidFill>
                 <a:latin typeface="Consolas" panose="020B0609020204030204" pitchFamily="49" charset="0"/>
               </a:rPr>
-              <a:t>  </a:t>
+              <a:t>    </a:t>
             </a:r>
             <a:r>
               <a:rPr lang="en-US" sz="1400" b="0" dirty="0" err="1">
@@ -21203,7 +18841,7 @@
                 </a:solidFill>
                 <a:latin typeface="Consolas" panose="020B0609020204030204" pitchFamily="49" charset="0"/>
               </a:rPr>
-              <a:t>complib</a:t>
+              <a:t>dsname</a:t>
             </a:r>
             <a:r>
               <a:rPr lang="en-US" sz="1400" b="0" dirty="0">
@@ -21226,7 +18864,7 @@
                 </a:solidFill>
                 <a:latin typeface="Consolas" panose="020B0609020204030204" pitchFamily="49" charset="0"/>
               </a:rPr>
-              <a:t>  </a:t>
+              <a:t>    </a:t>
             </a:r>
             <a:r>
               <a:rPr lang="en-US" sz="1400" b="0" dirty="0" err="1">
@@ -21235,7 +18873,7 @@
                 </a:solidFill>
                 <a:latin typeface="Consolas" panose="020B0609020204030204" pitchFamily="49" charset="0"/>
               </a:rPr>
-              <a:t>dsname</a:t>
+              <a:t>compareoptions</a:t>
             </a:r>
             <a:r>
               <a:rPr lang="en-US" sz="1400" b="0" dirty="0">
@@ -21244,7 +18882,61 @@
                 </a:solidFill>
                 <a:latin typeface="Consolas" panose="020B0609020204030204" pitchFamily="49" charset="0"/>
               </a:rPr>
-              <a:t>=, </a:t>
+              <a:t>=</a:t>
+            </a:r>
+            <a:r>
+              <a:rPr lang="en-US" sz="1400" b="0" dirty="0">
+                <a:solidFill>
+                  <a:srgbClr val="0000FF"/>
+                </a:solidFill>
+                <a:latin typeface="Consolas" panose="020B0609020204030204" pitchFamily="49" charset="0"/>
+              </a:rPr>
+              <a:t>%str</a:t>
+            </a:r>
+            <a:r>
+              <a:rPr lang="en-US" sz="1400" b="0" dirty="0">
+                <a:solidFill>
+                  <a:srgbClr val="000000"/>
+                </a:solidFill>
+                <a:latin typeface="Consolas" panose="020B0609020204030204" pitchFamily="49" charset="0"/>
+              </a:rPr>
+              <a:t>(</a:t>
+            </a:r>
+            <a:r>
+              <a:rPr lang="en-US" sz="1400" b="0" dirty="0" err="1">
+                <a:solidFill>
+                  <a:srgbClr val="000000"/>
+                </a:solidFill>
+                <a:latin typeface="Consolas" panose="020B0609020204030204" pitchFamily="49" charset="0"/>
+              </a:rPr>
+              <a:t>listall</a:t>
+            </a:r>
+            <a:r>
+              <a:rPr lang="en-US" sz="1400" b="0" dirty="0">
+                <a:solidFill>
+                  <a:srgbClr val="000000"/>
+                </a:solidFill>
+                <a:latin typeface="Consolas" panose="020B0609020204030204" pitchFamily="49" charset="0"/>
+              </a:rPr>
+              <a:t> criterion=</a:t>
+            </a:r>
+            <a:r>
+              <a:rPr lang="en-US" sz="1400" b="1" dirty="0">
+                <a:solidFill>
+                  <a:srgbClr val="008080"/>
+                </a:solidFill>
+                <a:latin typeface="Consolas" panose="020B0609020204030204" pitchFamily="49" charset="0"/>
+              </a:rPr>
+              <a:t>0.00000001</a:t>
+            </a:r>
+            <a:r>
+              <a:rPr lang="en-US" sz="1400" b="0" dirty="0">
+                <a:solidFill>
+                  <a:srgbClr val="000000"/>
+                </a:solidFill>
+                <a:latin typeface="Consolas" panose="020B0609020204030204" pitchFamily="49" charset="0"/>
+              </a:rPr>
+              <a:t> method=absolute),</a:t>
             </a:r>
           </a:p>
           <a:p>
@@ -21258,7 +18950,7 @@
                 </a:solidFill>
                 <a:latin typeface="Consolas" panose="020B0609020204030204" pitchFamily="49" charset="0"/>
               </a:rPr>
-              <a:t>  </a:t>
+              <a:t>    </a:t>
             </a:r>
             <a:r>
               <a:rPr lang="en-US" sz="1400" b="0" dirty="0" err="1">
@@ -21267,7 +18959,7 @@
                 </a:solidFill>
                 <a:latin typeface="Consolas" panose="020B0609020204030204" pitchFamily="49" charset="0"/>
               </a:rPr>
-              <a:t>compareoptions</a:t>
+              <a:t>resultds</a:t>
             </a:r>
             <a:r>
               <a:rPr lang="en-US" sz="1400" b="0" dirty="0">
@@ -21276,61 +18968,7 @@
                 </a:solidFill>
                 <a:latin typeface="Consolas" panose="020B0609020204030204" pitchFamily="49" charset="0"/>
               </a:rPr>
-              <a:t>=</a:t>
-            </a:r>
-            <a:r>
-              <a:rPr lang="en-US" sz="1400" b="0" dirty="0">
-                <a:solidFill>
-                  <a:srgbClr val="0000FF"/>
-                </a:solidFill>
-                <a:latin typeface="Consolas" panose="020B0609020204030204" pitchFamily="49" charset="0"/>
-              </a:rPr>
-              <a:t>%str</a:t>
-            </a:r>
-            <a:r>
-              <a:rPr lang="en-US" sz="1400" b="0" dirty="0">
-                <a:solidFill>
-                  <a:srgbClr val="000000"/>
-                </a:solidFill>
-                <a:latin typeface="Consolas" panose="020B0609020204030204" pitchFamily="49" charset="0"/>
-              </a:rPr>
-              <a:t>(</a:t>
-            </a:r>
-            <a:r>
-              <a:rPr lang="en-US" sz="1400" b="0" dirty="0" err="1">
-                <a:solidFill>
-                  <a:srgbClr val="000000"/>
-                </a:solidFill>
-                <a:latin typeface="Consolas" panose="020B0609020204030204" pitchFamily="49" charset="0"/>
-              </a:rPr>
-              <a:t>listall</a:t>
-            </a:r>
-            <a:r>
-              <a:rPr lang="en-US" sz="1400" b="0" dirty="0">
-                <a:solidFill>
-                  <a:srgbClr val="000000"/>
-                </a:solidFill>
-                <a:latin typeface="Consolas" panose="020B0609020204030204" pitchFamily="49" charset="0"/>
-              </a:rPr>
-              <a:t> criterion=</a:t>
-            </a:r>
-            <a:r>
-              <a:rPr lang="en-US" sz="1400" b="1" dirty="0">
-                <a:solidFill>
-                  <a:srgbClr val="008080"/>
-                </a:solidFill>
-                <a:latin typeface="Consolas" panose="020B0609020204030204" pitchFamily="49" charset="0"/>
-              </a:rPr>
-              <a:t>0.00000001</a:t>
-            </a:r>
-            <a:r>
-              <a:rPr lang="en-US" sz="1400" b="0" dirty="0">
-                <a:solidFill>
-                  <a:srgbClr val="000000"/>
-                </a:solidFill>
-                <a:latin typeface="Consolas" panose="020B0609020204030204" pitchFamily="49" charset="0"/>
-              </a:rPr>
-              <a:t> method=absolute),</a:t>
+              <a:t>=,</a:t>
             </a:r>
           </a:p>
           <a:p>
@@ -21344,7 +18982,7 @@
                 </a:solidFill>
                 <a:latin typeface="Consolas" panose="020B0609020204030204" pitchFamily="49" charset="0"/>
               </a:rPr>
-              <a:t>  </a:t>
+              <a:t>    </a:t>
             </a:r>
             <a:r>
               <a:rPr lang="en-US" sz="1400" b="0" dirty="0" err="1">
@@ -21353,7 +18991,7 @@
                 </a:solidFill>
                 <a:latin typeface="Consolas" panose="020B0609020204030204" pitchFamily="49" charset="0"/>
               </a:rPr>
-              <a:t>resultds</a:t>
+              <a:t>detailall</a:t>
             </a:r>
             <a:r>
               <a:rPr lang="en-US" sz="1400" b="0" dirty="0">
@@ -21362,7 +19000,7 @@
                 </a:solidFill>
                 <a:latin typeface="Consolas" panose="020B0609020204030204" pitchFamily="49" charset="0"/>
               </a:rPr>
-              <a:t>=,</a:t>
+              <a:t>=N</a:t>
             </a:r>
           </a:p>
           <a:p>
@@ -21376,43 +19014,8 @@
                 </a:solidFill>
                 <a:latin typeface="Consolas" panose="020B0609020204030204" pitchFamily="49" charset="0"/>
               </a:rPr>
-              <a:t>  </a:t>
-            </a:r>
-            <a:r>
-              <a:rPr lang="en-US" sz="1400" b="0" dirty="0" err="1">
-                <a:solidFill>
-                  <a:srgbClr val="000000"/>
-                </a:solidFill>
-                <a:latin typeface="Consolas" panose="020B0609020204030204" pitchFamily="49" charset="0"/>
-              </a:rPr>
-              <a:t>detailall</a:t>
-            </a:r>
-            <a:r>
-              <a:rPr lang="en-US" sz="1400" b="0" dirty="0">
-                <a:solidFill>
-                  <a:srgbClr val="000000"/>
-                </a:solidFill>
-                <a:latin typeface="Consolas" panose="020B0609020204030204" pitchFamily="49" charset="0"/>
-              </a:rPr>
-              <a:t>=N</a:t>
-            </a:r>
-          </a:p>
-          <a:p>
-            <a:pPr marL="0" indent="0">
-              <a:buNone/>
-            </a:pPr>
-            <a:r>
-              <a:rPr lang="en-US" sz="1400" b="0" dirty="0">
-                <a:solidFill>
-                  <a:srgbClr val="000000"/>
-                </a:solidFill>
-                <a:latin typeface="Consolas" panose="020B0609020204030204" pitchFamily="49" charset="0"/>
-              </a:rPr>
-              <a:t>  );</a:t>
-            </a:r>
-            <a:endParaRPr lang="en-US" sz="1400" dirty="0">
-              <a:latin typeface="Consolas" panose="020B0609020204030204" pitchFamily="49" charset="0"/>
-            </a:endParaRPr>
+              <a:t>    );</a:t>
+            </a:r>
           </a:p>
         </p:txBody>
       </p:sp>
@@ -21429,7 +19032,7 @@
 </p:sld>
 </file>
 
-<file path=ppt/slides/slide37.xml><?xml version="1.0" encoding="utf-8"?>
+<file path=ppt/slides/slide31.xml><?xml version="1.0" encoding="utf-8"?>
 <p:sld xmlns:a="http://schemas.openxmlformats.org/drawingml/2006/main" xmlns:r="http://schemas.openxmlformats.org/officeDocument/2006/relationships" xmlns:p="http://schemas.openxmlformats.org/presentationml/2006/main">
   <p:cSld>
     <p:spTree>
@@ -21527,7 +19130,7 @@
           <a:p>
             <a:fld id="{EB4FF9C4-EEBF-D24D-8A4E-C0B9CCE3F975}" type="slidenum">
               <a:rPr lang="en-US" smtClean="0"/>
-              <a:t>37</a:t>
+              <a:t>31</a:t>
             </a:fld>
             <a:endParaRPr lang="en-US" dirty="0"/>
           </a:p>
@@ -21756,7 +19359,180 @@
 </p:sld>
 </file>
 
-<file path=ppt/slides/slide38.xml><?xml version="1.0" encoding="utf-8"?>
+<file path=ppt/slides/slide32.xml><?xml version="1.0" encoding="utf-8"?>
+<p:sld xmlns:a="http://schemas.openxmlformats.org/drawingml/2006/main" xmlns:r="http://schemas.openxmlformats.org/officeDocument/2006/relationships" xmlns:p="http://schemas.openxmlformats.org/presentationml/2006/main">
+  <p:cSld>
+    <p:spTree>
+      <p:nvGrpSpPr>
+        <p:cNvPr id="1" name=""/>
+        <p:cNvGrpSpPr/>
+        <p:nvPr/>
+      </p:nvGrpSpPr>
+      <p:grpSpPr>
+        <a:xfrm>
+          <a:off x="0" y="0"/>
+          <a:ext cx="0" cy="0"/>
+          <a:chOff x="0" y="0"/>
+          <a:chExt cx="0" cy="0"/>
+        </a:xfrm>
+      </p:grpSpPr>
+      <p:sp>
+        <p:nvSpPr>
+          <p:cNvPr id="2" name="Title 1">
+            <a:extLst>
+              <a:ext uri="{FF2B5EF4-FFF2-40B4-BE49-F238E27FC236}">
+                <a16:creationId xmlns:a16="http://schemas.microsoft.com/office/drawing/2014/main" id="{94FD4EFC-D48A-DA3F-61E2-FA850FA6542E}"/>
+              </a:ext>
+            </a:extLst>
+          </p:cNvPr>
+          <p:cNvSpPr>
+            <a:spLocks noGrp="1"/>
+          </p:cNvSpPr>
+          <p:nvPr>
+            <p:ph type="title"/>
+          </p:nvPr>
+        </p:nvSpPr>
+        <p:spPr/>
+        <p:txBody>
+          <a:bodyPr/>
+          <a:lstStyle/>
+          <a:p>
+            <a:r>
+              <a:rPr lang="en-US" dirty="0"/>
+              <a:t>Comparing JSON files</a:t>
+            </a:r>
+          </a:p>
+        </p:txBody>
+      </p:sp>
+      <p:sp>
+        <p:nvSpPr>
+          <p:cNvPr id="4" name="Slide Number Placeholder 3">
+            <a:extLst>
+              <a:ext uri="{FF2B5EF4-FFF2-40B4-BE49-F238E27FC236}">
+                <a16:creationId xmlns:a16="http://schemas.microsoft.com/office/drawing/2014/main" id="{6041F5D2-0822-CEBB-241C-9E51B349A05C}"/>
+              </a:ext>
+            </a:extLst>
+          </p:cNvPr>
+          <p:cNvSpPr>
+            <a:spLocks noGrp="1"/>
+          </p:cNvSpPr>
+          <p:nvPr>
+            <p:ph type="sldNum" sz="quarter" idx="12"/>
+          </p:nvPr>
+        </p:nvSpPr>
+        <p:spPr/>
+        <p:txBody>
+          <a:bodyPr/>
+          <a:lstStyle/>
+          <a:p>
+            <a:fld id="{EB4FF9C4-EEBF-D24D-8A4E-C0B9CCE3F975}" type="slidenum">
+              <a:rPr lang="en-US" smtClean="0"/>
+              <a:t>32</a:t>
+            </a:fld>
+            <a:endParaRPr lang="en-US" dirty="0"/>
+          </a:p>
+        </p:txBody>
+      </p:sp>
+      <p:sp>
+        <p:nvSpPr>
+          <p:cNvPr id="6" name="Content Placeholder 5">
+            <a:extLst>
+              <a:ext uri="{FF2B5EF4-FFF2-40B4-BE49-F238E27FC236}">
+                <a16:creationId xmlns:a16="http://schemas.microsoft.com/office/drawing/2014/main" id="{E4C8D7BD-A798-BDB5-4EF1-6262A623F571}"/>
+              </a:ext>
+            </a:extLst>
+          </p:cNvPr>
+          <p:cNvSpPr>
+            <a:spLocks noGrp="1"/>
+          </p:cNvSpPr>
+          <p:nvPr>
+            <p:ph idx="1"/>
+          </p:nvPr>
+        </p:nvSpPr>
+        <p:spPr>
+          <a:xfrm>
+            <a:off x="800100" y="886807"/>
+            <a:ext cx="7886700" cy="3521473"/>
+          </a:xfrm>
+        </p:spPr>
+        <p:txBody>
+          <a:bodyPr/>
+          <a:lstStyle/>
+          <a:p>
+            <a:pPr marL="0" indent="0">
+              <a:buNone/>
+            </a:pPr>
+            <a:r>
+              <a:rPr lang="en-US" b="1" dirty="0" err="1">
+                <a:solidFill>
+                  <a:schemeClr val="accent1">
+                    <a:lumMod val="75000"/>
+                  </a:schemeClr>
+                </a:solidFill>
+              </a:rPr>
+              <a:t>WinMerge</a:t>
+            </a:r>
+            <a:r>
+              <a:rPr lang="en-US" dirty="0"/>
+              <a:t> (</a:t>
+            </a:r>
+            <a:r>
+              <a:rPr lang="en-US" dirty="0">
+                <a:hlinkClick r:id="rId2"/>
+              </a:rPr>
+              <a:t>https://winmerge.org</a:t>
+            </a:r>
+            <a:r>
+              <a:rPr lang="en-US" dirty="0"/>
+              <a:t>) can compare JSON files in 'pretty' mode</a:t>
+            </a:r>
+          </a:p>
+        </p:txBody>
+      </p:sp>
+      <p:pic>
+        <p:nvPicPr>
+          <p:cNvPr id="8" name="Picture 7">
+            <a:extLst>
+              <a:ext uri="{FF2B5EF4-FFF2-40B4-BE49-F238E27FC236}">
+                <a16:creationId xmlns:a16="http://schemas.microsoft.com/office/drawing/2014/main" id="{A1B53C0E-3CBC-8552-B863-00347C926855}"/>
+              </a:ext>
+            </a:extLst>
+          </p:cNvPr>
+          <p:cNvPicPr>
+            <a:picLocks noChangeAspect="1"/>
+          </p:cNvPicPr>
+          <p:nvPr/>
+        </p:nvPicPr>
+        <p:blipFill>
+          <a:blip r:embed="rId3"/>
+          <a:stretch>
+            <a:fillRect/>
+          </a:stretch>
+        </p:blipFill>
+        <p:spPr>
+          <a:xfrm>
+            <a:off x="1641094" y="1253744"/>
+            <a:ext cx="6639993" cy="3650441"/>
+          </a:xfrm>
+          <a:prstGeom prst="rect">
+            <a:avLst/>
+          </a:prstGeom>
+        </p:spPr>
+      </p:pic>
+    </p:spTree>
+    <p:extLst>
+      <p:ext uri="{BB962C8B-B14F-4D97-AF65-F5344CB8AC3E}">
+        <p14:creationId xmlns:p14="http://schemas.microsoft.com/office/powerpoint/2010/main" val="1955289123"/>
+      </p:ext>
+    </p:extLst>
+  </p:cSld>
+  <p:clrMapOvr>
+    <a:masterClrMapping/>
+  </p:clrMapOvr>
+</p:sld>
+</file>
+
+<file path=ppt/slides/slide33.xml><?xml version="1.0" encoding="utf-8"?>
 <p:sld xmlns:a="http://schemas.openxmlformats.org/drawingml/2006/main" xmlns:r="http://schemas.openxmlformats.org/officeDocument/2006/relationships" xmlns:p="http://schemas.openxmlformats.org/presentationml/2006/main">
   <p:cSld>
     <p:spTree>
@@ -21796,7 +19572,7 @@
           <a:p>
             <a:r>
               <a:rPr lang="en-US" dirty="0"/>
-              <a:t>Demo</a:t>
+              <a:t>Validating Dataset-JSON files</a:t>
             </a:r>
           </a:p>
         </p:txBody>
@@ -21804,7 +19580,7 @@
     </p:spTree>
     <p:extLst>
       <p:ext uri="{BB962C8B-B14F-4D97-AF65-F5344CB8AC3E}">
-        <p14:creationId xmlns:p14="http://schemas.microsoft.com/office/powerpoint/2010/main" val="190324516"/>
+        <p14:creationId xmlns:p14="http://schemas.microsoft.com/office/powerpoint/2010/main" val="2676469165"/>
       </p:ext>
     </p:extLst>
   </p:cSld>
@@ -21814,7 +19590,7 @@
 </p:sld>
 </file>
 
-<file path=ppt/slides/slide39.xml><?xml version="1.0" encoding="utf-8"?>
+<file path=ppt/slides/slide34.xml><?xml version="1.0" encoding="utf-8"?>
 <p:sld xmlns:a="http://schemas.openxmlformats.org/drawingml/2006/main" xmlns:r="http://schemas.openxmlformats.org/officeDocument/2006/relationships" xmlns:p="http://schemas.openxmlformats.org/presentationml/2006/main">
   <p:cSld>
     <p:spTree>
@@ -21836,7 +19612,7 @@
           <p:cNvPr id="2" name="Title 1">
             <a:extLst>
               <a:ext uri="{FF2B5EF4-FFF2-40B4-BE49-F238E27FC236}">
-                <a16:creationId xmlns:a16="http://schemas.microsoft.com/office/drawing/2014/main" id="{EE8D9AE8-0E1B-2740-A95B-81DDAC2FCFA7}"/>
+                <a16:creationId xmlns:a16="http://schemas.microsoft.com/office/drawing/2014/main" id="{94FD4EFC-D48A-DA3F-61E2-FA850FA6542E}"/>
               </a:ext>
             </a:extLst>
           </p:cNvPr>
@@ -21854,15 +19630,978 @@
           <a:p>
             <a:r>
               <a:rPr lang="en-US" dirty="0"/>
-              <a:t>Conclusion</a:t>
-            </a:r>
+              <a:t>Validating Dataset-JSON files</a:t>
+            </a:r>
+          </a:p>
+        </p:txBody>
+      </p:sp>
+      <p:sp>
+        <p:nvSpPr>
+          <p:cNvPr id="4" name="Slide Number Placeholder 3">
+            <a:extLst>
+              <a:ext uri="{FF2B5EF4-FFF2-40B4-BE49-F238E27FC236}">
+                <a16:creationId xmlns:a16="http://schemas.microsoft.com/office/drawing/2014/main" id="{6041F5D2-0822-CEBB-241C-9E51B349A05C}"/>
+              </a:ext>
+            </a:extLst>
+          </p:cNvPr>
+          <p:cNvSpPr>
+            <a:spLocks noGrp="1"/>
+          </p:cNvSpPr>
+          <p:nvPr>
+            <p:ph type="sldNum" sz="quarter" idx="12"/>
+          </p:nvPr>
+        </p:nvSpPr>
+        <p:spPr/>
+        <p:txBody>
+          <a:bodyPr/>
+          <a:lstStyle/>
+          <a:p>
+            <a:fld id="{EB4FF9C4-EEBF-D24D-8A4E-C0B9CCE3F975}" type="slidenum">
+              <a:rPr lang="en-US" smtClean="0"/>
+              <a:t>34</a:t>
+            </a:fld>
+            <a:endParaRPr lang="en-US" dirty="0"/>
+          </a:p>
+        </p:txBody>
+      </p:sp>
+      <p:pic>
+        <p:nvPicPr>
+          <p:cNvPr id="5" name="Picture 4">
+            <a:extLst>
+              <a:ext uri="{FF2B5EF4-FFF2-40B4-BE49-F238E27FC236}">
+                <a16:creationId xmlns:a16="http://schemas.microsoft.com/office/drawing/2014/main" id="{2FDA4AAF-F7C1-8E5B-D552-669DC474F0EF}"/>
+              </a:ext>
+            </a:extLst>
+          </p:cNvPr>
+          <p:cNvPicPr>
+            <a:picLocks noChangeAspect="1"/>
+          </p:cNvPicPr>
+          <p:nvPr/>
+        </p:nvPicPr>
+        <p:blipFill>
+          <a:blip r:embed="rId2"/>
+          <a:stretch>
+            <a:fillRect/>
+          </a:stretch>
+        </p:blipFill>
+        <p:spPr>
+          <a:xfrm>
+            <a:off x="408440" y="676620"/>
+            <a:ext cx="6092662" cy="3790260"/>
+          </a:xfrm>
+          <a:prstGeom prst="rect">
+            <a:avLst/>
+          </a:prstGeom>
+        </p:spPr>
+      </p:pic>
+      <p:sp>
+        <p:nvSpPr>
+          <p:cNvPr id="6" name="TextBox 5">
+            <a:extLst>
+              <a:ext uri="{FF2B5EF4-FFF2-40B4-BE49-F238E27FC236}">
+                <a16:creationId xmlns:a16="http://schemas.microsoft.com/office/drawing/2014/main" id="{5E8D6629-FCD1-7AA8-ED99-2210A0F9C376}"/>
+              </a:ext>
+            </a:extLst>
+          </p:cNvPr>
+          <p:cNvSpPr txBox="1"/>
+          <p:nvPr/>
+        </p:nvSpPr>
+        <p:spPr>
+          <a:xfrm>
+            <a:off x="2049818" y="4466880"/>
+            <a:ext cx="7943578" cy="338554"/>
+          </a:xfrm>
+          <a:prstGeom prst="rect">
+            <a:avLst/>
+          </a:prstGeom>
+          <a:noFill/>
+        </p:spPr>
+        <p:txBody>
+          <a:bodyPr wrap="square" rtlCol="0">
+            <a:spAutoFit/>
+          </a:bodyPr>
+          <a:lstStyle/>
+          <a:p>
+            <a:r>
+              <a:rPr lang="en-US" sz="1600" b="1" dirty="0"/>
+              <a:t>python .\json_validate.py -d &lt;folder&gt; -s ..\schema\</a:t>
+            </a:r>
+            <a:r>
+              <a:rPr lang="en-US" sz="1600" b="1" dirty="0" err="1"/>
+              <a:t>dataset.schema.json</a:t>
+            </a:r>
+            <a:endParaRPr lang="en-US" sz="1600" b="1" dirty="0"/>
           </a:p>
         </p:txBody>
       </p:sp>
     </p:spTree>
     <p:extLst>
       <p:ext uri="{BB962C8B-B14F-4D97-AF65-F5344CB8AC3E}">
-        <p14:creationId xmlns:p14="http://schemas.microsoft.com/office/powerpoint/2010/main" val="437563064"/>
+        <p14:creationId xmlns:p14="http://schemas.microsoft.com/office/powerpoint/2010/main" val="3780119114"/>
+      </p:ext>
+    </p:extLst>
+  </p:cSld>
+  <p:clrMapOvr>
+    <a:masterClrMapping/>
+  </p:clrMapOvr>
+</p:sld>
+</file>
+
+<file path=ppt/slides/slide35.xml><?xml version="1.0" encoding="utf-8"?>
+<p:sld xmlns:a="http://schemas.openxmlformats.org/drawingml/2006/main" xmlns:r="http://schemas.openxmlformats.org/officeDocument/2006/relationships" xmlns:p="http://schemas.openxmlformats.org/presentationml/2006/main">
+  <p:cSld>
+    <p:bg>
+      <p:bgPr>
+        <a:solidFill>
+          <a:schemeClr val="bg1"/>
+        </a:solidFill>
+        <a:effectLst/>
+      </p:bgPr>
+    </p:bg>
+    <p:spTree>
+      <p:nvGrpSpPr>
+        <p:cNvPr id="1" name=""/>
+        <p:cNvGrpSpPr/>
+        <p:nvPr/>
+      </p:nvGrpSpPr>
+      <p:grpSpPr>
+        <a:xfrm>
+          <a:off x="0" y="0"/>
+          <a:ext cx="0" cy="0"/>
+          <a:chOff x="0" y="0"/>
+          <a:chExt cx="0" cy="0"/>
+        </a:xfrm>
+      </p:grpSpPr>
+      <p:sp useBgFill="1">
+        <p:nvSpPr>
+          <p:cNvPr id="19" name="Rectangle 7">
+            <a:extLst>
+              <a:ext uri="{FF2B5EF4-FFF2-40B4-BE49-F238E27FC236}">
+                <a16:creationId xmlns:a16="http://schemas.microsoft.com/office/drawing/2014/main" id="{A8384FB5-9ADC-4DDC-881B-597D56F5B15D}"/>
+              </a:ext>
+              <a:ext uri="{C183D7F6-B498-43B3-948B-1728B52AA6E4}">
+                <adec:decorative xmlns:adec="http://schemas.microsoft.com/office/drawing/2017/decorative" val="1"/>
+              </a:ext>
+            </a:extLst>
+          </p:cNvPr>
+          <p:cNvSpPr>
+            <a:spLocks noGrp="1" noRot="1" noChangeAspect="1" noMove="1" noResize="1" noEditPoints="1" noAdjustHandles="1" noChangeArrowheads="1" noChangeShapeType="1" noTextEdit="1"/>
+          </p:cNvSpPr>
+          <p:nvPr>
+            <p:extLst>
+              <p:ext uri="{386F3935-93C4-4BCD-93E2-E3B085C9AB24}">
+                <p16:designElem xmlns:p16="http://schemas.microsoft.com/office/powerpoint/2015/main" val="1"/>
+              </p:ext>
+            </p:extLst>
+          </p:nvPr>
+        </p:nvSpPr>
+        <p:spPr>
+          <a:xfrm>
+            <a:off x="0" y="0"/>
+            <a:ext cx="9144000" cy="5143500"/>
+          </a:xfrm>
+          <a:prstGeom prst="rect">
+            <a:avLst/>
+          </a:prstGeom>
+          <a:ln w="12700" cap="flat" cmpd="sng" algn="ctr">
+            <a:noFill/>
+            <a:prstDash val="solid"/>
+            <a:miter lim="800000"/>
+          </a:ln>
+          <a:effectLst/>
+          <a:extLst>
+            <a:ext uri="{91240B29-F687-4F45-9708-019B960494DF}">
+              <a14:hiddenLine xmlns:a14="http://schemas.microsoft.com/office/drawing/2010/main" w="12700" cap="flat" cmpd="sng" algn="ctr">
+                <a:solidFill>
+                  <a:schemeClr val="accent1">
+                    <a:shade val="50000"/>
+                  </a:schemeClr>
+                </a:solidFill>
+                <a:prstDash val="solid"/>
+                <a:miter lim="800000"/>
+              </a14:hiddenLine>
+            </a:ext>
+          </a:extLst>
+        </p:spPr>
+        <p:style>
+          <a:lnRef idx="2">
+            <a:schemeClr val="accent1">
+              <a:shade val="50000"/>
+            </a:schemeClr>
+          </a:lnRef>
+          <a:fillRef idx="1">
+            <a:schemeClr val="accent1"/>
+          </a:fillRef>
+          <a:effectRef idx="0">
+            <a:schemeClr val="accent1"/>
+          </a:effectRef>
+          <a:fontRef idx="minor">
+            <a:schemeClr val="lt1"/>
+          </a:fontRef>
+        </p:style>
+        <p:txBody>
+          <a:bodyPr rtlCol="0" anchor="ctr"/>
+          <a:lstStyle/>
+          <a:p>
+            <a:pPr algn="ctr"/>
+            <a:endParaRPr lang="en-US"/>
+          </a:p>
+        </p:txBody>
+      </p:sp>
+      <p:sp>
+        <p:nvSpPr>
+          <p:cNvPr id="20" name="Rectangle 9">
+            <a:extLst>
+              <a:ext uri="{FF2B5EF4-FFF2-40B4-BE49-F238E27FC236}">
+                <a16:creationId xmlns:a16="http://schemas.microsoft.com/office/drawing/2014/main" id="{91E5A9A7-95C6-4F4F-B00E-C82E07FE62EF}"/>
+              </a:ext>
+              <a:ext uri="{C183D7F6-B498-43B3-948B-1728B52AA6E4}">
+                <adec:decorative xmlns:adec="http://schemas.microsoft.com/office/drawing/2017/decorative" val="1"/>
+              </a:ext>
+            </a:extLst>
+          </p:cNvPr>
+          <p:cNvSpPr>
+            <a:spLocks noGrp="1" noRot="1" noChangeAspect="1" noMove="1" noResize="1" noEditPoints="1" noAdjustHandles="1" noChangeArrowheads="1" noChangeShapeType="1" noTextEdit="1"/>
+          </p:cNvSpPr>
+          <p:nvPr>
+            <p:extLst>
+              <p:ext uri="{386F3935-93C4-4BCD-93E2-E3B085C9AB24}">
+                <p16:designElem xmlns:p16="http://schemas.microsoft.com/office/powerpoint/2015/main" val="1"/>
+              </p:ext>
+            </p:extLst>
+          </p:nvPr>
+        </p:nvSpPr>
+        <p:spPr>
+          <a:xfrm rot="5400000" flipH="1">
+            <a:off x="-1063154" y="1063154"/>
+            <a:ext cx="5156864" cy="3030558"/>
+          </a:xfrm>
+          <a:prstGeom prst="rect">
+            <a:avLst/>
+          </a:prstGeom>
+          <a:gradFill>
+            <a:gsLst>
+              <a:gs pos="0">
+                <a:srgbClr val="000000"/>
+              </a:gs>
+              <a:gs pos="100000">
+                <a:schemeClr val="accent1">
+                  <a:lumMod val="75000"/>
+                </a:schemeClr>
+              </a:gs>
+            </a:gsLst>
+            <a:lin ang="18600000" scaled="0"/>
+          </a:gradFill>
+          <a:ln>
+            <a:noFill/>
+          </a:ln>
+        </p:spPr>
+        <p:style>
+          <a:lnRef idx="2">
+            <a:schemeClr val="accent1">
+              <a:shade val="50000"/>
+            </a:schemeClr>
+          </a:lnRef>
+          <a:fillRef idx="1">
+            <a:schemeClr val="accent1"/>
+          </a:fillRef>
+          <a:effectRef idx="0">
+            <a:schemeClr val="accent1"/>
+          </a:effectRef>
+          <a:fontRef idx="minor">
+            <a:schemeClr val="lt1"/>
+          </a:fontRef>
+        </p:style>
+        <p:txBody>
+          <a:bodyPr rtlCol="0" anchor="ctr"/>
+          <a:lstStyle/>
+          <a:p>
+            <a:pPr algn="ctr"/>
+            <a:endParaRPr lang="en-US" dirty="0"/>
+          </a:p>
+        </p:txBody>
+      </p:sp>
+      <p:sp>
+        <p:nvSpPr>
+          <p:cNvPr id="21" name="Rectangle 11">
+            <a:extLst>
+              <a:ext uri="{FF2B5EF4-FFF2-40B4-BE49-F238E27FC236}">
+                <a16:creationId xmlns:a16="http://schemas.microsoft.com/office/drawing/2014/main" id="{D07DD2DE-F619-49DD-B5E7-03A290FF4ED1}"/>
+              </a:ext>
+              <a:ext uri="{C183D7F6-B498-43B3-948B-1728B52AA6E4}">
+                <adec:decorative xmlns:adec="http://schemas.microsoft.com/office/drawing/2017/decorative" val="1"/>
+              </a:ext>
+            </a:extLst>
+          </p:cNvPr>
+          <p:cNvSpPr>
+            <a:spLocks noGrp="1" noRot="1" noChangeAspect="1" noMove="1" noResize="1" noEditPoints="1" noAdjustHandles="1" noChangeArrowheads="1" noChangeShapeType="1" noTextEdit="1"/>
+          </p:cNvSpPr>
+          <p:nvPr>
+            <p:extLst>
+              <p:ext uri="{386F3935-93C4-4BCD-93E2-E3B085C9AB24}">
+                <p16:designElem xmlns:p16="http://schemas.microsoft.com/office/powerpoint/2015/main" val="1"/>
+              </p:ext>
+            </p:extLst>
+          </p:nvPr>
+        </p:nvSpPr>
+        <p:spPr>
+          <a:xfrm rot="16200000">
+            <a:off x="-118871" y="1995355"/>
+            <a:ext cx="3266696" cy="3028952"/>
+          </a:xfrm>
+          <a:prstGeom prst="rect">
+            <a:avLst/>
+          </a:prstGeom>
+          <a:gradFill>
+            <a:gsLst>
+              <a:gs pos="0">
+                <a:schemeClr val="accent1">
+                  <a:alpha val="50000"/>
+                </a:schemeClr>
+              </a:gs>
+              <a:gs pos="100000">
+                <a:schemeClr val="accent1">
+                  <a:lumMod val="50000"/>
+                  <a:alpha val="0"/>
+                </a:schemeClr>
+              </a:gs>
+            </a:gsLst>
+            <a:lin ang="11400000" scaled="0"/>
+          </a:gradFill>
+          <a:ln>
+            <a:noFill/>
+          </a:ln>
+        </p:spPr>
+        <p:style>
+          <a:lnRef idx="2">
+            <a:schemeClr val="accent1">
+              <a:shade val="50000"/>
+            </a:schemeClr>
+          </a:lnRef>
+          <a:fillRef idx="1">
+            <a:schemeClr val="accent1"/>
+          </a:fillRef>
+          <a:effectRef idx="0">
+            <a:schemeClr val="accent1"/>
+          </a:effectRef>
+          <a:fontRef idx="minor">
+            <a:schemeClr val="lt1"/>
+          </a:fontRef>
+        </p:style>
+        <p:txBody>
+          <a:bodyPr rtlCol="0" anchor="ctr"/>
+          <a:lstStyle/>
+          <a:p>
+            <a:pPr algn="ctr"/>
+            <a:endParaRPr lang="en-US"/>
+          </a:p>
+        </p:txBody>
+      </p:sp>
+      <p:sp>
+        <p:nvSpPr>
+          <p:cNvPr id="14" name="Rectangle 13">
+            <a:extLst>
+              <a:ext uri="{FF2B5EF4-FFF2-40B4-BE49-F238E27FC236}">
+                <a16:creationId xmlns:a16="http://schemas.microsoft.com/office/drawing/2014/main" id="{85149191-5F60-4A28-AAFF-039F96B0F3EC}"/>
+              </a:ext>
+              <a:ext uri="{C183D7F6-B498-43B3-948B-1728B52AA6E4}">
+                <adec:decorative xmlns:adec="http://schemas.microsoft.com/office/drawing/2017/decorative" val="1"/>
+              </a:ext>
+            </a:extLst>
+          </p:cNvPr>
+          <p:cNvSpPr>
+            <a:spLocks noGrp="1" noRot="1" noChangeAspect="1" noMove="1" noResize="1" noEditPoints="1" noAdjustHandles="1" noChangeArrowheads="1" noChangeShapeType="1" noTextEdit="1"/>
+          </p:cNvSpPr>
+          <p:nvPr>
+            <p:extLst>
+              <p:ext uri="{386F3935-93C4-4BCD-93E2-E3B085C9AB24}">
+                <p16:designElem xmlns:p16="http://schemas.microsoft.com/office/powerpoint/2015/main" val="1"/>
+              </p:ext>
+            </p:extLst>
+          </p:nvPr>
+        </p:nvSpPr>
+        <p:spPr>
+          <a:xfrm rot="16200000" flipH="1">
+            <a:off x="-885662" y="1228564"/>
+            <a:ext cx="5143179" cy="2686051"/>
+          </a:xfrm>
+          <a:prstGeom prst="rect">
+            <a:avLst/>
+          </a:prstGeom>
+          <a:gradFill>
+            <a:gsLst>
+              <a:gs pos="0">
+                <a:srgbClr val="000000">
+                  <a:alpha val="59000"/>
+                </a:srgbClr>
+              </a:gs>
+              <a:gs pos="69000">
+                <a:schemeClr val="accent1">
+                  <a:alpha val="0"/>
+                </a:schemeClr>
+              </a:gs>
+            </a:gsLst>
+            <a:lin ang="13200000" scaled="0"/>
+          </a:gradFill>
+          <a:ln>
+            <a:noFill/>
+          </a:ln>
+        </p:spPr>
+        <p:style>
+          <a:lnRef idx="2">
+            <a:schemeClr val="accent1">
+              <a:shade val="50000"/>
+            </a:schemeClr>
+          </a:lnRef>
+          <a:fillRef idx="1">
+            <a:schemeClr val="accent1"/>
+          </a:fillRef>
+          <a:effectRef idx="0">
+            <a:schemeClr val="accent1"/>
+          </a:effectRef>
+          <a:fontRef idx="minor">
+            <a:schemeClr val="lt1"/>
+          </a:fontRef>
+        </p:style>
+        <p:txBody>
+          <a:bodyPr rtlCol="0" anchor="ctr"/>
+          <a:lstStyle/>
+          <a:p>
+            <a:pPr algn="ctr"/>
+            <a:endParaRPr lang="en-US" dirty="0"/>
+          </a:p>
+        </p:txBody>
+      </p:sp>
+      <p:sp>
+        <p:nvSpPr>
+          <p:cNvPr id="16" name="Freeform: Shape 15">
+            <a:extLst>
+              <a:ext uri="{FF2B5EF4-FFF2-40B4-BE49-F238E27FC236}">
+                <a16:creationId xmlns:a16="http://schemas.microsoft.com/office/drawing/2014/main" id="{F8260ED5-17F7-4158-B241-D51DD4CF1B7E}"/>
+              </a:ext>
+              <a:ext uri="{C183D7F6-B498-43B3-948B-1728B52AA6E4}">
+                <adec:decorative xmlns:adec="http://schemas.microsoft.com/office/drawing/2017/decorative" val="1"/>
+              </a:ext>
+            </a:extLst>
+          </p:cNvPr>
+          <p:cNvSpPr>
+            <a:spLocks noGrp="1" noRot="1" noChangeAspect="1" noMove="1" noResize="1" noEditPoints="1" noAdjustHandles="1" noChangeArrowheads="1" noChangeShapeType="1" noTextEdit="1"/>
+          </p:cNvSpPr>
+          <p:nvPr>
+            <p:extLst>
+              <p:ext uri="{386F3935-93C4-4BCD-93E2-E3B085C9AB24}">
+                <p16:designElem xmlns:p16="http://schemas.microsoft.com/office/powerpoint/2015/main" val="1"/>
+              </p:ext>
+            </p:extLst>
+          </p:nvPr>
+        </p:nvSpPr>
+        <p:spPr>
+          <a:xfrm rot="6097846">
+            <a:off x="-560516" y="900984"/>
+            <a:ext cx="3606227" cy="3066500"/>
+          </a:xfrm>
+          <a:custGeom>
+            <a:avLst/>
+            <a:gdLst>
+              <a:gd name="connsiteX0" fmla="*/ 48844 w 4808302"/>
+              <a:gd name="connsiteY0" fmla="*/ 2888671 h 4088666"/>
+              <a:gd name="connsiteX1" fmla="*/ 0 w 4808302"/>
+              <a:gd name="connsiteY1" fmla="*/ 2404151 h 4088666"/>
+              <a:gd name="connsiteX2" fmla="*/ 2404151 w 4808302"/>
+              <a:gd name="connsiteY2" fmla="*/ 0 h 4088666"/>
+              <a:gd name="connsiteX3" fmla="*/ 4808302 w 4808302"/>
+              <a:gd name="connsiteY3" fmla="*/ 2404151 h 4088666"/>
+              <a:gd name="connsiteX4" fmla="*/ 4700216 w 4808302"/>
+              <a:gd name="connsiteY4" fmla="*/ 3119072 h 4088666"/>
+              <a:gd name="connsiteX5" fmla="*/ 4643143 w 4808302"/>
+              <a:gd name="connsiteY5" fmla="*/ 3275009 h 4088666"/>
+              <a:gd name="connsiteX6" fmla="*/ 690093 w 4808302"/>
+              <a:gd name="connsiteY6" fmla="*/ 4088666 h 4088666"/>
+              <a:gd name="connsiteX7" fmla="*/ 548991 w 4808302"/>
+              <a:gd name="connsiteY7" fmla="*/ 3933414 h 4088666"/>
+              <a:gd name="connsiteX8" fmla="*/ 48844 w 4808302"/>
+              <a:gd name="connsiteY8" fmla="*/ 2888671 h 4088666"/>
+            </a:gdLst>
+            <a:ahLst/>
+            <a:cxnLst>
+              <a:cxn ang="0">
+                <a:pos x="connsiteX0" y="connsiteY0"/>
+              </a:cxn>
+              <a:cxn ang="0">
+                <a:pos x="connsiteX1" y="connsiteY1"/>
+              </a:cxn>
+              <a:cxn ang="0">
+                <a:pos x="connsiteX2" y="connsiteY2"/>
+              </a:cxn>
+              <a:cxn ang="0">
+                <a:pos x="connsiteX3" y="connsiteY3"/>
+              </a:cxn>
+              <a:cxn ang="0">
+                <a:pos x="connsiteX4" y="connsiteY4"/>
+              </a:cxn>
+              <a:cxn ang="0">
+                <a:pos x="connsiteX5" y="connsiteY5"/>
+              </a:cxn>
+              <a:cxn ang="0">
+                <a:pos x="connsiteX6" y="connsiteY6"/>
+              </a:cxn>
+              <a:cxn ang="0">
+                <a:pos x="connsiteX7" y="connsiteY7"/>
+              </a:cxn>
+              <a:cxn ang="0">
+                <a:pos x="connsiteX8" y="connsiteY8"/>
+              </a:cxn>
+            </a:cxnLst>
+            <a:rect l="l" t="t" r="r" b="b"/>
+            <a:pathLst>
+              <a:path w="4808302" h="4088666">
+                <a:moveTo>
+                  <a:pt x="48844" y="2888671"/>
+                </a:moveTo>
+                <a:cubicBezTo>
+                  <a:pt x="16818" y="2732167"/>
+                  <a:pt x="0" y="2570123"/>
+                  <a:pt x="0" y="2404151"/>
+                </a:cubicBezTo>
+                <a:cubicBezTo>
+                  <a:pt x="0" y="1076375"/>
+                  <a:pt x="1076375" y="0"/>
+                  <a:pt x="2404151" y="0"/>
+                </a:cubicBezTo>
+                <a:cubicBezTo>
+                  <a:pt x="3731927" y="0"/>
+                  <a:pt x="4808302" y="1076375"/>
+                  <a:pt x="4808302" y="2404151"/>
+                </a:cubicBezTo>
+                <a:cubicBezTo>
+                  <a:pt x="4808302" y="2653109"/>
+                  <a:pt x="4770461" y="2893229"/>
+                  <a:pt x="4700216" y="3119072"/>
+                </a:cubicBezTo>
+                <a:lnTo>
+                  <a:pt x="4643143" y="3275009"/>
+                </a:lnTo>
+                <a:lnTo>
+                  <a:pt x="690093" y="4088666"/>
+                </a:lnTo>
+                <a:lnTo>
+                  <a:pt x="548991" y="3933414"/>
+                </a:lnTo>
+                <a:cubicBezTo>
+                  <a:pt x="304015" y="3636572"/>
+                  <a:pt x="128908" y="3279932"/>
+                  <a:pt x="48844" y="2888671"/>
+                </a:cubicBezTo>
+                <a:close/>
+              </a:path>
+            </a:pathLst>
+          </a:custGeom>
+          <a:gradFill>
+            <a:gsLst>
+              <a:gs pos="39000">
+                <a:schemeClr val="accent1">
+                  <a:lumMod val="60000"/>
+                  <a:lumOff val="40000"/>
+                  <a:alpha val="0"/>
+                </a:schemeClr>
+              </a:gs>
+              <a:gs pos="100000">
+                <a:schemeClr val="accent1">
+                  <a:lumMod val="75000"/>
+                  <a:alpha val="26000"/>
+                </a:schemeClr>
+              </a:gs>
+            </a:gsLst>
+            <a:lin ang="18600000" scaled="0"/>
+          </a:gradFill>
+          <a:ln>
+            <a:noFill/>
+          </a:ln>
+        </p:spPr>
+        <p:style>
+          <a:lnRef idx="2">
+            <a:schemeClr val="accent1">
+              <a:shade val="50000"/>
+            </a:schemeClr>
+          </a:lnRef>
+          <a:fillRef idx="1">
+            <a:schemeClr val="accent1"/>
+          </a:fillRef>
+          <a:effectRef idx="0">
+            <a:schemeClr val="accent1"/>
+          </a:effectRef>
+          <a:fontRef idx="minor">
+            <a:schemeClr val="lt1"/>
+          </a:fontRef>
+        </p:style>
+        <p:txBody>
+          <a:bodyPr wrap="square" rtlCol="0" anchor="ctr">
+            <a:noAutofit/>
+          </a:bodyPr>
+          <a:lstStyle/>
+          <a:p>
+            <a:pPr algn="ctr"/>
+            <a:endParaRPr lang="en-US" dirty="0"/>
+          </a:p>
+        </p:txBody>
+      </p:sp>
+      <p:sp>
+        <p:nvSpPr>
+          <p:cNvPr id="2" name="Title 1">
+            <a:extLst>
+              <a:ext uri="{FF2B5EF4-FFF2-40B4-BE49-F238E27FC236}">
+                <a16:creationId xmlns:a16="http://schemas.microsoft.com/office/drawing/2014/main" id="{EE8D9AE8-0E1B-2740-A95B-81DDAC2FCFA7}"/>
+              </a:ext>
+            </a:extLst>
+          </p:cNvPr>
+          <p:cNvSpPr>
+            <a:spLocks noGrp="1"/>
+          </p:cNvSpPr>
+          <p:nvPr>
+            <p:ph type="title"/>
+          </p:nvPr>
+        </p:nvSpPr>
+        <p:spPr>
+          <a:xfrm>
+            <a:off x="495030" y="2075329"/>
+            <a:ext cx="2160621" cy="2303930"/>
+          </a:xfrm>
+        </p:spPr>
+        <p:txBody>
+          <a:bodyPr vert="horz" lIns="91440" tIns="45720" rIns="91440" bIns="45720" rtlCol="0" anchor="t">
+            <a:normAutofit/>
+          </a:bodyPr>
+          <a:lstStyle/>
+          <a:p>
+            <a:pPr defTabSz="914400"/>
+            <a:r>
+              <a:rPr lang="en-US" sz="4800" kern="1200">
+                <a:solidFill>
+                  <a:srgbClr val="FFFFFF"/>
+                </a:solidFill>
+                <a:latin typeface="+mj-lt"/>
+                <a:ea typeface="+mj-ea"/>
+                <a:cs typeface="+mj-cs"/>
+              </a:rPr>
+              <a:t>Demo</a:t>
+            </a:r>
+            <a:endParaRPr lang="en-US" sz="4800" kern="1200" dirty="0">
+              <a:solidFill>
+                <a:srgbClr val="FFFFFF"/>
+              </a:solidFill>
+              <a:latin typeface="+mj-lt"/>
+              <a:ea typeface="+mj-ea"/>
+              <a:cs typeface="+mj-cs"/>
+            </a:endParaRPr>
+          </a:p>
+        </p:txBody>
+      </p:sp>
+      <p:pic>
+        <p:nvPicPr>
+          <p:cNvPr id="3" name="Picture 2" descr="A screenshot of a video game&#10;&#10;Description automatically generated">
+            <a:extLst>
+              <a:ext uri="{FF2B5EF4-FFF2-40B4-BE49-F238E27FC236}">
+                <a16:creationId xmlns:a16="http://schemas.microsoft.com/office/drawing/2014/main" id="{2B534E67-4285-838A-6D1F-96B8E21DAD5F}"/>
+              </a:ext>
+            </a:extLst>
+          </p:cNvPr>
+          <p:cNvPicPr>
+            <a:picLocks noChangeAspect="1"/>
+          </p:cNvPicPr>
+          <p:nvPr/>
+        </p:nvPicPr>
+        <p:blipFill>
+          <a:blip r:embed="rId2">
+            <a:extLst>
+              <a:ext uri="{28A0092B-C50C-407E-A947-70E740481C1C}">
+                <a14:useLocalDpi xmlns:a14="http://schemas.microsoft.com/office/drawing/2010/main" val="0"/>
+              </a:ext>
+            </a:extLst>
+          </a:blip>
+          <a:stretch>
+            <a:fillRect/>
+          </a:stretch>
+        </p:blipFill>
+        <p:spPr>
+          <a:xfrm>
+            <a:off x="3865132" y="350406"/>
+            <a:ext cx="4442688" cy="4442688"/>
+          </a:xfrm>
+          <a:prstGeom prst="rect">
+            <a:avLst/>
+          </a:prstGeom>
+        </p:spPr>
+      </p:pic>
+    </p:spTree>
+    <p:extLst>
+      <p:ext uri="{BB962C8B-B14F-4D97-AF65-F5344CB8AC3E}">
+        <p14:creationId xmlns:p14="http://schemas.microsoft.com/office/powerpoint/2010/main" val="190324516"/>
+      </p:ext>
+    </p:extLst>
+  </p:cSld>
+  <p:clrMapOvr>
+    <a:masterClrMapping/>
+  </p:clrMapOvr>
+</p:sld>
+</file>
+
+<file path=ppt/slides/slide36.xml><?xml version="1.0" encoding="utf-8"?>
+<p:sld xmlns:a="http://schemas.openxmlformats.org/drawingml/2006/main" xmlns:r="http://schemas.openxmlformats.org/officeDocument/2006/relationships" xmlns:p="http://schemas.openxmlformats.org/presentationml/2006/main">
+  <p:cSld>
+    <p:spTree>
+      <p:nvGrpSpPr>
+        <p:cNvPr id="1" name=""/>
+        <p:cNvGrpSpPr/>
+        <p:nvPr/>
+      </p:nvGrpSpPr>
+      <p:grpSpPr>
+        <a:xfrm>
+          <a:off x="0" y="0"/>
+          <a:ext cx="0" cy="0"/>
+          <a:chOff x="0" y="0"/>
+          <a:chExt cx="0" cy="0"/>
+        </a:xfrm>
+      </p:grpSpPr>
+      <p:pic>
+        <p:nvPicPr>
+          <p:cNvPr id="4" name="Picture 3">
+            <a:extLst>
+              <a:ext uri="{FF2B5EF4-FFF2-40B4-BE49-F238E27FC236}">
+                <a16:creationId xmlns:a16="http://schemas.microsoft.com/office/drawing/2014/main" id="{03313FB9-D0FF-4B62-A3CF-7403BBE4D124}"/>
+              </a:ext>
+            </a:extLst>
+          </p:cNvPr>
+          <p:cNvPicPr>
+            <a:picLocks noChangeAspect="1"/>
+          </p:cNvPicPr>
+          <p:nvPr/>
+        </p:nvPicPr>
+        <p:blipFill>
+          <a:blip r:embed="rId2"/>
+          <a:stretch>
+            <a:fillRect/>
+          </a:stretch>
+        </p:blipFill>
+        <p:spPr>
+          <a:xfrm>
+            <a:off x="896947" y="83250"/>
+            <a:ext cx="2158982" cy="1636951"/>
+          </a:xfrm>
+          <a:prstGeom prst="rect">
+            <a:avLst/>
+          </a:prstGeom>
+          <a:effectLst>
+            <a:outerShdw blurRad="50800" dist="38100" dir="2700000" algn="tl" rotWithShape="0">
+              <a:prstClr val="black">
+                <a:alpha val="40000"/>
+              </a:prstClr>
+            </a:outerShdw>
+          </a:effectLst>
+        </p:spPr>
+      </p:pic>
+      <p:sp>
+        <p:nvSpPr>
+          <p:cNvPr id="5" name="Content Placeholder 2">
+            <a:extLst>
+              <a:ext uri="{FF2B5EF4-FFF2-40B4-BE49-F238E27FC236}">
+                <a16:creationId xmlns:a16="http://schemas.microsoft.com/office/drawing/2014/main" id="{EC6BBA27-F5E3-45F6-A08C-DF4E33FE3CC6}"/>
+              </a:ext>
+            </a:extLst>
+          </p:cNvPr>
+          <p:cNvSpPr>
+            <a:spLocks noGrp="1"/>
+          </p:cNvSpPr>
+          <p:nvPr>
+            <p:ph idx="1"/>
+          </p:nvPr>
+        </p:nvSpPr>
+        <p:spPr>
+          <a:xfrm>
+            <a:off x="1976438" y="1895302"/>
+            <a:ext cx="6781020" cy="2429049"/>
+          </a:xfrm>
+          <a:solidFill>
+            <a:schemeClr val="bg1">
+              <a:lumMod val="85000"/>
+            </a:schemeClr>
+          </a:solidFill>
+        </p:spPr>
+        <p:txBody>
+          <a:bodyPr lIns="91440" tIns="91440" rIns="91440" bIns="91440">
+            <a:noAutofit/>
+          </a:bodyPr>
+          <a:lstStyle/>
+          <a:p>
+            <a:pPr marL="290513" indent="-285750">
+              <a:lnSpc>
+                <a:spcPts val="2400"/>
+              </a:lnSpc>
+            </a:pPr>
+            <a:r>
+              <a:rPr lang="en-US" sz="1600" b="1" dirty="0"/>
+              <a:t>GitHub</a:t>
+            </a:r>
+            <a:r>
+              <a:rPr lang="en-US" sz="1600" dirty="0"/>
+              <a:t>:     </a:t>
+            </a:r>
+            <a:r>
+              <a:rPr lang="en-US" sz="1600" dirty="0">
+                <a:hlinkClick r:id="rId3"/>
+              </a:rPr>
+              <a:t>https://github.com/lexjansen/dataset-json-sas</a:t>
+            </a:r>
+            <a:br>
+              <a:rPr lang="en-US" sz="1600" dirty="0"/>
+            </a:br>
+            <a:r>
+              <a:rPr lang="en-US" sz="1600" b="1" dirty="0"/>
+              <a:t>open issues at</a:t>
+            </a:r>
+            <a:r>
+              <a:rPr lang="en-US" sz="1600" dirty="0"/>
+              <a:t>:  </a:t>
+            </a:r>
+            <a:r>
+              <a:rPr lang="en-US" sz="1600" dirty="0">
+                <a:hlinkClick r:id="rId4"/>
+              </a:rPr>
+              <a:t>https://github.com/lexjansen/dataset-json-sas/issues</a:t>
+            </a:r>
+            <a:endParaRPr lang="en-US" sz="1600" dirty="0"/>
+          </a:p>
+          <a:p>
+            <a:pPr marL="4763" indent="0">
+              <a:lnSpc>
+                <a:spcPts val="2400"/>
+              </a:lnSpc>
+              <a:buNone/>
+            </a:pPr>
+            <a:r>
+              <a:rPr lang="en-US" sz="1600" b="1" dirty="0"/>
+              <a:t>Email</a:t>
+            </a:r>
+            <a:r>
+              <a:rPr lang="en-US" sz="1600" dirty="0"/>
+              <a:t>:	      </a:t>
+            </a:r>
+            <a:r>
+              <a:rPr lang="en-US" sz="1600" dirty="0">
+                <a:hlinkClick r:id="rId5"/>
+              </a:rPr>
+              <a:t>ljansen@cdisc.org</a:t>
+            </a:r>
+            <a:br>
+              <a:rPr lang="en-US" sz="1600" dirty="0"/>
+            </a:br>
+            <a:r>
+              <a:rPr lang="en-US" sz="1600" dirty="0"/>
+              <a:t>	      </a:t>
+            </a:r>
+            <a:r>
+              <a:rPr lang="en-US" sz="1600" dirty="0">
+                <a:hlinkClick r:id="rId6"/>
+              </a:rPr>
+              <a:t>lexjansen@gmail.com</a:t>
+            </a:r>
+            <a:endParaRPr lang="en-US" sz="1600" dirty="0"/>
+          </a:p>
+          <a:p>
+            <a:pPr marL="4763" indent="0">
+              <a:lnSpc>
+                <a:spcPts val="2400"/>
+              </a:lnSpc>
+              <a:buNone/>
+            </a:pPr>
+            <a:r>
+              <a:rPr lang="en-US" sz="1600" b="1" dirty="0"/>
+              <a:t>Web</a:t>
+            </a:r>
+            <a:r>
+              <a:rPr lang="en-US" sz="1600" dirty="0"/>
+              <a:t>: 	      </a:t>
+            </a:r>
+            <a:r>
+              <a:rPr lang="en-US" sz="1600" dirty="0">
+                <a:hlinkClick r:id="rId7"/>
+              </a:rPr>
+              <a:t>https:\\www.lexjansen.com</a:t>
+            </a:r>
+            <a:endParaRPr lang="en-US" sz="1600" dirty="0"/>
+          </a:p>
+          <a:p>
+            <a:pPr marL="4763">
+              <a:lnSpc>
+                <a:spcPts val="2400"/>
+              </a:lnSpc>
+            </a:pPr>
+            <a:r>
+              <a:rPr lang="en-US" sz="1600" b="1" dirty="0"/>
+              <a:t>LinkedIn</a:t>
+            </a:r>
+            <a:r>
+              <a:rPr lang="en-US" sz="1600" dirty="0"/>
+              <a:t>:  </a:t>
+            </a:r>
+            <a:r>
+              <a:rPr lang="en-US" sz="1600" dirty="0">
+                <a:hlinkClick r:id="rId8"/>
+              </a:rPr>
+              <a:t>https://www.linkedin.com/in/lexjansen/</a:t>
+            </a:r>
+            <a:endParaRPr lang="en-US" sz="1600" dirty="0"/>
+          </a:p>
+          <a:p>
+            <a:pPr marL="4763" indent="0">
+              <a:lnSpc>
+                <a:spcPts val="2400"/>
+              </a:lnSpc>
+              <a:buNone/>
+            </a:pPr>
+            <a:br>
+              <a:rPr lang="en-US" sz="1800" dirty="0"/>
+            </a:br>
+            <a:br>
+              <a:rPr lang="en-US" sz="1800" dirty="0"/>
+            </a:br>
+            <a:endParaRPr lang="en-US" dirty="0"/>
+          </a:p>
+        </p:txBody>
+      </p:sp>
+      <p:pic>
+        <p:nvPicPr>
+          <p:cNvPr id="2" name="Picture 1">
+            <a:extLst>
+              <a:ext uri="{FF2B5EF4-FFF2-40B4-BE49-F238E27FC236}">
+                <a16:creationId xmlns:a16="http://schemas.microsoft.com/office/drawing/2014/main" id="{144BFA6B-2E96-8809-EB46-658E4B9176A5}"/>
+              </a:ext>
+            </a:extLst>
+          </p:cNvPr>
+          <p:cNvPicPr>
+            <a:picLocks noChangeAspect="1"/>
+          </p:cNvPicPr>
+          <p:nvPr/>
+        </p:nvPicPr>
+        <p:blipFill>
+          <a:blip r:embed="rId9"/>
+          <a:stretch>
+            <a:fillRect/>
+          </a:stretch>
+        </p:blipFill>
+        <p:spPr>
+          <a:xfrm>
+            <a:off x="7801354" y="3553368"/>
+            <a:ext cx="680491" cy="688138"/>
+          </a:xfrm>
+          <a:prstGeom prst="rect">
+            <a:avLst/>
+          </a:prstGeom>
+        </p:spPr>
+      </p:pic>
+    </p:spTree>
+    <p:extLst>
+      <p:ext uri="{BB962C8B-B14F-4D97-AF65-F5344CB8AC3E}">
+        <p14:creationId xmlns:p14="http://schemas.microsoft.com/office/powerpoint/2010/main" val="83496409"/>
       </p:ext>
     </p:extLst>
   </p:cSld>
@@ -21946,416 +20685,6 @@
     <p:extLst>
       <p:ext uri="{BB962C8B-B14F-4D97-AF65-F5344CB8AC3E}">
         <p14:creationId xmlns:p14="http://schemas.microsoft.com/office/powerpoint/2010/main" val="2495482614"/>
-      </p:ext>
-    </p:extLst>
-  </p:cSld>
-  <p:clrMapOvr>
-    <a:masterClrMapping/>
-  </p:clrMapOvr>
-</p:sld>
-</file>
-
-<file path=ppt/slides/slide40.xml><?xml version="1.0" encoding="utf-8"?>
-<p:sld xmlns:a="http://schemas.openxmlformats.org/drawingml/2006/main" xmlns:r="http://schemas.openxmlformats.org/officeDocument/2006/relationships" xmlns:p="http://schemas.openxmlformats.org/presentationml/2006/main">
-  <p:cSld>
-    <p:spTree>
-      <p:nvGrpSpPr>
-        <p:cNvPr id="1" name=""/>
-        <p:cNvGrpSpPr/>
-        <p:nvPr/>
-      </p:nvGrpSpPr>
-      <p:grpSpPr>
-        <a:xfrm>
-          <a:off x="0" y="0"/>
-          <a:ext cx="0" cy="0"/>
-          <a:chOff x="0" y="0"/>
-          <a:chExt cx="0" cy="0"/>
-        </a:xfrm>
-      </p:grpSpPr>
-      <p:sp>
-        <p:nvSpPr>
-          <p:cNvPr id="2" name="Title 1">
-            <a:extLst>
-              <a:ext uri="{FF2B5EF4-FFF2-40B4-BE49-F238E27FC236}">
-                <a16:creationId xmlns:a16="http://schemas.microsoft.com/office/drawing/2014/main" id="{2F7D6A95-13ED-604F-AA65-8144C0F6694B}"/>
-              </a:ext>
-            </a:extLst>
-          </p:cNvPr>
-          <p:cNvSpPr>
-            <a:spLocks noGrp="1"/>
-          </p:cNvSpPr>
-          <p:nvPr>
-            <p:ph type="title"/>
-          </p:nvPr>
-        </p:nvSpPr>
-        <p:spPr>
-          <a:xfrm>
-            <a:off x="800099" y="181429"/>
-            <a:ext cx="7886700" cy="1117600"/>
-          </a:xfrm>
-        </p:spPr>
-        <p:txBody>
-          <a:bodyPr>
-            <a:normAutofit/>
-          </a:bodyPr>
-          <a:lstStyle/>
-          <a:p>
-            <a:r>
-              <a:rPr lang="en-US" dirty="0"/>
-              <a:t>Conclusion</a:t>
-            </a:r>
-          </a:p>
-        </p:txBody>
-      </p:sp>
-      <p:sp>
-        <p:nvSpPr>
-          <p:cNvPr id="6" name="Slide Number Placeholder 5">
-            <a:extLst>
-              <a:ext uri="{FF2B5EF4-FFF2-40B4-BE49-F238E27FC236}">
-                <a16:creationId xmlns:a16="http://schemas.microsoft.com/office/drawing/2014/main" id="{AC50CA00-99F7-3E44-A839-0402F441E9AA}"/>
-              </a:ext>
-            </a:extLst>
-          </p:cNvPr>
-          <p:cNvSpPr>
-            <a:spLocks noGrp="1"/>
-          </p:cNvSpPr>
-          <p:nvPr>
-            <p:ph type="sldNum" sz="quarter" idx="12"/>
-          </p:nvPr>
-        </p:nvSpPr>
-        <p:spPr/>
-        <p:txBody>
-          <a:bodyPr/>
-          <a:lstStyle/>
-          <a:p>
-            <a:fld id="{EB4FF9C4-EEBF-D24D-8A4E-C0B9CCE3F975}" type="slidenum">
-              <a:rPr lang="en-US" smtClean="0"/>
-              <a:pPr/>
-              <a:t>40</a:t>
-            </a:fld>
-            <a:endParaRPr lang="en-US" dirty="0"/>
-          </a:p>
-        </p:txBody>
-      </p:sp>
-      <p:sp>
-        <p:nvSpPr>
-          <p:cNvPr id="5" name="Footer Placeholder 4"/>
-          <p:cNvSpPr>
-            <a:spLocks noGrp="1"/>
-          </p:cNvSpPr>
-          <p:nvPr>
-            <p:ph type="ftr" sz="quarter" idx="3"/>
-          </p:nvPr>
-        </p:nvSpPr>
-        <p:spPr>
-          <a:xfrm>
-            <a:off x="2500132" y="4767263"/>
-            <a:ext cx="4676172" cy="273844"/>
-          </a:xfrm>
-          <a:prstGeom prst="rect">
-            <a:avLst/>
-          </a:prstGeom>
-        </p:spPr>
-        <p:txBody>
-          <a:bodyPr vert="horz" lIns="0" tIns="0" rIns="0" bIns="0" rtlCol="0" anchor="ctr"/>
-          <a:lstStyle>
-            <a:lvl1pPr algn="ctr">
-              <a:defRPr sz="800" b="1">
-                <a:solidFill>
-                  <a:schemeClr val="tx1"/>
-                </a:solidFill>
-              </a:defRPr>
-            </a:lvl1pPr>
-          </a:lstStyle>
-          <a:p>
-            <a:endParaRPr lang="en-US" dirty="0"/>
-          </a:p>
-        </p:txBody>
-      </p:sp>
-      <p:sp>
-        <p:nvSpPr>
-          <p:cNvPr id="7" name="Content Placeholder 2">
-            <a:extLst>
-              <a:ext uri="{FF2B5EF4-FFF2-40B4-BE49-F238E27FC236}">
-                <a16:creationId xmlns:a16="http://schemas.microsoft.com/office/drawing/2014/main" id="{A15DE486-B0FE-4D4E-A75D-A16E058945C6}"/>
-              </a:ext>
-            </a:extLst>
-          </p:cNvPr>
-          <p:cNvSpPr>
-            <a:spLocks noGrp="1"/>
-          </p:cNvSpPr>
-          <p:nvPr>
-            <p:ph idx="1"/>
-          </p:nvPr>
-        </p:nvSpPr>
-        <p:spPr>
-          <a:xfrm>
-            <a:off x="675021" y="1196505"/>
-            <a:ext cx="8115688" cy="3433156"/>
-          </a:xfrm>
-        </p:spPr>
-        <p:txBody>
-          <a:bodyPr>
-            <a:normAutofit/>
-          </a:bodyPr>
-          <a:lstStyle/>
-          <a:p>
-            <a:pPr marL="290513" indent="-285750"/>
-            <a:r>
-              <a:rPr lang="en-US" dirty="0"/>
-              <a:t>Dataset-JSON provides an efficient alternative to SAS Version 5 Transport files with full support for UTF-8</a:t>
-            </a:r>
-          </a:p>
-          <a:p>
-            <a:pPr marL="290513" indent="-285750"/>
-            <a:r>
-              <a:rPr lang="en-US" dirty="0"/>
-              <a:t>Dataset-JSON is good step towards a modern API-based communication protocol</a:t>
-            </a:r>
-          </a:p>
-          <a:p>
-            <a:pPr marL="290513" indent="-285750"/>
-            <a:r>
-              <a:rPr lang="en-US" dirty="0"/>
-              <a:t>SAS fully supports reading and writing Dataset-JSON files</a:t>
-            </a:r>
-          </a:p>
-          <a:p>
-            <a:pPr marL="290513" indent="-285750"/>
-            <a:endParaRPr lang="en-US" dirty="0"/>
-          </a:p>
-          <a:p>
-            <a:pPr marL="4763" indent="0">
-              <a:buNone/>
-            </a:pPr>
-            <a:endParaRPr lang="en-US" dirty="0"/>
-          </a:p>
-        </p:txBody>
-      </p:sp>
-    </p:spTree>
-    <p:extLst>
-      <p:ext uri="{BB962C8B-B14F-4D97-AF65-F5344CB8AC3E}">
-        <p14:creationId xmlns:p14="http://schemas.microsoft.com/office/powerpoint/2010/main" val="2671180757"/>
-      </p:ext>
-    </p:extLst>
-  </p:cSld>
-  <p:clrMapOvr>
-    <a:masterClrMapping/>
-  </p:clrMapOvr>
-</p:sld>
-</file>
-
-<file path=ppt/slides/slide41.xml><?xml version="1.0" encoding="utf-8"?>
-<p:sld xmlns:a="http://schemas.openxmlformats.org/drawingml/2006/main" xmlns:r="http://schemas.openxmlformats.org/officeDocument/2006/relationships" xmlns:p="http://schemas.openxmlformats.org/presentationml/2006/main">
-  <p:cSld>
-    <p:spTree>
-      <p:nvGrpSpPr>
-        <p:cNvPr id="1" name=""/>
-        <p:cNvGrpSpPr/>
-        <p:nvPr/>
-      </p:nvGrpSpPr>
-      <p:grpSpPr>
-        <a:xfrm>
-          <a:off x="0" y="0"/>
-          <a:ext cx="0" cy="0"/>
-          <a:chOff x="0" y="0"/>
-          <a:chExt cx="0" cy="0"/>
-        </a:xfrm>
-      </p:grpSpPr>
-      <p:pic>
-        <p:nvPicPr>
-          <p:cNvPr id="4" name="Picture 3">
-            <a:extLst>
-              <a:ext uri="{FF2B5EF4-FFF2-40B4-BE49-F238E27FC236}">
-                <a16:creationId xmlns:a16="http://schemas.microsoft.com/office/drawing/2014/main" id="{03313FB9-D0FF-4B62-A3CF-7403BBE4D124}"/>
-              </a:ext>
-            </a:extLst>
-          </p:cNvPr>
-          <p:cNvPicPr>
-            <a:picLocks noChangeAspect="1"/>
-          </p:cNvPicPr>
-          <p:nvPr/>
-        </p:nvPicPr>
-        <p:blipFill>
-          <a:blip r:embed="rId2"/>
-          <a:stretch>
-            <a:fillRect/>
-          </a:stretch>
-        </p:blipFill>
-        <p:spPr>
-          <a:xfrm>
-            <a:off x="825847" y="222090"/>
-            <a:ext cx="2587889" cy="1962150"/>
-          </a:xfrm>
-          <a:prstGeom prst="rect">
-            <a:avLst/>
-          </a:prstGeom>
-          <a:effectLst>
-            <a:outerShdw blurRad="50800" dist="38100" dir="2700000" algn="tl" rotWithShape="0">
-              <a:prstClr val="black">
-                <a:alpha val="40000"/>
-              </a:prstClr>
-            </a:outerShdw>
-          </a:effectLst>
-        </p:spPr>
-      </p:pic>
-      <p:sp>
-        <p:nvSpPr>
-          <p:cNvPr id="5" name="Content Placeholder 2">
-            <a:extLst>
-              <a:ext uri="{FF2B5EF4-FFF2-40B4-BE49-F238E27FC236}">
-                <a16:creationId xmlns:a16="http://schemas.microsoft.com/office/drawing/2014/main" id="{EC6BBA27-F5E3-45F6-A08C-DF4E33FE3CC6}"/>
-              </a:ext>
-            </a:extLst>
-          </p:cNvPr>
-          <p:cNvSpPr>
-            <a:spLocks noGrp="1"/>
-          </p:cNvSpPr>
-          <p:nvPr>
-            <p:ph idx="1"/>
-          </p:nvPr>
-        </p:nvSpPr>
-        <p:spPr>
-          <a:xfrm>
-            <a:off x="3817258" y="2198594"/>
-            <a:ext cx="5181599" cy="2600171"/>
-          </a:xfrm>
-        </p:spPr>
-        <p:txBody>
-          <a:bodyPr>
-            <a:noAutofit/>
-          </a:bodyPr>
-          <a:lstStyle/>
-          <a:p>
-            <a:pPr marL="290513" indent="-285750">
-              <a:lnSpc>
-                <a:spcPts val="2400"/>
-              </a:lnSpc>
-            </a:pPr>
-            <a:r>
-              <a:rPr lang="en-US" sz="1800" b="1" dirty="0"/>
-              <a:t>GitHub Repository</a:t>
-            </a:r>
-            <a:r>
-              <a:rPr lang="en-US" sz="1800" dirty="0"/>
-              <a:t>:</a:t>
-            </a:r>
-            <a:br>
-              <a:rPr lang="en-US" sz="1800" dirty="0"/>
-            </a:br>
-            <a:r>
-              <a:rPr lang="en-US" sz="1800" dirty="0">
-                <a:hlinkClick r:id="rId3"/>
-              </a:rPr>
-              <a:t>https://github.com/lexjansen/dataset-json-sas</a:t>
-            </a:r>
-            <a:endParaRPr lang="en-US" sz="1800" dirty="0"/>
-          </a:p>
-          <a:p>
-            <a:pPr marL="4763" indent="0">
-              <a:lnSpc>
-                <a:spcPts val="2400"/>
-              </a:lnSpc>
-              <a:buNone/>
-            </a:pPr>
-            <a:br>
-              <a:rPr lang="en-US" sz="1800" dirty="0"/>
-            </a:br>
-            <a:r>
-              <a:rPr lang="en-US" sz="1800" b="1" dirty="0"/>
-              <a:t>Email</a:t>
-            </a:r>
-            <a:r>
-              <a:rPr lang="en-US" sz="1800" dirty="0"/>
-              <a:t>:	</a:t>
-            </a:r>
-            <a:r>
-              <a:rPr lang="en-US" sz="1800" dirty="0">
-                <a:hlinkClick r:id="rId4"/>
-              </a:rPr>
-              <a:t>lexjansen@gmail.com</a:t>
-            </a:r>
-            <a:br>
-              <a:rPr lang="en-US" sz="1800" dirty="0"/>
-            </a:br>
-            <a:r>
-              <a:rPr lang="en-US" sz="1800" dirty="0"/>
-              <a:t>	</a:t>
-            </a:r>
-            <a:r>
-              <a:rPr lang="en-US" sz="1800" dirty="0">
-                <a:hlinkClick r:id="rId5"/>
-              </a:rPr>
-              <a:t>ljansen@cdisc.org</a:t>
-            </a:r>
-            <a:endParaRPr lang="en-US" sz="1800" dirty="0"/>
-          </a:p>
-          <a:p>
-            <a:pPr marL="4763" indent="0">
-              <a:lnSpc>
-                <a:spcPts val="2400"/>
-              </a:lnSpc>
-              <a:buNone/>
-            </a:pPr>
-            <a:r>
-              <a:rPr lang="en-US" sz="1800" b="1" dirty="0"/>
-              <a:t>Web</a:t>
-            </a:r>
-            <a:r>
-              <a:rPr lang="en-US" sz="1800" dirty="0"/>
-              <a:t>: 	</a:t>
-            </a:r>
-            <a:r>
-              <a:rPr lang="en-US" sz="1800" dirty="0">
-                <a:hlinkClick r:id="rId6"/>
-              </a:rPr>
-              <a:t>https:\\www.lexjansen.com</a:t>
-            </a:r>
-            <a:endParaRPr lang="en-US" sz="1800" dirty="0"/>
-          </a:p>
-          <a:p>
-            <a:pPr marL="4763">
-              <a:lnSpc>
-                <a:spcPts val="2400"/>
-              </a:lnSpc>
-            </a:pPr>
-            <a:r>
-              <a:rPr lang="en-US" sz="1800" b="1" dirty="0"/>
-              <a:t>LinkedIn</a:t>
-            </a:r>
-            <a:r>
-              <a:rPr lang="en-US" sz="1800" dirty="0"/>
-              <a:t>: </a:t>
-            </a:r>
-            <a:r>
-              <a:rPr lang="en-US" sz="1800" dirty="0">
-                <a:hlinkClick r:id="rId7"/>
-              </a:rPr>
-              <a:t>https://www.linkedin.com/in/lexjansen/</a:t>
-            </a:r>
-            <a:endParaRPr lang="en-US" sz="1800" dirty="0"/>
-          </a:p>
-          <a:p>
-            <a:pPr marL="4763" indent="0">
-              <a:lnSpc>
-                <a:spcPts val="2400"/>
-              </a:lnSpc>
-              <a:buNone/>
-            </a:pPr>
-            <a:br>
-              <a:rPr lang="en-US" sz="1800" dirty="0"/>
-            </a:br>
-            <a:br>
-              <a:rPr lang="en-US" sz="1800" dirty="0"/>
-            </a:br>
-            <a:endParaRPr lang="en-US" dirty="0"/>
-          </a:p>
-        </p:txBody>
-      </p:sp>
-    </p:spTree>
-    <p:extLst>
-      <p:ext uri="{BB962C8B-B14F-4D97-AF65-F5344CB8AC3E}">
-        <p14:creationId xmlns:p14="http://schemas.microsoft.com/office/powerpoint/2010/main" val="83496409"/>
       </p:ext>
     </p:extLst>
   </p:cSld>
@@ -23974,112 +22303,51 @@
           <a:p>
             <a:pPr marL="290513" indent="-285750"/>
             <a:r>
-              <a:rPr lang="en-US" b="1" i="0" dirty="0">
-                <a:solidFill>
-                  <a:srgbClr val="172B4D"/>
-                </a:solidFill>
-                <a:effectLst/>
-                <a:latin typeface="-apple-system"/>
-              </a:rPr>
+              <a:rPr lang="en-US" b="1" dirty="0"/>
               <a:t>items</a:t>
             </a:r>
             <a:r>
-              <a:rPr lang="en-US" b="0" i="0" dirty="0">
-                <a:solidFill>
-                  <a:srgbClr val="172B4D"/>
-                </a:solidFill>
-                <a:effectLst/>
-                <a:latin typeface="-apple-system"/>
-              </a:rPr>
+              <a:rPr lang="en-US" dirty="0"/>
               <a:t> - array of basic information about dataset variables. </a:t>
             </a:r>
           </a:p>
           <a:p>
             <a:pPr marL="290513" indent="-285750"/>
             <a:r>
-              <a:rPr lang="en-US" b="0" i="0" dirty="0">
-                <a:solidFill>
-                  <a:srgbClr val="172B4D"/>
-                </a:solidFill>
-                <a:effectLst/>
-                <a:latin typeface="-apple-system"/>
-              </a:rPr>
+              <a:rPr lang="en-US" dirty="0"/>
               <a:t>The </a:t>
             </a:r>
             <a:r>
-              <a:rPr lang="en-US" b="1" i="0" dirty="0">
-                <a:solidFill>
-                  <a:srgbClr val="172B4D"/>
-                </a:solidFill>
-                <a:effectLst/>
-                <a:latin typeface="-apple-system"/>
-              </a:rPr>
+              <a:rPr lang="en-US" b="1" dirty="0"/>
               <a:t>order of elements </a:t>
             </a:r>
             <a:r>
-              <a:rPr lang="en-US" b="0" i="0" dirty="0">
-                <a:solidFill>
-                  <a:srgbClr val="172B4D"/>
-                </a:solidFill>
-                <a:effectLst/>
-                <a:latin typeface="-apple-system"/>
-              </a:rPr>
+              <a:rPr lang="en-US" dirty="0"/>
               <a:t>in the array must be the same as the </a:t>
             </a:r>
             <a:r>
-              <a:rPr lang="en-US" b="1" i="0" dirty="0">
-                <a:solidFill>
-                  <a:srgbClr val="172B4D"/>
-                </a:solidFill>
-                <a:effectLst/>
-                <a:latin typeface="-apple-system"/>
-              </a:rPr>
+              <a:rPr lang="en-US" b="1" dirty="0"/>
               <a:t>order of variables </a:t>
             </a:r>
             <a:r>
-              <a:rPr lang="en-US" b="0" i="0" dirty="0">
-                <a:solidFill>
-                  <a:srgbClr val="172B4D"/>
-                </a:solidFill>
-                <a:effectLst/>
-                <a:latin typeface="-apple-system"/>
-              </a:rPr>
+              <a:rPr lang="en-US" dirty="0"/>
               <a:t>in the described dataset. </a:t>
             </a:r>
           </a:p>
           <a:p>
             <a:pPr marL="290513" indent="-285750"/>
             <a:r>
-              <a:rPr lang="en-US" b="0" i="0" dirty="0">
-                <a:solidFill>
-                  <a:srgbClr val="172B4D"/>
-                </a:solidFill>
-                <a:effectLst/>
-                <a:latin typeface="-apple-system"/>
-              </a:rPr>
+              <a:rPr lang="en-US" dirty="0"/>
               <a:t>The first element always describes the Record Identifier (</a:t>
             </a:r>
             <a:r>
-              <a:rPr lang="en-US" b="1" i="0" dirty="0">
-                <a:solidFill>
-                  <a:srgbClr val="172B4D"/>
-                </a:solidFill>
-                <a:effectLst/>
-                <a:latin typeface="-apple-system"/>
-              </a:rPr>
+              <a:rPr lang="en-US" b="1" dirty="0"/>
               <a:t>ITEMGROUPDATASEQ</a:t>
             </a:r>
             <a:r>
-              <a:rPr lang="en-US" b="0" i="0" dirty="0">
-                <a:solidFill>
-                  <a:srgbClr val="172B4D"/>
-                </a:solidFill>
-                <a:effectLst/>
-                <a:latin typeface="-apple-system"/>
-              </a:rPr>
+              <a:rPr lang="en-US" dirty="0"/>
               <a:t>)</a:t>
             </a:r>
-            <a:endParaRPr lang="en-US" dirty="0"/>
           </a:p>
         </p:txBody>
       </p:sp>

--- a/doc/CDISC_COSA_webinar_20231005_dataset-json_SAS.pptx
+++ b/doc/CDISC_COSA_webinar_20231005_dataset-json_SAS.pptx
@@ -243,7 +243,7 @@
           <a:p>
             <a:fld id="{19EE1A3E-C737-584E-86B0-F484DE311626}" type="datetimeFigureOut">
               <a:rPr lang="en-US" smtClean="0"/>
-              <a:t>2023-10-04</a:t>
+              <a:t>2023-10-05</a:t>
             </a:fld>
             <a:endParaRPr lang="en-US" dirty="0"/>
           </a:p>
@@ -4087,7 +4087,7 @@
             <a:fld id="{A39D7527-A277-E24D-9A56-20081ADC979C}" type="datetime1">
               <a:rPr lang="en-US" smtClean="0"/>
               <a:pPr/>
-              <a:t>2023-10-04</a:t>
+              <a:t>2023-10-05</a:t>
             </a:fld>
             <a:endParaRPr lang="en-US" dirty="0"/>
           </a:p>
@@ -4630,36 +4630,6 @@
       </p:sp>
       <p:pic>
         <p:nvPicPr>
-          <p:cNvPr id="2" name="Picture 1" descr="A person taking a selfie&#10;&#10;Description automatically generated">
-            <a:extLst>
-              <a:ext uri="{FF2B5EF4-FFF2-40B4-BE49-F238E27FC236}">
-                <a16:creationId xmlns:a16="http://schemas.microsoft.com/office/drawing/2014/main" id="{335E0540-12B7-FF17-F46B-935AB4249C43}"/>
-              </a:ext>
-            </a:extLst>
-          </p:cNvPr>
-          <p:cNvPicPr>
-            <a:picLocks noChangeAspect="1"/>
-          </p:cNvPicPr>
-          <p:nvPr/>
-        </p:nvPicPr>
-        <p:blipFill>
-          <a:blip r:embed="rId2"/>
-          <a:stretch>
-            <a:fillRect/>
-          </a:stretch>
-        </p:blipFill>
-        <p:spPr>
-          <a:xfrm>
-            <a:off x="8155300" y="2057415"/>
-            <a:ext cx="916492" cy="1359580"/>
-          </a:xfrm>
-          <a:prstGeom prst="rect">
-            <a:avLst/>
-          </a:prstGeom>
-        </p:spPr>
-      </p:pic>
-      <p:pic>
-        <p:nvPicPr>
           <p:cNvPr id="4" name="Picture 3">
             <a:extLst>
               <a:ext uri="{FF2B5EF4-FFF2-40B4-BE49-F238E27FC236}">
@@ -4673,7 +4643,7 @@
           <p:nvPr/>
         </p:nvPicPr>
         <p:blipFill>
-          <a:blip r:embed="rId3"/>
+          <a:blip r:embed="rId2"/>
           <a:stretch>
             <a:fillRect/>
           </a:stretch>
@@ -12958,8 +12928,8 @@
         </p:nvSpPr>
         <p:spPr>
           <a:xfrm>
-            <a:off x="4998864" y="843507"/>
-            <a:ext cx="4110467" cy="3829180"/>
+            <a:off x="4769894" y="1111251"/>
+            <a:ext cx="4339438" cy="3561436"/>
           </a:xfrm>
           <a:prstGeom prst="rect">
             <a:avLst/>
@@ -13134,398 +13104,1057 @@
             </a:lvl9pPr>
           </a:lstStyle>
           <a:p>
+            <a:r>
+              <a:rPr lang="en-US" sz="1100" dirty="0">
+                <a:solidFill>
+                  <a:srgbClr val="008000"/>
+                </a:solidFill>
+                <a:latin typeface="Consolas" panose="020B0609020204030204" pitchFamily="49" charset="0"/>
+                <a:cs typeface="Courier New" panose="02070309020205020404" pitchFamily="49" charset="0"/>
+              </a:rPr>
+              <a:t>/* Create metadata from Define-XML for ADaM */</a:t>
+            </a:r>
+            <a:br>
+              <a:rPr lang="en-US" sz="1100" dirty="0">
+                <a:solidFill>
+                  <a:srgbClr val="008000"/>
+                </a:solidFill>
+                <a:latin typeface="Consolas" panose="020B0609020204030204" pitchFamily="49" charset="0"/>
+                <a:cs typeface="Courier New" panose="02070309020205020404" pitchFamily="49" charset="0"/>
+              </a:rPr>
+            </a:br>
+            <a:r>
+              <a:rPr lang="en-US" sz="1100" dirty="0">
+                <a:solidFill>
+                  <a:srgbClr val="000000"/>
+                </a:solidFill>
+                <a:latin typeface="Consolas" panose="020B0609020204030204" pitchFamily="49" charset="0"/>
+                <a:cs typeface="Courier New" panose="02070309020205020404" pitchFamily="49" charset="0"/>
+              </a:rPr>
+              <a:t>%</a:t>
+            </a:r>
+            <a:r>
+              <a:rPr lang="en-US" sz="1100" b="1" i="1" dirty="0">
+                <a:solidFill>
+                  <a:srgbClr val="000000"/>
+                </a:solidFill>
+                <a:latin typeface="Consolas" panose="020B0609020204030204" pitchFamily="49" charset="0"/>
+                <a:cs typeface="Courier New" panose="02070309020205020404" pitchFamily="49" charset="0"/>
+              </a:rPr>
+              <a:t>CreateMetadataFromDefineXML</a:t>
+            </a:r>
+            <a:r>
+              <a:rPr lang="en-US" sz="1100" b="0" i="0" dirty="0">
+                <a:solidFill>
+                  <a:srgbClr val="000000"/>
+                </a:solidFill>
+                <a:latin typeface="Consolas" panose="020B0609020204030204" pitchFamily="49" charset="0"/>
+                <a:cs typeface="Courier New" panose="02070309020205020404" pitchFamily="49" charset="0"/>
+              </a:rPr>
+              <a:t>(</a:t>
+            </a:r>
+            <a:br>
+              <a:rPr lang="en-US" sz="1100" b="0" i="0" dirty="0">
+                <a:solidFill>
+                  <a:srgbClr val="000000"/>
+                </a:solidFill>
+                <a:latin typeface="Consolas" panose="020B0609020204030204" pitchFamily="49" charset="0"/>
+                <a:cs typeface="Courier New" panose="02070309020205020404" pitchFamily="49" charset="0"/>
+              </a:rPr>
+            </a:br>
+            <a:r>
+              <a:rPr lang="en-US" sz="1100" b="0" i="0" dirty="0">
+                <a:solidFill>
+                  <a:srgbClr val="000000"/>
+                </a:solidFill>
+                <a:latin typeface="Consolas" panose="020B0609020204030204" pitchFamily="49" charset="0"/>
+                <a:cs typeface="Courier New" panose="02070309020205020404" pitchFamily="49" charset="0"/>
+              </a:rPr>
+              <a:t>   definexml=&amp;root/json/adam/define.xml, </a:t>
+            </a:r>
+            <a:br>
+              <a:rPr lang="en-US" sz="1100" b="0" i="0" dirty="0">
+                <a:solidFill>
+                  <a:srgbClr val="000000"/>
+                </a:solidFill>
+                <a:latin typeface="Consolas" panose="020B0609020204030204" pitchFamily="49" charset="0"/>
+                <a:cs typeface="Courier New" panose="02070309020205020404" pitchFamily="49" charset="0"/>
+              </a:rPr>
+            </a:br>
+            <a:r>
+              <a:rPr lang="en-US" sz="1100" b="0" i="0" dirty="0">
+                <a:solidFill>
+                  <a:srgbClr val="000000"/>
+                </a:solidFill>
+                <a:latin typeface="Consolas" panose="020B0609020204030204" pitchFamily="49" charset="0"/>
+                <a:cs typeface="Courier New" panose="02070309020205020404" pitchFamily="49" charset="0"/>
+              </a:rPr>
+              <a:t>   metadatalib=metaadam</a:t>
+            </a:r>
+            <a:br>
+              <a:rPr lang="en-US" sz="1100" b="0" i="0" dirty="0">
+                <a:solidFill>
+                  <a:srgbClr val="000000"/>
+                </a:solidFill>
+                <a:latin typeface="Consolas" panose="020B0609020204030204" pitchFamily="49" charset="0"/>
+                <a:cs typeface="Courier New" panose="02070309020205020404" pitchFamily="49" charset="0"/>
+              </a:rPr>
+            </a:br>
+            <a:r>
+              <a:rPr lang="en-US" sz="1100" b="0" i="0" dirty="0">
+                <a:solidFill>
+                  <a:srgbClr val="000000"/>
+                </a:solidFill>
+                <a:latin typeface="Consolas" panose="020B0609020204030204" pitchFamily="49" charset="0"/>
+                <a:cs typeface="Courier New" panose="02070309020205020404" pitchFamily="49" charset="0"/>
+              </a:rPr>
+              <a:t>   );</a:t>
+            </a:r>
+            <a:br>
+              <a:rPr lang="en-US" sz="1100" b="0" i="0" dirty="0">
+                <a:solidFill>
+                  <a:srgbClr val="000000"/>
+                </a:solidFill>
+                <a:latin typeface="Consolas" panose="020B0609020204030204" pitchFamily="49" charset="0"/>
+                <a:cs typeface="Courier New" panose="02070309020205020404" pitchFamily="49" charset="0"/>
+              </a:rPr>
+            </a:br>
+            <a:br>
+              <a:rPr lang="en-US" sz="1100" b="0" i="0" dirty="0">
+                <a:solidFill>
+                  <a:srgbClr val="000000"/>
+                </a:solidFill>
+                <a:latin typeface="Consolas" panose="020B0609020204030204" pitchFamily="49" charset="0"/>
+                <a:cs typeface="Courier New" panose="02070309020205020404" pitchFamily="49" charset="0"/>
+              </a:rPr>
+            </a:br>
+            <a:r>
+              <a:rPr lang="en-US" sz="1100" b="0" i="0" dirty="0">
+                <a:solidFill>
+                  <a:srgbClr val="008000"/>
+                </a:solidFill>
+                <a:latin typeface="Consolas" panose="020B0609020204030204" pitchFamily="49" charset="0"/>
+                <a:cs typeface="Courier New" panose="02070309020205020404" pitchFamily="49" charset="0"/>
+              </a:rPr>
+              <a:t>/* Create metadata from Define-XML for SDTM */</a:t>
+            </a:r>
+            <a:br>
+              <a:rPr lang="en-US" sz="1100" b="0" i="0" dirty="0">
+                <a:solidFill>
+                  <a:srgbClr val="008000"/>
+                </a:solidFill>
+                <a:latin typeface="Consolas" panose="020B0609020204030204" pitchFamily="49" charset="0"/>
+                <a:cs typeface="Courier New" panose="02070309020205020404" pitchFamily="49" charset="0"/>
+              </a:rPr>
+            </a:br>
+            <a:r>
+              <a:rPr lang="en-US" sz="1100" b="0" i="0" dirty="0">
+                <a:solidFill>
+                  <a:srgbClr val="000000"/>
+                </a:solidFill>
+                <a:latin typeface="Consolas" panose="020B0609020204030204" pitchFamily="49" charset="0"/>
+                <a:cs typeface="Courier New" panose="02070309020205020404" pitchFamily="49" charset="0"/>
+              </a:rPr>
+              <a:t>%</a:t>
+            </a:r>
+            <a:r>
+              <a:rPr lang="en-US" sz="1100" b="1" i="1" dirty="0">
+                <a:solidFill>
+                  <a:srgbClr val="000000"/>
+                </a:solidFill>
+                <a:latin typeface="Consolas" panose="020B0609020204030204" pitchFamily="49" charset="0"/>
+                <a:cs typeface="Courier New" panose="02070309020205020404" pitchFamily="49" charset="0"/>
+              </a:rPr>
+              <a:t>CreateMetadataFromDefineXML</a:t>
+            </a:r>
+            <a:r>
+              <a:rPr lang="en-US" sz="1100" b="0" i="0" dirty="0">
+                <a:solidFill>
+                  <a:srgbClr val="000000"/>
+                </a:solidFill>
+                <a:latin typeface="Consolas" panose="020B0609020204030204" pitchFamily="49" charset="0"/>
+                <a:cs typeface="Courier New" panose="02070309020205020404" pitchFamily="49" charset="0"/>
+              </a:rPr>
+              <a:t>(</a:t>
+            </a:r>
+            <a:br>
+              <a:rPr lang="en-US" sz="1100" b="0" i="0" dirty="0">
+                <a:solidFill>
+                  <a:srgbClr val="000000"/>
+                </a:solidFill>
+                <a:latin typeface="Consolas" panose="020B0609020204030204" pitchFamily="49" charset="0"/>
+                <a:cs typeface="Courier New" panose="02070309020205020404" pitchFamily="49" charset="0"/>
+              </a:rPr>
+            </a:br>
+            <a:r>
+              <a:rPr lang="en-US" sz="1100" b="0" i="0" dirty="0">
+                <a:solidFill>
+                  <a:srgbClr val="000000"/>
+                </a:solidFill>
+                <a:latin typeface="Consolas" panose="020B0609020204030204" pitchFamily="49" charset="0"/>
+                <a:cs typeface="Courier New" panose="02070309020205020404" pitchFamily="49" charset="0"/>
+              </a:rPr>
+              <a:t>   definexml=&amp;root/json/sdtm/define.xml, </a:t>
+            </a:r>
+            <a:br>
+              <a:rPr lang="en-US" sz="1100" b="0" i="0" dirty="0">
+                <a:solidFill>
+                  <a:srgbClr val="000000"/>
+                </a:solidFill>
+                <a:latin typeface="Consolas" panose="020B0609020204030204" pitchFamily="49" charset="0"/>
+                <a:cs typeface="Courier New" panose="02070309020205020404" pitchFamily="49" charset="0"/>
+              </a:rPr>
+            </a:br>
+            <a:r>
+              <a:rPr lang="en-US" sz="1100" b="0" i="0" dirty="0">
+                <a:solidFill>
+                  <a:srgbClr val="000000"/>
+                </a:solidFill>
+                <a:latin typeface="Consolas" panose="020B0609020204030204" pitchFamily="49" charset="0"/>
+                <a:cs typeface="Courier New" panose="02070309020205020404" pitchFamily="49" charset="0"/>
+              </a:rPr>
+              <a:t>   metadatalib=metasdtm</a:t>
+            </a:r>
+            <a:br>
+              <a:rPr lang="en-US" sz="1100" b="0" i="0" dirty="0">
+                <a:solidFill>
+                  <a:srgbClr val="000000"/>
+                </a:solidFill>
+                <a:latin typeface="Consolas" panose="020B0609020204030204" pitchFamily="49" charset="0"/>
+                <a:cs typeface="Courier New" panose="02070309020205020404" pitchFamily="49" charset="0"/>
+              </a:rPr>
+            </a:br>
+            <a:r>
+              <a:rPr lang="en-US" sz="1100" b="0" i="0" dirty="0">
+                <a:solidFill>
+                  <a:srgbClr val="000000"/>
+                </a:solidFill>
+                <a:latin typeface="Consolas" panose="020B0609020204030204" pitchFamily="49" charset="0"/>
+                <a:cs typeface="Courier New" panose="02070309020205020404" pitchFamily="49" charset="0"/>
+              </a:rPr>
+              <a:t>   );</a:t>
+            </a:r>
+            <a:br>
+              <a:rPr lang="en-US" sz="1100" b="0" i="0" dirty="0">
+                <a:solidFill>
+                  <a:srgbClr val="000000"/>
+                </a:solidFill>
+                <a:latin typeface="Consolas" panose="020B0609020204030204" pitchFamily="49" charset="0"/>
+                <a:cs typeface="Courier New" panose="02070309020205020404" pitchFamily="49" charset="0"/>
+              </a:rPr>
+            </a:br>
+            <a:br>
+              <a:rPr lang="en-US" sz="1100" b="0" i="0" dirty="0">
+                <a:solidFill>
+                  <a:srgbClr val="000000"/>
+                </a:solidFill>
+                <a:latin typeface="Consolas" panose="020B0609020204030204" pitchFamily="49" charset="0"/>
+                <a:cs typeface="Courier New" panose="02070309020205020404" pitchFamily="49" charset="0"/>
+              </a:rPr>
+            </a:br>
+            <a:r>
+              <a:rPr lang="en-US" sz="1100" dirty="0">
+                <a:solidFill>
+                  <a:srgbClr val="008000"/>
+                </a:solidFill>
+                <a:latin typeface="Consolas" panose="020B0609020204030204" pitchFamily="49" charset="0"/>
+              </a:rPr>
+              <a:t>/* Some manual data type updates */</a:t>
+            </a:r>
+            <a:br>
+              <a:rPr lang="en-US" sz="1100" dirty="0">
+                <a:solidFill>
+                  <a:srgbClr val="008000"/>
+                </a:solidFill>
+                <a:latin typeface="Consolas" panose="020B0609020204030204" pitchFamily="49" charset="0"/>
+              </a:rPr>
+            </a:br>
+            <a:r>
+              <a:rPr lang="en-US" sz="1100" b="1" dirty="0">
+                <a:solidFill>
+                  <a:srgbClr val="000080"/>
+                </a:solidFill>
+                <a:latin typeface="Consolas" panose="020B0609020204030204" pitchFamily="49" charset="0"/>
+              </a:rPr>
+              <a:t>data</a:t>
+            </a:r>
+            <a:r>
+              <a:rPr lang="en-US" sz="1100" b="0" dirty="0">
+                <a:solidFill>
+                  <a:srgbClr val="000000"/>
+                </a:solidFill>
+                <a:latin typeface="Consolas" panose="020B0609020204030204" pitchFamily="49" charset="0"/>
+              </a:rPr>
+              <a:t> metasdtm.metadata_columns;</a:t>
+            </a:r>
+            <a:br>
+              <a:rPr lang="en-US" sz="1100" b="0" dirty="0">
+                <a:solidFill>
+                  <a:srgbClr val="000000"/>
+                </a:solidFill>
+                <a:latin typeface="Consolas" panose="020B0609020204030204" pitchFamily="49" charset="0"/>
+              </a:rPr>
+            </a:br>
+            <a:r>
+              <a:rPr lang="en-US" sz="1100" b="0" dirty="0">
+                <a:solidFill>
+                  <a:srgbClr val="000000"/>
+                </a:solidFill>
+                <a:latin typeface="Consolas" panose="020B0609020204030204" pitchFamily="49" charset="0"/>
+              </a:rPr>
+              <a:t>  </a:t>
+            </a:r>
+            <a:r>
+              <a:rPr lang="en-US" sz="1100" b="0" dirty="0">
+                <a:solidFill>
+                  <a:srgbClr val="0000FF"/>
+                </a:solidFill>
+                <a:latin typeface="Consolas" panose="020B0609020204030204" pitchFamily="49" charset="0"/>
+              </a:rPr>
+              <a:t>set</a:t>
+            </a:r>
+            <a:r>
+              <a:rPr lang="en-US" sz="1100" b="0" dirty="0">
+                <a:solidFill>
+                  <a:srgbClr val="000000"/>
+                </a:solidFill>
+                <a:latin typeface="Consolas" panose="020B0609020204030204" pitchFamily="49" charset="0"/>
+              </a:rPr>
+              <a:t> metasdtm.metadata_columns;</a:t>
+            </a:r>
+            <a:br>
+              <a:rPr lang="en-US" sz="1100" b="0" dirty="0">
+                <a:solidFill>
+                  <a:srgbClr val="000000"/>
+                </a:solidFill>
+                <a:latin typeface="Consolas" panose="020B0609020204030204" pitchFamily="49" charset="0"/>
+              </a:rPr>
+            </a:br>
+            <a:r>
+              <a:rPr lang="en-US" sz="1100" b="0" dirty="0">
+                <a:solidFill>
+                  <a:srgbClr val="000000"/>
+                </a:solidFill>
+                <a:latin typeface="Consolas" panose="020B0609020204030204" pitchFamily="49" charset="0"/>
+              </a:rPr>
+              <a:t>  </a:t>
+            </a:r>
+            <a:r>
+              <a:rPr lang="en-US" sz="1100" b="0" dirty="0">
+                <a:solidFill>
+                  <a:srgbClr val="0000FF"/>
+                </a:solidFill>
+                <a:latin typeface="Consolas" panose="020B0609020204030204" pitchFamily="49" charset="0"/>
+              </a:rPr>
+              <a:t>if</a:t>
+            </a:r>
+            <a:r>
+              <a:rPr lang="en-US" sz="1100" b="0" dirty="0">
+                <a:solidFill>
+                  <a:srgbClr val="000000"/>
+                </a:solidFill>
+                <a:latin typeface="Consolas" panose="020B0609020204030204" pitchFamily="49" charset="0"/>
+              </a:rPr>
+              <a:t> missing(length) </a:t>
+            </a:r>
+            <a:r>
+              <a:rPr lang="en-US" sz="1100" b="0" dirty="0">
+                <a:solidFill>
+                  <a:srgbClr val="0000FF"/>
+                </a:solidFill>
+                <a:latin typeface="Consolas" panose="020B0609020204030204" pitchFamily="49" charset="0"/>
+              </a:rPr>
+              <a:t>then</a:t>
+            </a:r>
+            <a:r>
+              <a:rPr lang="en-US" sz="1100" b="0" dirty="0">
+                <a:solidFill>
+                  <a:srgbClr val="000000"/>
+                </a:solidFill>
+                <a:latin typeface="Consolas" panose="020B0609020204030204" pitchFamily="49" charset="0"/>
+              </a:rPr>
+              <a:t> </a:t>
+            </a:r>
+            <a:r>
+              <a:rPr lang="en-US" sz="1100" b="0" dirty="0">
+                <a:solidFill>
+                  <a:srgbClr val="0000FF"/>
+                </a:solidFill>
+                <a:latin typeface="Consolas" panose="020B0609020204030204" pitchFamily="49" charset="0"/>
+              </a:rPr>
+              <a:t>do</a:t>
+            </a:r>
+            <a:r>
+              <a:rPr lang="en-US" sz="1100" b="0" dirty="0">
+                <a:solidFill>
+                  <a:srgbClr val="000000"/>
+                </a:solidFill>
+                <a:latin typeface="Consolas" panose="020B0609020204030204" pitchFamily="49" charset="0"/>
+              </a:rPr>
+              <a:t>;</a:t>
+            </a:r>
+            <a:br>
+              <a:rPr lang="en-US" sz="1100" b="0" dirty="0">
+                <a:solidFill>
+                  <a:srgbClr val="000000"/>
+                </a:solidFill>
+                <a:latin typeface="Consolas" panose="020B0609020204030204" pitchFamily="49" charset="0"/>
+              </a:rPr>
+            </a:br>
+            <a:r>
+              <a:rPr lang="en-US" sz="1100" b="0" dirty="0">
+                <a:solidFill>
+                  <a:srgbClr val="000000"/>
+                </a:solidFill>
+                <a:latin typeface="Consolas" panose="020B0609020204030204" pitchFamily="49" charset="0"/>
+              </a:rPr>
+              <a:t>    </a:t>
+            </a:r>
+            <a:r>
+              <a:rPr lang="en-US" sz="1100" b="0" dirty="0">
+                <a:solidFill>
+                  <a:srgbClr val="0000FF"/>
+                </a:solidFill>
+                <a:latin typeface="Consolas" panose="020B0609020204030204" pitchFamily="49" charset="0"/>
+              </a:rPr>
+              <a:t>if</a:t>
+            </a:r>
+            <a:r>
+              <a:rPr lang="en-US" sz="1100" b="0" dirty="0">
+                <a:solidFill>
+                  <a:srgbClr val="000000"/>
+                </a:solidFill>
+                <a:latin typeface="Consolas" panose="020B0609020204030204" pitchFamily="49" charset="0"/>
+              </a:rPr>
+              <a:t> </a:t>
+            </a:r>
+            <a:r>
+              <a:rPr lang="en-US" sz="1100" b="0" dirty="0" err="1">
+                <a:solidFill>
+                  <a:srgbClr val="000000"/>
+                </a:solidFill>
+                <a:latin typeface="Consolas" panose="020B0609020204030204" pitchFamily="49" charset="0"/>
+              </a:rPr>
+              <a:t>xml_datatype</a:t>
+            </a:r>
+            <a:r>
+              <a:rPr lang="en-US" sz="1100" b="0" dirty="0">
+                <a:solidFill>
+                  <a:srgbClr val="000000"/>
+                </a:solidFill>
+                <a:latin typeface="Consolas" panose="020B0609020204030204" pitchFamily="49" charset="0"/>
+              </a:rPr>
+              <a:t>=</a:t>
+            </a:r>
+            <a:r>
+              <a:rPr lang="en-US" sz="1100" b="0" dirty="0">
+                <a:solidFill>
+                  <a:srgbClr val="800080"/>
+                </a:solidFill>
+                <a:latin typeface="Consolas" panose="020B0609020204030204" pitchFamily="49" charset="0"/>
+              </a:rPr>
+              <a:t>"date"</a:t>
+            </a:r>
+            <a:r>
+              <a:rPr lang="en-US" sz="1100" b="0" dirty="0">
+                <a:solidFill>
+                  <a:srgbClr val="000000"/>
+                </a:solidFill>
+                <a:latin typeface="Consolas" panose="020B0609020204030204" pitchFamily="49" charset="0"/>
+              </a:rPr>
+              <a:t> </a:t>
+            </a:r>
+            <a:r>
+              <a:rPr lang="en-US" sz="1100" b="0" dirty="0">
+                <a:solidFill>
+                  <a:srgbClr val="0000FF"/>
+                </a:solidFill>
+                <a:latin typeface="Consolas" panose="020B0609020204030204" pitchFamily="49" charset="0"/>
+              </a:rPr>
+              <a:t>then</a:t>
+            </a:r>
+            <a:r>
+              <a:rPr lang="en-US" sz="1100" b="0" dirty="0">
+                <a:solidFill>
+                  <a:srgbClr val="000000"/>
+                </a:solidFill>
+                <a:latin typeface="Consolas" panose="020B0609020204030204" pitchFamily="49" charset="0"/>
+              </a:rPr>
+              <a:t> length=</a:t>
+            </a:r>
+            <a:r>
+              <a:rPr lang="en-US" sz="1100" b="1" dirty="0">
+                <a:solidFill>
+                  <a:srgbClr val="008080"/>
+                </a:solidFill>
+                <a:latin typeface="Consolas" panose="020B0609020204030204" pitchFamily="49" charset="0"/>
+              </a:rPr>
+              <a:t>10</a:t>
+            </a:r>
+            <a:r>
+              <a:rPr lang="en-US" sz="1100" b="0" dirty="0">
+                <a:solidFill>
+                  <a:srgbClr val="000000"/>
+                </a:solidFill>
+                <a:latin typeface="Consolas" panose="020B0609020204030204" pitchFamily="49" charset="0"/>
+              </a:rPr>
+              <a:t>;</a:t>
+            </a:r>
+            <a:br>
+              <a:rPr lang="en-US" sz="1100" b="0" dirty="0">
+                <a:solidFill>
+                  <a:srgbClr val="000000"/>
+                </a:solidFill>
+                <a:latin typeface="Consolas" panose="020B0609020204030204" pitchFamily="49" charset="0"/>
+              </a:rPr>
+            </a:br>
+            <a:r>
+              <a:rPr lang="en-US" sz="1100" b="0" dirty="0">
+                <a:solidFill>
+                  <a:srgbClr val="000000"/>
+                </a:solidFill>
+                <a:latin typeface="Consolas" panose="020B0609020204030204" pitchFamily="49" charset="0"/>
+              </a:rPr>
+              <a:t>    </a:t>
+            </a:r>
+            <a:r>
+              <a:rPr lang="en-US" sz="1100" b="0" dirty="0">
+                <a:solidFill>
+                  <a:srgbClr val="0000FF"/>
+                </a:solidFill>
+                <a:latin typeface="Consolas" panose="020B0609020204030204" pitchFamily="49" charset="0"/>
+              </a:rPr>
+              <a:t>if</a:t>
+            </a:r>
+            <a:r>
+              <a:rPr lang="en-US" sz="1100" b="0" dirty="0">
+                <a:solidFill>
+                  <a:srgbClr val="000000"/>
+                </a:solidFill>
+                <a:latin typeface="Consolas" panose="020B0609020204030204" pitchFamily="49" charset="0"/>
+              </a:rPr>
+              <a:t> </a:t>
+            </a:r>
+            <a:r>
+              <a:rPr lang="en-US" sz="1100" b="0" dirty="0" err="1">
+                <a:solidFill>
+                  <a:srgbClr val="000000"/>
+                </a:solidFill>
+                <a:latin typeface="Consolas" panose="020B0609020204030204" pitchFamily="49" charset="0"/>
+              </a:rPr>
+              <a:t>xml_datatype</a:t>
+            </a:r>
+            <a:r>
+              <a:rPr lang="en-US" sz="1100" b="0" dirty="0">
+                <a:solidFill>
+                  <a:srgbClr val="000000"/>
+                </a:solidFill>
+                <a:latin typeface="Consolas" panose="020B0609020204030204" pitchFamily="49" charset="0"/>
+              </a:rPr>
+              <a:t>=</a:t>
+            </a:r>
+            <a:r>
+              <a:rPr lang="en-US" sz="1100" b="0" dirty="0">
+                <a:solidFill>
+                  <a:srgbClr val="800080"/>
+                </a:solidFill>
+                <a:latin typeface="Consolas" panose="020B0609020204030204" pitchFamily="49" charset="0"/>
+              </a:rPr>
+              <a:t>"</a:t>
+            </a:r>
+            <a:r>
+              <a:rPr lang="en-US" sz="1100" b="0" dirty="0" err="1">
+                <a:solidFill>
+                  <a:srgbClr val="800080"/>
+                </a:solidFill>
+                <a:latin typeface="Consolas" panose="020B0609020204030204" pitchFamily="49" charset="0"/>
+              </a:rPr>
+              <a:t>partialDate</a:t>
+            </a:r>
+            <a:r>
+              <a:rPr lang="en-US" sz="1100" b="0" dirty="0">
+                <a:solidFill>
+                  <a:srgbClr val="800080"/>
+                </a:solidFill>
+                <a:latin typeface="Consolas" panose="020B0609020204030204" pitchFamily="49" charset="0"/>
+              </a:rPr>
+              <a:t>"</a:t>
+            </a:r>
+            <a:r>
+              <a:rPr lang="en-US" sz="1100" b="0" dirty="0">
+                <a:solidFill>
+                  <a:srgbClr val="000000"/>
+                </a:solidFill>
+                <a:latin typeface="Consolas" panose="020B0609020204030204" pitchFamily="49" charset="0"/>
+              </a:rPr>
+              <a:t> </a:t>
+            </a:r>
+            <a:r>
+              <a:rPr lang="en-US" sz="1100" b="0" dirty="0">
+                <a:solidFill>
+                  <a:srgbClr val="0000FF"/>
+                </a:solidFill>
+                <a:latin typeface="Consolas" panose="020B0609020204030204" pitchFamily="49" charset="0"/>
+              </a:rPr>
+              <a:t>then</a:t>
+            </a:r>
+            <a:r>
+              <a:rPr lang="en-US" sz="1100" b="0" dirty="0">
+                <a:solidFill>
+                  <a:srgbClr val="000000"/>
+                </a:solidFill>
+                <a:latin typeface="Consolas" panose="020B0609020204030204" pitchFamily="49" charset="0"/>
+              </a:rPr>
+              <a:t> length=</a:t>
+            </a:r>
+            <a:r>
+              <a:rPr lang="en-US" sz="1100" b="1" dirty="0">
+                <a:solidFill>
+                  <a:srgbClr val="008080"/>
+                </a:solidFill>
+                <a:latin typeface="Consolas" panose="020B0609020204030204" pitchFamily="49" charset="0"/>
+              </a:rPr>
+              <a:t>10</a:t>
+            </a:r>
+            <a:r>
+              <a:rPr lang="en-US" sz="1100" b="0" dirty="0">
+                <a:solidFill>
+                  <a:srgbClr val="000000"/>
+                </a:solidFill>
+                <a:latin typeface="Consolas" panose="020B0609020204030204" pitchFamily="49" charset="0"/>
+              </a:rPr>
+              <a:t>;</a:t>
+            </a:r>
+            <a:br>
+              <a:rPr lang="en-US" sz="1100" b="0" dirty="0">
+                <a:solidFill>
+                  <a:srgbClr val="000000"/>
+                </a:solidFill>
+                <a:latin typeface="Consolas" panose="020B0609020204030204" pitchFamily="49" charset="0"/>
+              </a:rPr>
+            </a:br>
+            <a:r>
+              <a:rPr lang="en-US" sz="1100" b="0" dirty="0">
+                <a:solidFill>
+                  <a:srgbClr val="000000"/>
+                </a:solidFill>
+                <a:latin typeface="Consolas" panose="020B0609020204030204" pitchFamily="49" charset="0"/>
+              </a:rPr>
+              <a:t>    </a:t>
+            </a:r>
+            <a:r>
+              <a:rPr lang="en-US" sz="1100" b="0" dirty="0">
+                <a:solidFill>
+                  <a:srgbClr val="0000FF"/>
+                </a:solidFill>
+                <a:latin typeface="Consolas" panose="020B0609020204030204" pitchFamily="49" charset="0"/>
+              </a:rPr>
+              <a:t>if</a:t>
+            </a:r>
+            <a:r>
+              <a:rPr lang="en-US" sz="1100" b="0" dirty="0">
+                <a:solidFill>
+                  <a:srgbClr val="000000"/>
+                </a:solidFill>
+                <a:latin typeface="Consolas" panose="020B0609020204030204" pitchFamily="49" charset="0"/>
+              </a:rPr>
+              <a:t> </a:t>
+            </a:r>
+            <a:r>
+              <a:rPr lang="en-US" sz="1100" b="0" dirty="0" err="1">
+                <a:solidFill>
+                  <a:srgbClr val="000000"/>
+                </a:solidFill>
+                <a:latin typeface="Consolas" panose="020B0609020204030204" pitchFamily="49" charset="0"/>
+              </a:rPr>
+              <a:t>xml_datatype</a:t>
+            </a:r>
+            <a:r>
+              <a:rPr lang="en-US" sz="1100" b="0" dirty="0">
+                <a:solidFill>
+                  <a:srgbClr val="000000"/>
+                </a:solidFill>
+                <a:latin typeface="Consolas" panose="020B0609020204030204" pitchFamily="49" charset="0"/>
+              </a:rPr>
+              <a:t>=</a:t>
+            </a:r>
+            <a:r>
+              <a:rPr lang="en-US" sz="1100" b="0" dirty="0">
+                <a:solidFill>
+                  <a:srgbClr val="800080"/>
+                </a:solidFill>
+                <a:latin typeface="Consolas" panose="020B0609020204030204" pitchFamily="49" charset="0"/>
+              </a:rPr>
+              <a:t>"</a:t>
+            </a:r>
+            <a:r>
+              <a:rPr lang="en-US" sz="1100" b="0" dirty="0" err="1">
+                <a:solidFill>
+                  <a:srgbClr val="800080"/>
+                </a:solidFill>
+                <a:latin typeface="Consolas" panose="020B0609020204030204" pitchFamily="49" charset="0"/>
+              </a:rPr>
+              <a:t>partialDatetime</a:t>
+            </a:r>
+            <a:r>
+              <a:rPr lang="en-US" sz="1100" b="0" dirty="0">
+                <a:solidFill>
+                  <a:srgbClr val="800080"/>
+                </a:solidFill>
+                <a:latin typeface="Consolas" panose="020B0609020204030204" pitchFamily="49" charset="0"/>
+              </a:rPr>
+              <a:t>"</a:t>
+            </a:r>
+            <a:r>
+              <a:rPr lang="en-US" sz="1100" b="0" dirty="0">
+                <a:solidFill>
+                  <a:srgbClr val="000000"/>
+                </a:solidFill>
+                <a:latin typeface="Consolas" panose="020B0609020204030204" pitchFamily="49" charset="0"/>
+              </a:rPr>
+              <a:t> </a:t>
+            </a:r>
+            <a:r>
+              <a:rPr lang="en-US" sz="1100" b="0" dirty="0">
+                <a:solidFill>
+                  <a:srgbClr val="0000FF"/>
+                </a:solidFill>
+                <a:latin typeface="Consolas" panose="020B0609020204030204" pitchFamily="49" charset="0"/>
+              </a:rPr>
+              <a:t>then</a:t>
+            </a:r>
+            <a:r>
+              <a:rPr lang="en-US" sz="1100" b="0" dirty="0">
+                <a:solidFill>
+                  <a:srgbClr val="000000"/>
+                </a:solidFill>
+                <a:latin typeface="Consolas" panose="020B0609020204030204" pitchFamily="49" charset="0"/>
+              </a:rPr>
+              <a:t> length=</a:t>
+            </a:r>
+            <a:r>
+              <a:rPr lang="en-US" sz="1100" b="1" dirty="0">
+                <a:solidFill>
+                  <a:srgbClr val="008080"/>
+                </a:solidFill>
+                <a:latin typeface="Consolas" panose="020B0609020204030204" pitchFamily="49" charset="0"/>
+              </a:rPr>
+              <a:t>19</a:t>
+            </a:r>
+            <a:r>
+              <a:rPr lang="en-US" sz="1100" b="0" dirty="0">
+                <a:solidFill>
+                  <a:srgbClr val="000000"/>
+                </a:solidFill>
+                <a:latin typeface="Consolas" panose="020B0609020204030204" pitchFamily="49" charset="0"/>
+              </a:rPr>
+              <a:t>;</a:t>
+            </a:r>
+            <a:br>
+              <a:rPr lang="en-US" sz="1100" b="0" dirty="0">
+                <a:solidFill>
+                  <a:srgbClr val="000000"/>
+                </a:solidFill>
+                <a:latin typeface="Consolas" panose="020B0609020204030204" pitchFamily="49" charset="0"/>
+              </a:rPr>
+            </a:br>
+            <a:r>
+              <a:rPr lang="en-US" sz="1100" b="0" dirty="0">
+                <a:solidFill>
+                  <a:srgbClr val="000000"/>
+                </a:solidFill>
+                <a:latin typeface="Consolas" panose="020B0609020204030204" pitchFamily="49" charset="0"/>
+              </a:rPr>
+              <a:t>    </a:t>
+            </a:r>
+            <a:r>
+              <a:rPr lang="en-US" sz="1100" b="0" dirty="0">
+                <a:solidFill>
+                  <a:srgbClr val="0000FF"/>
+                </a:solidFill>
+                <a:latin typeface="Consolas" panose="020B0609020204030204" pitchFamily="49" charset="0"/>
+              </a:rPr>
+              <a:t>if</a:t>
+            </a:r>
+            <a:r>
+              <a:rPr lang="en-US" sz="1100" b="0" dirty="0">
+                <a:solidFill>
+                  <a:srgbClr val="000000"/>
+                </a:solidFill>
+                <a:latin typeface="Consolas" panose="020B0609020204030204" pitchFamily="49" charset="0"/>
+              </a:rPr>
+              <a:t> </a:t>
+            </a:r>
+            <a:r>
+              <a:rPr lang="en-US" sz="1100" b="0" dirty="0" err="1">
+                <a:solidFill>
+                  <a:srgbClr val="000000"/>
+                </a:solidFill>
+                <a:latin typeface="Consolas" panose="020B0609020204030204" pitchFamily="49" charset="0"/>
+              </a:rPr>
+              <a:t>xml_datatype</a:t>
+            </a:r>
+            <a:r>
+              <a:rPr lang="en-US" sz="1100" b="0" dirty="0">
+                <a:solidFill>
+                  <a:srgbClr val="000000"/>
+                </a:solidFill>
+                <a:latin typeface="Consolas" panose="020B0609020204030204" pitchFamily="49" charset="0"/>
+              </a:rPr>
+              <a:t>=</a:t>
+            </a:r>
+            <a:r>
+              <a:rPr lang="en-US" sz="1100" b="0" dirty="0">
+                <a:solidFill>
+                  <a:srgbClr val="800080"/>
+                </a:solidFill>
+                <a:latin typeface="Consolas" panose="020B0609020204030204" pitchFamily="49" charset="0"/>
+              </a:rPr>
+              <a:t>"</a:t>
+            </a:r>
+            <a:r>
+              <a:rPr lang="en-US" sz="1100" b="0" dirty="0" err="1">
+                <a:solidFill>
+                  <a:srgbClr val="800080"/>
+                </a:solidFill>
+                <a:latin typeface="Consolas" panose="020B0609020204030204" pitchFamily="49" charset="0"/>
+              </a:rPr>
+              <a:t>durationDatetime</a:t>
+            </a:r>
+            <a:r>
+              <a:rPr lang="en-US" sz="1100" b="0" dirty="0">
+                <a:solidFill>
+                  <a:srgbClr val="800080"/>
+                </a:solidFill>
+                <a:latin typeface="Consolas" panose="020B0609020204030204" pitchFamily="49" charset="0"/>
+              </a:rPr>
+              <a:t>"</a:t>
+            </a:r>
+            <a:r>
+              <a:rPr lang="en-US" sz="1100" b="0" dirty="0">
+                <a:solidFill>
+                  <a:srgbClr val="000000"/>
+                </a:solidFill>
+                <a:latin typeface="Consolas" panose="020B0609020204030204" pitchFamily="49" charset="0"/>
+              </a:rPr>
+              <a:t> </a:t>
+            </a:r>
+            <a:r>
+              <a:rPr lang="en-US" sz="1100" b="0" dirty="0">
+                <a:solidFill>
+                  <a:srgbClr val="0000FF"/>
+                </a:solidFill>
+                <a:latin typeface="Consolas" panose="020B0609020204030204" pitchFamily="49" charset="0"/>
+              </a:rPr>
+              <a:t>then</a:t>
+            </a:r>
+            <a:r>
+              <a:rPr lang="en-US" sz="1100" b="0" dirty="0">
+                <a:solidFill>
+                  <a:srgbClr val="000000"/>
+                </a:solidFill>
+                <a:latin typeface="Consolas" panose="020B0609020204030204" pitchFamily="49" charset="0"/>
+              </a:rPr>
+              <a:t> length=</a:t>
+            </a:r>
+            <a:r>
+              <a:rPr lang="en-US" sz="1100" b="1" dirty="0">
+                <a:solidFill>
+                  <a:srgbClr val="008080"/>
+                </a:solidFill>
+                <a:latin typeface="Consolas" panose="020B0609020204030204" pitchFamily="49" charset="0"/>
+              </a:rPr>
+              <a:t>19</a:t>
+            </a:r>
+            <a:r>
+              <a:rPr lang="en-US" sz="1100" b="0" dirty="0">
+                <a:solidFill>
+                  <a:srgbClr val="000000"/>
+                </a:solidFill>
+                <a:latin typeface="Consolas" panose="020B0609020204030204" pitchFamily="49" charset="0"/>
+              </a:rPr>
+              <a:t>;</a:t>
+            </a:r>
+            <a:br>
+              <a:rPr lang="en-US" sz="1100" b="0" dirty="0">
+                <a:solidFill>
+                  <a:srgbClr val="000000"/>
+                </a:solidFill>
+                <a:latin typeface="Consolas" panose="020B0609020204030204" pitchFamily="49" charset="0"/>
+              </a:rPr>
+            </a:br>
+            <a:r>
+              <a:rPr lang="en-US" sz="1100" b="0" dirty="0">
+                <a:solidFill>
+                  <a:srgbClr val="000000"/>
+                </a:solidFill>
+                <a:latin typeface="Consolas" panose="020B0609020204030204" pitchFamily="49" charset="0"/>
+              </a:rPr>
+              <a:t>    </a:t>
+            </a:r>
+            <a:r>
+              <a:rPr lang="en-US" sz="1100" b="0" dirty="0">
+                <a:solidFill>
+                  <a:srgbClr val="0000FF"/>
+                </a:solidFill>
+                <a:latin typeface="Consolas" panose="020B0609020204030204" pitchFamily="49" charset="0"/>
+              </a:rPr>
+              <a:t>if</a:t>
+            </a:r>
+            <a:r>
+              <a:rPr lang="en-US" sz="1100" b="0" dirty="0">
+                <a:solidFill>
+                  <a:srgbClr val="000000"/>
+                </a:solidFill>
+                <a:latin typeface="Consolas" panose="020B0609020204030204" pitchFamily="49" charset="0"/>
+              </a:rPr>
+              <a:t> </a:t>
+            </a:r>
+            <a:r>
+              <a:rPr lang="en-US" sz="1100" b="0" dirty="0" err="1">
+                <a:solidFill>
+                  <a:srgbClr val="000000"/>
+                </a:solidFill>
+                <a:latin typeface="Consolas" panose="020B0609020204030204" pitchFamily="49" charset="0"/>
+              </a:rPr>
+              <a:t>xml_datatype</a:t>
+            </a:r>
+            <a:r>
+              <a:rPr lang="en-US" sz="1100" b="0" dirty="0">
+                <a:solidFill>
+                  <a:srgbClr val="000000"/>
+                </a:solidFill>
+                <a:latin typeface="Consolas" panose="020B0609020204030204" pitchFamily="49" charset="0"/>
+              </a:rPr>
+              <a:t>=</a:t>
+            </a:r>
+            <a:r>
+              <a:rPr lang="en-US" sz="1100" b="0" dirty="0">
+                <a:solidFill>
+                  <a:srgbClr val="800080"/>
+                </a:solidFill>
+                <a:latin typeface="Consolas" panose="020B0609020204030204" pitchFamily="49" charset="0"/>
+              </a:rPr>
+              <a:t>"datetime"</a:t>
+            </a:r>
+            <a:r>
+              <a:rPr lang="en-US" sz="1100" b="0" dirty="0">
+                <a:solidFill>
+                  <a:srgbClr val="000000"/>
+                </a:solidFill>
+                <a:latin typeface="Consolas" panose="020B0609020204030204" pitchFamily="49" charset="0"/>
+              </a:rPr>
+              <a:t> </a:t>
+            </a:r>
+            <a:r>
+              <a:rPr lang="en-US" sz="1100" b="0" dirty="0">
+                <a:solidFill>
+                  <a:srgbClr val="0000FF"/>
+                </a:solidFill>
+                <a:latin typeface="Consolas" panose="020B0609020204030204" pitchFamily="49" charset="0"/>
+              </a:rPr>
+              <a:t>then</a:t>
+            </a:r>
+            <a:r>
+              <a:rPr lang="en-US" sz="1100" b="0" dirty="0">
+                <a:solidFill>
+                  <a:srgbClr val="000000"/>
+                </a:solidFill>
+                <a:latin typeface="Consolas" panose="020B0609020204030204" pitchFamily="49" charset="0"/>
+              </a:rPr>
+              <a:t> length=</a:t>
+            </a:r>
+            <a:r>
+              <a:rPr lang="en-US" sz="1100" b="1" dirty="0">
+                <a:solidFill>
+                  <a:srgbClr val="008080"/>
+                </a:solidFill>
+                <a:latin typeface="Consolas" panose="020B0609020204030204" pitchFamily="49" charset="0"/>
+              </a:rPr>
+              <a:t>19</a:t>
+            </a:r>
+            <a:r>
+              <a:rPr lang="en-US" sz="1100" b="0" dirty="0">
+                <a:solidFill>
+                  <a:srgbClr val="000000"/>
+                </a:solidFill>
+                <a:latin typeface="Consolas" panose="020B0609020204030204" pitchFamily="49" charset="0"/>
+              </a:rPr>
+              <a:t>;</a:t>
+            </a:r>
+            <a:br>
+              <a:rPr lang="en-US" sz="1100" b="0" dirty="0">
+                <a:solidFill>
+                  <a:srgbClr val="000000"/>
+                </a:solidFill>
+                <a:latin typeface="Consolas" panose="020B0609020204030204" pitchFamily="49" charset="0"/>
+              </a:rPr>
+            </a:br>
+            <a:r>
+              <a:rPr lang="en-US" sz="1100" b="0" dirty="0">
+                <a:solidFill>
+                  <a:srgbClr val="000000"/>
+                </a:solidFill>
+                <a:latin typeface="Consolas" panose="020B0609020204030204" pitchFamily="49" charset="0"/>
+              </a:rPr>
+              <a:t>  </a:t>
+            </a:r>
+            <a:r>
+              <a:rPr lang="en-US" sz="1100" b="0" dirty="0">
+                <a:solidFill>
+                  <a:srgbClr val="0000FF"/>
+                </a:solidFill>
+                <a:latin typeface="Consolas" panose="020B0609020204030204" pitchFamily="49" charset="0"/>
+              </a:rPr>
+              <a:t>end</a:t>
+            </a:r>
+            <a:r>
+              <a:rPr lang="en-US" sz="1100" b="0" dirty="0">
+                <a:solidFill>
+                  <a:srgbClr val="000000"/>
+                </a:solidFill>
+                <a:latin typeface="Consolas" panose="020B0609020204030204" pitchFamily="49" charset="0"/>
+              </a:rPr>
+              <a:t>;    </a:t>
+            </a:r>
+            <a:br>
+              <a:rPr lang="en-US" sz="1100" b="0" dirty="0">
+                <a:solidFill>
+                  <a:srgbClr val="000000"/>
+                </a:solidFill>
+                <a:latin typeface="Consolas" panose="020B0609020204030204" pitchFamily="49" charset="0"/>
+              </a:rPr>
+            </a:br>
+            <a:r>
+              <a:rPr lang="en-US" sz="1100" b="1" dirty="0">
+                <a:solidFill>
+                  <a:srgbClr val="000080"/>
+                </a:solidFill>
+                <a:latin typeface="Consolas" panose="020B0609020204030204" pitchFamily="49" charset="0"/>
+              </a:rPr>
+              <a:t>run</a:t>
+            </a:r>
+            <a:r>
+              <a:rPr lang="en-US" sz="1100" b="0" dirty="0">
+                <a:solidFill>
+                  <a:srgbClr val="000000"/>
+                </a:solidFill>
+                <a:latin typeface="Consolas" panose="020B0609020204030204" pitchFamily="49" charset="0"/>
+              </a:rPr>
+              <a:t>;</a:t>
+            </a:r>
+          </a:p>
+          <a:p>
             <a:pPr marL="0" indent="0">
               <a:buNone/>
             </a:pPr>
-            <a:r>
-              <a:rPr lang="en-US" sz="1100" dirty="0">
-                <a:solidFill>
-                  <a:srgbClr val="008000"/>
-                </a:solidFill>
-                <a:latin typeface="Consolas" panose="020B0609020204030204" pitchFamily="49" charset="0"/>
-                <a:cs typeface="Courier New" panose="02070309020205020404" pitchFamily="49" charset="0"/>
-              </a:rPr>
-              <a:t>/* Create metadata from Define-XML for ADaM */</a:t>
-            </a:r>
-            <a:br>
-              <a:rPr lang="en-US" sz="1100" dirty="0">
-                <a:solidFill>
-                  <a:srgbClr val="008000"/>
-                </a:solidFill>
-                <a:latin typeface="Consolas" panose="020B0609020204030204" pitchFamily="49" charset="0"/>
-                <a:cs typeface="Courier New" panose="02070309020205020404" pitchFamily="49" charset="0"/>
-              </a:rPr>
-            </a:br>
-            <a:r>
-              <a:rPr lang="en-US" sz="1100" dirty="0">
-                <a:solidFill>
-                  <a:srgbClr val="000000"/>
-                </a:solidFill>
-                <a:latin typeface="Consolas" panose="020B0609020204030204" pitchFamily="49" charset="0"/>
-                <a:cs typeface="Courier New" panose="02070309020205020404" pitchFamily="49" charset="0"/>
-              </a:rPr>
-              <a:t>%</a:t>
-            </a:r>
-            <a:r>
-              <a:rPr lang="en-US" sz="1100" b="1" i="1" dirty="0">
-                <a:solidFill>
-                  <a:srgbClr val="000000"/>
-                </a:solidFill>
-                <a:latin typeface="Consolas" panose="020B0609020204030204" pitchFamily="49" charset="0"/>
-                <a:cs typeface="Courier New" panose="02070309020205020404" pitchFamily="49" charset="0"/>
-              </a:rPr>
-              <a:t>CreateMetadataFromDefineXML</a:t>
-            </a:r>
-            <a:r>
-              <a:rPr lang="en-US" sz="1100" b="0" i="0" dirty="0">
-                <a:solidFill>
-                  <a:srgbClr val="000000"/>
-                </a:solidFill>
-                <a:latin typeface="Consolas" panose="020B0609020204030204" pitchFamily="49" charset="0"/>
-                <a:cs typeface="Courier New" panose="02070309020205020404" pitchFamily="49" charset="0"/>
-              </a:rPr>
-              <a:t>(</a:t>
-            </a:r>
-            <a:br>
-              <a:rPr lang="en-US" sz="1100" b="0" i="0" dirty="0">
-                <a:solidFill>
-                  <a:srgbClr val="000000"/>
-                </a:solidFill>
-                <a:latin typeface="Consolas" panose="020B0609020204030204" pitchFamily="49" charset="0"/>
-                <a:cs typeface="Courier New" panose="02070309020205020404" pitchFamily="49" charset="0"/>
-              </a:rPr>
-            </a:br>
-            <a:r>
-              <a:rPr lang="en-US" sz="1100" b="0" i="0" dirty="0">
-                <a:solidFill>
-                  <a:srgbClr val="000000"/>
-                </a:solidFill>
-                <a:latin typeface="Consolas" panose="020B0609020204030204" pitchFamily="49" charset="0"/>
-                <a:cs typeface="Courier New" panose="02070309020205020404" pitchFamily="49" charset="0"/>
-              </a:rPr>
-              <a:t>   definexml=&amp;root/json/adam/define.xml, </a:t>
-            </a:r>
-            <a:br>
-              <a:rPr lang="en-US" sz="1100" b="0" i="0" dirty="0">
-                <a:solidFill>
-                  <a:srgbClr val="000000"/>
-                </a:solidFill>
-                <a:latin typeface="Consolas" panose="020B0609020204030204" pitchFamily="49" charset="0"/>
-                <a:cs typeface="Courier New" panose="02070309020205020404" pitchFamily="49" charset="0"/>
-              </a:rPr>
-            </a:br>
-            <a:r>
-              <a:rPr lang="en-US" sz="1100" b="0" i="0" dirty="0">
-                <a:solidFill>
-                  <a:srgbClr val="000000"/>
-                </a:solidFill>
-                <a:latin typeface="Consolas" panose="020B0609020204030204" pitchFamily="49" charset="0"/>
-                <a:cs typeface="Courier New" panose="02070309020205020404" pitchFamily="49" charset="0"/>
-              </a:rPr>
-              <a:t>   metadatalib=metaadam</a:t>
-            </a:r>
-            <a:br>
-              <a:rPr lang="en-US" sz="1100" b="0" i="0" dirty="0">
-                <a:solidFill>
-                  <a:srgbClr val="000000"/>
-                </a:solidFill>
-                <a:latin typeface="Consolas" panose="020B0609020204030204" pitchFamily="49" charset="0"/>
-                <a:cs typeface="Courier New" panose="02070309020205020404" pitchFamily="49" charset="0"/>
-              </a:rPr>
-            </a:br>
-            <a:r>
-              <a:rPr lang="en-US" sz="1100" b="0" i="0" dirty="0">
-                <a:solidFill>
-                  <a:srgbClr val="000000"/>
-                </a:solidFill>
-                <a:latin typeface="Consolas" panose="020B0609020204030204" pitchFamily="49" charset="0"/>
-                <a:cs typeface="Courier New" panose="02070309020205020404" pitchFamily="49" charset="0"/>
-              </a:rPr>
-              <a:t>   );</a:t>
-            </a:r>
-            <a:br>
-              <a:rPr lang="en-US" sz="1100" b="0" i="0" dirty="0">
-                <a:solidFill>
-                  <a:srgbClr val="000000"/>
-                </a:solidFill>
-                <a:latin typeface="Consolas" panose="020B0609020204030204" pitchFamily="49" charset="0"/>
-                <a:cs typeface="Courier New" panose="02070309020205020404" pitchFamily="49" charset="0"/>
-              </a:rPr>
-            </a:br>
-            <a:br>
-              <a:rPr lang="en-US" sz="1100" b="0" i="0" dirty="0">
-                <a:solidFill>
-                  <a:srgbClr val="000000"/>
-                </a:solidFill>
-                <a:latin typeface="Consolas" panose="020B0609020204030204" pitchFamily="49" charset="0"/>
-                <a:cs typeface="Courier New" panose="02070309020205020404" pitchFamily="49" charset="0"/>
-              </a:rPr>
-            </a:br>
-            <a:r>
-              <a:rPr lang="en-US" sz="1100" b="0" i="0" dirty="0">
-                <a:solidFill>
-                  <a:srgbClr val="008000"/>
-                </a:solidFill>
-                <a:latin typeface="Consolas" panose="020B0609020204030204" pitchFamily="49" charset="0"/>
-                <a:cs typeface="Courier New" panose="02070309020205020404" pitchFamily="49" charset="0"/>
-              </a:rPr>
-              <a:t>/* Some manual data type updates */</a:t>
-            </a:r>
-            <a:br>
-              <a:rPr lang="en-US" sz="1100" b="0" i="0" dirty="0">
-                <a:solidFill>
-                  <a:srgbClr val="008000"/>
-                </a:solidFill>
-                <a:latin typeface="Consolas" panose="020B0609020204030204" pitchFamily="49" charset="0"/>
-                <a:cs typeface="Courier New" panose="02070309020205020404" pitchFamily="49" charset="0"/>
-              </a:rPr>
-            </a:br>
-            <a:r>
-              <a:rPr lang="en-US" sz="1100" b="1" i="0" dirty="0">
-                <a:solidFill>
-                  <a:srgbClr val="000080"/>
-                </a:solidFill>
-                <a:latin typeface="Consolas" panose="020B0609020204030204" pitchFamily="49" charset="0"/>
-                <a:cs typeface="Courier New" panose="02070309020205020404" pitchFamily="49" charset="0"/>
-              </a:rPr>
-              <a:t>data</a:t>
-            </a:r>
-            <a:r>
-              <a:rPr lang="en-US" sz="1100" b="0" i="0" dirty="0">
-                <a:solidFill>
-                  <a:srgbClr val="000000"/>
-                </a:solidFill>
-                <a:latin typeface="Consolas" panose="020B0609020204030204" pitchFamily="49" charset="0"/>
-                <a:cs typeface="Courier New" panose="02070309020205020404" pitchFamily="49" charset="0"/>
-              </a:rPr>
-              <a:t> metaadam.metadata_columns;</a:t>
-            </a:r>
-            <a:br>
-              <a:rPr lang="en-US" sz="1100" b="0" i="0" dirty="0">
-                <a:solidFill>
-                  <a:srgbClr val="000000"/>
-                </a:solidFill>
-                <a:latin typeface="Consolas" panose="020B0609020204030204" pitchFamily="49" charset="0"/>
-                <a:cs typeface="Courier New" panose="02070309020205020404" pitchFamily="49" charset="0"/>
-              </a:rPr>
-            </a:br>
-            <a:r>
-              <a:rPr lang="en-US" sz="1100" b="0" i="0" dirty="0">
-                <a:solidFill>
-                  <a:srgbClr val="000000"/>
-                </a:solidFill>
-                <a:latin typeface="Consolas" panose="020B0609020204030204" pitchFamily="49" charset="0"/>
-                <a:cs typeface="Courier New" panose="02070309020205020404" pitchFamily="49" charset="0"/>
-              </a:rPr>
-              <a:t>  </a:t>
-            </a:r>
-            <a:r>
-              <a:rPr lang="en-US" sz="1100" b="0" i="0" dirty="0">
-                <a:solidFill>
-                  <a:srgbClr val="0000FF"/>
-                </a:solidFill>
-                <a:latin typeface="Consolas" panose="020B0609020204030204" pitchFamily="49" charset="0"/>
-                <a:cs typeface="Courier New" panose="02070309020205020404" pitchFamily="49" charset="0"/>
-              </a:rPr>
-              <a:t>set</a:t>
-            </a:r>
-            <a:r>
-              <a:rPr lang="en-US" sz="1100" b="0" i="0" dirty="0">
-                <a:solidFill>
-                  <a:srgbClr val="000000"/>
-                </a:solidFill>
-                <a:latin typeface="Consolas" panose="020B0609020204030204" pitchFamily="49" charset="0"/>
-                <a:cs typeface="Courier New" panose="02070309020205020404" pitchFamily="49" charset="0"/>
-              </a:rPr>
-              <a:t> metaadam.metadata_columns;</a:t>
-            </a:r>
-            <a:br>
-              <a:rPr lang="en-US" sz="1100" b="0" i="0" dirty="0">
-                <a:solidFill>
-                  <a:srgbClr val="000000"/>
-                </a:solidFill>
-                <a:latin typeface="Consolas" panose="020B0609020204030204" pitchFamily="49" charset="0"/>
-                <a:cs typeface="Courier New" panose="02070309020205020404" pitchFamily="49" charset="0"/>
-              </a:rPr>
-            </a:br>
-            <a:r>
-              <a:rPr lang="en-US" sz="1100" b="0" i="0" dirty="0">
-                <a:solidFill>
-                  <a:srgbClr val="000000"/>
-                </a:solidFill>
-                <a:latin typeface="Consolas" panose="020B0609020204030204" pitchFamily="49" charset="0"/>
-                <a:cs typeface="Courier New" panose="02070309020205020404" pitchFamily="49" charset="0"/>
-              </a:rPr>
-              <a:t>  </a:t>
-            </a:r>
-            <a:r>
-              <a:rPr lang="en-US" sz="1100" b="0" i="0" dirty="0">
-                <a:solidFill>
-                  <a:srgbClr val="0000FF"/>
-                </a:solidFill>
-                <a:latin typeface="Consolas" panose="020B0609020204030204" pitchFamily="49" charset="0"/>
-                <a:cs typeface="Courier New" panose="02070309020205020404" pitchFamily="49" charset="0"/>
-              </a:rPr>
-              <a:t>if</a:t>
-            </a:r>
-            <a:r>
-              <a:rPr lang="en-US" sz="1100" b="0" i="0" dirty="0">
-                <a:solidFill>
-                  <a:srgbClr val="000000"/>
-                </a:solidFill>
-                <a:latin typeface="Consolas" panose="020B0609020204030204" pitchFamily="49" charset="0"/>
-                <a:cs typeface="Courier New" panose="02070309020205020404" pitchFamily="49" charset="0"/>
-              </a:rPr>
-              <a:t> xml_datatype=</a:t>
-            </a:r>
-            <a:r>
-              <a:rPr lang="en-US" sz="1100" b="0" i="0" dirty="0">
-                <a:solidFill>
-                  <a:srgbClr val="800080"/>
-                </a:solidFill>
-                <a:latin typeface="Consolas" panose="020B0609020204030204" pitchFamily="49" charset="0"/>
-                <a:cs typeface="Courier New" panose="02070309020205020404" pitchFamily="49" charset="0"/>
-              </a:rPr>
-              <a:t>'float'</a:t>
-            </a:r>
-            <a:r>
-              <a:rPr lang="en-US" sz="1100" b="0" i="0" dirty="0">
-                <a:solidFill>
-                  <a:srgbClr val="000000"/>
-                </a:solidFill>
-                <a:latin typeface="Consolas" panose="020B0609020204030204" pitchFamily="49" charset="0"/>
-                <a:cs typeface="Courier New" panose="02070309020205020404" pitchFamily="49" charset="0"/>
-              </a:rPr>
-              <a:t> </a:t>
-            </a:r>
-            <a:r>
-              <a:rPr lang="en-US" sz="1100" b="0" i="0" dirty="0">
-                <a:solidFill>
-                  <a:srgbClr val="0000FF"/>
-                </a:solidFill>
-                <a:latin typeface="Consolas" panose="020B0609020204030204" pitchFamily="49" charset="0"/>
-                <a:cs typeface="Courier New" panose="02070309020205020404" pitchFamily="49" charset="0"/>
-              </a:rPr>
-              <a:t>and</a:t>
-            </a:r>
-            <a:r>
-              <a:rPr lang="en-US" sz="1100" b="0" i="0" dirty="0">
-                <a:solidFill>
-                  <a:srgbClr val="000000"/>
-                </a:solidFill>
-                <a:latin typeface="Consolas" panose="020B0609020204030204" pitchFamily="49" charset="0"/>
-                <a:cs typeface="Courier New" panose="02070309020205020404" pitchFamily="49" charset="0"/>
-              </a:rPr>
-              <a:t> index(name, </a:t>
-            </a:r>
-            <a:r>
-              <a:rPr lang="en-US" sz="1100" b="0" i="0" dirty="0">
-                <a:solidFill>
-                  <a:srgbClr val="800080"/>
-                </a:solidFill>
-                <a:latin typeface="Consolas" panose="020B0609020204030204" pitchFamily="49" charset="0"/>
-                <a:cs typeface="Courier New" panose="02070309020205020404" pitchFamily="49" charset="0"/>
-              </a:rPr>
-              <a:t>'VISIT'</a:t>
-            </a:r>
-            <a:r>
-              <a:rPr lang="en-US" sz="1100" b="0" i="0" dirty="0">
-                <a:solidFill>
-                  <a:srgbClr val="000000"/>
-                </a:solidFill>
-                <a:latin typeface="Consolas" panose="020B0609020204030204" pitchFamily="49" charset="0"/>
-                <a:cs typeface="Courier New" panose="02070309020205020404" pitchFamily="49" charset="0"/>
-              </a:rPr>
-              <a:t>) </a:t>
-            </a:r>
-            <a:br>
-              <a:rPr lang="en-US" sz="1100" b="0" i="0" dirty="0">
-                <a:solidFill>
-                  <a:srgbClr val="000000"/>
-                </a:solidFill>
-                <a:latin typeface="Consolas" panose="020B0609020204030204" pitchFamily="49" charset="0"/>
-                <a:cs typeface="Courier New" panose="02070309020205020404" pitchFamily="49" charset="0"/>
-              </a:rPr>
-            </a:br>
-            <a:r>
-              <a:rPr lang="en-US" sz="1100" b="0" i="0" dirty="0">
-                <a:solidFill>
-                  <a:srgbClr val="000000"/>
-                </a:solidFill>
-                <a:latin typeface="Consolas" panose="020B0609020204030204" pitchFamily="49" charset="0"/>
-                <a:cs typeface="Courier New" panose="02070309020205020404" pitchFamily="49" charset="0"/>
-              </a:rPr>
-              <a:t>    </a:t>
-            </a:r>
-            <a:r>
-              <a:rPr lang="en-US" sz="1100" b="0" i="0" dirty="0">
-                <a:solidFill>
-                  <a:srgbClr val="0000FF"/>
-                </a:solidFill>
-                <a:latin typeface="Consolas" panose="020B0609020204030204" pitchFamily="49" charset="0"/>
-                <a:cs typeface="Courier New" panose="02070309020205020404" pitchFamily="49" charset="0"/>
-              </a:rPr>
-              <a:t>then</a:t>
-            </a:r>
-            <a:r>
-              <a:rPr lang="en-US" sz="1100" b="0" i="0" dirty="0">
-                <a:solidFill>
-                  <a:srgbClr val="000000"/>
-                </a:solidFill>
-                <a:latin typeface="Consolas" panose="020B0609020204030204" pitchFamily="49" charset="0"/>
-                <a:cs typeface="Courier New" panose="02070309020205020404" pitchFamily="49" charset="0"/>
-              </a:rPr>
-              <a:t> json_datatype=</a:t>
-            </a:r>
-            <a:r>
-              <a:rPr lang="en-US" sz="1100" b="0" i="0" dirty="0">
-                <a:solidFill>
-                  <a:srgbClr val="800080"/>
-                </a:solidFill>
-                <a:latin typeface="Consolas" panose="020B0609020204030204" pitchFamily="49" charset="0"/>
-                <a:cs typeface="Courier New" panose="02070309020205020404" pitchFamily="49" charset="0"/>
-              </a:rPr>
-              <a:t>'decimal'</a:t>
-            </a:r>
-            <a:r>
-              <a:rPr lang="en-US" sz="1100" b="0" i="0" dirty="0">
-                <a:solidFill>
-                  <a:srgbClr val="000000"/>
-                </a:solidFill>
-                <a:latin typeface="Consolas" panose="020B0609020204030204" pitchFamily="49" charset="0"/>
-                <a:cs typeface="Courier New" panose="02070309020205020404" pitchFamily="49" charset="0"/>
-              </a:rPr>
-              <a:t>;</a:t>
-            </a:r>
-            <a:br>
-              <a:rPr lang="en-US" sz="1100" b="0" i="0" dirty="0">
-                <a:solidFill>
-                  <a:srgbClr val="000000"/>
-                </a:solidFill>
-                <a:latin typeface="Consolas" panose="020B0609020204030204" pitchFamily="49" charset="0"/>
-                <a:cs typeface="Courier New" panose="02070309020205020404" pitchFamily="49" charset="0"/>
-              </a:rPr>
-            </a:br>
-            <a:r>
-              <a:rPr lang="en-US" sz="1100" b="1" i="0" dirty="0">
-                <a:solidFill>
-                  <a:srgbClr val="000080"/>
-                </a:solidFill>
-                <a:latin typeface="Consolas" panose="020B0609020204030204" pitchFamily="49" charset="0"/>
-                <a:cs typeface="Courier New" panose="02070309020205020404" pitchFamily="49" charset="0"/>
-              </a:rPr>
-              <a:t>run</a:t>
-            </a:r>
-            <a:r>
-              <a:rPr lang="en-US" sz="1100" b="0" i="0" dirty="0">
-                <a:solidFill>
-                  <a:srgbClr val="000000"/>
-                </a:solidFill>
-                <a:latin typeface="Consolas" panose="020B0609020204030204" pitchFamily="49" charset="0"/>
-                <a:cs typeface="Courier New" panose="02070309020205020404" pitchFamily="49" charset="0"/>
-              </a:rPr>
-              <a:t>;</a:t>
-            </a:r>
+            <a:endParaRPr lang="en-US" sz="1100" b="0" i="0" dirty="0">
+              <a:solidFill>
+                <a:srgbClr val="000000"/>
+              </a:solidFill>
+              <a:latin typeface="Consolas" panose="020B0609020204030204" pitchFamily="49" charset="0"/>
+              <a:cs typeface="Courier New" panose="02070309020205020404" pitchFamily="49" charset="0"/>
+            </a:endParaRPr>
           </a:p>
           <a:p>
             <a:pPr marL="0" indent="0">
@@ -13534,401 +14163,12 @@
             <a:br>
               <a:rPr lang="en-US" sz="1100" b="0" i="0" dirty="0">
                 <a:solidFill>
-                  <a:srgbClr val="008000"/>
+                  <a:srgbClr val="000000"/>
                 </a:solidFill>
                 <a:latin typeface="Consolas" panose="020B0609020204030204" pitchFamily="49" charset="0"/>
                 <a:cs typeface="Courier New" panose="02070309020205020404" pitchFamily="49" charset="0"/>
               </a:rPr>
             </a:br>
-            <a:r>
-              <a:rPr lang="en-US" sz="1100" b="0" i="0" dirty="0">
-                <a:solidFill>
-                  <a:srgbClr val="008000"/>
-                </a:solidFill>
-                <a:latin typeface="Consolas" panose="020B0609020204030204" pitchFamily="49" charset="0"/>
-                <a:cs typeface="Courier New" panose="02070309020205020404" pitchFamily="49" charset="0"/>
-              </a:rPr>
-              <a:t>/* Create metadata from Define-XML for SDTM */</a:t>
-            </a:r>
-            <a:br>
-              <a:rPr lang="en-US" sz="1100" b="0" i="0" dirty="0">
-                <a:solidFill>
-                  <a:srgbClr val="008000"/>
-                </a:solidFill>
-                <a:latin typeface="Consolas" panose="020B0609020204030204" pitchFamily="49" charset="0"/>
-                <a:cs typeface="Courier New" panose="02070309020205020404" pitchFamily="49" charset="0"/>
-              </a:rPr>
-            </a:br>
-            <a:r>
-              <a:rPr lang="en-US" sz="1100" b="0" i="0" dirty="0">
-                <a:solidFill>
-                  <a:srgbClr val="000000"/>
-                </a:solidFill>
-                <a:latin typeface="Consolas" panose="020B0609020204030204" pitchFamily="49" charset="0"/>
-                <a:cs typeface="Courier New" panose="02070309020205020404" pitchFamily="49" charset="0"/>
-              </a:rPr>
-              <a:t>%</a:t>
-            </a:r>
-            <a:r>
-              <a:rPr lang="en-US" sz="1100" b="1" i="1" dirty="0">
-                <a:solidFill>
-                  <a:srgbClr val="000000"/>
-                </a:solidFill>
-                <a:latin typeface="Consolas" panose="020B0609020204030204" pitchFamily="49" charset="0"/>
-                <a:cs typeface="Courier New" panose="02070309020205020404" pitchFamily="49" charset="0"/>
-              </a:rPr>
-              <a:t>CreateMetadataFromDefineXML</a:t>
-            </a:r>
-            <a:r>
-              <a:rPr lang="en-US" sz="1100" b="0" i="0" dirty="0">
-                <a:solidFill>
-                  <a:srgbClr val="000000"/>
-                </a:solidFill>
-                <a:latin typeface="Consolas" panose="020B0609020204030204" pitchFamily="49" charset="0"/>
-                <a:cs typeface="Courier New" panose="02070309020205020404" pitchFamily="49" charset="0"/>
-              </a:rPr>
-              <a:t>(</a:t>
-            </a:r>
-            <a:br>
-              <a:rPr lang="en-US" sz="1100" b="0" i="0" dirty="0">
-                <a:solidFill>
-                  <a:srgbClr val="000000"/>
-                </a:solidFill>
-                <a:latin typeface="Consolas" panose="020B0609020204030204" pitchFamily="49" charset="0"/>
-                <a:cs typeface="Courier New" panose="02070309020205020404" pitchFamily="49" charset="0"/>
-              </a:rPr>
-            </a:br>
-            <a:r>
-              <a:rPr lang="en-US" sz="1100" b="0" i="0" dirty="0">
-                <a:solidFill>
-                  <a:srgbClr val="000000"/>
-                </a:solidFill>
-                <a:latin typeface="Consolas" panose="020B0609020204030204" pitchFamily="49" charset="0"/>
-                <a:cs typeface="Courier New" panose="02070309020205020404" pitchFamily="49" charset="0"/>
-              </a:rPr>
-              <a:t>   definexml=&amp;root/json/sdtm/define.xml, </a:t>
-            </a:r>
-            <a:br>
-              <a:rPr lang="en-US" sz="1100" b="0" i="0" dirty="0">
-                <a:solidFill>
-                  <a:srgbClr val="000000"/>
-                </a:solidFill>
-                <a:latin typeface="Consolas" panose="020B0609020204030204" pitchFamily="49" charset="0"/>
-                <a:cs typeface="Courier New" panose="02070309020205020404" pitchFamily="49" charset="0"/>
-              </a:rPr>
-            </a:br>
-            <a:r>
-              <a:rPr lang="en-US" sz="1100" b="0" i="0" dirty="0">
-                <a:solidFill>
-                  <a:srgbClr val="000000"/>
-                </a:solidFill>
-                <a:latin typeface="Consolas" panose="020B0609020204030204" pitchFamily="49" charset="0"/>
-                <a:cs typeface="Courier New" panose="02070309020205020404" pitchFamily="49" charset="0"/>
-              </a:rPr>
-              <a:t>   metadatalib=metasdtm</a:t>
-            </a:r>
-            <a:br>
-              <a:rPr lang="en-US" sz="1100" b="0" i="0" dirty="0">
-                <a:solidFill>
-                  <a:srgbClr val="000000"/>
-                </a:solidFill>
-                <a:latin typeface="Consolas" panose="020B0609020204030204" pitchFamily="49" charset="0"/>
-                <a:cs typeface="Courier New" panose="02070309020205020404" pitchFamily="49" charset="0"/>
-              </a:rPr>
-            </a:br>
-            <a:r>
-              <a:rPr lang="en-US" sz="1100" b="0" i="0" dirty="0">
-                <a:solidFill>
-                  <a:srgbClr val="000000"/>
-                </a:solidFill>
-                <a:latin typeface="Consolas" panose="020B0609020204030204" pitchFamily="49" charset="0"/>
-                <a:cs typeface="Courier New" panose="02070309020205020404" pitchFamily="49" charset="0"/>
-              </a:rPr>
-              <a:t>   );</a:t>
-            </a:r>
-            <a:br>
-              <a:rPr lang="en-US" sz="1100" b="0" i="0" dirty="0">
-                <a:solidFill>
-                  <a:srgbClr val="000000"/>
-                </a:solidFill>
-                <a:latin typeface="Consolas" panose="020B0609020204030204" pitchFamily="49" charset="0"/>
-                <a:cs typeface="Courier New" panose="02070309020205020404" pitchFamily="49" charset="0"/>
-              </a:rPr>
-            </a:br>
-            <a:br>
-              <a:rPr lang="en-US" sz="1100" b="0" i="0" dirty="0">
-                <a:solidFill>
-                  <a:srgbClr val="000000"/>
-                </a:solidFill>
-                <a:latin typeface="Consolas" panose="020B0609020204030204" pitchFamily="49" charset="0"/>
-                <a:cs typeface="Courier New" panose="02070309020205020404" pitchFamily="49" charset="0"/>
-              </a:rPr>
-            </a:br>
-            <a:r>
-              <a:rPr lang="en-US" sz="1100" b="0" i="0" dirty="0">
-                <a:solidFill>
-                  <a:srgbClr val="008000"/>
-                </a:solidFill>
-                <a:latin typeface="Consolas" panose="020B0609020204030204" pitchFamily="49" charset="0"/>
-                <a:cs typeface="Courier New" panose="02070309020205020404" pitchFamily="49" charset="0"/>
-              </a:rPr>
-              <a:t>/* Some manual data type updates */</a:t>
-            </a:r>
-            <a:br>
-              <a:rPr lang="en-US" sz="1100" b="0" i="0" dirty="0">
-                <a:solidFill>
-                  <a:srgbClr val="008000"/>
-                </a:solidFill>
-                <a:latin typeface="Consolas" panose="020B0609020204030204" pitchFamily="49" charset="0"/>
-                <a:cs typeface="Courier New" panose="02070309020205020404" pitchFamily="49" charset="0"/>
-              </a:rPr>
-            </a:br>
-            <a:r>
-              <a:rPr lang="en-US" sz="1100" b="1" i="0" dirty="0">
-                <a:solidFill>
-                  <a:srgbClr val="000080"/>
-                </a:solidFill>
-                <a:latin typeface="Consolas" panose="020B0609020204030204" pitchFamily="49" charset="0"/>
-                <a:cs typeface="Courier New" panose="02070309020205020404" pitchFamily="49" charset="0"/>
-              </a:rPr>
-              <a:t>data</a:t>
-            </a:r>
-            <a:r>
-              <a:rPr lang="en-US" sz="1100" b="0" i="0" dirty="0">
-                <a:solidFill>
-                  <a:srgbClr val="000000"/>
-                </a:solidFill>
-                <a:latin typeface="Consolas" panose="020B0609020204030204" pitchFamily="49" charset="0"/>
-                <a:cs typeface="Courier New" panose="02070309020205020404" pitchFamily="49" charset="0"/>
-              </a:rPr>
-              <a:t> metasdtm.metadata_columns;</a:t>
-            </a:r>
-            <a:br>
-              <a:rPr lang="en-US" sz="1100" b="0" i="0" dirty="0">
-                <a:solidFill>
-                  <a:srgbClr val="000000"/>
-                </a:solidFill>
-                <a:latin typeface="Consolas" panose="020B0609020204030204" pitchFamily="49" charset="0"/>
-                <a:cs typeface="Courier New" panose="02070309020205020404" pitchFamily="49" charset="0"/>
-              </a:rPr>
-            </a:br>
-            <a:r>
-              <a:rPr lang="en-US" sz="1100" b="0" i="0" dirty="0">
-                <a:solidFill>
-                  <a:srgbClr val="000000"/>
-                </a:solidFill>
-                <a:latin typeface="Consolas" panose="020B0609020204030204" pitchFamily="49" charset="0"/>
-                <a:cs typeface="Courier New" panose="02070309020205020404" pitchFamily="49" charset="0"/>
-              </a:rPr>
-              <a:t>  </a:t>
-            </a:r>
-            <a:r>
-              <a:rPr lang="en-US" sz="1100" b="0" i="0" dirty="0">
-                <a:solidFill>
-                  <a:srgbClr val="0000FF"/>
-                </a:solidFill>
-                <a:latin typeface="Consolas" panose="020B0609020204030204" pitchFamily="49" charset="0"/>
-                <a:cs typeface="Courier New" panose="02070309020205020404" pitchFamily="49" charset="0"/>
-              </a:rPr>
-              <a:t>set</a:t>
-            </a:r>
-            <a:r>
-              <a:rPr lang="en-US" sz="1100" b="0" i="0" dirty="0">
-                <a:solidFill>
-                  <a:srgbClr val="000000"/>
-                </a:solidFill>
-                <a:latin typeface="Consolas" panose="020B0609020204030204" pitchFamily="49" charset="0"/>
-                <a:cs typeface="Courier New" panose="02070309020205020404" pitchFamily="49" charset="0"/>
-              </a:rPr>
-              <a:t> metasdtm.metadata_columns;</a:t>
-            </a:r>
-            <a:br>
-              <a:rPr lang="en-US" sz="1100" b="0" i="0" dirty="0">
-                <a:solidFill>
-                  <a:srgbClr val="000000"/>
-                </a:solidFill>
-                <a:latin typeface="Consolas" panose="020B0609020204030204" pitchFamily="49" charset="0"/>
-                <a:cs typeface="Courier New" panose="02070309020205020404" pitchFamily="49" charset="0"/>
-              </a:rPr>
-            </a:br>
-            <a:r>
-              <a:rPr lang="en-US" sz="1100" b="0" i="0" dirty="0">
-                <a:solidFill>
-                  <a:srgbClr val="000000"/>
-                </a:solidFill>
-                <a:latin typeface="Consolas" panose="020B0609020204030204" pitchFamily="49" charset="0"/>
-                <a:cs typeface="Courier New" panose="02070309020205020404" pitchFamily="49" charset="0"/>
-              </a:rPr>
-              <a:t>  </a:t>
-            </a:r>
-            <a:r>
-              <a:rPr lang="en-US" sz="1100" b="0" i="0" dirty="0">
-                <a:solidFill>
-                  <a:srgbClr val="0000FF"/>
-                </a:solidFill>
-                <a:latin typeface="Consolas" panose="020B0609020204030204" pitchFamily="49" charset="0"/>
-                <a:cs typeface="Courier New" panose="02070309020205020404" pitchFamily="49" charset="0"/>
-              </a:rPr>
-              <a:t>if</a:t>
-            </a:r>
-            <a:r>
-              <a:rPr lang="en-US" sz="1100" b="0" i="0" dirty="0">
-                <a:solidFill>
-                  <a:srgbClr val="000000"/>
-                </a:solidFill>
-                <a:latin typeface="Consolas" panose="020B0609020204030204" pitchFamily="49" charset="0"/>
-                <a:cs typeface="Courier New" panose="02070309020205020404" pitchFamily="49" charset="0"/>
-              </a:rPr>
-              <a:t> xml_datatype=</a:t>
-            </a:r>
-            <a:r>
-              <a:rPr lang="en-US" sz="1100" b="0" i="0" dirty="0">
-                <a:solidFill>
-                  <a:srgbClr val="800080"/>
-                </a:solidFill>
-                <a:latin typeface="Consolas" panose="020B0609020204030204" pitchFamily="49" charset="0"/>
-                <a:cs typeface="Courier New" panose="02070309020205020404" pitchFamily="49" charset="0"/>
-              </a:rPr>
-              <a:t>'float'</a:t>
-            </a:r>
-            <a:r>
-              <a:rPr lang="en-US" sz="1100" b="0" i="0" dirty="0">
-                <a:solidFill>
-                  <a:srgbClr val="000000"/>
-                </a:solidFill>
-                <a:latin typeface="Consolas" panose="020B0609020204030204" pitchFamily="49" charset="0"/>
-                <a:cs typeface="Courier New" panose="02070309020205020404" pitchFamily="49" charset="0"/>
-              </a:rPr>
-              <a:t> </a:t>
-            </a:r>
-            <a:r>
-              <a:rPr lang="en-US" sz="1100" b="0" i="0" dirty="0">
-                <a:solidFill>
-                  <a:srgbClr val="0000FF"/>
-                </a:solidFill>
-                <a:latin typeface="Consolas" panose="020B0609020204030204" pitchFamily="49" charset="0"/>
-                <a:cs typeface="Courier New" panose="02070309020205020404" pitchFamily="49" charset="0"/>
-              </a:rPr>
-              <a:t>and</a:t>
-            </a:r>
-            <a:r>
-              <a:rPr lang="en-US" sz="1100" b="0" i="0" dirty="0">
-                <a:solidFill>
-                  <a:srgbClr val="000000"/>
-                </a:solidFill>
-                <a:latin typeface="Consolas" panose="020B0609020204030204" pitchFamily="49" charset="0"/>
-                <a:cs typeface="Courier New" panose="02070309020205020404" pitchFamily="49" charset="0"/>
-              </a:rPr>
-              <a:t> name ne </a:t>
-            </a:r>
-            <a:r>
-              <a:rPr lang="en-US" sz="1100" b="0" i="0" dirty="0">
-                <a:solidFill>
-                  <a:srgbClr val="800080"/>
-                </a:solidFill>
-                <a:latin typeface="Consolas" panose="020B0609020204030204" pitchFamily="49" charset="0"/>
-                <a:cs typeface="Courier New" panose="02070309020205020404" pitchFamily="49" charset="0"/>
-              </a:rPr>
-              <a:t>'LBSTRESN'</a:t>
-            </a:r>
-            <a:r>
-              <a:rPr lang="en-US" sz="1100" b="0" i="0" dirty="0">
-                <a:solidFill>
-                  <a:srgbClr val="000000"/>
-                </a:solidFill>
-                <a:latin typeface="Consolas" panose="020B0609020204030204" pitchFamily="49" charset="0"/>
-                <a:cs typeface="Courier New" panose="02070309020205020404" pitchFamily="49" charset="0"/>
-              </a:rPr>
-              <a:t> </a:t>
-            </a:r>
-            <a:br>
-              <a:rPr lang="en-US" sz="1100" b="0" i="0" dirty="0">
-                <a:solidFill>
-                  <a:srgbClr val="000000"/>
-                </a:solidFill>
-                <a:latin typeface="Consolas" panose="020B0609020204030204" pitchFamily="49" charset="0"/>
-                <a:cs typeface="Courier New" panose="02070309020205020404" pitchFamily="49" charset="0"/>
-              </a:rPr>
-            </a:br>
-            <a:r>
-              <a:rPr lang="en-US" sz="1100" b="0" i="0" dirty="0">
-                <a:solidFill>
-                  <a:srgbClr val="000000"/>
-                </a:solidFill>
-                <a:latin typeface="Consolas" panose="020B0609020204030204" pitchFamily="49" charset="0"/>
-                <a:cs typeface="Courier New" panose="02070309020205020404" pitchFamily="49" charset="0"/>
-              </a:rPr>
-              <a:t>    </a:t>
-            </a:r>
-            <a:r>
-              <a:rPr lang="en-US" sz="1100" b="0" i="0" dirty="0">
-                <a:solidFill>
-                  <a:srgbClr val="0000FF"/>
-                </a:solidFill>
-                <a:latin typeface="Consolas" panose="020B0609020204030204" pitchFamily="49" charset="0"/>
-                <a:cs typeface="Courier New" panose="02070309020205020404" pitchFamily="49" charset="0"/>
-              </a:rPr>
-              <a:t>then</a:t>
-            </a:r>
-            <a:r>
-              <a:rPr lang="en-US" sz="1100" b="0" i="0" dirty="0">
-                <a:solidFill>
-                  <a:srgbClr val="000000"/>
-                </a:solidFill>
-                <a:latin typeface="Consolas" panose="020B0609020204030204" pitchFamily="49" charset="0"/>
-                <a:cs typeface="Courier New" panose="02070309020205020404" pitchFamily="49" charset="0"/>
-              </a:rPr>
-              <a:t> json_datatype=</a:t>
-            </a:r>
-            <a:r>
-              <a:rPr lang="en-US" sz="1100" b="0" i="0" dirty="0">
-                <a:solidFill>
-                  <a:srgbClr val="800080"/>
-                </a:solidFill>
-                <a:latin typeface="Consolas" panose="020B0609020204030204" pitchFamily="49" charset="0"/>
-                <a:cs typeface="Courier New" panose="02070309020205020404" pitchFamily="49" charset="0"/>
-              </a:rPr>
-              <a:t>'decimal'</a:t>
-            </a:r>
-            <a:r>
-              <a:rPr lang="en-US" sz="1100" b="0" i="0" dirty="0">
-                <a:solidFill>
-                  <a:srgbClr val="000000"/>
-                </a:solidFill>
-                <a:latin typeface="Consolas" panose="020B0609020204030204" pitchFamily="49" charset="0"/>
-                <a:cs typeface="Courier New" panose="02070309020205020404" pitchFamily="49" charset="0"/>
-              </a:rPr>
-              <a:t>;</a:t>
-            </a:r>
-            <a:br>
-              <a:rPr lang="en-US" sz="1100" b="0" i="0" dirty="0">
-                <a:solidFill>
-                  <a:srgbClr val="000000"/>
-                </a:solidFill>
-                <a:latin typeface="Consolas" panose="020B0609020204030204" pitchFamily="49" charset="0"/>
-                <a:cs typeface="Courier New" panose="02070309020205020404" pitchFamily="49" charset="0"/>
-              </a:rPr>
-            </a:br>
-            <a:r>
-              <a:rPr lang="en-US" sz="1100" b="1" i="0" dirty="0">
-                <a:solidFill>
-                  <a:srgbClr val="000080"/>
-                </a:solidFill>
-                <a:latin typeface="Consolas" panose="020B0609020204030204" pitchFamily="49" charset="0"/>
-                <a:cs typeface="Courier New" panose="02070309020205020404" pitchFamily="49" charset="0"/>
-              </a:rPr>
-              <a:t>run</a:t>
-            </a:r>
-            <a:r>
-              <a:rPr lang="en-US" sz="1100" b="0" i="0" dirty="0">
-                <a:solidFill>
-                  <a:srgbClr val="000000"/>
-                </a:solidFill>
-                <a:latin typeface="Consolas" panose="020B0609020204030204" pitchFamily="49" charset="0"/>
-                <a:cs typeface="Courier New" panose="02070309020205020404" pitchFamily="49" charset="0"/>
-              </a:rPr>
-              <a:t>;</a:t>
-            </a:r>
             <a:endParaRPr lang="en-US" sz="1100" dirty="0">
               <a:latin typeface="Consolas" panose="020B0609020204030204" pitchFamily="49" charset="0"/>
               <a:cs typeface="Courier New" panose="02070309020205020404" pitchFamily="49" charset="0"/>
@@ -14540,7 +14780,7 @@
 </file>
 
 <file path=ppt/slides/slide2.xml><?xml version="1.0" encoding="utf-8"?>
-<p:sld xmlns:a="http://schemas.openxmlformats.org/drawingml/2006/main" xmlns:r="http://schemas.openxmlformats.org/officeDocument/2006/relationships" xmlns:p="http://schemas.openxmlformats.org/presentationml/2006/main">
+<p:sld xmlns:a="http://schemas.openxmlformats.org/drawingml/2006/main" xmlns:r="http://schemas.openxmlformats.org/officeDocument/2006/relationships" xmlns:p="http://schemas.openxmlformats.org/presentationml/2006/main" show="0">
   <p:cSld>
     <p:spTree>
       <p:nvGrpSpPr>
@@ -14784,36 +15024,6 @@
           <a:chExt cx="0" cy="0"/>
         </a:xfrm>
       </p:grpSpPr>
-      <p:pic>
-        <p:nvPicPr>
-          <p:cNvPr id="5" name="Picture 4">
-            <a:extLst>
-              <a:ext uri="{FF2B5EF4-FFF2-40B4-BE49-F238E27FC236}">
-                <a16:creationId xmlns:a16="http://schemas.microsoft.com/office/drawing/2014/main" id="{40729CB8-F400-A737-948C-972D5647B372}"/>
-              </a:ext>
-            </a:extLst>
-          </p:cNvPr>
-          <p:cNvPicPr>
-            <a:picLocks noChangeAspect="1"/>
-          </p:cNvPicPr>
-          <p:nvPr/>
-        </p:nvPicPr>
-        <p:blipFill>
-          <a:blip r:embed="rId2"/>
-          <a:stretch>
-            <a:fillRect/>
-          </a:stretch>
-        </p:blipFill>
-        <p:spPr>
-          <a:xfrm>
-            <a:off x="1752424" y="789794"/>
-            <a:ext cx="7252806" cy="4181847"/>
-          </a:xfrm>
-          <a:prstGeom prst="rect">
-            <a:avLst/>
-          </a:prstGeom>
-        </p:spPr>
-      </p:pic>
       <p:sp>
         <p:nvSpPr>
           <p:cNvPr id="2" name="Title 1">
@@ -14872,6 +15082,36 @@
           </a:p>
         </p:txBody>
       </p:sp>
+      <p:pic>
+        <p:nvPicPr>
+          <p:cNvPr id="8" name="Picture 7">
+            <a:extLst>
+              <a:ext uri="{FF2B5EF4-FFF2-40B4-BE49-F238E27FC236}">
+                <a16:creationId xmlns:a16="http://schemas.microsoft.com/office/drawing/2014/main" id="{AD74CDED-5B35-8152-35CD-D65FE788A011}"/>
+              </a:ext>
+            </a:extLst>
+          </p:cNvPr>
+          <p:cNvPicPr>
+            <a:picLocks noChangeAspect="1"/>
+          </p:cNvPicPr>
+          <p:nvPr/>
+        </p:nvPicPr>
+        <p:blipFill>
+          <a:blip r:embed="rId2"/>
+          <a:stretch>
+            <a:fillRect/>
+          </a:stretch>
+        </p:blipFill>
+        <p:spPr>
+          <a:xfrm>
+            <a:off x="1920240" y="822960"/>
+            <a:ext cx="6476190" cy="4133333"/>
+          </a:xfrm>
+          <a:prstGeom prst="rect">
+            <a:avLst/>
+          </a:prstGeom>
+        </p:spPr>
+      </p:pic>
     </p:spTree>
     <p:extLst>
       <p:ext uri="{BB962C8B-B14F-4D97-AF65-F5344CB8AC3E}">
@@ -14902,36 +15142,6 @@
           <a:chExt cx="0" cy="0"/>
         </a:xfrm>
       </p:grpSpPr>
-      <p:pic>
-        <p:nvPicPr>
-          <p:cNvPr id="5" name="Picture 4">
-            <a:extLst>
-              <a:ext uri="{FF2B5EF4-FFF2-40B4-BE49-F238E27FC236}">
-                <a16:creationId xmlns:a16="http://schemas.microsoft.com/office/drawing/2014/main" id="{92E4EFD2-8213-CA07-B08F-43BB4BB1F664}"/>
-              </a:ext>
-            </a:extLst>
-          </p:cNvPr>
-          <p:cNvPicPr>
-            <a:picLocks noChangeAspect="1"/>
-          </p:cNvPicPr>
-          <p:nvPr/>
-        </p:nvPicPr>
-        <p:blipFill>
-          <a:blip r:embed="rId2"/>
-          <a:stretch>
-            <a:fillRect/>
-          </a:stretch>
-        </p:blipFill>
-        <p:spPr>
-          <a:xfrm>
-            <a:off x="1763814" y="774157"/>
-            <a:ext cx="6769846" cy="4213122"/>
-          </a:xfrm>
-          <a:prstGeom prst="rect">
-            <a:avLst/>
-          </a:prstGeom>
-        </p:spPr>
-      </p:pic>
       <p:sp>
         <p:nvSpPr>
           <p:cNvPr id="2" name="Title 1">
@@ -14955,15 +15165,7 @@
           <a:p>
             <a:r>
               <a:rPr lang="en-US" dirty="0"/>
-              <a:t>Writing Dataset-JSON  -  %</a:t>
-            </a:r>
-            <a:r>
-              <a:rPr lang="en-US" dirty="0" err="1"/>
-              <a:t>write_datasetjson</a:t>
-            </a:r>
-            <a:r>
-              <a:rPr lang="en-US" dirty="0"/>
-              <a:t>() - loop</a:t>
+              <a:t>Writing Dataset-JSON  -  %write_datasetjson() - loop</a:t>
             </a:r>
           </a:p>
         </p:txBody>
@@ -14997,6 +15199,36 @@
           </a:p>
         </p:txBody>
       </p:sp>
+      <p:pic>
+        <p:nvPicPr>
+          <p:cNvPr id="16" name="Picture 15">
+            <a:extLst>
+              <a:ext uri="{FF2B5EF4-FFF2-40B4-BE49-F238E27FC236}">
+                <a16:creationId xmlns:a16="http://schemas.microsoft.com/office/drawing/2014/main" id="{6F3CE4DA-A10E-E65D-E857-875263DE11FB}"/>
+              </a:ext>
+            </a:extLst>
+          </p:cNvPr>
+          <p:cNvPicPr>
+            <a:picLocks noChangeAspect="1"/>
+          </p:cNvPicPr>
+          <p:nvPr/>
+        </p:nvPicPr>
+        <p:blipFill>
+          <a:blip r:embed="rId2"/>
+          <a:stretch>
+            <a:fillRect/>
+          </a:stretch>
+        </p:blipFill>
+        <p:spPr>
+          <a:xfrm>
+            <a:off x="1920240" y="822960"/>
+            <a:ext cx="6409524" cy="4142857"/>
+          </a:xfrm>
+          <a:prstGeom prst="rect">
+            <a:avLst/>
+          </a:prstGeom>
+        </p:spPr>
+      </p:pic>
     </p:spTree>
     <p:extLst>
       <p:ext uri="{BB962C8B-B14F-4D97-AF65-F5344CB8AC3E}">
@@ -18359,10 +18591,10 @@
       </p:sp>
       <p:pic>
         <p:nvPicPr>
-          <p:cNvPr id="5" name="Picture 4">
+          <p:cNvPr id="8" name="Picture 7">
             <a:extLst>
               <a:ext uri="{FF2B5EF4-FFF2-40B4-BE49-F238E27FC236}">
-                <a16:creationId xmlns:a16="http://schemas.microsoft.com/office/drawing/2014/main" id="{744CF9F4-6AA9-5B7A-E829-4A87B775F3E4}"/>
+                <a16:creationId xmlns:a16="http://schemas.microsoft.com/office/drawing/2014/main" id="{FAE164C3-E817-F673-6443-EABFCF880148}"/>
               </a:ext>
             </a:extLst>
           </p:cNvPr>
@@ -18379,8 +18611,8 @@
         </p:blipFill>
         <p:spPr>
           <a:xfrm>
-            <a:off x="1634588" y="732259"/>
-            <a:ext cx="4757022" cy="3919030"/>
+            <a:off x="1725007" y="795115"/>
+            <a:ext cx="4873686" cy="3665953"/>
           </a:xfrm>
           <a:prstGeom prst="rect">
             <a:avLst/>
@@ -19630,7 +19862,7 @@
           <a:p>
             <a:r>
               <a:rPr lang="en-US" dirty="0"/>
-              <a:t>Validating Dataset-JSON files</a:t>
+              <a:t>Validating Dataset-JSON files (Python)</a:t>
             </a:r>
           </a:p>
         </p:txBody>
@@ -19686,7 +19918,7 @@
         </p:blipFill>
         <p:spPr>
           <a:xfrm>
-            <a:off x="408440" y="676620"/>
+            <a:off x="408440" y="775371"/>
             <a:ext cx="6092662" cy="3790260"/>
           </a:xfrm>
           <a:prstGeom prst="rect">
@@ -19708,8 +19940,8 @@
         </p:nvSpPr>
         <p:spPr>
           <a:xfrm>
-            <a:off x="2049818" y="4466880"/>
-            <a:ext cx="7943578" cy="338554"/>
+            <a:off x="2049818" y="4565631"/>
+            <a:ext cx="7039591" cy="338554"/>
           </a:xfrm>
           <a:prstGeom prst="rect">
             <a:avLst/>
